--- a/1.2算法.pptx
+++ b/1.2算法.pptx
@@ -5,7 +5,7 @@
     <p:sldMasterId id="2147483648" r:id="rId1"/>
   </p:sldMasterIdLst>
   <p:notesMasterIdLst>
-    <p:notesMasterId r:id="rId27"/>
+    <p:notesMasterId r:id="rId38"/>
   </p:notesMasterIdLst>
   <p:sldIdLst>
     <p:sldId id="258" r:id="rId2"/>
@@ -16,23 +16,34 @@
     <p:sldId id="281" r:id="rId7"/>
     <p:sldId id="282" r:id="rId8"/>
     <p:sldId id="283" r:id="rId9"/>
-    <p:sldId id="284" r:id="rId10"/>
-    <p:sldId id="261" r:id="rId11"/>
-    <p:sldId id="260" r:id="rId12"/>
-    <p:sldId id="267" r:id="rId13"/>
-    <p:sldId id="270" r:id="rId14"/>
-    <p:sldId id="268" r:id="rId15"/>
-    <p:sldId id="269" r:id="rId16"/>
-    <p:sldId id="272" r:id="rId17"/>
-    <p:sldId id="262" r:id="rId18"/>
-    <p:sldId id="276" r:id="rId19"/>
-    <p:sldId id="277" r:id="rId20"/>
-    <p:sldId id="275" r:id="rId21"/>
-    <p:sldId id="273" r:id="rId22"/>
-    <p:sldId id="278" r:id="rId23"/>
-    <p:sldId id="264" r:id="rId24"/>
-    <p:sldId id="279" r:id="rId25"/>
-    <p:sldId id="265" r:id="rId26"/>
+    <p:sldId id="291" r:id="rId10"/>
+    <p:sldId id="288" r:id="rId11"/>
+    <p:sldId id="289" r:id="rId12"/>
+    <p:sldId id="290" r:id="rId13"/>
+    <p:sldId id="284" r:id="rId14"/>
+    <p:sldId id="293" r:id="rId15"/>
+    <p:sldId id="294" r:id="rId16"/>
+    <p:sldId id="295" r:id="rId17"/>
+    <p:sldId id="296" r:id="rId18"/>
+    <p:sldId id="297" r:id="rId19"/>
+    <p:sldId id="292" r:id="rId20"/>
+    <p:sldId id="298" r:id="rId21"/>
+    <p:sldId id="261" r:id="rId22"/>
+    <p:sldId id="260" r:id="rId23"/>
+    <p:sldId id="267" r:id="rId24"/>
+    <p:sldId id="270" r:id="rId25"/>
+    <p:sldId id="268" r:id="rId26"/>
+    <p:sldId id="269" r:id="rId27"/>
+    <p:sldId id="272" r:id="rId28"/>
+    <p:sldId id="262" r:id="rId29"/>
+    <p:sldId id="276" r:id="rId30"/>
+    <p:sldId id="277" r:id="rId31"/>
+    <p:sldId id="275" r:id="rId32"/>
+    <p:sldId id="273" r:id="rId33"/>
+    <p:sldId id="278" r:id="rId34"/>
+    <p:sldId id="264" r:id="rId35"/>
+    <p:sldId id="279" r:id="rId36"/>
+    <p:sldId id="265" r:id="rId37"/>
   </p:sldIdLst>
   <p:sldSz cx="12192000" cy="6858000"/>
   <p:notesSz cx="6858000" cy="9144000"/>
@@ -148,7 +159,18 @@
             <p14:sldId id="281"/>
             <p14:sldId id="282"/>
             <p14:sldId id="283"/>
+            <p14:sldId id="291"/>
+            <p14:sldId id="288"/>
+            <p14:sldId id="289"/>
+            <p14:sldId id="290"/>
             <p14:sldId id="284"/>
+            <p14:sldId id="293"/>
+            <p14:sldId id="294"/>
+            <p14:sldId id="295"/>
+            <p14:sldId id="296"/>
+            <p14:sldId id="297"/>
+            <p14:sldId id="292"/>
+            <p14:sldId id="298"/>
             <p14:sldId id="261"/>
             <p14:sldId id="260"/>
             <p14:sldId id="267"/>
@@ -716,6 +738,174 @@
           <a:bodyPr/>
           <a:lstStyle/>
           <a:p>
+            <a:fld id="{0F8E57A1-C481-6944-857F-EAC8E932B5ED}" type="slidenum">
+              <a:rPr kumimoji="1" lang="zh-CN" altLang="en-US" smtClean="0"/>
+              <a:t>27</a:t>
+            </a:fld>
+            <a:endParaRPr kumimoji="1" lang="zh-CN" altLang="en-US"/>
+          </a:p>
+        </p:txBody>
+      </p:sp>
+    </p:spTree>
+    <p:extLst>
+      <p:ext uri="{BB962C8B-B14F-4D97-AF65-F5344CB8AC3E}">
+        <p14:creationId xmlns:p14="http://schemas.microsoft.com/office/powerpoint/2010/main" val="3497563520"/>
+      </p:ext>
+    </p:extLst>
+  </p:cSld>
+  <p:clrMapOvr>
+    <a:masterClrMapping/>
+  </p:clrMapOvr>
+</p:notes>
+</file>
+
+<file path=ppt/notesSlides/notesSlide11.xml><?xml version="1.0" encoding="utf-8"?>
+<p:notes xmlns:a="http://schemas.openxmlformats.org/drawingml/2006/main" xmlns:r="http://schemas.openxmlformats.org/officeDocument/2006/relationships" xmlns:p="http://schemas.openxmlformats.org/presentationml/2006/main">
+  <p:cSld>
+    <p:spTree>
+      <p:nvGrpSpPr>
+        <p:cNvPr id="1" name=""/>
+        <p:cNvGrpSpPr/>
+        <p:nvPr/>
+      </p:nvGrpSpPr>
+      <p:grpSpPr>
+        <a:xfrm>
+          <a:off x="0" y="0"/>
+          <a:ext cx="0" cy="0"/>
+          <a:chOff x="0" y="0"/>
+          <a:chExt cx="0" cy="0"/>
+        </a:xfrm>
+      </p:grpSpPr>
+      <p:sp>
+        <p:nvSpPr>
+          <p:cNvPr id="2" name="幻灯片图像占位符 1"/>
+          <p:cNvSpPr>
+            <a:spLocks noGrp="1" noRot="1" noChangeAspect="1"/>
+          </p:cNvSpPr>
+          <p:nvPr>
+            <p:ph type="sldImg"/>
+          </p:nvPr>
+        </p:nvSpPr>
+        <p:spPr/>
+      </p:sp>
+      <p:sp>
+        <p:nvSpPr>
+          <p:cNvPr id="3" name="备注占位符 2"/>
+          <p:cNvSpPr>
+            <a:spLocks noGrp="1"/>
+          </p:cNvSpPr>
+          <p:nvPr>
+            <p:ph type="body" idx="1"/>
+          </p:nvPr>
+        </p:nvSpPr>
+        <p:spPr/>
+        <p:txBody>
+          <a:bodyPr/>
+          <a:lstStyle/>
+          <a:p>
+            <a:endParaRPr kumimoji="1" lang="zh-CN" altLang="en-US" dirty="0"/>
+          </a:p>
+        </p:txBody>
+      </p:sp>
+      <p:sp>
+        <p:nvSpPr>
+          <p:cNvPr id="4" name="灯片编号占位符 3"/>
+          <p:cNvSpPr>
+            <a:spLocks noGrp="1"/>
+          </p:cNvSpPr>
+          <p:nvPr>
+            <p:ph type="sldNum" sz="quarter" idx="5"/>
+          </p:nvPr>
+        </p:nvSpPr>
+        <p:spPr/>
+        <p:txBody>
+          <a:bodyPr/>
+          <a:lstStyle/>
+          <a:p>
+            <a:fld id="{0F8E57A1-C481-6944-857F-EAC8E932B5ED}" type="slidenum">
+              <a:rPr kumimoji="1" lang="zh-CN" altLang="en-US" smtClean="0"/>
+              <a:t>28</a:t>
+            </a:fld>
+            <a:endParaRPr kumimoji="1" lang="zh-CN" altLang="en-US"/>
+          </a:p>
+        </p:txBody>
+      </p:sp>
+    </p:spTree>
+    <p:extLst>
+      <p:ext uri="{BB962C8B-B14F-4D97-AF65-F5344CB8AC3E}">
+        <p14:creationId xmlns:p14="http://schemas.microsoft.com/office/powerpoint/2010/main" val="3713486296"/>
+      </p:ext>
+    </p:extLst>
+  </p:cSld>
+  <p:clrMapOvr>
+    <a:masterClrMapping/>
+  </p:clrMapOvr>
+</p:notes>
+</file>
+
+<file path=ppt/notesSlides/notesSlide12.xml><?xml version="1.0" encoding="utf-8"?>
+<p:notes xmlns:a="http://schemas.openxmlformats.org/drawingml/2006/main" xmlns:r="http://schemas.openxmlformats.org/officeDocument/2006/relationships" xmlns:p="http://schemas.openxmlformats.org/presentationml/2006/main">
+  <p:cSld>
+    <p:spTree>
+      <p:nvGrpSpPr>
+        <p:cNvPr id="1" name=""/>
+        <p:cNvGrpSpPr/>
+        <p:nvPr/>
+      </p:nvGrpSpPr>
+      <p:grpSpPr>
+        <a:xfrm>
+          <a:off x="0" y="0"/>
+          <a:ext cx="0" cy="0"/>
+          <a:chOff x="0" y="0"/>
+          <a:chExt cx="0" cy="0"/>
+        </a:xfrm>
+      </p:grpSpPr>
+      <p:sp>
+        <p:nvSpPr>
+          <p:cNvPr id="2" name="幻灯片图像占位符 1"/>
+          <p:cNvSpPr>
+            <a:spLocks noGrp="1" noRot="1" noChangeAspect="1"/>
+          </p:cNvSpPr>
+          <p:nvPr>
+            <p:ph type="sldImg"/>
+          </p:nvPr>
+        </p:nvSpPr>
+        <p:spPr/>
+      </p:sp>
+      <p:sp>
+        <p:nvSpPr>
+          <p:cNvPr id="3" name="备注占位符 2"/>
+          <p:cNvSpPr>
+            <a:spLocks noGrp="1"/>
+          </p:cNvSpPr>
+          <p:nvPr>
+            <p:ph type="body" idx="1"/>
+          </p:nvPr>
+        </p:nvSpPr>
+        <p:spPr/>
+        <p:txBody>
+          <a:bodyPr/>
+          <a:lstStyle/>
+          <a:p>
+            <a:endParaRPr kumimoji="1" lang="zh-CN" altLang="en-US" dirty="0"/>
+          </a:p>
+        </p:txBody>
+      </p:sp>
+      <p:sp>
+        <p:nvSpPr>
+          <p:cNvPr id="4" name="灯片编号占位符 3"/>
+          <p:cNvSpPr>
+            <a:spLocks noGrp="1"/>
+          </p:cNvSpPr>
+          <p:nvPr>
+            <p:ph type="sldNum" sz="quarter" idx="5"/>
+          </p:nvPr>
+        </p:nvSpPr>
+        <p:spPr/>
+        <p:txBody>
+          <a:bodyPr/>
+          <a:lstStyle/>
+          <a:p>
             <a:pPr marL="0" marR="0" lvl="0" indent="0" algn="r" defTabSz="914400" rtl="0" eaLnBrk="1" fontAlgn="auto" latinLnBrk="0" hangingPunct="1">
               <a:lnSpc>
                 <a:spcPct val="100000"/>
@@ -765,7 +955,7 @@
                 <a:tabLst/>
                 <a:defRPr/>
               </a:pPr>
-              <a:t>18</a:t>
+              <a:t>29</a:t>
             </a:fld>
             <a:endParaRPr kumimoji="1" lang="zh-CN" altLang="en-US" sz="1200" b="0" i="0" u="none" strike="noStrike" kern="1200" cap="none" spc="0" normalizeH="0" baseline="0" noProof="0">
               <a:ln>
@@ -797,7 +987,7 @@
 </p:notes>
 </file>
 
-<file path=ppt/notesSlides/notesSlide11.xml><?xml version="1.0" encoding="utf-8"?>
+<file path=ppt/notesSlides/notesSlide13.xml><?xml version="1.0" encoding="utf-8"?>
 <p:notes xmlns:a="http://schemas.openxmlformats.org/drawingml/2006/main" xmlns:r="http://schemas.openxmlformats.org/officeDocument/2006/relationships" xmlns:p="http://schemas.openxmlformats.org/presentationml/2006/main">
   <p:cSld>
     <p:spTree>
@@ -909,7 +1099,7 @@
                 <a:tabLst/>
                 <a:defRPr/>
               </a:pPr>
-              <a:t>19</a:t>
+              <a:t>30</a:t>
             </a:fld>
             <a:endParaRPr kumimoji="1" lang="zh-CN" altLang="en-US" sz="1200" b="0" i="0" u="none" strike="noStrike" kern="1200" cap="none" spc="0" normalizeH="0" baseline="0" noProof="0">
               <a:ln>
@@ -932,174 +1122,6 @@
     <p:extLst>
       <p:ext uri="{BB962C8B-B14F-4D97-AF65-F5344CB8AC3E}">
         <p14:creationId xmlns:p14="http://schemas.microsoft.com/office/powerpoint/2010/main" val="1271437268"/>
-      </p:ext>
-    </p:extLst>
-  </p:cSld>
-  <p:clrMapOvr>
-    <a:masterClrMapping/>
-  </p:clrMapOvr>
-</p:notes>
-</file>
-
-<file path=ppt/notesSlides/notesSlide12.xml><?xml version="1.0" encoding="utf-8"?>
-<p:notes xmlns:a="http://schemas.openxmlformats.org/drawingml/2006/main" xmlns:r="http://schemas.openxmlformats.org/officeDocument/2006/relationships" xmlns:p="http://schemas.openxmlformats.org/presentationml/2006/main">
-  <p:cSld>
-    <p:spTree>
-      <p:nvGrpSpPr>
-        <p:cNvPr id="1" name=""/>
-        <p:cNvGrpSpPr/>
-        <p:nvPr/>
-      </p:nvGrpSpPr>
-      <p:grpSpPr>
-        <a:xfrm>
-          <a:off x="0" y="0"/>
-          <a:ext cx="0" cy="0"/>
-          <a:chOff x="0" y="0"/>
-          <a:chExt cx="0" cy="0"/>
-        </a:xfrm>
-      </p:grpSpPr>
-      <p:sp>
-        <p:nvSpPr>
-          <p:cNvPr id="2" name="幻灯片图像占位符 1"/>
-          <p:cNvSpPr>
-            <a:spLocks noGrp="1" noRot="1" noChangeAspect="1"/>
-          </p:cNvSpPr>
-          <p:nvPr>
-            <p:ph type="sldImg"/>
-          </p:nvPr>
-        </p:nvSpPr>
-        <p:spPr/>
-      </p:sp>
-      <p:sp>
-        <p:nvSpPr>
-          <p:cNvPr id="3" name="备注占位符 2"/>
-          <p:cNvSpPr>
-            <a:spLocks noGrp="1"/>
-          </p:cNvSpPr>
-          <p:nvPr>
-            <p:ph type="body" idx="1"/>
-          </p:nvPr>
-        </p:nvSpPr>
-        <p:spPr/>
-        <p:txBody>
-          <a:bodyPr/>
-          <a:lstStyle/>
-          <a:p>
-            <a:endParaRPr kumimoji="1" lang="zh-CN" altLang="en-US" dirty="0"/>
-          </a:p>
-        </p:txBody>
-      </p:sp>
-      <p:sp>
-        <p:nvSpPr>
-          <p:cNvPr id="4" name="灯片编号占位符 3"/>
-          <p:cNvSpPr>
-            <a:spLocks noGrp="1"/>
-          </p:cNvSpPr>
-          <p:nvPr>
-            <p:ph type="sldNum" sz="quarter" idx="5"/>
-          </p:nvPr>
-        </p:nvSpPr>
-        <p:spPr/>
-        <p:txBody>
-          <a:bodyPr/>
-          <a:lstStyle/>
-          <a:p>
-            <a:fld id="{0F8E57A1-C481-6944-857F-EAC8E932B5ED}" type="slidenum">
-              <a:rPr kumimoji="1" lang="zh-CN" altLang="en-US" smtClean="0"/>
-              <a:t>20</a:t>
-            </a:fld>
-            <a:endParaRPr kumimoji="1" lang="zh-CN" altLang="en-US"/>
-          </a:p>
-        </p:txBody>
-      </p:sp>
-    </p:spTree>
-    <p:extLst>
-      <p:ext uri="{BB962C8B-B14F-4D97-AF65-F5344CB8AC3E}">
-        <p14:creationId xmlns:p14="http://schemas.microsoft.com/office/powerpoint/2010/main" val="1598761612"/>
-      </p:ext>
-    </p:extLst>
-  </p:cSld>
-  <p:clrMapOvr>
-    <a:masterClrMapping/>
-  </p:clrMapOvr>
-</p:notes>
-</file>
-
-<file path=ppt/notesSlides/notesSlide13.xml><?xml version="1.0" encoding="utf-8"?>
-<p:notes xmlns:a="http://schemas.openxmlformats.org/drawingml/2006/main" xmlns:r="http://schemas.openxmlformats.org/officeDocument/2006/relationships" xmlns:p="http://schemas.openxmlformats.org/presentationml/2006/main">
-  <p:cSld>
-    <p:spTree>
-      <p:nvGrpSpPr>
-        <p:cNvPr id="1" name=""/>
-        <p:cNvGrpSpPr/>
-        <p:nvPr/>
-      </p:nvGrpSpPr>
-      <p:grpSpPr>
-        <a:xfrm>
-          <a:off x="0" y="0"/>
-          <a:ext cx="0" cy="0"/>
-          <a:chOff x="0" y="0"/>
-          <a:chExt cx="0" cy="0"/>
-        </a:xfrm>
-      </p:grpSpPr>
-      <p:sp>
-        <p:nvSpPr>
-          <p:cNvPr id="2" name="幻灯片图像占位符 1"/>
-          <p:cNvSpPr>
-            <a:spLocks noGrp="1" noRot="1" noChangeAspect="1"/>
-          </p:cNvSpPr>
-          <p:nvPr>
-            <p:ph type="sldImg"/>
-          </p:nvPr>
-        </p:nvSpPr>
-        <p:spPr/>
-      </p:sp>
-      <p:sp>
-        <p:nvSpPr>
-          <p:cNvPr id="3" name="备注占位符 2"/>
-          <p:cNvSpPr>
-            <a:spLocks noGrp="1"/>
-          </p:cNvSpPr>
-          <p:nvPr>
-            <p:ph type="body" idx="1"/>
-          </p:nvPr>
-        </p:nvSpPr>
-        <p:spPr/>
-        <p:txBody>
-          <a:bodyPr/>
-          <a:lstStyle/>
-          <a:p>
-            <a:endParaRPr kumimoji="1" lang="zh-CN" altLang="en-US" dirty="0"/>
-          </a:p>
-        </p:txBody>
-      </p:sp>
-      <p:sp>
-        <p:nvSpPr>
-          <p:cNvPr id="4" name="灯片编号占位符 3"/>
-          <p:cNvSpPr>
-            <a:spLocks noGrp="1"/>
-          </p:cNvSpPr>
-          <p:nvPr>
-            <p:ph type="sldNum" sz="quarter" idx="5"/>
-          </p:nvPr>
-        </p:nvSpPr>
-        <p:spPr/>
-        <p:txBody>
-          <a:bodyPr/>
-          <a:lstStyle/>
-          <a:p>
-            <a:fld id="{0F8E57A1-C481-6944-857F-EAC8E932B5ED}" type="slidenum">
-              <a:rPr kumimoji="1" lang="zh-CN" altLang="en-US" smtClean="0"/>
-              <a:t>21</a:t>
-            </a:fld>
-            <a:endParaRPr kumimoji="1" lang="zh-CN" altLang="en-US"/>
-          </a:p>
-        </p:txBody>
-      </p:sp>
-    </p:spTree>
-    <p:extLst>
-      <p:ext uri="{BB962C8B-B14F-4D97-AF65-F5344CB8AC3E}">
-        <p14:creationId xmlns:p14="http://schemas.microsoft.com/office/powerpoint/2010/main" val="3085926457"/>
       </p:ext>
     </p:extLst>
   </p:cSld>
@@ -1174,7 +1196,7 @@
           <a:p>
             <a:fld id="{0F8E57A1-C481-6944-857F-EAC8E932B5ED}" type="slidenum">
               <a:rPr kumimoji="1" lang="zh-CN" altLang="en-US" smtClean="0"/>
-              <a:t>22</a:t>
+              <a:t>31</a:t>
             </a:fld>
             <a:endParaRPr kumimoji="1" lang="zh-CN" altLang="en-US"/>
           </a:p>
@@ -1183,7 +1205,7 @@
     </p:spTree>
     <p:extLst>
       <p:ext uri="{BB962C8B-B14F-4D97-AF65-F5344CB8AC3E}">
-        <p14:creationId xmlns:p14="http://schemas.microsoft.com/office/powerpoint/2010/main" val="127935022"/>
+        <p14:creationId xmlns:p14="http://schemas.microsoft.com/office/powerpoint/2010/main" val="1598761612"/>
       </p:ext>
     </p:extLst>
   </p:cSld>
@@ -1237,30 +1259,6 @@
           <a:bodyPr/>
           <a:lstStyle/>
           <a:p>
-            <a:pPr marL="0" marR="0" lvl="0" indent="0" algn="l" defTabSz="914400" rtl="0" eaLnBrk="1" fontAlgn="auto" latinLnBrk="0" hangingPunct="1">
-              <a:lnSpc>
-                <a:spcPct val="100000"/>
-              </a:lnSpc>
-              <a:spcBef>
-                <a:spcPts val="0"/>
-              </a:spcBef>
-              <a:spcAft>
-                <a:spcPts val="0"/>
-              </a:spcAft>
-              <a:buClrTx/>
-              <a:buSzTx/>
-              <a:buFontTx/>
-              <a:buNone/>
-              <a:tabLst/>
-              <a:defRPr/>
-            </a:pPr>
-            <a:r>
-              <a:rPr kumimoji="1" lang="zh-CN" altLang="en-US" dirty="0"/>
-              <a:t>另一个例子：狗会叫，猫会叫，鸭子也会叫，那他们可以抽象成 一个动物对象，这个动物对象有叫这个动作，但至于具体如何叫，就不是抽象数据模型的职责了，而是具体数据类型的职责</a:t>
-            </a:r>
-            <a:endParaRPr kumimoji="1" lang="en-US" altLang="zh-CN" dirty="0"/>
-          </a:p>
-          <a:p>
             <a:endParaRPr kumimoji="1" lang="zh-CN" altLang="en-US" dirty="0"/>
           </a:p>
         </p:txBody>
@@ -1282,7 +1280,7 @@
           <a:p>
             <a:fld id="{0F8E57A1-C481-6944-857F-EAC8E932B5ED}" type="slidenum">
               <a:rPr kumimoji="1" lang="zh-CN" altLang="en-US" smtClean="0"/>
-              <a:t>23</a:t>
+              <a:t>32</a:t>
             </a:fld>
             <a:endParaRPr kumimoji="1" lang="zh-CN" altLang="en-US"/>
           </a:p>
@@ -1291,7 +1289,7 @@
     </p:spTree>
     <p:extLst>
       <p:ext uri="{BB962C8B-B14F-4D97-AF65-F5344CB8AC3E}">
-        <p14:creationId xmlns:p14="http://schemas.microsoft.com/office/powerpoint/2010/main" val="2800683329"/>
+        <p14:creationId xmlns:p14="http://schemas.microsoft.com/office/powerpoint/2010/main" val="3085926457"/>
       </p:ext>
     </p:extLst>
   </p:cSld>
@@ -1345,30 +1343,6 @@
           <a:bodyPr/>
           <a:lstStyle/>
           <a:p>
-            <a:pPr marL="0" marR="0" lvl="0" indent="0" algn="l" defTabSz="914400" rtl="0" eaLnBrk="1" fontAlgn="auto" latinLnBrk="0" hangingPunct="1">
-              <a:lnSpc>
-                <a:spcPct val="100000"/>
-              </a:lnSpc>
-              <a:spcBef>
-                <a:spcPts val="0"/>
-              </a:spcBef>
-              <a:spcAft>
-                <a:spcPts val="0"/>
-              </a:spcAft>
-              <a:buClrTx/>
-              <a:buSzTx/>
-              <a:buFontTx/>
-              <a:buNone/>
-              <a:tabLst/>
-              <a:defRPr/>
-            </a:pPr>
-            <a:r>
-              <a:rPr kumimoji="1" lang="zh-CN" altLang="en-US" dirty="0"/>
-              <a:t>另一个例子：狗会叫，猫会叫，鸭子也会叫，那他们可以抽象成 一个动物对象，这个动物对象有叫这个动作，但至于具体如何叫，就不是抽象数据模型的职责了，而是具体数据类型的职责</a:t>
-            </a:r>
-            <a:endParaRPr kumimoji="1" lang="en-US" altLang="zh-CN" dirty="0"/>
-          </a:p>
-          <a:p>
             <a:endParaRPr kumimoji="1" lang="zh-CN" altLang="en-US" dirty="0"/>
           </a:p>
         </p:txBody>
@@ -1390,7 +1364,7 @@
           <a:p>
             <a:fld id="{0F8E57A1-C481-6944-857F-EAC8E932B5ED}" type="slidenum">
               <a:rPr kumimoji="1" lang="zh-CN" altLang="en-US" smtClean="0"/>
-              <a:t>24</a:t>
+              <a:t>33</a:t>
             </a:fld>
             <a:endParaRPr kumimoji="1" lang="zh-CN" altLang="en-US"/>
           </a:p>
@@ -1399,7 +1373,7 @@
     </p:spTree>
     <p:extLst>
       <p:ext uri="{BB962C8B-B14F-4D97-AF65-F5344CB8AC3E}">
-        <p14:creationId xmlns:p14="http://schemas.microsoft.com/office/powerpoint/2010/main" val="4167110842"/>
+        <p14:creationId xmlns:p14="http://schemas.microsoft.com/office/powerpoint/2010/main" val="127935022"/>
       </p:ext>
     </p:extLst>
   </p:cSld>
@@ -1453,6 +1427,30 @@
           <a:bodyPr/>
           <a:lstStyle/>
           <a:p>
+            <a:pPr marL="0" marR="0" lvl="0" indent="0" algn="l" defTabSz="914400" rtl="0" eaLnBrk="1" fontAlgn="auto" latinLnBrk="0" hangingPunct="1">
+              <a:lnSpc>
+                <a:spcPct val="100000"/>
+              </a:lnSpc>
+              <a:spcBef>
+                <a:spcPts val="0"/>
+              </a:spcBef>
+              <a:spcAft>
+                <a:spcPts val="0"/>
+              </a:spcAft>
+              <a:buClrTx/>
+              <a:buSzTx/>
+              <a:buFontTx/>
+              <a:buNone/>
+              <a:tabLst/>
+              <a:defRPr/>
+            </a:pPr>
+            <a:r>
+              <a:rPr kumimoji="1" lang="zh-CN" altLang="en-US" dirty="0"/>
+              <a:t>另一个例子：狗会叫，猫会叫，鸭子也会叫，那他们可以抽象成 一个动物对象，这个动物对象有叫这个动作，但至于具体如何叫，就不是抽象数据模型的职责了，而是具体数据类型的职责</a:t>
+            </a:r>
+            <a:endParaRPr kumimoji="1" lang="en-US" altLang="zh-CN" dirty="0"/>
+          </a:p>
+          <a:p>
             <a:endParaRPr kumimoji="1" lang="zh-CN" altLang="en-US" dirty="0"/>
           </a:p>
         </p:txBody>
@@ -1474,7 +1472,199 @@
           <a:p>
             <a:fld id="{0F8E57A1-C481-6944-857F-EAC8E932B5ED}" type="slidenum">
               <a:rPr kumimoji="1" lang="zh-CN" altLang="en-US" smtClean="0"/>
-              <a:t>25</a:t>
+              <a:t>34</a:t>
+            </a:fld>
+            <a:endParaRPr kumimoji="1" lang="zh-CN" altLang="en-US"/>
+          </a:p>
+        </p:txBody>
+      </p:sp>
+    </p:spTree>
+    <p:extLst>
+      <p:ext uri="{BB962C8B-B14F-4D97-AF65-F5344CB8AC3E}">
+        <p14:creationId xmlns:p14="http://schemas.microsoft.com/office/powerpoint/2010/main" val="2800683329"/>
+      </p:ext>
+    </p:extLst>
+  </p:cSld>
+  <p:clrMapOvr>
+    <a:masterClrMapping/>
+  </p:clrMapOvr>
+</p:notes>
+</file>
+
+<file path=ppt/notesSlides/notesSlide18.xml><?xml version="1.0" encoding="utf-8"?>
+<p:notes xmlns:a="http://schemas.openxmlformats.org/drawingml/2006/main" xmlns:r="http://schemas.openxmlformats.org/officeDocument/2006/relationships" xmlns:p="http://schemas.openxmlformats.org/presentationml/2006/main">
+  <p:cSld>
+    <p:spTree>
+      <p:nvGrpSpPr>
+        <p:cNvPr id="1" name=""/>
+        <p:cNvGrpSpPr/>
+        <p:nvPr/>
+      </p:nvGrpSpPr>
+      <p:grpSpPr>
+        <a:xfrm>
+          <a:off x="0" y="0"/>
+          <a:ext cx="0" cy="0"/>
+          <a:chOff x="0" y="0"/>
+          <a:chExt cx="0" cy="0"/>
+        </a:xfrm>
+      </p:grpSpPr>
+      <p:sp>
+        <p:nvSpPr>
+          <p:cNvPr id="2" name="幻灯片图像占位符 1"/>
+          <p:cNvSpPr>
+            <a:spLocks noGrp="1" noRot="1" noChangeAspect="1"/>
+          </p:cNvSpPr>
+          <p:nvPr>
+            <p:ph type="sldImg"/>
+          </p:nvPr>
+        </p:nvSpPr>
+        <p:spPr/>
+      </p:sp>
+      <p:sp>
+        <p:nvSpPr>
+          <p:cNvPr id="3" name="备注占位符 2"/>
+          <p:cNvSpPr>
+            <a:spLocks noGrp="1"/>
+          </p:cNvSpPr>
+          <p:nvPr>
+            <p:ph type="body" idx="1"/>
+          </p:nvPr>
+        </p:nvSpPr>
+        <p:spPr/>
+        <p:txBody>
+          <a:bodyPr/>
+          <a:lstStyle/>
+          <a:p>
+            <a:pPr marL="0" marR="0" lvl="0" indent="0" algn="l" defTabSz="914400" rtl="0" eaLnBrk="1" fontAlgn="auto" latinLnBrk="0" hangingPunct="1">
+              <a:lnSpc>
+                <a:spcPct val="100000"/>
+              </a:lnSpc>
+              <a:spcBef>
+                <a:spcPts val="0"/>
+              </a:spcBef>
+              <a:spcAft>
+                <a:spcPts val="0"/>
+              </a:spcAft>
+              <a:buClrTx/>
+              <a:buSzTx/>
+              <a:buFontTx/>
+              <a:buNone/>
+              <a:tabLst/>
+              <a:defRPr/>
+            </a:pPr>
+            <a:r>
+              <a:rPr kumimoji="1" lang="zh-CN" altLang="en-US" dirty="0"/>
+              <a:t>另一个例子：狗会叫，猫会叫，鸭子也会叫，那他们可以抽象成 一个动物对象，这个动物对象有叫这个动作，但至于具体如何叫，就不是抽象数据模型的职责了，而是具体数据类型的职责</a:t>
+            </a:r>
+            <a:endParaRPr kumimoji="1" lang="en-US" altLang="zh-CN" dirty="0"/>
+          </a:p>
+          <a:p>
+            <a:endParaRPr kumimoji="1" lang="zh-CN" altLang="en-US" dirty="0"/>
+          </a:p>
+        </p:txBody>
+      </p:sp>
+      <p:sp>
+        <p:nvSpPr>
+          <p:cNvPr id="4" name="灯片编号占位符 3"/>
+          <p:cNvSpPr>
+            <a:spLocks noGrp="1"/>
+          </p:cNvSpPr>
+          <p:nvPr>
+            <p:ph type="sldNum" sz="quarter" idx="5"/>
+          </p:nvPr>
+        </p:nvSpPr>
+        <p:spPr/>
+        <p:txBody>
+          <a:bodyPr/>
+          <a:lstStyle/>
+          <a:p>
+            <a:fld id="{0F8E57A1-C481-6944-857F-EAC8E932B5ED}" type="slidenum">
+              <a:rPr kumimoji="1" lang="zh-CN" altLang="en-US" smtClean="0"/>
+              <a:t>35</a:t>
+            </a:fld>
+            <a:endParaRPr kumimoji="1" lang="zh-CN" altLang="en-US"/>
+          </a:p>
+        </p:txBody>
+      </p:sp>
+    </p:spTree>
+    <p:extLst>
+      <p:ext uri="{BB962C8B-B14F-4D97-AF65-F5344CB8AC3E}">
+        <p14:creationId xmlns:p14="http://schemas.microsoft.com/office/powerpoint/2010/main" val="4167110842"/>
+      </p:ext>
+    </p:extLst>
+  </p:cSld>
+  <p:clrMapOvr>
+    <a:masterClrMapping/>
+  </p:clrMapOvr>
+</p:notes>
+</file>
+
+<file path=ppt/notesSlides/notesSlide19.xml><?xml version="1.0" encoding="utf-8"?>
+<p:notes xmlns:a="http://schemas.openxmlformats.org/drawingml/2006/main" xmlns:r="http://schemas.openxmlformats.org/officeDocument/2006/relationships" xmlns:p="http://schemas.openxmlformats.org/presentationml/2006/main">
+  <p:cSld>
+    <p:spTree>
+      <p:nvGrpSpPr>
+        <p:cNvPr id="1" name=""/>
+        <p:cNvGrpSpPr/>
+        <p:nvPr/>
+      </p:nvGrpSpPr>
+      <p:grpSpPr>
+        <a:xfrm>
+          <a:off x="0" y="0"/>
+          <a:ext cx="0" cy="0"/>
+          <a:chOff x="0" y="0"/>
+          <a:chExt cx="0" cy="0"/>
+        </a:xfrm>
+      </p:grpSpPr>
+      <p:sp>
+        <p:nvSpPr>
+          <p:cNvPr id="2" name="幻灯片图像占位符 1"/>
+          <p:cNvSpPr>
+            <a:spLocks noGrp="1" noRot="1" noChangeAspect="1"/>
+          </p:cNvSpPr>
+          <p:nvPr>
+            <p:ph type="sldImg"/>
+          </p:nvPr>
+        </p:nvSpPr>
+        <p:spPr/>
+      </p:sp>
+      <p:sp>
+        <p:nvSpPr>
+          <p:cNvPr id="3" name="备注占位符 2"/>
+          <p:cNvSpPr>
+            <a:spLocks noGrp="1"/>
+          </p:cNvSpPr>
+          <p:nvPr>
+            <p:ph type="body" idx="1"/>
+          </p:nvPr>
+        </p:nvSpPr>
+        <p:spPr/>
+        <p:txBody>
+          <a:bodyPr/>
+          <a:lstStyle/>
+          <a:p>
+            <a:endParaRPr kumimoji="1" lang="zh-CN" altLang="en-US" dirty="0"/>
+          </a:p>
+        </p:txBody>
+      </p:sp>
+      <p:sp>
+        <p:nvSpPr>
+          <p:cNvPr id="4" name="灯片编号占位符 3"/>
+          <p:cNvSpPr>
+            <a:spLocks noGrp="1"/>
+          </p:cNvSpPr>
+          <p:nvPr>
+            <p:ph type="sldNum" sz="quarter" idx="5"/>
+          </p:nvPr>
+        </p:nvSpPr>
+        <p:spPr/>
+        <p:txBody>
+          <a:bodyPr/>
+          <a:lstStyle/>
+          <a:p>
+            <a:fld id="{0F8E57A1-C481-6944-857F-EAC8E932B5ED}" type="slidenum">
+              <a:rPr kumimoji="1" lang="zh-CN" altLang="en-US" smtClean="0"/>
+              <a:t>36</a:t>
             </a:fld>
             <a:endParaRPr kumimoji="1" lang="zh-CN" altLang="en-US"/>
           </a:p>
@@ -1954,7 +2144,7 @@
           <a:p>
             <a:fld id="{0F8E57A1-C481-6944-857F-EAC8E932B5ED}" type="slidenum">
               <a:rPr kumimoji="1" lang="zh-CN" altLang="en-US" smtClean="0"/>
-              <a:t>12</a:t>
+              <a:t>9</a:t>
             </a:fld>
             <a:endParaRPr kumimoji="1" lang="zh-CN" altLang="en-US"/>
           </a:p>
@@ -1963,7 +2153,7 @@
     </p:spTree>
     <p:extLst>
       <p:ext uri="{BB962C8B-B14F-4D97-AF65-F5344CB8AC3E}">
-        <p14:creationId xmlns:p14="http://schemas.microsoft.com/office/powerpoint/2010/main" val="2274547347"/>
+        <p14:creationId xmlns:p14="http://schemas.microsoft.com/office/powerpoint/2010/main" val="1927341503"/>
       </p:ext>
     </p:extLst>
   </p:cSld>
@@ -2017,6 +2207,837 @@
           <a:bodyPr/>
           <a:lstStyle/>
           <a:p>
+            <a:r>
+              <a:rPr lang="en-US" altLang="zh-CN" sz="1200" b="0" kern="1200" dirty="0">
+                <a:solidFill>
+                  <a:schemeClr val="tx1"/>
+                </a:solidFill>
+                <a:effectLst/>
+                <a:latin typeface="+mn-lt"/>
+                <a:ea typeface="+mn-ea"/>
+                <a:cs typeface="+mn-cs"/>
+              </a:rPr>
+              <a:t>/**</a:t>
+            </a:r>
+            <a:endParaRPr lang="zh-CN" altLang="en-US" sz="1200" b="0" kern="1200" dirty="0">
+              <a:solidFill>
+                <a:schemeClr val="tx1"/>
+              </a:solidFill>
+              <a:effectLst/>
+              <a:latin typeface="+mn-lt"/>
+              <a:ea typeface="+mn-ea"/>
+              <a:cs typeface="+mn-cs"/>
+            </a:endParaRPr>
+          </a:p>
+          <a:p>
+            <a:r>
+              <a:rPr lang="zh-CN" altLang="en-US" sz="1200" b="0" kern="1200" dirty="0">
+                <a:solidFill>
+                  <a:schemeClr val="tx1"/>
+                </a:solidFill>
+                <a:effectLst/>
+                <a:latin typeface="+mn-lt"/>
+                <a:ea typeface="+mn-ea"/>
+                <a:cs typeface="+mn-cs"/>
+              </a:rPr>
+              <a:t>* 例</a:t>
+            </a:r>
+            <a:r>
+              <a:rPr lang="en-US" altLang="zh-CN" sz="1200" b="0" kern="1200" dirty="0">
+                <a:solidFill>
+                  <a:schemeClr val="tx1"/>
+                </a:solidFill>
+                <a:effectLst/>
+                <a:latin typeface="+mn-lt"/>
+                <a:ea typeface="+mn-ea"/>
+                <a:cs typeface="+mn-cs"/>
+              </a:rPr>
+              <a:t>1</a:t>
+            </a:r>
+            <a:r>
+              <a:rPr lang="zh-CN" altLang="en-US" sz="1200" b="0" kern="1200" dirty="0">
+                <a:solidFill>
+                  <a:schemeClr val="tx1"/>
+                </a:solidFill>
+                <a:effectLst/>
+                <a:latin typeface="+mn-lt"/>
+                <a:ea typeface="+mn-ea"/>
+                <a:cs typeface="+mn-cs"/>
+              </a:rPr>
+              <a:t>，执行较多次数的算法</a:t>
+            </a:r>
+          </a:p>
+          <a:p>
+            <a:r>
+              <a:rPr lang="zh-CN" altLang="en-US" sz="1200" b="0" kern="1200" dirty="0">
+                <a:solidFill>
+                  <a:schemeClr val="tx1"/>
+                </a:solidFill>
+                <a:effectLst/>
+                <a:latin typeface="+mn-lt"/>
+                <a:ea typeface="+mn-ea"/>
+                <a:cs typeface="+mn-cs"/>
+              </a:rPr>
+              <a:t>* 总共执行了 </a:t>
+            </a:r>
+            <a:r>
+              <a:rPr lang="en-US" altLang="zh-CN" sz="1200" b="0" kern="1200" dirty="0">
+                <a:solidFill>
+                  <a:schemeClr val="tx1"/>
+                </a:solidFill>
+                <a:effectLst/>
+                <a:latin typeface="+mn-lt"/>
+                <a:ea typeface="+mn-ea"/>
+                <a:cs typeface="+mn-cs"/>
+              </a:rPr>
+              <a:t>1+(n+1)+n+1 </a:t>
+            </a:r>
+            <a:r>
+              <a:rPr lang="zh-CN" altLang="en-US" sz="1200" b="0" kern="1200" dirty="0">
+                <a:solidFill>
+                  <a:schemeClr val="tx1"/>
+                </a:solidFill>
+                <a:effectLst/>
+                <a:latin typeface="+mn-lt"/>
+                <a:ea typeface="+mn-ea"/>
+                <a:cs typeface="+mn-cs"/>
+              </a:rPr>
+              <a:t>次</a:t>
+            </a:r>
+          </a:p>
+          <a:p>
+            <a:r>
+              <a:rPr lang="zh-CN" altLang="en-US" sz="1200" b="0" kern="1200" dirty="0">
+                <a:solidFill>
+                  <a:schemeClr val="tx1"/>
+                </a:solidFill>
+                <a:effectLst/>
+                <a:latin typeface="+mn-lt"/>
+                <a:ea typeface="+mn-ea"/>
+                <a:cs typeface="+mn-cs"/>
+              </a:rPr>
+              <a:t>*</a:t>
+            </a:r>
+            <a:r>
+              <a:rPr lang="en-US" altLang="zh-CN" sz="1200" b="0" kern="1200" dirty="0">
+                <a:solidFill>
+                  <a:schemeClr val="tx1"/>
+                </a:solidFill>
+                <a:effectLst/>
+                <a:latin typeface="+mn-lt"/>
+                <a:ea typeface="+mn-ea"/>
+                <a:cs typeface="+mn-cs"/>
+              </a:rPr>
+              <a:t>/</a:t>
+            </a:r>
+            <a:endParaRPr lang="zh-CN" altLang="en-US" sz="1200" b="0" kern="1200" dirty="0">
+              <a:solidFill>
+                <a:schemeClr val="tx1"/>
+              </a:solidFill>
+              <a:effectLst/>
+              <a:latin typeface="+mn-lt"/>
+              <a:ea typeface="+mn-ea"/>
+              <a:cs typeface="+mn-cs"/>
+            </a:endParaRPr>
+          </a:p>
+          <a:p>
+            <a:br>
+              <a:rPr lang="zh-CN" altLang="en-US" sz="1200" b="0" kern="1200" dirty="0">
+                <a:solidFill>
+                  <a:schemeClr val="tx1"/>
+                </a:solidFill>
+                <a:effectLst/>
+                <a:latin typeface="+mn-lt"/>
+                <a:ea typeface="+mn-ea"/>
+                <a:cs typeface="+mn-cs"/>
+              </a:rPr>
+            </a:br>
+            <a:r>
+              <a:rPr lang="en-US" altLang="zh-CN" sz="1200" b="0" kern="1200" dirty="0">
+                <a:solidFill>
+                  <a:schemeClr val="tx1"/>
+                </a:solidFill>
+                <a:effectLst/>
+                <a:latin typeface="+mn-lt"/>
+                <a:ea typeface="+mn-ea"/>
+                <a:cs typeface="+mn-cs"/>
+              </a:rPr>
+              <a:t>int </a:t>
+            </a:r>
+            <a:r>
+              <a:rPr lang="en-US" altLang="zh-CN" sz="1200" b="0" kern="1200" dirty="0" err="1">
+                <a:solidFill>
+                  <a:schemeClr val="tx1"/>
+                </a:solidFill>
+                <a:effectLst/>
+                <a:latin typeface="+mn-lt"/>
+                <a:ea typeface="+mn-ea"/>
+                <a:cs typeface="+mn-cs"/>
+              </a:rPr>
+              <a:t>i</a:t>
+            </a:r>
+            <a:r>
+              <a:rPr lang="en-US" altLang="zh-CN" sz="1200" b="0" kern="1200" dirty="0">
+                <a:solidFill>
+                  <a:schemeClr val="tx1"/>
+                </a:solidFill>
+                <a:effectLst/>
+                <a:latin typeface="+mn-lt"/>
+                <a:ea typeface="+mn-ea"/>
+                <a:cs typeface="+mn-cs"/>
+              </a:rPr>
+              <a:t> = 0, sum = 0, n = 100; // </a:t>
+            </a:r>
+            <a:r>
+              <a:rPr lang="zh-CN" altLang="en-US" sz="1200" b="0" kern="1200" dirty="0">
+                <a:solidFill>
+                  <a:schemeClr val="tx1"/>
+                </a:solidFill>
+                <a:effectLst/>
+                <a:latin typeface="+mn-lt"/>
+                <a:ea typeface="+mn-ea"/>
+                <a:cs typeface="+mn-cs"/>
+              </a:rPr>
+              <a:t>执行</a:t>
+            </a:r>
+            <a:r>
+              <a:rPr lang="en-US" altLang="zh-CN" sz="1200" b="0" kern="1200" dirty="0">
+                <a:solidFill>
+                  <a:schemeClr val="tx1"/>
+                </a:solidFill>
+                <a:effectLst/>
+                <a:latin typeface="+mn-lt"/>
+                <a:ea typeface="+mn-ea"/>
+                <a:cs typeface="+mn-cs"/>
+              </a:rPr>
+              <a:t>1</a:t>
+            </a:r>
+            <a:r>
+              <a:rPr lang="zh-CN" altLang="en-US" sz="1200" b="0" kern="1200" dirty="0">
+                <a:solidFill>
+                  <a:schemeClr val="tx1"/>
+                </a:solidFill>
+                <a:effectLst/>
+                <a:latin typeface="+mn-lt"/>
+                <a:ea typeface="+mn-ea"/>
+                <a:cs typeface="+mn-cs"/>
+              </a:rPr>
+              <a:t>次</a:t>
+            </a:r>
+          </a:p>
+          <a:p>
+            <a:r>
+              <a:rPr lang="en-US" altLang="zh-CN" sz="1200" b="0" kern="1200" dirty="0">
+                <a:solidFill>
+                  <a:schemeClr val="tx1"/>
+                </a:solidFill>
+                <a:effectLst/>
+                <a:latin typeface="+mn-lt"/>
+                <a:ea typeface="+mn-ea"/>
+                <a:cs typeface="+mn-cs"/>
+              </a:rPr>
+              <a:t>for (int </a:t>
+            </a:r>
+            <a:r>
+              <a:rPr lang="en-US" altLang="zh-CN" sz="1200" b="0" kern="1200" dirty="0" err="1">
+                <a:solidFill>
+                  <a:schemeClr val="tx1"/>
+                </a:solidFill>
+                <a:effectLst/>
+                <a:latin typeface="+mn-lt"/>
+                <a:ea typeface="+mn-ea"/>
+                <a:cs typeface="+mn-cs"/>
+              </a:rPr>
+              <a:t>i</a:t>
+            </a:r>
+            <a:r>
+              <a:rPr lang="en-US" altLang="zh-CN" sz="1200" b="0" kern="1200" dirty="0">
+                <a:solidFill>
+                  <a:schemeClr val="tx1"/>
+                </a:solidFill>
+                <a:effectLst/>
+                <a:latin typeface="+mn-lt"/>
+                <a:ea typeface="+mn-ea"/>
+                <a:cs typeface="+mn-cs"/>
+              </a:rPr>
+              <a:t> = 0; </a:t>
+            </a:r>
+            <a:r>
+              <a:rPr lang="en-US" altLang="zh-CN" sz="1200" b="0" kern="1200" dirty="0" err="1">
+                <a:solidFill>
+                  <a:schemeClr val="tx1"/>
+                </a:solidFill>
+                <a:effectLst/>
+                <a:latin typeface="+mn-lt"/>
+                <a:ea typeface="+mn-ea"/>
+                <a:cs typeface="+mn-cs"/>
+              </a:rPr>
+              <a:t>i</a:t>
+            </a:r>
+            <a:r>
+              <a:rPr lang="en-US" altLang="zh-CN" sz="1200" b="0" kern="1200" dirty="0">
+                <a:solidFill>
+                  <a:schemeClr val="tx1"/>
+                </a:solidFill>
+                <a:effectLst/>
+                <a:latin typeface="+mn-lt"/>
+                <a:ea typeface="+mn-ea"/>
+                <a:cs typeface="+mn-cs"/>
+              </a:rPr>
+              <a:t> &lt; n; </a:t>
+            </a:r>
+            <a:r>
+              <a:rPr lang="en-US" altLang="zh-CN" sz="1200" b="0" kern="1200" dirty="0" err="1">
+                <a:solidFill>
+                  <a:schemeClr val="tx1"/>
+                </a:solidFill>
+                <a:effectLst/>
+                <a:latin typeface="+mn-lt"/>
+                <a:ea typeface="+mn-ea"/>
+                <a:cs typeface="+mn-cs"/>
+              </a:rPr>
+              <a:t>i</a:t>
+            </a:r>
+            <a:r>
+              <a:rPr lang="en-US" altLang="zh-CN" sz="1200" b="0" kern="1200" dirty="0">
+                <a:solidFill>
+                  <a:schemeClr val="tx1"/>
+                </a:solidFill>
+                <a:effectLst/>
+                <a:latin typeface="+mn-lt"/>
+                <a:ea typeface="+mn-ea"/>
+                <a:cs typeface="+mn-cs"/>
+              </a:rPr>
+              <a:t>++) // </a:t>
+            </a:r>
+            <a:r>
+              <a:rPr lang="zh-CN" altLang="en-US" sz="1200" b="0" kern="1200" dirty="0">
+                <a:solidFill>
+                  <a:schemeClr val="tx1"/>
+                </a:solidFill>
+                <a:effectLst/>
+                <a:latin typeface="+mn-lt"/>
+                <a:ea typeface="+mn-ea"/>
+                <a:cs typeface="+mn-cs"/>
+              </a:rPr>
+              <a:t>执行</a:t>
+            </a:r>
+            <a:r>
+              <a:rPr lang="en-US" altLang="zh-CN" sz="1200" b="0" kern="1200" dirty="0">
+                <a:solidFill>
+                  <a:schemeClr val="tx1"/>
+                </a:solidFill>
+                <a:effectLst/>
+                <a:latin typeface="+mn-lt"/>
+                <a:ea typeface="+mn-ea"/>
+                <a:cs typeface="+mn-cs"/>
+              </a:rPr>
+              <a:t>n+1</a:t>
+            </a:r>
+            <a:r>
+              <a:rPr lang="zh-CN" altLang="en-US" sz="1200" b="0" kern="1200" dirty="0">
+                <a:solidFill>
+                  <a:schemeClr val="tx1"/>
+                </a:solidFill>
+                <a:effectLst/>
+                <a:latin typeface="+mn-lt"/>
+                <a:ea typeface="+mn-ea"/>
+                <a:cs typeface="+mn-cs"/>
+              </a:rPr>
+              <a:t>次</a:t>
+            </a:r>
+          </a:p>
+          <a:p>
+            <a:r>
+              <a:rPr lang="en-US" altLang="zh-CN" sz="1200" b="0" kern="1200" dirty="0">
+                <a:solidFill>
+                  <a:schemeClr val="tx1"/>
+                </a:solidFill>
+                <a:effectLst/>
+                <a:latin typeface="+mn-lt"/>
+                <a:ea typeface="+mn-ea"/>
+                <a:cs typeface="+mn-cs"/>
+              </a:rPr>
+              <a:t>{</a:t>
+            </a:r>
+          </a:p>
+          <a:p>
+            <a:r>
+              <a:rPr lang="en-US" altLang="zh-CN" sz="1200" b="0" kern="1200" dirty="0">
+                <a:solidFill>
+                  <a:schemeClr val="tx1"/>
+                </a:solidFill>
+                <a:effectLst/>
+                <a:latin typeface="+mn-lt"/>
+                <a:ea typeface="+mn-ea"/>
+                <a:cs typeface="+mn-cs"/>
+              </a:rPr>
+              <a:t>sum += </a:t>
+            </a:r>
+            <a:r>
+              <a:rPr lang="en-US" altLang="zh-CN" sz="1200" b="0" kern="1200" dirty="0" err="1">
+                <a:solidFill>
+                  <a:schemeClr val="tx1"/>
+                </a:solidFill>
+                <a:effectLst/>
+                <a:latin typeface="+mn-lt"/>
+                <a:ea typeface="+mn-ea"/>
+                <a:cs typeface="+mn-cs"/>
+              </a:rPr>
+              <a:t>i</a:t>
+            </a:r>
+            <a:r>
+              <a:rPr lang="en-US" altLang="zh-CN" sz="1200" b="0" kern="1200" dirty="0">
+                <a:solidFill>
+                  <a:schemeClr val="tx1"/>
+                </a:solidFill>
+                <a:effectLst/>
+                <a:latin typeface="+mn-lt"/>
+                <a:ea typeface="+mn-ea"/>
+                <a:cs typeface="+mn-cs"/>
+              </a:rPr>
+              <a:t>; // </a:t>
+            </a:r>
+            <a:r>
+              <a:rPr lang="zh-CN" altLang="en-US" sz="1200" b="0" kern="1200" dirty="0">
+                <a:solidFill>
+                  <a:schemeClr val="tx1"/>
+                </a:solidFill>
+                <a:effectLst/>
+                <a:latin typeface="+mn-lt"/>
+                <a:ea typeface="+mn-ea"/>
+                <a:cs typeface="+mn-cs"/>
+              </a:rPr>
+              <a:t>执行</a:t>
+            </a:r>
+            <a:r>
+              <a:rPr lang="en-US" altLang="zh-CN" sz="1200" b="0" kern="1200" dirty="0">
+                <a:solidFill>
+                  <a:schemeClr val="tx1"/>
+                </a:solidFill>
+                <a:effectLst/>
+                <a:latin typeface="+mn-lt"/>
+                <a:ea typeface="+mn-ea"/>
+                <a:cs typeface="+mn-cs"/>
+              </a:rPr>
+              <a:t>n</a:t>
+            </a:r>
+            <a:r>
+              <a:rPr lang="zh-CN" altLang="en-US" sz="1200" b="0" kern="1200" dirty="0">
+                <a:solidFill>
+                  <a:schemeClr val="tx1"/>
+                </a:solidFill>
+                <a:effectLst/>
+                <a:latin typeface="+mn-lt"/>
+                <a:ea typeface="+mn-ea"/>
+                <a:cs typeface="+mn-cs"/>
+              </a:rPr>
+              <a:t>次</a:t>
+            </a:r>
+          </a:p>
+          <a:p>
+            <a:r>
+              <a:rPr lang="en-US" altLang="zh-CN" sz="1200" b="0" kern="1200" dirty="0">
+                <a:solidFill>
+                  <a:schemeClr val="tx1"/>
+                </a:solidFill>
+                <a:effectLst/>
+                <a:latin typeface="+mn-lt"/>
+                <a:ea typeface="+mn-ea"/>
+                <a:cs typeface="+mn-cs"/>
+              </a:rPr>
+              <a:t>}</a:t>
+            </a:r>
+          </a:p>
+          <a:p>
+            <a:r>
+              <a:rPr lang="en-US" altLang="zh-CN" sz="1200" b="0" kern="1200" dirty="0" err="1">
+                <a:solidFill>
+                  <a:schemeClr val="tx1"/>
+                </a:solidFill>
+                <a:effectLst/>
+                <a:latin typeface="+mn-lt"/>
+                <a:ea typeface="+mn-ea"/>
+                <a:cs typeface="+mn-cs"/>
+              </a:rPr>
+              <a:t>printf</a:t>
+            </a:r>
+            <a:r>
+              <a:rPr lang="en-US" altLang="zh-CN" sz="1200" b="0" kern="1200" dirty="0">
+                <a:solidFill>
+                  <a:schemeClr val="tx1"/>
+                </a:solidFill>
+                <a:effectLst/>
+                <a:latin typeface="+mn-lt"/>
+                <a:ea typeface="+mn-ea"/>
+                <a:cs typeface="+mn-cs"/>
+              </a:rPr>
+              <a:t>("the sum from 1 to 100 is: %d", sum); // </a:t>
+            </a:r>
+            <a:r>
+              <a:rPr lang="zh-CN" altLang="en-US" sz="1200" b="0" kern="1200" dirty="0">
+                <a:solidFill>
+                  <a:schemeClr val="tx1"/>
+                </a:solidFill>
+                <a:effectLst/>
+                <a:latin typeface="+mn-lt"/>
+                <a:ea typeface="+mn-ea"/>
+                <a:cs typeface="+mn-cs"/>
+              </a:rPr>
+              <a:t>执行</a:t>
+            </a:r>
+            <a:r>
+              <a:rPr lang="en-US" altLang="zh-CN" sz="1200" b="0" kern="1200" dirty="0">
+                <a:solidFill>
+                  <a:schemeClr val="tx1"/>
+                </a:solidFill>
+                <a:effectLst/>
+                <a:latin typeface="+mn-lt"/>
+                <a:ea typeface="+mn-ea"/>
+                <a:cs typeface="+mn-cs"/>
+              </a:rPr>
+              <a:t>1</a:t>
+            </a:r>
+            <a:r>
+              <a:rPr lang="zh-CN" altLang="en-US" sz="1200" b="0" kern="1200" dirty="0">
+                <a:solidFill>
+                  <a:schemeClr val="tx1"/>
+                </a:solidFill>
+                <a:effectLst/>
+                <a:latin typeface="+mn-lt"/>
+                <a:ea typeface="+mn-ea"/>
+                <a:cs typeface="+mn-cs"/>
+              </a:rPr>
+              <a:t>次</a:t>
+            </a:r>
+          </a:p>
+          <a:p>
+            <a:br>
+              <a:rPr lang="zh-CN" altLang="en-US" sz="1200" b="0" kern="1200" dirty="0">
+                <a:solidFill>
+                  <a:schemeClr val="tx1"/>
+                </a:solidFill>
+                <a:effectLst/>
+                <a:latin typeface="+mn-lt"/>
+                <a:ea typeface="+mn-ea"/>
+                <a:cs typeface="+mn-cs"/>
+              </a:rPr>
+            </a:br>
+            <a:br>
+              <a:rPr lang="zh-CN" altLang="en-US" sz="1200" b="0" kern="1200" dirty="0">
+                <a:solidFill>
+                  <a:schemeClr val="tx1"/>
+                </a:solidFill>
+                <a:effectLst/>
+                <a:latin typeface="+mn-lt"/>
+                <a:ea typeface="+mn-ea"/>
+                <a:cs typeface="+mn-cs"/>
+              </a:rPr>
+            </a:br>
+            <a:r>
+              <a:rPr lang="en-US" altLang="zh-CN" sz="1200" b="0" kern="1200" dirty="0">
+                <a:solidFill>
+                  <a:schemeClr val="tx1"/>
+                </a:solidFill>
+                <a:effectLst/>
+                <a:latin typeface="+mn-lt"/>
+                <a:ea typeface="+mn-ea"/>
+                <a:cs typeface="+mn-cs"/>
+              </a:rPr>
+              <a:t>/**</a:t>
+            </a:r>
+            <a:endParaRPr lang="zh-CN" altLang="en-US" sz="1200" b="0" kern="1200" dirty="0">
+              <a:solidFill>
+                <a:schemeClr val="tx1"/>
+              </a:solidFill>
+              <a:effectLst/>
+              <a:latin typeface="+mn-lt"/>
+              <a:ea typeface="+mn-ea"/>
+              <a:cs typeface="+mn-cs"/>
+            </a:endParaRPr>
+          </a:p>
+          <a:p>
+            <a:r>
+              <a:rPr lang="zh-CN" altLang="en-US" sz="1200" b="0" kern="1200" dirty="0">
+                <a:solidFill>
+                  <a:schemeClr val="tx1"/>
+                </a:solidFill>
+                <a:effectLst/>
+                <a:latin typeface="+mn-lt"/>
+                <a:ea typeface="+mn-ea"/>
+                <a:cs typeface="+mn-cs"/>
+              </a:rPr>
+              <a:t>* 例</a:t>
+            </a:r>
+            <a:r>
+              <a:rPr lang="en-US" altLang="zh-CN" sz="1200" b="0" kern="1200" dirty="0">
+                <a:solidFill>
+                  <a:schemeClr val="tx1"/>
+                </a:solidFill>
+                <a:effectLst/>
+                <a:latin typeface="+mn-lt"/>
+                <a:ea typeface="+mn-ea"/>
+                <a:cs typeface="+mn-cs"/>
+              </a:rPr>
+              <a:t>1</a:t>
+            </a:r>
+            <a:r>
+              <a:rPr lang="zh-CN" altLang="en-US" sz="1200" b="0" kern="1200" dirty="0">
+                <a:solidFill>
+                  <a:schemeClr val="tx1"/>
+                </a:solidFill>
+                <a:effectLst/>
+                <a:latin typeface="+mn-lt"/>
+                <a:ea typeface="+mn-ea"/>
+                <a:cs typeface="+mn-cs"/>
+              </a:rPr>
+              <a:t>，执行较少次数的算法</a:t>
+            </a:r>
+          </a:p>
+          <a:p>
+            <a:r>
+              <a:rPr lang="zh-CN" altLang="en-US" sz="1200" b="0" kern="1200" dirty="0">
+                <a:solidFill>
+                  <a:schemeClr val="tx1"/>
+                </a:solidFill>
+                <a:effectLst/>
+                <a:latin typeface="+mn-lt"/>
+                <a:ea typeface="+mn-ea"/>
+                <a:cs typeface="+mn-cs"/>
+              </a:rPr>
+              <a:t>* 总共执行了 </a:t>
+            </a:r>
+            <a:r>
+              <a:rPr lang="en-US" altLang="zh-CN" sz="1200" b="0" kern="1200" dirty="0">
+                <a:solidFill>
+                  <a:schemeClr val="tx1"/>
+                </a:solidFill>
+                <a:effectLst/>
+                <a:latin typeface="+mn-lt"/>
+                <a:ea typeface="+mn-ea"/>
+                <a:cs typeface="+mn-cs"/>
+              </a:rPr>
+              <a:t>3 </a:t>
+            </a:r>
+            <a:r>
+              <a:rPr lang="zh-CN" altLang="en-US" sz="1200" b="0" kern="1200" dirty="0">
+                <a:solidFill>
+                  <a:schemeClr val="tx1"/>
+                </a:solidFill>
+                <a:effectLst/>
+                <a:latin typeface="+mn-lt"/>
+                <a:ea typeface="+mn-ea"/>
+                <a:cs typeface="+mn-cs"/>
+              </a:rPr>
+              <a:t>次</a:t>
+            </a:r>
+          </a:p>
+          <a:p>
+            <a:r>
+              <a:rPr lang="zh-CN" altLang="en-US" sz="1200" b="0" kern="1200" dirty="0">
+                <a:solidFill>
+                  <a:schemeClr val="tx1"/>
+                </a:solidFill>
+                <a:effectLst/>
+                <a:latin typeface="+mn-lt"/>
+                <a:ea typeface="+mn-ea"/>
+                <a:cs typeface="+mn-cs"/>
+              </a:rPr>
+              <a:t>*</a:t>
+            </a:r>
+            <a:r>
+              <a:rPr lang="en-US" altLang="zh-CN" sz="1200" b="0" kern="1200" dirty="0">
+                <a:solidFill>
+                  <a:schemeClr val="tx1"/>
+                </a:solidFill>
+                <a:effectLst/>
+                <a:latin typeface="+mn-lt"/>
+                <a:ea typeface="+mn-ea"/>
+                <a:cs typeface="+mn-cs"/>
+              </a:rPr>
+              <a:t>/</a:t>
+            </a:r>
+            <a:endParaRPr lang="zh-CN" altLang="en-US" sz="1200" b="0" kern="1200" dirty="0">
+              <a:solidFill>
+                <a:schemeClr val="tx1"/>
+              </a:solidFill>
+              <a:effectLst/>
+              <a:latin typeface="+mn-lt"/>
+              <a:ea typeface="+mn-ea"/>
+              <a:cs typeface="+mn-cs"/>
+            </a:endParaRPr>
+          </a:p>
+          <a:p>
+            <a:r>
+              <a:rPr lang="en-US" altLang="zh-CN" sz="1200" b="0" kern="1200" dirty="0">
+                <a:solidFill>
+                  <a:schemeClr val="tx1"/>
+                </a:solidFill>
+                <a:effectLst/>
+                <a:latin typeface="+mn-lt"/>
+                <a:ea typeface="+mn-ea"/>
+                <a:cs typeface="+mn-cs"/>
+              </a:rPr>
+              <a:t>int sum2 = 0, n2 = 100; // </a:t>
+            </a:r>
+            <a:r>
+              <a:rPr lang="zh-CN" altLang="en-US" sz="1200" b="0" kern="1200" dirty="0">
+                <a:solidFill>
+                  <a:schemeClr val="tx1"/>
+                </a:solidFill>
+                <a:effectLst/>
+                <a:latin typeface="+mn-lt"/>
+                <a:ea typeface="+mn-ea"/>
+                <a:cs typeface="+mn-cs"/>
+              </a:rPr>
+              <a:t>执行</a:t>
+            </a:r>
+            <a:r>
+              <a:rPr lang="en-US" altLang="zh-CN" sz="1200" b="0" kern="1200" dirty="0">
+                <a:solidFill>
+                  <a:schemeClr val="tx1"/>
+                </a:solidFill>
+                <a:effectLst/>
+                <a:latin typeface="+mn-lt"/>
+                <a:ea typeface="+mn-ea"/>
+                <a:cs typeface="+mn-cs"/>
+              </a:rPr>
+              <a:t>1</a:t>
+            </a:r>
+            <a:r>
+              <a:rPr lang="zh-CN" altLang="en-US" sz="1200" b="0" kern="1200" dirty="0">
+                <a:solidFill>
+                  <a:schemeClr val="tx1"/>
+                </a:solidFill>
+                <a:effectLst/>
+                <a:latin typeface="+mn-lt"/>
+                <a:ea typeface="+mn-ea"/>
+                <a:cs typeface="+mn-cs"/>
+              </a:rPr>
+              <a:t>次</a:t>
+            </a:r>
+          </a:p>
+          <a:p>
+            <a:r>
+              <a:rPr lang="en-US" altLang="zh-CN" sz="1200" b="0" kern="1200" dirty="0">
+                <a:solidFill>
+                  <a:schemeClr val="tx1"/>
+                </a:solidFill>
+                <a:effectLst/>
+                <a:latin typeface="+mn-lt"/>
+                <a:ea typeface="+mn-ea"/>
+                <a:cs typeface="+mn-cs"/>
+              </a:rPr>
+              <a:t>sum2 = (1 + n2) * n2 / 2; // </a:t>
+            </a:r>
+            <a:r>
+              <a:rPr lang="zh-CN" altLang="en-US" sz="1200" b="0" kern="1200" dirty="0">
+                <a:solidFill>
+                  <a:schemeClr val="tx1"/>
+                </a:solidFill>
+                <a:effectLst/>
+                <a:latin typeface="+mn-lt"/>
+                <a:ea typeface="+mn-ea"/>
+                <a:cs typeface="+mn-cs"/>
+              </a:rPr>
+              <a:t>执行</a:t>
+            </a:r>
+            <a:r>
+              <a:rPr lang="en-US" altLang="zh-CN" sz="1200" b="0" kern="1200" dirty="0">
+                <a:solidFill>
+                  <a:schemeClr val="tx1"/>
+                </a:solidFill>
+                <a:effectLst/>
+                <a:latin typeface="+mn-lt"/>
+                <a:ea typeface="+mn-ea"/>
+                <a:cs typeface="+mn-cs"/>
+              </a:rPr>
+              <a:t>1</a:t>
+            </a:r>
+            <a:r>
+              <a:rPr lang="zh-CN" altLang="en-US" sz="1200" b="0" kern="1200" dirty="0">
+                <a:solidFill>
+                  <a:schemeClr val="tx1"/>
+                </a:solidFill>
+                <a:effectLst/>
+                <a:latin typeface="+mn-lt"/>
+                <a:ea typeface="+mn-ea"/>
+                <a:cs typeface="+mn-cs"/>
+              </a:rPr>
+              <a:t>次</a:t>
+            </a:r>
+          </a:p>
+          <a:p>
+            <a:r>
+              <a:rPr lang="en-US" altLang="zh-CN" sz="1200" b="0" kern="1200" dirty="0" err="1">
+                <a:solidFill>
+                  <a:schemeClr val="tx1"/>
+                </a:solidFill>
+                <a:effectLst/>
+                <a:latin typeface="+mn-lt"/>
+                <a:ea typeface="+mn-ea"/>
+                <a:cs typeface="+mn-cs"/>
+              </a:rPr>
+              <a:t>printf</a:t>
+            </a:r>
+            <a:r>
+              <a:rPr lang="en-US" altLang="zh-CN" sz="1200" b="0" kern="1200" dirty="0">
+                <a:solidFill>
+                  <a:schemeClr val="tx1"/>
+                </a:solidFill>
+                <a:effectLst/>
+                <a:latin typeface="+mn-lt"/>
+                <a:ea typeface="+mn-ea"/>
+                <a:cs typeface="+mn-cs"/>
+              </a:rPr>
+              <a:t>("the sum from 1 to 100 is: %d", sum2); // </a:t>
+            </a:r>
+            <a:r>
+              <a:rPr lang="zh-CN" altLang="en-US" sz="1200" b="0" kern="1200" dirty="0">
+                <a:solidFill>
+                  <a:schemeClr val="tx1"/>
+                </a:solidFill>
+                <a:effectLst/>
+                <a:latin typeface="+mn-lt"/>
+                <a:ea typeface="+mn-ea"/>
+                <a:cs typeface="+mn-cs"/>
+              </a:rPr>
+              <a:t>执行</a:t>
+            </a:r>
+            <a:r>
+              <a:rPr lang="en-US" altLang="zh-CN" sz="1200" b="0" kern="1200" dirty="0">
+                <a:solidFill>
+                  <a:schemeClr val="tx1"/>
+                </a:solidFill>
+                <a:effectLst/>
+                <a:latin typeface="+mn-lt"/>
+                <a:ea typeface="+mn-ea"/>
+                <a:cs typeface="+mn-cs"/>
+              </a:rPr>
+              <a:t>1</a:t>
+            </a:r>
+            <a:r>
+              <a:rPr lang="zh-CN" altLang="en-US" sz="1200" b="0" kern="1200" dirty="0">
+                <a:solidFill>
+                  <a:schemeClr val="tx1"/>
+                </a:solidFill>
+                <a:effectLst/>
+                <a:latin typeface="+mn-lt"/>
+                <a:ea typeface="+mn-ea"/>
+                <a:cs typeface="+mn-cs"/>
+              </a:rPr>
+              <a:t>次</a:t>
+            </a:r>
+          </a:p>
+          <a:p>
+            <a:r>
+              <a:rPr kumimoji="1" lang="zh-CN" altLang="en-US" dirty="0"/>
+              <a:t>截屏</a:t>
+            </a:r>
+            <a:r>
+              <a:rPr kumimoji="1" lang="en-US" altLang="zh-CN" dirty="0"/>
+              <a:t>2019-12-0313.52.00.png</a:t>
+            </a:r>
             <a:endParaRPr kumimoji="1" lang="zh-CN" altLang="en-US" dirty="0"/>
           </a:p>
         </p:txBody>
@@ -2038,7 +3059,7 @@
           <a:p>
             <a:fld id="{0F8E57A1-C481-6944-857F-EAC8E932B5ED}" type="slidenum">
               <a:rPr kumimoji="1" lang="zh-CN" altLang="en-US" smtClean="0"/>
-              <a:t>13</a:t>
+              <a:t>12</a:t>
             </a:fld>
             <a:endParaRPr kumimoji="1" lang="zh-CN" altLang="en-US"/>
           </a:p>
@@ -2047,7 +3068,7 @@
     </p:spTree>
     <p:extLst>
       <p:ext uri="{BB962C8B-B14F-4D97-AF65-F5344CB8AC3E}">
-        <p14:creationId xmlns:p14="http://schemas.microsoft.com/office/powerpoint/2010/main" val="3274922708"/>
+        <p14:creationId xmlns:p14="http://schemas.microsoft.com/office/powerpoint/2010/main" val="467924400"/>
       </p:ext>
     </p:extLst>
   </p:cSld>
@@ -2101,10 +3122,7 @@
           <a:bodyPr/>
           <a:lstStyle/>
           <a:p>
-            <a:r>
-              <a:rPr kumimoji="1" lang="zh-CN" altLang="en-US" dirty="0"/>
-              <a:t>在数据结构中，我们谈论的最多的是 数据元素，然后再往下谈数据项</a:t>
-            </a:r>
+            <a:endParaRPr kumimoji="1" lang="zh-CN" altLang="en-US" dirty="0"/>
           </a:p>
         </p:txBody>
       </p:sp>
@@ -2125,7 +3143,7 @@
           <a:p>
             <a:fld id="{0F8E57A1-C481-6944-857F-EAC8E932B5ED}" type="slidenum">
               <a:rPr kumimoji="1" lang="zh-CN" altLang="en-US" smtClean="0"/>
-              <a:t>14</a:t>
+              <a:t>23</a:t>
             </a:fld>
             <a:endParaRPr kumimoji="1" lang="zh-CN" altLang="en-US"/>
           </a:p>
@@ -2134,7 +3152,7 @@
     </p:spTree>
     <p:extLst>
       <p:ext uri="{BB962C8B-B14F-4D97-AF65-F5344CB8AC3E}">
-        <p14:creationId xmlns:p14="http://schemas.microsoft.com/office/powerpoint/2010/main" val="1568470300"/>
+        <p14:creationId xmlns:p14="http://schemas.microsoft.com/office/powerpoint/2010/main" val="2274547347"/>
       </p:ext>
     </p:extLst>
   </p:cSld>
@@ -2209,7 +3227,7 @@
           <a:p>
             <a:fld id="{0F8E57A1-C481-6944-857F-EAC8E932B5ED}" type="slidenum">
               <a:rPr kumimoji="1" lang="zh-CN" altLang="en-US" smtClean="0"/>
-              <a:t>15</a:t>
+              <a:t>24</a:t>
             </a:fld>
             <a:endParaRPr kumimoji="1" lang="zh-CN" altLang="en-US"/>
           </a:p>
@@ -2218,7 +3236,7 @@
     </p:spTree>
     <p:extLst>
       <p:ext uri="{BB962C8B-B14F-4D97-AF65-F5344CB8AC3E}">
-        <p14:creationId xmlns:p14="http://schemas.microsoft.com/office/powerpoint/2010/main" val="810885978"/>
+        <p14:creationId xmlns:p14="http://schemas.microsoft.com/office/powerpoint/2010/main" val="3274922708"/>
       </p:ext>
     </p:extLst>
   </p:cSld>
@@ -2272,7 +3290,10 @@
           <a:bodyPr/>
           <a:lstStyle/>
           <a:p>
-            <a:endParaRPr kumimoji="1" lang="zh-CN" altLang="en-US" dirty="0"/>
+            <a:r>
+              <a:rPr kumimoji="1" lang="zh-CN" altLang="en-US" dirty="0"/>
+              <a:t>在数据结构中，我们谈论的最多的是 数据元素，然后再往下谈数据项</a:t>
+            </a:r>
           </a:p>
         </p:txBody>
       </p:sp>
@@ -2293,7 +3314,7 @@
           <a:p>
             <a:fld id="{0F8E57A1-C481-6944-857F-EAC8E932B5ED}" type="slidenum">
               <a:rPr kumimoji="1" lang="zh-CN" altLang="en-US" smtClean="0"/>
-              <a:t>16</a:t>
+              <a:t>25</a:t>
             </a:fld>
             <a:endParaRPr kumimoji="1" lang="zh-CN" altLang="en-US"/>
           </a:p>
@@ -2302,7 +3323,7 @@
     </p:spTree>
     <p:extLst>
       <p:ext uri="{BB962C8B-B14F-4D97-AF65-F5344CB8AC3E}">
-        <p14:creationId xmlns:p14="http://schemas.microsoft.com/office/powerpoint/2010/main" val="3497563520"/>
+        <p14:creationId xmlns:p14="http://schemas.microsoft.com/office/powerpoint/2010/main" val="1568470300"/>
       </p:ext>
     </p:extLst>
   </p:cSld>
@@ -2377,7 +3398,7 @@
           <a:p>
             <a:fld id="{0F8E57A1-C481-6944-857F-EAC8E932B5ED}" type="slidenum">
               <a:rPr kumimoji="1" lang="zh-CN" altLang="en-US" smtClean="0"/>
-              <a:t>17</a:t>
+              <a:t>26</a:t>
             </a:fld>
             <a:endParaRPr kumimoji="1" lang="zh-CN" altLang="en-US"/>
           </a:p>
@@ -2386,7 +3407,7 @@
     </p:spTree>
     <p:extLst>
       <p:ext uri="{BB962C8B-B14F-4D97-AF65-F5344CB8AC3E}">
-        <p14:creationId xmlns:p14="http://schemas.microsoft.com/office/powerpoint/2010/main" val="3713486296"/>
+        <p14:creationId xmlns:p14="http://schemas.microsoft.com/office/powerpoint/2010/main" val="810885978"/>
       </p:ext>
     </p:extLst>
   </p:cSld>
@@ -5745,6 +6766,4252 @@
       </p:grpSpPr>
       <p:sp>
         <p:nvSpPr>
+          <p:cNvPr id="3" name="文本框 2">
+            <a:extLst>
+              <a:ext uri="{FF2B5EF4-FFF2-40B4-BE49-F238E27FC236}">
+                <a16:creationId xmlns:a16="http://schemas.microsoft.com/office/drawing/2014/main" id="{62BFC649-BF8E-2841-8EAF-47AFBF9D6671}"/>
+              </a:ext>
+            </a:extLst>
+          </p:cNvPr>
+          <p:cNvSpPr txBox="1"/>
+          <p:nvPr/>
+        </p:nvSpPr>
+        <p:spPr>
+          <a:xfrm>
+            <a:off x="446566" y="297712"/>
+            <a:ext cx="11483163" cy="2308324"/>
+          </a:xfrm>
+          <a:prstGeom prst="rect">
+            <a:avLst/>
+          </a:prstGeom>
+          <a:noFill/>
+        </p:spPr>
+        <p:txBody>
+          <a:bodyPr wrap="square" rtlCol="0">
+            <a:spAutoFit/>
+          </a:bodyPr>
+          <a:lstStyle/>
+          <a:p>
+            <a:pPr algn="ctr"/>
+            <a:r>
+              <a:rPr kumimoji="1" lang="zh-CN" altLang="en-US" sz="4800" dirty="0">
+                <a:latin typeface="Microsoft YaHei" panose="020B0503020204020204" pitchFamily="34" charset="-122"/>
+                <a:ea typeface="Microsoft YaHei" panose="020B0503020204020204" pitchFamily="34" charset="-122"/>
+              </a:rPr>
+              <a:t>事后统计方法</a:t>
+            </a:r>
+            <a:endParaRPr kumimoji="1" lang="en-US" altLang="zh-CN" sz="4800" dirty="0">
+              <a:latin typeface="Microsoft YaHei" panose="020B0503020204020204" pitchFamily="34" charset="-122"/>
+              <a:ea typeface="Microsoft YaHei" panose="020B0503020204020204" pitchFamily="34" charset="-122"/>
+            </a:endParaRPr>
+          </a:p>
+          <a:p>
+            <a:pPr algn="ctr"/>
+            <a:endParaRPr kumimoji="1" lang="en-US" altLang="zh-CN" sz="4800" dirty="0">
+              <a:latin typeface="Microsoft YaHei" panose="020B0503020204020204" pitchFamily="34" charset="-122"/>
+              <a:ea typeface="Microsoft YaHei" panose="020B0503020204020204" pitchFamily="34" charset="-122"/>
+            </a:endParaRPr>
+          </a:p>
+          <a:p>
+            <a:pPr algn="ctr"/>
+            <a:endParaRPr kumimoji="1" lang="zh-CN" altLang="en-US" sz="4800" dirty="0">
+              <a:latin typeface="Microsoft YaHei" panose="020B0503020204020204" pitchFamily="34" charset="-122"/>
+              <a:ea typeface="Microsoft YaHei" panose="020B0503020204020204" pitchFamily="34" charset="-122"/>
+            </a:endParaRPr>
+          </a:p>
+        </p:txBody>
+      </p:sp>
+      <p:sp>
+        <p:nvSpPr>
+          <p:cNvPr id="4" name="文本框 3">
+            <a:extLst>
+              <a:ext uri="{FF2B5EF4-FFF2-40B4-BE49-F238E27FC236}">
+                <a16:creationId xmlns:a16="http://schemas.microsoft.com/office/drawing/2014/main" id="{14405658-FC46-854C-892C-375D28A20E2F}"/>
+              </a:ext>
+            </a:extLst>
+          </p:cNvPr>
+          <p:cNvSpPr txBox="1"/>
+          <p:nvPr/>
+        </p:nvSpPr>
+        <p:spPr>
+          <a:xfrm>
+            <a:off x="1828800" y="3040912"/>
+            <a:ext cx="7187609" cy="954107"/>
+          </a:xfrm>
+          <a:prstGeom prst="rect">
+            <a:avLst/>
+          </a:prstGeom>
+          <a:noFill/>
+        </p:spPr>
+        <p:txBody>
+          <a:bodyPr wrap="square" rtlCol="0">
+            <a:spAutoFit/>
+          </a:bodyPr>
+          <a:lstStyle/>
+          <a:p>
+            <a:r>
+              <a:rPr kumimoji="1" lang="zh-CN" altLang="en-US" sz="2800" dirty="0">
+                <a:latin typeface="Microsoft YaHei" panose="020B0503020204020204" pitchFamily="34" charset="-122"/>
+                <a:ea typeface="Microsoft YaHei" panose="020B0503020204020204" pitchFamily="34" charset="-122"/>
+              </a:rPr>
+              <a:t>根据算法编写好的程序已经输入数据。利用计算机运行，获取运行时间</a:t>
+            </a:r>
+          </a:p>
+        </p:txBody>
+      </p:sp>
+      <p:sp>
+        <p:nvSpPr>
+          <p:cNvPr id="6" name="文本框 5">
+            <a:extLst>
+              <a:ext uri="{FF2B5EF4-FFF2-40B4-BE49-F238E27FC236}">
+                <a16:creationId xmlns:a16="http://schemas.microsoft.com/office/drawing/2014/main" id="{0D51AF73-86F8-824D-8410-BCD57A89591D}"/>
+              </a:ext>
+            </a:extLst>
+          </p:cNvPr>
+          <p:cNvSpPr txBox="1"/>
+          <p:nvPr/>
+        </p:nvSpPr>
+        <p:spPr>
+          <a:xfrm>
+            <a:off x="427483" y="2210721"/>
+            <a:ext cx="1070042" cy="542675"/>
+          </a:xfrm>
+          <a:prstGeom prst="rect">
+            <a:avLst/>
+          </a:prstGeom>
+          <a:solidFill>
+            <a:schemeClr val="accent2"/>
+          </a:solidFill>
+        </p:spPr>
+        <p:txBody>
+          <a:bodyPr wrap="square" rtlCol="0">
+            <a:spAutoFit/>
+          </a:bodyPr>
+          <a:lstStyle/>
+          <a:p>
+            <a:r>
+              <a:rPr kumimoji="1" lang="zh-CN" altLang="en-US" sz="2800" dirty="0">
+                <a:solidFill>
+                  <a:schemeClr val="bg1"/>
+                </a:solidFill>
+                <a:latin typeface="Microsoft YaHei" panose="020B0503020204020204" pitchFamily="34" charset="-122"/>
+                <a:ea typeface="Microsoft YaHei" panose="020B0503020204020204" pitchFamily="34" charset="-122"/>
+              </a:rPr>
+              <a:t>定义</a:t>
+            </a:r>
+          </a:p>
+        </p:txBody>
+      </p:sp>
+      <p:sp>
+        <p:nvSpPr>
+          <p:cNvPr id="7" name="文本框 6">
+            <a:extLst>
+              <a:ext uri="{FF2B5EF4-FFF2-40B4-BE49-F238E27FC236}">
+                <a16:creationId xmlns:a16="http://schemas.microsoft.com/office/drawing/2014/main" id="{65ADC759-6D2D-FD46-A10B-4F605A84DC92}"/>
+              </a:ext>
+            </a:extLst>
+          </p:cNvPr>
+          <p:cNvSpPr txBox="1"/>
+          <p:nvPr/>
+        </p:nvSpPr>
+        <p:spPr>
+          <a:xfrm>
+            <a:off x="476798" y="4519045"/>
+            <a:ext cx="1070042" cy="523220"/>
+          </a:xfrm>
+          <a:prstGeom prst="rect">
+            <a:avLst/>
+          </a:prstGeom>
+          <a:solidFill>
+            <a:schemeClr val="accent2"/>
+          </a:solidFill>
+        </p:spPr>
+        <p:txBody>
+          <a:bodyPr wrap="square" rtlCol="0">
+            <a:spAutoFit/>
+          </a:bodyPr>
+          <a:lstStyle/>
+          <a:p>
+            <a:r>
+              <a:rPr kumimoji="1" lang="zh-CN" altLang="en-US" sz="2800" dirty="0">
+                <a:solidFill>
+                  <a:schemeClr val="bg1"/>
+                </a:solidFill>
+                <a:latin typeface="Microsoft YaHei" panose="020B0503020204020204" pitchFamily="34" charset="-122"/>
+                <a:ea typeface="Microsoft YaHei" panose="020B0503020204020204" pitchFamily="34" charset="-122"/>
+              </a:rPr>
+              <a:t>缺点</a:t>
+            </a:r>
+          </a:p>
+        </p:txBody>
+      </p:sp>
+      <p:sp>
+        <p:nvSpPr>
+          <p:cNvPr id="5" name="文本框 4">
+            <a:extLst>
+              <a:ext uri="{FF2B5EF4-FFF2-40B4-BE49-F238E27FC236}">
+                <a16:creationId xmlns:a16="http://schemas.microsoft.com/office/drawing/2014/main" id="{9D1503E7-CB1C-F949-BA10-09F1CFDD62EF}"/>
+              </a:ext>
+            </a:extLst>
+          </p:cNvPr>
+          <p:cNvSpPr txBox="1"/>
+          <p:nvPr/>
+        </p:nvSpPr>
+        <p:spPr>
+          <a:xfrm>
+            <a:off x="1546840" y="5042265"/>
+            <a:ext cx="10168362" cy="1815882"/>
+          </a:xfrm>
+          <a:prstGeom prst="rect">
+            <a:avLst/>
+          </a:prstGeom>
+          <a:noFill/>
+        </p:spPr>
+        <p:txBody>
+          <a:bodyPr wrap="square" rtlCol="0">
+            <a:spAutoFit/>
+          </a:bodyPr>
+          <a:lstStyle/>
+          <a:p>
+            <a:pPr indent="-342900">
+              <a:buFont typeface="+mj-lt"/>
+              <a:buAutoNum type="arabicPeriod"/>
+            </a:pPr>
+            <a:r>
+              <a:rPr kumimoji="1" lang="zh-CN" altLang="en-US" sz="2800" dirty="0">
+                <a:latin typeface="Microsoft YaHei" panose="020B0503020204020204" pitchFamily="34" charset="-122"/>
+                <a:ea typeface="Microsoft YaHei" panose="020B0503020204020204" pitchFamily="34" charset="-122"/>
+              </a:rPr>
+              <a:t>要事先编好程序，若是复杂的算法，还浪费时间</a:t>
+            </a:r>
+            <a:endParaRPr kumimoji="1" lang="en-US" altLang="zh-CN" sz="2800" dirty="0">
+              <a:latin typeface="Microsoft YaHei" panose="020B0503020204020204" pitchFamily="34" charset="-122"/>
+              <a:ea typeface="Microsoft YaHei" panose="020B0503020204020204" pitchFamily="34" charset="-122"/>
+            </a:endParaRPr>
+          </a:p>
+          <a:p>
+            <a:pPr indent="-342900">
+              <a:buFont typeface="+mj-lt"/>
+              <a:buAutoNum type="arabicPeriod"/>
+            </a:pPr>
+            <a:r>
+              <a:rPr kumimoji="1" lang="zh-CN" altLang="en-US" sz="2800" dirty="0">
+                <a:latin typeface="Microsoft YaHei" panose="020B0503020204020204" pitchFamily="34" charset="-122"/>
+                <a:ea typeface="Microsoft YaHei" panose="020B0503020204020204" pitchFamily="34" charset="-122"/>
+              </a:rPr>
+              <a:t>硬件条件影响大，计算机更新换代，操作系统，编译器等软件也影响程序运行，就算同一台笔记本，</a:t>
+            </a:r>
+            <a:r>
+              <a:rPr kumimoji="1" lang="en-US" altLang="zh-CN" sz="2800" dirty="0" err="1">
+                <a:latin typeface="Microsoft YaHei" panose="020B0503020204020204" pitchFamily="34" charset="-122"/>
+                <a:ea typeface="Microsoft YaHei" panose="020B0503020204020204" pitchFamily="34" charset="-122"/>
+              </a:rPr>
+              <a:t>cpu</a:t>
+            </a:r>
+            <a:r>
+              <a:rPr kumimoji="1" lang="zh-CN" altLang="en-US" sz="2800" dirty="0">
+                <a:latin typeface="Microsoft YaHei" panose="020B0503020204020204" pitchFamily="34" charset="-122"/>
+                <a:ea typeface="Microsoft YaHei" panose="020B0503020204020204" pitchFamily="34" charset="-122"/>
+              </a:rPr>
+              <a:t>和内存使用也不一样。</a:t>
+            </a:r>
+            <a:endParaRPr kumimoji="1" lang="en-US" altLang="zh-CN" sz="2800" dirty="0">
+              <a:latin typeface="Microsoft YaHei" panose="020B0503020204020204" pitchFamily="34" charset="-122"/>
+              <a:ea typeface="Microsoft YaHei" panose="020B0503020204020204" pitchFamily="34" charset="-122"/>
+            </a:endParaRPr>
+          </a:p>
+          <a:p>
+            <a:pPr indent="-342900">
+              <a:buFont typeface="+mj-lt"/>
+              <a:buAutoNum type="arabicPeriod"/>
+            </a:pPr>
+            <a:r>
+              <a:rPr kumimoji="1" lang="zh-CN" altLang="en-US" sz="2800" dirty="0">
+                <a:latin typeface="Microsoft YaHei" panose="020B0503020204020204" pitchFamily="34" charset="-122"/>
+                <a:ea typeface="Microsoft YaHei" panose="020B0503020204020204" pitchFamily="34" charset="-122"/>
+              </a:rPr>
+              <a:t>测试数据设计困难：规模大小，数据集合是否偏向某个算法。</a:t>
+            </a:r>
+            <a:endParaRPr kumimoji="1" lang="zh-CN" altLang="en-US" dirty="0"/>
+          </a:p>
+        </p:txBody>
+      </p:sp>
+    </p:spTree>
+    <p:extLst>
+      <p:ext uri="{BB962C8B-B14F-4D97-AF65-F5344CB8AC3E}">
+        <p14:creationId xmlns:p14="http://schemas.microsoft.com/office/powerpoint/2010/main" val="2770824724"/>
+      </p:ext>
+    </p:extLst>
+  </p:cSld>
+  <p:clrMapOvr>
+    <a:masterClrMapping/>
+  </p:clrMapOvr>
+</p:sld>
+</file>
+
+<file path=ppt/slides/slide11.xml><?xml version="1.0" encoding="utf-8"?>
+<p:sld xmlns:a="http://schemas.openxmlformats.org/drawingml/2006/main" xmlns:r="http://schemas.openxmlformats.org/officeDocument/2006/relationships" xmlns:p="http://schemas.openxmlformats.org/presentationml/2006/main">
+  <p:cSld>
+    <p:bg>
+      <p:bgPr>
+        <a:blipFill>
+          <a:blip r:embed="rId2"/>
+          <a:tile tx="0" ty="0" sx="100000" sy="100000" flip="none" algn="tl"/>
+        </a:blipFill>
+        <a:effectLst/>
+      </p:bgPr>
+    </p:bg>
+    <p:spTree>
+      <p:nvGrpSpPr>
+        <p:cNvPr id="1" name=""/>
+        <p:cNvGrpSpPr/>
+        <p:nvPr/>
+      </p:nvGrpSpPr>
+      <p:grpSpPr>
+        <a:xfrm>
+          <a:off x="0" y="0"/>
+          <a:ext cx="0" cy="0"/>
+          <a:chOff x="0" y="0"/>
+          <a:chExt cx="0" cy="0"/>
+        </a:xfrm>
+      </p:grpSpPr>
+      <p:sp>
+        <p:nvSpPr>
+          <p:cNvPr id="3" name="文本框 2">
+            <a:extLst>
+              <a:ext uri="{FF2B5EF4-FFF2-40B4-BE49-F238E27FC236}">
+                <a16:creationId xmlns:a16="http://schemas.microsoft.com/office/drawing/2014/main" id="{62BFC649-BF8E-2841-8EAF-47AFBF9D6671}"/>
+              </a:ext>
+            </a:extLst>
+          </p:cNvPr>
+          <p:cNvSpPr txBox="1"/>
+          <p:nvPr/>
+        </p:nvSpPr>
+        <p:spPr>
+          <a:xfrm>
+            <a:off x="446566" y="297712"/>
+            <a:ext cx="11483163" cy="2308324"/>
+          </a:xfrm>
+          <a:prstGeom prst="rect">
+            <a:avLst/>
+          </a:prstGeom>
+          <a:noFill/>
+        </p:spPr>
+        <p:txBody>
+          <a:bodyPr wrap="square" rtlCol="0">
+            <a:spAutoFit/>
+          </a:bodyPr>
+          <a:lstStyle/>
+          <a:p>
+            <a:pPr algn="ctr"/>
+            <a:r>
+              <a:rPr kumimoji="1" lang="zh-CN" altLang="en-US" sz="4800" dirty="0">
+                <a:latin typeface="Microsoft YaHei" panose="020B0503020204020204" pitchFamily="34" charset="-122"/>
+                <a:ea typeface="Microsoft YaHei" panose="020B0503020204020204" pitchFamily="34" charset="-122"/>
+              </a:rPr>
+              <a:t>事前估算方法</a:t>
+            </a:r>
+            <a:endParaRPr kumimoji="1" lang="en-US" altLang="zh-CN" sz="4800" dirty="0">
+              <a:latin typeface="Microsoft YaHei" panose="020B0503020204020204" pitchFamily="34" charset="-122"/>
+              <a:ea typeface="Microsoft YaHei" panose="020B0503020204020204" pitchFamily="34" charset="-122"/>
+            </a:endParaRPr>
+          </a:p>
+          <a:p>
+            <a:pPr algn="ctr"/>
+            <a:endParaRPr kumimoji="1" lang="en-US" altLang="zh-CN" sz="4800" dirty="0">
+              <a:latin typeface="Microsoft YaHei" panose="020B0503020204020204" pitchFamily="34" charset="-122"/>
+              <a:ea typeface="Microsoft YaHei" panose="020B0503020204020204" pitchFamily="34" charset="-122"/>
+            </a:endParaRPr>
+          </a:p>
+          <a:p>
+            <a:pPr algn="ctr"/>
+            <a:endParaRPr kumimoji="1" lang="zh-CN" altLang="en-US" sz="4800" dirty="0">
+              <a:latin typeface="Microsoft YaHei" panose="020B0503020204020204" pitchFamily="34" charset="-122"/>
+              <a:ea typeface="Microsoft YaHei" panose="020B0503020204020204" pitchFamily="34" charset="-122"/>
+            </a:endParaRPr>
+          </a:p>
+        </p:txBody>
+      </p:sp>
+      <p:sp>
+        <p:nvSpPr>
+          <p:cNvPr id="4" name="文本框 3">
+            <a:extLst>
+              <a:ext uri="{FF2B5EF4-FFF2-40B4-BE49-F238E27FC236}">
+                <a16:creationId xmlns:a16="http://schemas.microsoft.com/office/drawing/2014/main" id="{EF24B753-A4DC-DA4C-8C50-C9E364A1B676}"/>
+              </a:ext>
+            </a:extLst>
+          </p:cNvPr>
+          <p:cNvSpPr txBox="1"/>
+          <p:nvPr/>
+        </p:nvSpPr>
+        <p:spPr>
+          <a:xfrm>
+            <a:off x="1828800" y="3040912"/>
+            <a:ext cx="7187609" cy="954107"/>
+          </a:xfrm>
+          <a:prstGeom prst="rect">
+            <a:avLst/>
+          </a:prstGeom>
+          <a:noFill/>
+        </p:spPr>
+        <p:txBody>
+          <a:bodyPr wrap="square" rtlCol="0">
+            <a:spAutoFit/>
+          </a:bodyPr>
+          <a:lstStyle/>
+          <a:p>
+            <a:r>
+              <a:rPr kumimoji="1" lang="zh-CN" altLang="en-US" sz="2800" dirty="0">
+                <a:latin typeface="Microsoft YaHei" panose="020B0503020204020204" pitchFamily="34" charset="-122"/>
+                <a:ea typeface="Microsoft YaHei" panose="020B0503020204020204" pitchFamily="34" charset="-122"/>
+              </a:rPr>
+              <a:t>在计算机程序编之前，依据统计方法对算法进行估算</a:t>
+            </a:r>
+          </a:p>
+        </p:txBody>
+      </p:sp>
+      <p:sp>
+        <p:nvSpPr>
+          <p:cNvPr id="5" name="文本框 4">
+            <a:extLst>
+              <a:ext uri="{FF2B5EF4-FFF2-40B4-BE49-F238E27FC236}">
+                <a16:creationId xmlns:a16="http://schemas.microsoft.com/office/drawing/2014/main" id="{E19594A9-96FF-1047-8AE7-55502359EB7D}"/>
+              </a:ext>
+            </a:extLst>
+          </p:cNvPr>
+          <p:cNvSpPr txBox="1"/>
+          <p:nvPr/>
+        </p:nvSpPr>
+        <p:spPr>
+          <a:xfrm>
+            <a:off x="427483" y="2210721"/>
+            <a:ext cx="1070042" cy="542675"/>
+          </a:xfrm>
+          <a:prstGeom prst="rect">
+            <a:avLst/>
+          </a:prstGeom>
+          <a:solidFill>
+            <a:schemeClr val="accent2"/>
+          </a:solidFill>
+        </p:spPr>
+        <p:txBody>
+          <a:bodyPr wrap="square" rtlCol="0">
+            <a:spAutoFit/>
+          </a:bodyPr>
+          <a:lstStyle/>
+          <a:p>
+            <a:r>
+              <a:rPr kumimoji="1" lang="zh-CN" altLang="en-US" sz="2800" dirty="0">
+                <a:solidFill>
+                  <a:schemeClr val="bg1"/>
+                </a:solidFill>
+                <a:latin typeface="Microsoft YaHei" panose="020B0503020204020204" pitchFamily="34" charset="-122"/>
+                <a:ea typeface="Microsoft YaHei" panose="020B0503020204020204" pitchFamily="34" charset="-122"/>
+              </a:rPr>
+              <a:t>定义</a:t>
+            </a:r>
+          </a:p>
+        </p:txBody>
+      </p:sp>
+    </p:spTree>
+    <p:extLst>
+      <p:ext uri="{BB962C8B-B14F-4D97-AF65-F5344CB8AC3E}">
+        <p14:creationId xmlns:p14="http://schemas.microsoft.com/office/powerpoint/2010/main" val="2107868909"/>
+      </p:ext>
+    </p:extLst>
+  </p:cSld>
+  <p:clrMapOvr>
+    <a:masterClrMapping/>
+  </p:clrMapOvr>
+</p:sld>
+</file>
+
+<file path=ppt/slides/slide12.xml><?xml version="1.0" encoding="utf-8"?>
+<p:sld xmlns:a="http://schemas.openxmlformats.org/drawingml/2006/main" xmlns:r="http://schemas.openxmlformats.org/officeDocument/2006/relationships" xmlns:p="http://schemas.openxmlformats.org/presentationml/2006/main">
+  <p:cSld>
+    <p:bg>
+      <p:bgPr>
+        <a:blipFill>
+          <a:blip r:embed="rId3"/>
+          <a:tile tx="0" ty="0" sx="100000" sy="100000" flip="none" algn="tl"/>
+        </a:blipFill>
+        <a:effectLst/>
+      </p:bgPr>
+    </p:bg>
+    <p:spTree>
+      <p:nvGrpSpPr>
+        <p:cNvPr id="1" name=""/>
+        <p:cNvGrpSpPr/>
+        <p:nvPr/>
+      </p:nvGrpSpPr>
+      <p:grpSpPr>
+        <a:xfrm>
+          <a:off x="0" y="0"/>
+          <a:ext cx="0" cy="0"/>
+          <a:chOff x="0" y="0"/>
+          <a:chExt cx="0" cy="0"/>
+        </a:xfrm>
+      </p:grpSpPr>
+      <p:sp>
+        <p:nvSpPr>
+          <p:cNvPr id="3" name="文本框 2">
+            <a:extLst>
+              <a:ext uri="{FF2B5EF4-FFF2-40B4-BE49-F238E27FC236}">
+                <a16:creationId xmlns:a16="http://schemas.microsoft.com/office/drawing/2014/main" id="{62BFC649-BF8E-2841-8EAF-47AFBF9D6671}"/>
+              </a:ext>
+            </a:extLst>
+          </p:cNvPr>
+          <p:cNvSpPr txBox="1"/>
+          <p:nvPr/>
+        </p:nvSpPr>
+        <p:spPr>
+          <a:xfrm>
+            <a:off x="914400" y="297712"/>
+            <a:ext cx="11015329" cy="2308324"/>
+          </a:xfrm>
+          <a:prstGeom prst="rect">
+            <a:avLst/>
+          </a:prstGeom>
+          <a:noFill/>
+        </p:spPr>
+        <p:txBody>
+          <a:bodyPr wrap="square" rtlCol="0">
+            <a:spAutoFit/>
+          </a:bodyPr>
+          <a:lstStyle/>
+          <a:p>
+            <a:pPr algn="ctr"/>
+            <a:r>
+              <a:rPr kumimoji="1" lang="zh-CN" altLang="en-US" sz="4800" dirty="0">
+                <a:latin typeface="Microsoft YaHei" panose="020B0503020204020204" pitchFamily="34" charset="-122"/>
+                <a:ea typeface="Microsoft YaHei" panose="020B0503020204020204" pitchFamily="34" charset="-122"/>
+              </a:rPr>
+              <a:t>事前估算方法举例</a:t>
+            </a:r>
+            <a:endParaRPr kumimoji="1" lang="en-US" altLang="zh-CN" sz="4800" dirty="0">
+              <a:latin typeface="Microsoft YaHei" panose="020B0503020204020204" pitchFamily="34" charset="-122"/>
+              <a:ea typeface="Microsoft YaHei" panose="020B0503020204020204" pitchFamily="34" charset="-122"/>
+            </a:endParaRPr>
+          </a:p>
+          <a:p>
+            <a:pPr algn="ctr"/>
+            <a:endParaRPr kumimoji="1" lang="en-US" altLang="zh-CN" sz="4800" dirty="0">
+              <a:latin typeface="Microsoft YaHei" panose="020B0503020204020204" pitchFamily="34" charset="-122"/>
+              <a:ea typeface="Microsoft YaHei" panose="020B0503020204020204" pitchFamily="34" charset="-122"/>
+            </a:endParaRPr>
+          </a:p>
+          <a:p>
+            <a:pPr algn="ctr"/>
+            <a:endParaRPr kumimoji="1" lang="zh-CN" altLang="en-US" sz="4800" dirty="0">
+              <a:latin typeface="Microsoft YaHei" panose="020B0503020204020204" pitchFamily="34" charset="-122"/>
+              <a:ea typeface="Microsoft YaHei" panose="020B0503020204020204" pitchFamily="34" charset="-122"/>
+            </a:endParaRPr>
+          </a:p>
+        </p:txBody>
+      </p:sp>
+      <p:pic>
+        <p:nvPicPr>
+          <p:cNvPr id="6" name="图片 5">
+            <a:extLst>
+              <a:ext uri="{FF2B5EF4-FFF2-40B4-BE49-F238E27FC236}">
+                <a16:creationId xmlns:a16="http://schemas.microsoft.com/office/drawing/2014/main" id="{7F22189C-9F78-E646-9843-1DC0FEF31302}"/>
+              </a:ext>
+            </a:extLst>
+          </p:cNvPr>
+          <p:cNvPicPr>
+            <a:picLocks noChangeAspect="1"/>
+          </p:cNvPicPr>
+          <p:nvPr/>
+        </p:nvPicPr>
+        <p:blipFill>
+          <a:blip r:embed="rId4"/>
+          <a:stretch>
+            <a:fillRect/>
+          </a:stretch>
+        </p:blipFill>
+        <p:spPr>
+          <a:xfrm>
+            <a:off x="-94512" y="2849526"/>
+            <a:ext cx="5665027" cy="2624958"/>
+          </a:xfrm>
+          <a:prstGeom prst="rect">
+            <a:avLst/>
+          </a:prstGeom>
+        </p:spPr>
+      </p:pic>
+      <p:pic>
+        <p:nvPicPr>
+          <p:cNvPr id="8" name="图片 7">
+            <a:extLst>
+              <a:ext uri="{FF2B5EF4-FFF2-40B4-BE49-F238E27FC236}">
+                <a16:creationId xmlns:a16="http://schemas.microsoft.com/office/drawing/2014/main" id="{490C68CC-1997-EA4B-A7C0-61557D17352A}"/>
+              </a:ext>
+            </a:extLst>
+          </p:cNvPr>
+          <p:cNvPicPr>
+            <a:picLocks noChangeAspect="1"/>
+          </p:cNvPicPr>
+          <p:nvPr/>
+        </p:nvPicPr>
+        <p:blipFill>
+          <a:blip r:embed="rId5"/>
+          <a:stretch>
+            <a:fillRect/>
+          </a:stretch>
+        </p:blipFill>
+        <p:spPr>
+          <a:xfrm>
+            <a:off x="5762875" y="2849526"/>
+            <a:ext cx="6496884" cy="2624958"/>
+          </a:xfrm>
+          <a:prstGeom prst="rect">
+            <a:avLst/>
+          </a:prstGeom>
+        </p:spPr>
+      </p:pic>
+      <p:sp>
+        <p:nvSpPr>
+          <p:cNvPr id="10" name="文本框 9">
+            <a:extLst>
+              <a:ext uri="{FF2B5EF4-FFF2-40B4-BE49-F238E27FC236}">
+                <a16:creationId xmlns:a16="http://schemas.microsoft.com/office/drawing/2014/main" id="{BDDAA4A7-0785-AA4E-AF58-EF1C75FE144F}"/>
+              </a:ext>
+            </a:extLst>
+          </p:cNvPr>
+          <p:cNvSpPr txBox="1"/>
+          <p:nvPr/>
+        </p:nvSpPr>
+        <p:spPr>
+          <a:xfrm>
+            <a:off x="54343" y="1594885"/>
+            <a:ext cx="1318437" cy="523220"/>
+          </a:xfrm>
+          <a:prstGeom prst="rect">
+            <a:avLst/>
+          </a:prstGeom>
+          <a:solidFill>
+            <a:schemeClr val="accent2"/>
+          </a:solidFill>
+        </p:spPr>
+        <p:txBody>
+          <a:bodyPr wrap="square" rtlCol="0">
+            <a:spAutoFit/>
+          </a:bodyPr>
+          <a:lstStyle/>
+          <a:p>
+            <a:r>
+              <a:rPr kumimoji="1" lang="zh-CN" altLang="en-US" sz="2800" dirty="0">
+                <a:solidFill>
+                  <a:schemeClr val="bg1"/>
+                </a:solidFill>
+                <a:latin typeface="Microsoft YaHei" panose="020B0503020204020204" pitchFamily="34" charset="-122"/>
+                <a:ea typeface="Microsoft YaHei" panose="020B0503020204020204" pitchFamily="34" charset="-122"/>
+              </a:rPr>
+              <a:t>算法</a:t>
+            </a:r>
+            <a:r>
+              <a:rPr kumimoji="1" lang="en-US" altLang="zh-CN" sz="2800" dirty="0">
+                <a:solidFill>
+                  <a:schemeClr val="bg1"/>
+                </a:solidFill>
+                <a:latin typeface="Microsoft YaHei" panose="020B0503020204020204" pitchFamily="34" charset="-122"/>
+                <a:ea typeface="Microsoft YaHei" panose="020B0503020204020204" pitchFamily="34" charset="-122"/>
+              </a:rPr>
+              <a:t>1</a:t>
+            </a:r>
+            <a:endParaRPr kumimoji="1" lang="zh-CN" altLang="en-US" sz="2800" dirty="0">
+              <a:solidFill>
+                <a:schemeClr val="bg1"/>
+              </a:solidFill>
+              <a:latin typeface="Microsoft YaHei" panose="020B0503020204020204" pitchFamily="34" charset="-122"/>
+              <a:ea typeface="Microsoft YaHei" panose="020B0503020204020204" pitchFamily="34" charset="-122"/>
+            </a:endParaRPr>
+          </a:p>
+        </p:txBody>
+      </p:sp>
+      <p:sp>
+        <p:nvSpPr>
+          <p:cNvPr id="11" name="文本框 10">
+            <a:extLst>
+              <a:ext uri="{FF2B5EF4-FFF2-40B4-BE49-F238E27FC236}">
+                <a16:creationId xmlns:a16="http://schemas.microsoft.com/office/drawing/2014/main" id="{D8E751BD-37AC-674F-A8FB-D600689629B6}"/>
+              </a:ext>
+            </a:extLst>
+          </p:cNvPr>
+          <p:cNvSpPr txBox="1"/>
+          <p:nvPr/>
+        </p:nvSpPr>
+        <p:spPr>
+          <a:xfrm>
+            <a:off x="5805374" y="1594885"/>
+            <a:ext cx="1318437" cy="523220"/>
+          </a:xfrm>
+          <a:prstGeom prst="rect">
+            <a:avLst/>
+          </a:prstGeom>
+          <a:solidFill>
+            <a:schemeClr val="accent2"/>
+          </a:solidFill>
+        </p:spPr>
+        <p:txBody>
+          <a:bodyPr wrap="square" rtlCol="0">
+            <a:spAutoFit/>
+          </a:bodyPr>
+          <a:lstStyle/>
+          <a:p>
+            <a:r>
+              <a:rPr kumimoji="1" lang="zh-CN" altLang="en-US" sz="2800" dirty="0">
+                <a:solidFill>
+                  <a:schemeClr val="bg1"/>
+                </a:solidFill>
+                <a:latin typeface="Microsoft YaHei" panose="020B0503020204020204" pitchFamily="34" charset="-122"/>
+                <a:ea typeface="Microsoft YaHei" panose="020B0503020204020204" pitchFamily="34" charset="-122"/>
+              </a:rPr>
+              <a:t>算法</a:t>
+            </a:r>
+            <a:r>
+              <a:rPr kumimoji="1" lang="en-US" altLang="zh-CN" sz="2800" dirty="0">
+                <a:solidFill>
+                  <a:schemeClr val="bg1"/>
+                </a:solidFill>
+                <a:latin typeface="Microsoft YaHei" panose="020B0503020204020204" pitchFamily="34" charset="-122"/>
+                <a:ea typeface="Microsoft YaHei" panose="020B0503020204020204" pitchFamily="34" charset="-122"/>
+              </a:rPr>
+              <a:t>2</a:t>
+            </a:r>
+            <a:endParaRPr kumimoji="1" lang="zh-CN" altLang="en-US" sz="2800" dirty="0">
+              <a:solidFill>
+                <a:schemeClr val="bg1"/>
+              </a:solidFill>
+              <a:latin typeface="Microsoft YaHei" panose="020B0503020204020204" pitchFamily="34" charset="-122"/>
+              <a:ea typeface="Microsoft YaHei" panose="020B0503020204020204" pitchFamily="34" charset="-122"/>
+            </a:endParaRPr>
+          </a:p>
+        </p:txBody>
+      </p:sp>
+    </p:spTree>
+    <p:extLst>
+      <p:ext uri="{BB962C8B-B14F-4D97-AF65-F5344CB8AC3E}">
+        <p14:creationId xmlns:p14="http://schemas.microsoft.com/office/powerpoint/2010/main" val="3512613633"/>
+      </p:ext>
+    </p:extLst>
+  </p:cSld>
+  <p:clrMapOvr>
+    <a:masterClrMapping/>
+  </p:clrMapOvr>
+</p:sld>
+</file>
+
+<file path=ppt/slides/slide13.xml><?xml version="1.0" encoding="utf-8"?>
+<p:sld xmlns:a="http://schemas.openxmlformats.org/drawingml/2006/main" xmlns:r="http://schemas.openxmlformats.org/officeDocument/2006/relationships" xmlns:p="http://schemas.openxmlformats.org/presentationml/2006/main">
+  <p:cSld>
+    <p:bg>
+      <p:bgPr>
+        <a:blipFill>
+          <a:blip r:embed="rId2"/>
+          <a:tile tx="0" ty="0" sx="100000" sy="100000" flip="none" algn="tl"/>
+        </a:blipFill>
+        <a:effectLst/>
+      </p:bgPr>
+    </p:bg>
+    <p:spTree>
+      <p:nvGrpSpPr>
+        <p:cNvPr id="1" name=""/>
+        <p:cNvGrpSpPr/>
+        <p:nvPr/>
+      </p:nvGrpSpPr>
+      <p:grpSpPr>
+        <a:xfrm>
+          <a:off x="0" y="0"/>
+          <a:ext cx="0" cy="0"/>
+          <a:chOff x="0" y="0"/>
+          <a:chExt cx="0" cy="0"/>
+        </a:xfrm>
+      </p:grpSpPr>
+      <p:sp>
+        <p:nvSpPr>
+          <p:cNvPr id="3" name="文本框 2">
+            <a:extLst>
+              <a:ext uri="{FF2B5EF4-FFF2-40B4-BE49-F238E27FC236}">
+                <a16:creationId xmlns:a16="http://schemas.microsoft.com/office/drawing/2014/main" id="{62BFC649-BF8E-2841-8EAF-47AFBF9D6671}"/>
+              </a:ext>
+            </a:extLst>
+          </p:cNvPr>
+          <p:cNvSpPr txBox="1"/>
+          <p:nvPr/>
+        </p:nvSpPr>
+        <p:spPr>
+          <a:xfrm>
+            <a:off x="914400" y="581161"/>
+            <a:ext cx="10363200" cy="830997"/>
+          </a:xfrm>
+          <a:prstGeom prst="rect">
+            <a:avLst/>
+          </a:prstGeom>
+          <a:noFill/>
+        </p:spPr>
+        <p:txBody>
+          <a:bodyPr wrap="square" rtlCol="0">
+            <a:spAutoFit/>
+          </a:bodyPr>
+          <a:lstStyle/>
+          <a:p>
+            <a:pPr algn="ctr"/>
+            <a:r>
+              <a:rPr kumimoji="1" lang="en-US" altLang="zh-CN" sz="4800" dirty="0">
+                <a:latin typeface="Microsoft YaHei" panose="020B0503020204020204" pitchFamily="34" charset="-122"/>
+                <a:ea typeface="Microsoft YaHei" panose="020B0503020204020204" pitchFamily="34" charset="-122"/>
+              </a:rPr>
+              <a:t>6.1</a:t>
+            </a:r>
+            <a:r>
+              <a:rPr kumimoji="1" lang="zh-CN" altLang="en-US" sz="4800" dirty="0">
+                <a:latin typeface="Microsoft YaHei" panose="020B0503020204020204" pitchFamily="34" charset="-122"/>
+                <a:ea typeface="Microsoft YaHei" panose="020B0503020204020204" pitchFamily="34" charset="-122"/>
+              </a:rPr>
+              <a:t> 算法时间复杂度</a:t>
+            </a:r>
+            <a:endParaRPr kumimoji="1" lang="en-US" altLang="zh-CN" sz="4800" dirty="0">
+              <a:latin typeface="Microsoft YaHei" panose="020B0503020204020204" pitchFamily="34" charset="-122"/>
+              <a:ea typeface="Microsoft YaHei" panose="020B0503020204020204" pitchFamily="34" charset="-122"/>
+            </a:endParaRPr>
+          </a:p>
+        </p:txBody>
+      </p:sp>
+      <p:sp>
+        <p:nvSpPr>
+          <p:cNvPr id="9" name="文本框 8">
+            <a:extLst>
+              <a:ext uri="{FF2B5EF4-FFF2-40B4-BE49-F238E27FC236}">
+                <a16:creationId xmlns:a16="http://schemas.microsoft.com/office/drawing/2014/main" id="{6ED00F3C-4D67-9945-A46D-A663E09036D9}"/>
+              </a:ext>
+            </a:extLst>
+          </p:cNvPr>
+          <p:cNvSpPr txBox="1"/>
+          <p:nvPr/>
+        </p:nvSpPr>
+        <p:spPr>
+          <a:xfrm>
+            <a:off x="1828800" y="3040912"/>
+            <a:ext cx="7187609" cy="2677656"/>
+          </a:xfrm>
+          <a:prstGeom prst="rect">
+            <a:avLst/>
+          </a:prstGeom>
+          <a:noFill/>
+        </p:spPr>
+        <p:txBody>
+          <a:bodyPr wrap="square" rtlCol="0">
+            <a:spAutoFit/>
+          </a:bodyPr>
+          <a:lstStyle/>
+          <a:p>
+            <a:r>
+              <a:rPr kumimoji="1" lang="en-US" altLang="zh-CN" sz="2800" dirty="0">
+                <a:latin typeface="Microsoft YaHei" panose="020B0503020204020204" pitchFamily="34" charset="-122"/>
+                <a:ea typeface="Microsoft YaHei" panose="020B0503020204020204" pitchFamily="34" charset="-122"/>
+              </a:rPr>
+              <a:t>	</a:t>
+            </a:r>
+            <a:r>
+              <a:rPr kumimoji="1" lang="zh-CN" altLang="en-US" sz="2800" dirty="0">
+                <a:latin typeface="Microsoft YaHei" panose="020B0503020204020204" pitchFamily="34" charset="-122"/>
+                <a:ea typeface="Microsoft YaHei" panose="020B0503020204020204" pitchFamily="34" charset="-122"/>
+              </a:rPr>
+              <a:t>在进行算法分析时，语句总执行次数</a:t>
+            </a:r>
+            <a:r>
+              <a:rPr kumimoji="1" lang="en-US" altLang="zh-CN" sz="2800" dirty="0">
+                <a:latin typeface="Microsoft YaHei" panose="020B0503020204020204" pitchFamily="34" charset="-122"/>
+                <a:ea typeface="Microsoft YaHei" panose="020B0503020204020204" pitchFamily="34" charset="-122"/>
+              </a:rPr>
+              <a:t>T(n)</a:t>
+            </a:r>
+            <a:r>
+              <a:rPr kumimoji="1" lang="zh-CN" altLang="en-US" sz="2800" dirty="0">
+                <a:latin typeface="Microsoft YaHei" panose="020B0503020204020204" pitchFamily="34" charset="-122"/>
+                <a:ea typeface="Microsoft YaHei" panose="020B0503020204020204" pitchFamily="34" charset="-122"/>
+              </a:rPr>
+              <a:t>是关于问题规模</a:t>
+            </a:r>
+            <a:r>
+              <a:rPr kumimoji="1" lang="en-US" altLang="zh-CN" sz="2800" dirty="0">
+                <a:latin typeface="Microsoft YaHei" panose="020B0503020204020204" pitchFamily="34" charset="-122"/>
+                <a:ea typeface="Microsoft YaHei" panose="020B0503020204020204" pitchFamily="34" charset="-122"/>
+              </a:rPr>
+              <a:t>n</a:t>
+            </a:r>
+            <a:r>
+              <a:rPr kumimoji="1" lang="zh-CN" altLang="en-US" sz="2800" dirty="0">
+                <a:latin typeface="Microsoft YaHei" panose="020B0503020204020204" pitchFamily="34" charset="-122"/>
+                <a:ea typeface="Microsoft YaHei" panose="020B0503020204020204" pitchFamily="34" charset="-122"/>
+              </a:rPr>
+              <a:t>的函数，进而分析</a:t>
+            </a:r>
+            <a:r>
+              <a:rPr kumimoji="1" lang="en-US" altLang="zh-CN" sz="2800" dirty="0">
+                <a:latin typeface="Microsoft YaHei" panose="020B0503020204020204" pitchFamily="34" charset="-122"/>
+                <a:ea typeface="Microsoft YaHei" panose="020B0503020204020204" pitchFamily="34" charset="-122"/>
+              </a:rPr>
+              <a:t>T(n)</a:t>
+            </a:r>
+            <a:r>
+              <a:rPr kumimoji="1" lang="zh-CN" altLang="en-US" sz="2800" dirty="0">
+                <a:latin typeface="Microsoft YaHei" panose="020B0503020204020204" pitchFamily="34" charset="-122"/>
+                <a:ea typeface="Microsoft YaHei" panose="020B0503020204020204" pitchFamily="34" charset="-122"/>
+              </a:rPr>
+              <a:t>随</a:t>
+            </a:r>
+            <a:r>
+              <a:rPr kumimoji="1" lang="en-US" altLang="zh-CN" sz="2800" dirty="0">
+                <a:latin typeface="Microsoft YaHei" panose="020B0503020204020204" pitchFamily="34" charset="-122"/>
+                <a:ea typeface="Microsoft YaHei" panose="020B0503020204020204" pitchFamily="34" charset="-122"/>
+              </a:rPr>
+              <a:t>n</a:t>
+            </a:r>
+            <a:r>
+              <a:rPr kumimoji="1" lang="zh-CN" altLang="en-US" sz="2800" dirty="0">
+                <a:latin typeface="Microsoft YaHei" panose="020B0503020204020204" pitchFamily="34" charset="-122"/>
+                <a:ea typeface="Microsoft YaHei" panose="020B0503020204020204" pitchFamily="34" charset="-122"/>
+              </a:rPr>
+              <a:t>的变化情况并确定</a:t>
+            </a:r>
+            <a:r>
+              <a:rPr kumimoji="1" lang="en-US" altLang="zh-CN" sz="2800" dirty="0">
+                <a:latin typeface="Microsoft YaHei" panose="020B0503020204020204" pitchFamily="34" charset="-122"/>
+                <a:ea typeface="Microsoft YaHei" panose="020B0503020204020204" pitchFamily="34" charset="-122"/>
+              </a:rPr>
+              <a:t>T(n)</a:t>
+            </a:r>
+            <a:r>
+              <a:rPr kumimoji="1" lang="zh-CN" altLang="en-US" sz="2800" dirty="0">
+                <a:latin typeface="Microsoft YaHei" panose="020B0503020204020204" pitchFamily="34" charset="-122"/>
+                <a:ea typeface="Microsoft YaHei" panose="020B0503020204020204" pitchFamily="34" charset="-122"/>
+              </a:rPr>
+              <a:t>的数量级。 也称算法的时间度量。 </a:t>
+            </a:r>
+            <a:endParaRPr kumimoji="1" lang="en-US" altLang="zh-CN" sz="2800" dirty="0">
+              <a:latin typeface="Microsoft YaHei" panose="020B0503020204020204" pitchFamily="34" charset="-122"/>
+              <a:ea typeface="Microsoft YaHei" panose="020B0503020204020204" pitchFamily="34" charset="-122"/>
+            </a:endParaRPr>
+          </a:p>
+          <a:p>
+            <a:r>
+              <a:rPr kumimoji="1" lang="en-US" altLang="zh-CN" sz="2800" dirty="0">
+                <a:latin typeface="Microsoft YaHei" panose="020B0503020204020204" pitchFamily="34" charset="-122"/>
+                <a:ea typeface="Microsoft YaHei" panose="020B0503020204020204" pitchFamily="34" charset="-122"/>
+              </a:rPr>
+              <a:t>	T(n)</a:t>
+            </a:r>
+            <a:r>
+              <a:rPr kumimoji="1" lang="zh-CN" altLang="en-US" sz="2800" dirty="0">
+                <a:latin typeface="Microsoft YaHei" panose="020B0503020204020204" pitchFamily="34" charset="-122"/>
+                <a:ea typeface="Microsoft YaHei" panose="020B0503020204020204" pitchFamily="34" charset="-122"/>
+              </a:rPr>
+              <a:t> </a:t>
+            </a:r>
+            <a:r>
+              <a:rPr kumimoji="1" lang="en-US" altLang="zh-CN" sz="2800" dirty="0">
+                <a:latin typeface="Microsoft YaHei" panose="020B0503020204020204" pitchFamily="34" charset="-122"/>
+                <a:ea typeface="Microsoft YaHei" panose="020B0503020204020204" pitchFamily="34" charset="-122"/>
+              </a:rPr>
+              <a:t>=O(f(n)),</a:t>
+            </a:r>
+            <a:r>
+              <a:rPr kumimoji="1" lang="zh-CN" altLang="en-US" sz="2800" dirty="0">
+                <a:latin typeface="Microsoft YaHei" panose="020B0503020204020204" pitchFamily="34" charset="-122"/>
+                <a:ea typeface="Microsoft YaHei" panose="020B0503020204020204" pitchFamily="34" charset="-122"/>
+              </a:rPr>
+              <a:t>它表示随着</a:t>
+            </a:r>
+            <a:r>
+              <a:rPr kumimoji="1" lang="en-US" altLang="zh-CN" sz="2800" dirty="0">
+                <a:latin typeface="Microsoft YaHei" panose="020B0503020204020204" pitchFamily="34" charset="-122"/>
+                <a:ea typeface="Microsoft YaHei" panose="020B0503020204020204" pitchFamily="34" charset="-122"/>
+              </a:rPr>
+              <a:t>n</a:t>
+            </a:r>
+            <a:r>
+              <a:rPr kumimoji="1" lang="zh-CN" altLang="en-US" sz="2800" dirty="0">
+                <a:latin typeface="Microsoft YaHei" panose="020B0503020204020204" pitchFamily="34" charset="-122"/>
+                <a:ea typeface="Microsoft YaHei" panose="020B0503020204020204" pitchFamily="34" charset="-122"/>
+              </a:rPr>
+              <a:t>的增长，算法执行时间的增长率和</a:t>
+            </a:r>
+            <a:r>
+              <a:rPr kumimoji="1" lang="en-US" altLang="zh-CN" sz="2800" dirty="0">
+                <a:latin typeface="Microsoft YaHei" panose="020B0503020204020204" pitchFamily="34" charset="-122"/>
+                <a:ea typeface="Microsoft YaHei" panose="020B0503020204020204" pitchFamily="34" charset="-122"/>
+              </a:rPr>
+              <a:t>f(n)</a:t>
+            </a:r>
+            <a:r>
+              <a:rPr kumimoji="1" lang="zh-CN" altLang="en-US" sz="2800" dirty="0">
+                <a:latin typeface="Microsoft YaHei" panose="020B0503020204020204" pitchFamily="34" charset="-122"/>
+                <a:ea typeface="Microsoft YaHei" panose="020B0503020204020204" pitchFamily="34" charset="-122"/>
+              </a:rPr>
+              <a:t>增长率相同。</a:t>
+            </a:r>
+          </a:p>
+        </p:txBody>
+      </p:sp>
+      <p:sp>
+        <p:nvSpPr>
+          <p:cNvPr id="10" name="文本框 9">
+            <a:extLst>
+              <a:ext uri="{FF2B5EF4-FFF2-40B4-BE49-F238E27FC236}">
+                <a16:creationId xmlns:a16="http://schemas.microsoft.com/office/drawing/2014/main" id="{7511EEBB-619F-0C45-A9DA-BA9D07BE6B38}"/>
+              </a:ext>
+            </a:extLst>
+          </p:cNvPr>
+          <p:cNvSpPr txBox="1"/>
+          <p:nvPr/>
+        </p:nvSpPr>
+        <p:spPr>
+          <a:xfrm>
+            <a:off x="427483" y="2210721"/>
+            <a:ext cx="1070042" cy="542675"/>
+          </a:xfrm>
+          <a:prstGeom prst="rect">
+            <a:avLst/>
+          </a:prstGeom>
+          <a:solidFill>
+            <a:schemeClr val="accent2"/>
+          </a:solidFill>
+        </p:spPr>
+        <p:txBody>
+          <a:bodyPr wrap="square" rtlCol="0">
+            <a:spAutoFit/>
+          </a:bodyPr>
+          <a:lstStyle/>
+          <a:p>
+            <a:r>
+              <a:rPr kumimoji="1" lang="zh-CN" altLang="en-US" sz="2800" dirty="0">
+                <a:solidFill>
+                  <a:schemeClr val="bg1"/>
+                </a:solidFill>
+                <a:latin typeface="Microsoft YaHei" panose="020B0503020204020204" pitchFamily="34" charset="-122"/>
+                <a:ea typeface="Microsoft YaHei" panose="020B0503020204020204" pitchFamily="34" charset="-122"/>
+              </a:rPr>
+              <a:t>定义</a:t>
+            </a:r>
+          </a:p>
+        </p:txBody>
+      </p:sp>
+    </p:spTree>
+    <p:extLst>
+      <p:ext uri="{BB962C8B-B14F-4D97-AF65-F5344CB8AC3E}">
+        <p14:creationId xmlns:p14="http://schemas.microsoft.com/office/powerpoint/2010/main" val="3558409297"/>
+      </p:ext>
+    </p:extLst>
+  </p:cSld>
+  <p:clrMapOvr>
+    <a:masterClrMapping/>
+  </p:clrMapOvr>
+</p:sld>
+</file>
+
+<file path=ppt/slides/slide14.xml><?xml version="1.0" encoding="utf-8"?>
+<p:sld xmlns:a="http://schemas.openxmlformats.org/drawingml/2006/main" xmlns:r="http://schemas.openxmlformats.org/officeDocument/2006/relationships" xmlns:p="http://schemas.openxmlformats.org/presentationml/2006/main">
+  <p:cSld>
+    <p:bg>
+      <p:bgPr>
+        <a:blipFill>
+          <a:blip r:embed="rId2"/>
+          <a:tile tx="0" ty="0" sx="100000" sy="100000" flip="none" algn="tl"/>
+        </a:blipFill>
+        <a:effectLst/>
+      </p:bgPr>
+    </p:bg>
+    <p:spTree>
+      <p:nvGrpSpPr>
+        <p:cNvPr id="1" name=""/>
+        <p:cNvGrpSpPr/>
+        <p:nvPr/>
+      </p:nvGrpSpPr>
+      <p:grpSpPr>
+        <a:xfrm>
+          <a:off x="0" y="0"/>
+          <a:ext cx="0" cy="0"/>
+          <a:chOff x="0" y="0"/>
+          <a:chExt cx="0" cy="0"/>
+        </a:xfrm>
+      </p:grpSpPr>
+      <p:sp>
+        <p:nvSpPr>
+          <p:cNvPr id="3" name="文本框 2">
+            <a:extLst>
+              <a:ext uri="{FF2B5EF4-FFF2-40B4-BE49-F238E27FC236}">
+                <a16:creationId xmlns:a16="http://schemas.microsoft.com/office/drawing/2014/main" id="{62BFC649-BF8E-2841-8EAF-47AFBF9D6671}"/>
+              </a:ext>
+            </a:extLst>
+          </p:cNvPr>
+          <p:cNvSpPr txBox="1"/>
+          <p:nvPr/>
+        </p:nvSpPr>
+        <p:spPr>
+          <a:xfrm>
+            <a:off x="914400" y="581161"/>
+            <a:ext cx="10363200" cy="830997"/>
+          </a:xfrm>
+          <a:prstGeom prst="rect">
+            <a:avLst/>
+          </a:prstGeom>
+          <a:noFill/>
+        </p:spPr>
+        <p:txBody>
+          <a:bodyPr wrap="square" rtlCol="0">
+            <a:spAutoFit/>
+          </a:bodyPr>
+          <a:lstStyle/>
+          <a:p>
+            <a:pPr algn="ctr"/>
+            <a:r>
+              <a:rPr kumimoji="1" lang="en-US" altLang="zh-CN" sz="4800" dirty="0">
+                <a:latin typeface="Microsoft YaHei" panose="020B0503020204020204" pitchFamily="34" charset="-122"/>
+                <a:ea typeface="Microsoft YaHei" panose="020B0503020204020204" pitchFamily="34" charset="-122"/>
+              </a:rPr>
+              <a:t>6.1</a:t>
+            </a:r>
+            <a:r>
+              <a:rPr kumimoji="1" lang="zh-CN" altLang="en-US" sz="4800" dirty="0">
+                <a:latin typeface="Microsoft YaHei" panose="020B0503020204020204" pitchFamily="34" charset="-122"/>
+                <a:ea typeface="Microsoft YaHei" panose="020B0503020204020204" pitchFamily="34" charset="-122"/>
+              </a:rPr>
+              <a:t> 算法时间复杂度</a:t>
+            </a:r>
+            <a:endParaRPr kumimoji="1" lang="en-US" altLang="zh-CN" sz="4800" dirty="0">
+              <a:latin typeface="Microsoft YaHei" panose="020B0503020204020204" pitchFamily="34" charset="-122"/>
+              <a:ea typeface="Microsoft YaHei" panose="020B0503020204020204" pitchFamily="34" charset="-122"/>
+            </a:endParaRPr>
+          </a:p>
+        </p:txBody>
+      </p:sp>
+      <p:sp>
+        <p:nvSpPr>
+          <p:cNvPr id="9" name="文本框 8">
+            <a:extLst>
+              <a:ext uri="{FF2B5EF4-FFF2-40B4-BE49-F238E27FC236}">
+                <a16:creationId xmlns:a16="http://schemas.microsoft.com/office/drawing/2014/main" id="{6ED00F3C-4D67-9945-A46D-A663E09036D9}"/>
+              </a:ext>
+            </a:extLst>
+          </p:cNvPr>
+          <p:cNvSpPr txBox="1"/>
+          <p:nvPr/>
+        </p:nvSpPr>
+        <p:spPr>
+          <a:xfrm>
+            <a:off x="1828800" y="3040912"/>
+            <a:ext cx="7187609" cy="954107"/>
+          </a:xfrm>
+          <a:prstGeom prst="rect">
+            <a:avLst/>
+          </a:prstGeom>
+          <a:noFill/>
+        </p:spPr>
+        <p:txBody>
+          <a:bodyPr wrap="square" rtlCol="0">
+            <a:spAutoFit/>
+          </a:bodyPr>
+          <a:lstStyle/>
+          <a:p>
+            <a:r>
+              <a:rPr kumimoji="1" lang="en-US" altLang="zh-CN" sz="2800" dirty="0">
+                <a:latin typeface="Microsoft YaHei" panose="020B0503020204020204" pitchFamily="34" charset="-122"/>
+                <a:ea typeface="Microsoft YaHei" panose="020B0503020204020204" pitchFamily="34" charset="-122"/>
+              </a:rPr>
+              <a:t>int</a:t>
+            </a:r>
+            <a:r>
+              <a:rPr kumimoji="1" lang="zh-CN" altLang="en-US" sz="2800" dirty="0">
+                <a:latin typeface="Microsoft YaHei" panose="020B0503020204020204" pitchFamily="34" charset="-122"/>
+                <a:ea typeface="Microsoft YaHei" panose="020B0503020204020204" pitchFamily="34" charset="-122"/>
+              </a:rPr>
+              <a:t> </a:t>
+            </a:r>
+            <a:r>
+              <a:rPr kumimoji="1" lang="en-US" altLang="zh-CN" sz="2800" dirty="0">
+                <a:latin typeface="Microsoft YaHei" panose="020B0503020204020204" pitchFamily="34" charset="-122"/>
+                <a:ea typeface="Microsoft YaHei" panose="020B0503020204020204" pitchFamily="34" charset="-122"/>
+              </a:rPr>
+              <a:t>a</a:t>
+            </a:r>
+            <a:r>
+              <a:rPr kumimoji="1" lang="zh-CN" altLang="en-US" sz="2800" dirty="0">
+                <a:latin typeface="Microsoft YaHei" panose="020B0503020204020204" pitchFamily="34" charset="-122"/>
+                <a:ea typeface="Microsoft YaHei" panose="020B0503020204020204" pitchFamily="34" charset="-122"/>
+              </a:rPr>
+              <a:t> </a:t>
+            </a:r>
+            <a:r>
+              <a:rPr kumimoji="1" lang="en-US" altLang="zh-CN" sz="2800" dirty="0">
+                <a:latin typeface="Microsoft YaHei" panose="020B0503020204020204" pitchFamily="34" charset="-122"/>
+                <a:ea typeface="Microsoft YaHei" panose="020B0503020204020204" pitchFamily="34" charset="-122"/>
+              </a:rPr>
+              <a:t>=1,b</a:t>
+            </a:r>
+            <a:r>
+              <a:rPr kumimoji="1" lang="zh-CN" altLang="en-US" sz="2800" dirty="0">
+                <a:latin typeface="Microsoft YaHei" panose="020B0503020204020204" pitchFamily="34" charset="-122"/>
+                <a:ea typeface="Microsoft YaHei" panose="020B0503020204020204" pitchFamily="34" charset="-122"/>
+              </a:rPr>
+              <a:t> </a:t>
+            </a:r>
+            <a:r>
+              <a:rPr kumimoji="1" lang="en-US" altLang="zh-CN" sz="2800" dirty="0">
+                <a:latin typeface="Microsoft YaHei" panose="020B0503020204020204" pitchFamily="34" charset="-122"/>
+                <a:ea typeface="Microsoft YaHei" panose="020B0503020204020204" pitchFamily="34" charset="-122"/>
+              </a:rPr>
+              <a:t>=2;</a:t>
+            </a:r>
+          </a:p>
+          <a:p>
+            <a:r>
+              <a:rPr kumimoji="1" lang="en-US" altLang="zh-CN" sz="2800" dirty="0">
+                <a:latin typeface="Microsoft YaHei" panose="020B0503020204020204" pitchFamily="34" charset="-122"/>
+                <a:ea typeface="Microsoft YaHei" panose="020B0503020204020204" pitchFamily="34" charset="-122"/>
+              </a:rPr>
+              <a:t>int</a:t>
+            </a:r>
+            <a:r>
+              <a:rPr kumimoji="1" lang="zh-CN" altLang="en-US" sz="2800" dirty="0">
+                <a:latin typeface="Microsoft YaHei" panose="020B0503020204020204" pitchFamily="34" charset="-122"/>
+                <a:ea typeface="Microsoft YaHei" panose="020B0503020204020204" pitchFamily="34" charset="-122"/>
+              </a:rPr>
+              <a:t> </a:t>
+            </a:r>
+            <a:r>
+              <a:rPr kumimoji="1" lang="en-US" altLang="zh-CN" sz="2800" dirty="0">
+                <a:latin typeface="Microsoft YaHei" panose="020B0503020204020204" pitchFamily="34" charset="-122"/>
+                <a:ea typeface="Microsoft YaHei" panose="020B0503020204020204" pitchFamily="34" charset="-122"/>
+              </a:rPr>
+              <a:t>sum</a:t>
+            </a:r>
+            <a:r>
+              <a:rPr kumimoji="1" lang="zh-CN" altLang="en-US" sz="2800" dirty="0">
+                <a:latin typeface="Microsoft YaHei" panose="020B0503020204020204" pitchFamily="34" charset="-122"/>
+                <a:ea typeface="Microsoft YaHei" panose="020B0503020204020204" pitchFamily="34" charset="-122"/>
+              </a:rPr>
+              <a:t> </a:t>
+            </a:r>
+            <a:r>
+              <a:rPr kumimoji="1" lang="en-US" altLang="zh-CN" sz="2800" dirty="0">
+                <a:latin typeface="Microsoft YaHei" panose="020B0503020204020204" pitchFamily="34" charset="-122"/>
+                <a:ea typeface="Microsoft YaHei" panose="020B0503020204020204" pitchFamily="34" charset="-122"/>
+              </a:rPr>
+              <a:t>=</a:t>
+            </a:r>
+            <a:r>
+              <a:rPr kumimoji="1" lang="zh-CN" altLang="en-US" sz="2800" dirty="0">
+                <a:latin typeface="Microsoft YaHei" panose="020B0503020204020204" pitchFamily="34" charset="-122"/>
+                <a:ea typeface="Microsoft YaHei" panose="020B0503020204020204" pitchFamily="34" charset="-122"/>
+              </a:rPr>
+              <a:t> </a:t>
+            </a:r>
+            <a:r>
+              <a:rPr kumimoji="1" lang="en-US" altLang="zh-CN" sz="2800" dirty="0" err="1">
+                <a:latin typeface="Microsoft YaHei" panose="020B0503020204020204" pitchFamily="34" charset="-122"/>
+                <a:ea typeface="Microsoft YaHei" panose="020B0503020204020204" pitchFamily="34" charset="-122"/>
+              </a:rPr>
+              <a:t>a+b</a:t>
+            </a:r>
+            <a:r>
+              <a:rPr kumimoji="1" lang="en-US" altLang="zh-CN" sz="2800" dirty="0">
+                <a:latin typeface="Microsoft YaHei" panose="020B0503020204020204" pitchFamily="34" charset="-122"/>
+                <a:ea typeface="Microsoft YaHei" panose="020B0503020204020204" pitchFamily="34" charset="-122"/>
+              </a:rPr>
+              <a:t>;</a:t>
+            </a:r>
+          </a:p>
+        </p:txBody>
+      </p:sp>
+      <p:sp>
+        <p:nvSpPr>
+          <p:cNvPr id="10" name="文本框 9">
+            <a:extLst>
+              <a:ext uri="{FF2B5EF4-FFF2-40B4-BE49-F238E27FC236}">
+                <a16:creationId xmlns:a16="http://schemas.microsoft.com/office/drawing/2014/main" id="{7511EEBB-619F-0C45-A9DA-BA9D07BE6B38}"/>
+              </a:ext>
+            </a:extLst>
+          </p:cNvPr>
+          <p:cNvSpPr txBox="1"/>
+          <p:nvPr/>
+        </p:nvSpPr>
+        <p:spPr>
+          <a:xfrm>
+            <a:off x="427482" y="2169042"/>
+            <a:ext cx="3272647" cy="523220"/>
+          </a:xfrm>
+          <a:prstGeom prst="rect">
+            <a:avLst/>
+          </a:prstGeom>
+          <a:solidFill>
+            <a:schemeClr val="accent2"/>
+          </a:solidFill>
+        </p:spPr>
+        <p:txBody>
+          <a:bodyPr wrap="square" rtlCol="0">
+            <a:spAutoFit/>
+          </a:bodyPr>
+          <a:lstStyle/>
+          <a:p>
+            <a:r>
+              <a:rPr kumimoji="1" lang="en-US" altLang="zh-CN" sz="2800" dirty="0">
+                <a:solidFill>
+                  <a:schemeClr val="bg1"/>
+                </a:solidFill>
+                <a:latin typeface="Microsoft YaHei" panose="020B0503020204020204" pitchFamily="34" charset="-122"/>
+                <a:ea typeface="Microsoft YaHei" panose="020B0503020204020204" pitchFamily="34" charset="-122"/>
+              </a:rPr>
+              <a:t>O(1),</a:t>
+            </a:r>
+            <a:r>
+              <a:rPr kumimoji="1" lang="zh-CN" altLang="en-US" sz="2800" dirty="0">
+                <a:solidFill>
+                  <a:schemeClr val="bg1"/>
+                </a:solidFill>
+                <a:latin typeface="Microsoft YaHei" panose="020B0503020204020204" pitchFamily="34" charset="-122"/>
+                <a:ea typeface="Microsoft YaHei" panose="020B0503020204020204" pitchFamily="34" charset="-122"/>
+              </a:rPr>
+              <a:t>常数阶</a:t>
+            </a:r>
+          </a:p>
+        </p:txBody>
+      </p:sp>
+    </p:spTree>
+    <p:extLst>
+      <p:ext uri="{BB962C8B-B14F-4D97-AF65-F5344CB8AC3E}">
+        <p14:creationId xmlns:p14="http://schemas.microsoft.com/office/powerpoint/2010/main" val="1358154307"/>
+      </p:ext>
+    </p:extLst>
+  </p:cSld>
+  <p:clrMapOvr>
+    <a:masterClrMapping/>
+  </p:clrMapOvr>
+</p:sld>
+</file>
+
+<file path=ppt/slides/slide15.xml><?xml version="1.0" encoding="utf-8"?>
+<p:sld xmlns:a="http://schemas.openxmlformats.org/drawingml/2006/main" xmlns:r="http://schemas.openxmlformats.org/officeDocument/2006/relationships" xmlns:p="http://schemas.openxmlformats.org/presentationml/2006/main">
+  <p:cSld>
+    <p:bg>
+      <p:bgPr>
+        <a:blipFill>
+          <a:blip r:embed="rId2"/>
+          <a:tile tx="0" ty="0" sx="100000" sy="100000" flip="none" algn="tl"/>
+        </a:blipFill>
+        <a:effectLst/>
+      </p:bgPr>
+    </p:bg>
+    <p:spTree>
+      <p:nvGrpSpPr>
+        <p:cNvPr id="1" name=""/>
+        <p:cNvGrpSpPr/>
+        <p:nvPr/>
+      </p:nvGrpSpPr>
+      <p:grpSpPr>
+        <a:xfrm>
+          <a:off x="0" y="0"/>
+          <a:ext cx="0" cy="0"/>
+          <a:chOff x="0" y="0"/>
+          <a:chExt cx="0" cy="0"/>
+        </a:xfrm>
+      </p:grpSpPr>
+      <p:sp>
+        <p:nvSpPr>
+          <p:cNvPr id="3" name="文本框 2">
+            <a:extLst>
+              <a:ext uri="{FF2B5EF4-FFF2-40B4-BE49-F238E27FC236}">
+                <a16:creationId xmlns:a16="http://schemas.microsoft.com/office/drawing/2014/main" id="{62BFC649-BF8E-2841-8EAF-47AFBF9D6671}"/>
+              </a:ext>
+            </a:extLst>
+          </p:cNvPr>
+          <p:cNvSpPr txBox="1"/>
+          <p:nvPr/>
+        </p:nvSpPr>
+        <p:spPr>
+          <a:xfrm>
+            <a:off x="914400" y="581161"/>
+            <a:ext cx="10363200" cy="830997"/>
+          </a:xfrm>
+          <a:prstGeom prst="rect">
+            <a:avLst/>
+          </a:prstGeom>
+          <a:noFill/>
+        </p:spPr>
+        <p:txBody>
+          <a:bodyPr wrap="square" rtlCol="0">
+            <a:spAutoFit/>
+          </a:bodyPr>
+          <a:lstStyle/>
+          <a:p>
+            <a:pPr algn="ctr"/>
+            <a:r>
+              <a:rPr kumimoji="1" lang="en-US" altLang="zh-CN" sz="4800" dirty="0">
+                <a:latin typeface="Microsoft YaHei" panose="020B0503020204020204" pitchFamily="34" charset="-122"/>
+                <a:ea typeface="Microsoft YaHei" panose="020B0503020204020204" pitchFamily="34" charset="-122"/>
+              </a:rPr>
+              <a:t>6.1</a:t>
+            </a:r>
+            <a:r>
+              <a:rPr kumimoji="1" lang="zh-CN" altLang="en-US" sz="4800" dirty="0">
+                <a:latin typeface="Microsoft YaHei" panose="020B0503020204020204" pitchFamily="34" charset="-122"/>
+                <a:ea typeface="Microsoft YaHei" panose="020B0503020204020204" pitchFamily="34" charset="-122"/>
+              </a:rPr>
+              <a:t> 算法时间复杂度</a:t>
+            </a:r>
+            <a:endParaRPr kumimoji="1" lang="en-US" altLang="zh-CN" sz="4800" dirty="0">
+              <a:latin typeface="Microsoft YaHei" panose="020B0503020204020204" pitchFamily="34" charset="-122"/>
+              <a:ea typeface="Microsoft YaHei" panose="020B0503020204020204" pitchFamily="34" charset="-122"/>
+            </a:endParaRPr>
+          </a:p>
+        </p:txBody>
+      </p:sp>
+      <p:sp>
+        <p:nvSpPr>
+          <p:cNvPr id="9" name="文本框 8">
+            <a:extLst>
+              <a:ext uri="{FF2B5EF4-FFF2-40B4-BE49-F238E27FC236}">
+                <a16:creationId xmlns:a16="http://schemas.microsoft.com/office/drawing/2014/main" id="{6ED00F3C-4D67-9945-A46D-A663E09036D9}"/>
+              </a:ext>
+            </a:extLst>
+          </p:cNvPr>
+          <p:cNvSpPr txBox="1"/>
+          <p:nvPr/>
+        </p:nvSpPr>
+        <p:spPr>
+          <a:xfrm>
+            <a:off x="2063805" y="2972092"/>
+            <a:ext cx="7187609" cy="2246769"/>
+          </a:xfrm>
+          <a:prstGeom prst="rect">
+            <a:avLst/>
+          </a:prstGeom>
+          <a:noFill/>
+        </p:spPr>
+        <p:txBody>
+          <a:bodyPr wrap="square" rtlCol="0">
+            <a:spAutoFit/>
+          </a:bodyPr>
+          <a:lstStyle/>
+          <a:p>
+            <a:r>
+              <a:rPr kumimoji="1" lang="en-US" altLang="zh-CN" sz="2800" dirty="0">
+                <a:latin typeface="Microsoft YaHei" panose="020B0503020204020204" pitchFamily="34" charset="-122"/>
+                <a:ea typeface="Microsoft YaHei" panose="020B0503020204020204" pitchFamily="34" charset="-122"/>
+              </a:rPr>
+              <a:t>int</a:t>
+            </a:r>
+            <a:r>
+              <a:rPr kumimoji="1" lang="zh-CN" altLang="en-US" sz="2800" dirty="0">
+                <a:latin typeface="Microsoft YaHei" panose="020B0503020204020204" pitchFamily="34" charset="-122"/>
+                <a:ea typeface="Microsoft YaHei" panose="020B0503020204020204" pitchFamily="34" charset="-122"/>
+              </a:rPr>
+              <a:t> </a:t>
+            </a:r>
+            <a:r>
+              <a:rPr kumimoji="1" lang="en-US" altLang="zh-CN" sz="2800" dirty="0">
+                <a:latin typeface="Microsoft YaHei" panose="020B0503020204020204" pitchFamily="34" charset="-122"/>
+                <a:ea typeface="Microsoft YaHei" panose="020B0503020204020204" pitchFamily="34" charset="-122"/>
+              </a:rPr>
+              <a:t>array[]</a:t>
+            </a:r>
+            <a:r>
+              <a:rPr kumimoji="1" lang="zh-CN" altLang="en-US" sz="2800" dirty="0">
+                <a:latin typeface="Microsoft YaHei" panose="020B0503020204020204" pitchFamily="34" charset="-122"/>
+                <a:ea typeface="Microsoft YaHei" panose="020B0503020204020204" pitchFamily="34" charset="-122"/>
+              </a:rPr>
+              <a:t> </a:t>
+            </a:r>
+            <a:r>
+              <a:rPr kumimoji="1" lang="en-US" altLang="zh-CN" sz="2800" dirty="0">
+                <a:latin typeface="Microsoft YaHei" panose="020B0503020204020204" pitchFamily="34" charset="-122"/>
+                <a:ea typeface="Microsoft YaHei" panose="020B0503020204020204" pitchFamily="34" charset="-122"/>
+              </a:rPr>
+              <a:t>=</a:t>
+            </a:r>
+            <a:r>
+              <a:rPr kumimoji="1" lang="zh-CN" altLang="en-US" sz="2800" dirty="0">
+                <a:latin typeface="Microsoft YaHei" panose="020B0503020204020204" pitchFamily="34" charset="-122"/>
+                <a:ea typeface="Microsoft YaHei" panose="020B0503020204020204" pitchFamily="34" charset="-122"/>
+              </a:rPr>
+              <a:t> </a:t>
+            </a:r>
+            <a:r>
+              <a:rPr kumimoji="1" lang="en-US" altLang="zh-CN" sz="2800" dirty="0">
+                <a:latin typeface="Microsoft YaHei" panose="020B0503020204020204" pitchFamily="34" charset="-122"/>
+                <a:ea typeface="Microsoft YaHei" panose="020B0503020204020204" pitchFamily="34" charset="-122"/>
+              </a:rPr>
+              <a:t>{1,2,3,4,5,6,7,8,9…999,1000}</a:t>
+            </a:r>
+          </a:p>
+          <a:p>
+            <a:r>
+              <a:rPr kumimoji="1" lang="en-US" altLang="zh-CN" sz="2800" dirty="0">
+                <a:latin typeface="Microsoft YaHei" panose="020B0503020204020204" pitchFamily="34" charset="-122"/>
+                <a:ea typeface="Microsoft YaHei" panose="020B0503020204020204" pitchFamily="34" charset="-122"/>
+              </a:rPr>
+              <a:t>int</a:t>
+            </a:r>
+            <a:r>
+              <a:rPr kumimoji="1" lang="zh-CN" altLang="en-US" sz="2800" dirty="0">
+                <a:latin typeface="Microsoft YaHei" panose="020B0503020204020204" pitchFamily="34" charset="-122"/>
+                <a:ea typeface="Microsoft YaHei" panose="020B0503020204020204" pitchFamily="34" charset="-122"/>
+              </a:rPr>
+              <a:t> </a:t>
+            </a:r>
+            <a:r>
+              <a:rPr kumimoji="1" lang="en-US" altLang="zh-CN" sz="2800" dirty="0">
+                <a:latin typeface="Microsoft YaHei" panose="020B0503020204020204" pitchFamily="34" charset="-122"/>
+                <a:ea typeface="Microsoft YaHei" panose="020B0503020204020204" pitchFamily="34" charset="-122"/>
+              </a:rPr>
+              <a:t>n</a:t>
+            </a:r>
+            <a:r>
+              <a:rPr kumimoji="1" lang="zh-CN" altLang="en-US" sz="2800" dirty="0">
+                <a:latin typeface="Microsoft YaHei" panose="020B0503020204020204" pitchFamily="34" charset="-122"/>
+                <a:ea typeface="Microsoft YaHei" panose="020B0503020204020204" pitchFamily="34" charset="-122"/>
+              </a:rPr>
+              <a:t> </a:t>
+            </a:r>
+            <a:r>
+              <a:rPr kumimoji="1" lang="en-US" altLang="zh-CN" sz="2800" dirty="0">
+                <a:latin typeface="Microsoft YaHei" panose="020B0503020204020204" pitchFamily="34" charset="-122"/>
+                <a:ea typeface="Microsoft YaHei" panose="020B0503020204020204" pitchFamily="34" charset="-122"/>
+              </a:rPr>
+              <a:t>=</a:t>
+            </a:r>
+            <a:r>
+              <a:rPr kumimoji="1" lang="zh-CN" altLang="en-US" sz="2800" dirty="0">
+                <a:latin typeface="Microsoft YaHei" panose="020B0503020204020204" pitchFamily="34" charset="-122"/>
+                <a:ea typeface="Microsoft YaHei" panose="020B0503020204020204" pitchFamily="34" charset="-122"/>
+              </a:rPr>
+              <a:t> </a:t>
+            </a:r>
+            <a:r>
+              <a:rPr kumimoji="1" lang="en-US" altLang="zh-CN" sz="2800" dirty="0">
+                <a:latin typeface="Microsoft YaHei" panose="020B0503020204020204" pitchFamily="34" charset="-122"/>
+                <a:ea typeface="Microsoft YaHei" panose="020B0503020204020204" pitchFamily="34" charset="-122"/>
+              </a:rPr>
+              <a:t>1000;</a:t>
+            </a:r>
+          </a:p>
+          <a:p>
+            <a:r>
+              <a:rPr kumimoji="1" lang="en-US" altLang="zh-CN" sz="2800" dirty="0">
+                <a:latin typeface="Microsoft YaHei" panose="020B0503020204020204" pitchFamily="34" charset="-122"/>
+                <a:ea typeface="Microsoft YaHei" panose="020B0503020204020204" pitchFamily="34" charset="-122"/>
+              </a:rPr>
+              <a:t>for(int</a:t>
+            </a:r>
+            <a:r>
+              <a:rPr kumimoji="1" lang="zh-CN" altLang="en-US" sz="2800" dirty="0">
+                <a:latin typeface="Microsoft YaHei" panose="020B0503020204020204" pitchFamily="34" charset="-122"/>
+                <a:ea typeface="Microsoft YaHei" panose="020B0503020204020204" pitchFamily="34" charset="-122"/>
+              </a:rPr>
+              <a:t> </a:t>
+            </a:r>
+            <a:r>
+              <a:rPr kumimoji="1" lang="en-US" altLang="zh-CN" sz="2800" dirty="0" err="1">
+                <a:latin typeface="Microsoft YaHei" panose="020B0503020204020204" pitchFamily="34" charset="-122"/>
+                <a:ea typeface="Microsoft YaHei" panose="020B0503020204020204" pitchFamily="34" charset="-122"/>
+              </a:rPr>
+              <a:t>i</a:t>
+            </a:r>
+            <a:r>
+              <a:rPr kumimoji="1" lang="en-US" altLang="zh-CN" sz="2800" dirty="0">
+                <a:latin typeface="Microsoft YaHei" panose="020B0503020204020204" pitchFamily="34" charset="-122"/>
+                <a:ea typeface="Microsoft YaHei" panose="020B0503020204020204" pitchFamily="34" charset="-122"/>
+              </a:rPr>
+              <a:t>=0;</a:t>
+            </a:r>
+            <a:r>
+              <a:rPr kumimoji="1" lang="zh-CN" altLang="en-US" sz="2800" dirty="0">
+                <a:latin typeface="Microsoft YaHei" panose="020B0503020204020204" pitchFamily="34" charset="-122"/>
+                <a:ea typeface="Microsoft YaHei" panose="020B0503020204020204" pitchFamily="34" charset="-122"/>
+              </a:rPr>
+              <a:t> </a:t>
+            </a:r>
+            <a:r>
+              <a:rPr kumimoji="1" lang="en-US" altLang="zh-CN" sz="2800" dirty="0" err="1">
+                <a:latin typeface="Microsoft YaHei" panose="020B0503020204020204" pitchFamily="34" charset="-122"/>
+                <a:ea typeface="Microsoft YaHei" panose="020B0503020204020204" pitchFamily="34" charset="-122"/>
+              </a:rPr>
+              <a:t>i</a:t>
+            </a:r>
+            <a:r>
+              <a:rPr kumimoji="1" lang="en-US" altLang="zh-CN" sz="2800" dirty="0">
+                <a:latin typeface="Microsoft YaHei" panose="020B0503020204020204" pitchFamily="34" charset="-122"/>
+                <a:ea typeface="Microsoft YaHei" panose="020B0503020204020204" pitchFamily="34" charset="-122"/>
+              </a:rPr>
+              <a:t>&lt;n;++</a:t>
+            </a:r>
+            <a:r>
+              <a:rPr kumimoji="1" lang="en-US" altLang="zh-CN" sz="2800" dirty="0" err="1">
+                <a:latin typeface="Microsoft YaHei" panose="020B0503020204020204" pitchFamily="34" charset="-122"/>
+                <a:ea typeface="Microsoft YaHei" panose="020B0503020204020204" pitchFamily="34" charset="-122"/>
+              </a:rPr>
+              <a:t>i</a:t>
+            </a:r>
+            <a:r>
+              <a:rPr kumimoji="1" lang="en-US" altLang="zh-CN" sz="2800" dirty="0">
+                <a:latin typeface="Microsoft YaHei" panose="020B0503020204020204" pitchFamily="34" charset="-122"/>
+                <a:ea typeface="Microsoft YaHei" panose="020B0503020204020204" pitchFamily="34" charset="-122"/>
+              </a:rPr>
+              <a:t>){</a:t>
+            </a:r>
+          </a:p>
+          <a:p>
+            <a:r>
+              <a:rPr kumimoji="1" lang="en-US" altLang="zh-CN" sz="2800" dirty="0">
+                <a:latin typeface="Microsoft YaHei" panose="020B0503020204020204" pitchFamily="34" charset="-122"/>
+                <a:ea typeface="Microsoft YaHei" panose="020B0503020204020204" pitchFamily="34" charset="-122"/>
+              </a:rPr>
+              <a:t>	sum</a:t>
+            </a:r>
+            <a:r>
+              <a:rPr kumimoji="1" lang="zh-CN" altLang="en-US" sz="2800" dirty="0">
+                <a:latin typeface="Microsoft YaHei" panose="020B0503020204020204" pitchFamily="34" charset="-122"/>
+                <a:ea typeface="Microsoft YaHei" panose="020B0503020204020204" pitchFamily="34" charset="-122"/>
+              </a:rPr>
+              <a:t> </a:t>
+            </a:r>
+            <a:r>
+              <a:rPr kumimoji="1" lang="en-US" altLang="zh-CN" sz="2800" dirty="0">
+                <a:latin typeface="Microsoft YaHei" panose="020B0503020204020204" pitchFamily="34" charset="-122"/>
+                <a:ea typeface="Microsoft YaHei" panose="020B0503020204020204" pitchFamily="34" charset="-122"/>
+              </a:rPr>
+              <a:t>+=</a:t>
+            </a:r>
+            <a:r>
+              <a:rPr kumimoji="1" lang="en-US" altLang="zh-CN" sz="2800" dirty="0" err="1">
+                <a:latin typeface="Microsoft YaHei" panose="020B0503020204020204" pitchFamily="34" charset="-122"/>
+                <a:ea typeface="Microsoft YaHei" panose="020B0503020204020204" pitchFamily="34" charset="-122"/>
+              </a:rPr>
+              <a:t>i</a:t>
+            </a:r>
+            <a:r>
+              <a:rPr kumimoji="1" lang="en-US" altLang="zh-CN" sz="2800" dirty="0">
+                <a:latin typeface="Microsoft YaHei" panose="020B0503020204020204" pitchFamily="34" charset="-122"/>
+                <a:ea typeface="Microsoft YaHei" panose="020B0503020204020204" pitchFamily="34" charset="-122"/>
+              </a:rPr>
+              <a:t>;</a:t>
+            </a:r>
+          </a:p>
+          <a:p>
+            <a:r>
+              <a:rPr kumimoji="1" lang="en-US" altLang="zh-CN" sz="2800" dirty="0">
+                <a:latin typeface="Microsoft YaHei" panose="020B0503020204020204" pitchFamily="34" charset="-122"/>
+                <a:ea typeface="Microsoft YaHei" panose="020B0503020204020204" pitchFamily="34" charset="-122"/>
+              </a:rPr>
+              <a:t>}</a:t>
+            </a:r>
+          </a:p>
+        </p:txBody>
+      </p:sp>
+      <p:sp>
+        <p:nvSpPr>
+          <p:cNvPr id="10" name="文本框 9">
+            <a:extLst>
+              <a:ext uri="{FF2B5EF4-FFF2-40B4-BE49-F238E27FC236}">
+                <a16:creationId xmlns:a16="http://schemas.microsoft.com/office/drawing/2014/main" id="{7511EEBB-619F-0C45-A9DA-BA9D07BE6B38}"/>
+              </a:ext>
+            </a:extLst>
+          </p:cNvPr>
+          <p:cNvSpPr txBox="1"/>
+          <p:nvPr/>
+        </p:nvSpPr>
+        <p:spPr>
+          <a:xfrm>
+            <a:off x="427482" y="2169042"/>
+            <a:ext cx="3272647" cy="523220"/>
+          </a:xfrm>
+          <a:prstGeom prst="rect">
+            <a:avLst/>
+          </a:prstGeom>
+          <a:solidFill>
+            <a:schemeClr val="accent2"/>
+          </a:solidFill>
+        </p:spPr>
+        <p:txBody>
+          <a:bodyPr wrap="square" rtlCol="0">
+            <a:spAutoFit/>
+          </a:bodyPr>
+          <a:lstStyle/>
+          <a:p>
+            <a:r>
+              <a:rPr kumimoji="1" lang="en-US" altLang="zh-CN" sz="2800" dirty="0">
+                <a:solidFill>
+                  <a:schemeClr val="bg1"/>
+                </a:solidFill>
+                <a:latin typeface="Microsoft YaHei" panose="020B0503020204020204" pitchFamily="34" charset="-122"/>
+                <a:ea typeface="Microsoft YaHei" panose="020B0503020204020204" pitchFamily="34" charset="-122"/>
+              </a:rPr>
+              <a:t>O(n),</a:t>
+            </a:r>
+            <a:r>
+              <a:rPr kumimoji="1" lang="zh-CN" altLang="en-US" sz="2800" dirty="0">
+                <a:solidFill>
+                  <a:schemeClr val="bg1"/>
+                </a:solidFill>
+                <a:latin typeface="Microsoft YaHei" panose="020B0503020204020204" pitchFamily="34" charset="-122"/>
+                <a:ea typeface="Microsoft YaHei" panose="020B0503020204020204" pitchFamily="34" charset="-122"/>
+              </a:rPr>
+              <a:t>线性阶</a:t>
+            </a:r>
+          </a:p>
+        </p:txBody>
+      </p:sp>
+    </p:spTree>
+    <p:extLst>
+      <p:ext uri="{BB962C8B-B14F-4D97-AF65-F5344CB8AC3E}">
+        <p14:creationId xmlns:p14="http://schemas.microsoft.com/office/powerpoint/2010/main" val="3553010249"/>
+      </p:ext>
+    </p:extLst>
+  </p:cSld>
+  <p:clrMapOvr>
+    <a:masterClrMapping/>
+  </p:clrMapOvr>
+</p:sld>
+</file>
+
+<file path=ppt/slides/slide16.xml><?xml version="1.0" encoding="utf-8"?>
+<p:sld xmlns:a="http://schemas.openxmlformats.org/drawingml/2006/main" xmlns:r="http://schemas.openxmlformats.org/officeDocument/2006/relationships" xmlns:p="http://schemas.openxmlformats.org/presentationml/2006/main">
+  <p:cSld>
+    <p:bg>
+      <p:bgPr>
+        <a:blipFill>
+          <a:blip r:embed="rId2"/>
+          <a:tile tx="0" ty="0" sx="100000" sy="100000" flip="none" algn="tl"/>
+        </a:blipFill>
+        <a:effectLst/>
+      </p:bgPr>
+    </p:bg>
+    <p:spTree>
+      <p:nvGrpSpPr>
+        <p:cNvPr id="1" name=""/>
+        <p:cNvGrpSpPr/>
+        <p:nvPr/>
+      </p:nvGrpSpPr>
+      <p:grpSpPr>
+        <a:xfrm>
+          <a:off x="0" y="0"/>
+          <a:ext cx="0" cy="0"/>
+          <a:chOff x="0" y="0"/>
+          <a:chExt cx="0" cy="0"/>
+        </a:xfrm>
+      </p:grpSpPr>
+      <p:sp>
+        <p:nvSpPr>
+          <p:cNvPr id="3" name="文本框 2">
+            <a:extLst>
+              <a:ext uri="{FF2B5EF4-FFF2-40B4-BE49-F238E27FC236}">
+                <a16:creationId xmlns:a16="http://schemas.microsoft.com/office/drawing/2014/main" id="{62BFC649-BF8E-2841-8EAF-47AFBF9D6671}"/>
+              </a:ext>
+            </a:extLst>
+          </p:cNvPr>
+          <p:cNvSpPr txBox="1"/>
+          <p:nvPr/>
+        </p:nvSpPr>
+        <p:spPr>
+          <a:xfrm>
+            <a:off x="914400" y="581161"/>
+            <a:ext cx="10363200" cy="830997"/>
+          </a:xfrm>
+          <a:prstGeom prst="rect">
+            <a:avLst/>
+          </a:prstGeom>
+          <a:noFill/>
+        </p:spPr>
+        <p:txBody>
+          <a:bodyPr wrap="square" rtlCol="0">
+            <a:spAutoFit/>
+          </a:bodyPr>
+          <a:lstStyle/>
+          <a:p>
+            <a:pPr algn="ctr"/>
+            <a:r>
+              <a:rPr kumimoji="1" lang="en-US" altLang="zh-CN" sz="4800" dirty="0">
+                <a:latin typeface="Microsoft YaHei" panose="020B0503020204020204" pitchFamily="34" charset="-122"/>
+                <a:ea typeface="Microsoft YaHei" panose="020B0503020204020204" pitchFamily="34" charset="-122"/>
+              </a:rPr>
+              <a:t>6.1</a:t>
+            </a:r>
+            <a:r>
+              <a:rPr kumimoji="1" lang="zh-CN" altLang="en-US" sz="4800" dirty="0">
+                <a:latin typeface="Microsoft YaHei" panose="020B0503020204020204" pitchFamily="34" charset="-122"/>
+                <a:ea typeface="Microsoft YaHei" panose="020B0503020204020204" pitchFamily="34" charset="-122"/>
+              </a:rPr>
+              <a:t> 算法时间复杂度</a:t>
+            </a:r>
+            <a:endParaRPr kumimoji="1" lang="en-US" altLang="zh-CN" sz="4800" dirty="0">
+              <a:latin typeface="Microsoft YaHei" panose="020B0503020204020204" pitchFamily="34" charset="-122"/>
+              <a:ea typeface="Microsoft YaHei" panose="020B0503020204020204" pitchFamily="34" charset="-122"/>
+            </a:endParaRPr>
+          </a:p>
+        </p:txBody>
+      </p:sp>
+      <p:sp>
+        <p:nvSpPr>
+          <p:cNvPr id="9" name="文本框 8">
+            <a:extLst>
+              <a:ext uri="{FF2B5EF4-FFF2-40B4-BE49-F238E27FC236}">
+                <a16:creationId xmlns:a16="http://schemas.microsoft.com/office/drawing/2014/main" id="{6ED00F3C-4D67-9945-A46D-A663E09036D9}"/>
+              </a:ext>
+            </a:extLst>
+          </p:cNvPr>
+          <p:cNvSpPr txBox="1"/>
+          <p:nvPr/>
+        </p:nvSpPr>
+        <p:spPr>
+          <a:xfrm>
+            <a:off x="0" y="2913321"/>
+            <a:ext cx="12192001" cy="3970318"/>
+          </a:xfrm>
+          <a:prstGeom prst="rect">
+            <a:avLst/>
+          </a:prstGeom>
+          <a:noFill/>
+        </p:spPr>
+        <p:txBody>
+          <a:bodyPr wrap="square" rtlCol="0">
+            <a:spAutoFit/>
+          </a:bodyPr>
+          <a:lstStyle/>
+          <a:p>
+            <a:r>
+              <a:rPr kumimoji="1" lang="en-US" altLang="zh-CN" sz="2800" dirty="0">
+                <a:latin typeface="Microsoft YaHei" panose="020B0503020204020204" pitchFamily="34" charset="-122"/>
+                <a:ea typeface="Microsoft YaHei" panose="020B0503020204020204" pitchFamily="34" charset="-122"/>
+              </a:rPr>
+              <a:t>//</a:t>
+            </a:r>
+            <a:r>
+              <a:rPr kumimoji="1" lang="zh-CN" altLang="en-US" sz="2800" dirty="0">
+                <a:latin typeface="Microsoft YaHei" panose="020B0503020204020204" pitchFamily="34" charset="-122"/>
+                <a:ea typeface="Microsoft YaHei" panose="020B0503020204020204" pitchFamily="34" charset="-122"/>
+              </a:rPr>
+              <a:t>寻找二维数组中最小的数值的下标；</a:t>
+            </a:r>
+            <a:r>
+              <a:rPr kumimoji="1" lang="en-US" altLang="zh-CN" sz="2800" dirty="0">
+                <a:latin typeface="Microsoft YaHei" panose="020B0503020204020204" pitchFamily="34" charset="-122"/>
+                <a:ea typeface="Microsoft YaHei" panose="020B0503020204020204" pitchFamily="34" charset="-122"/>
+              </a:rPr>
+              <a:t>array</a:t>
+            </a:r>
+            <a:r>
+              <a:rPr kumimoji="1" lang="zh-CN" altLang="en-US" sz="2800" dirty="0">
+                <a:latin typeface="Microsoft YaHei" panose="020B0503020204020204" pitchFamily="34" charset="-122"/>
+                <a:ea typeface="Microsoft YaHei" panose="020B0503020204020204" pitchFamily="34" charset="-122"/>
+              </a:rPr>
+              <a:t>是</a:t>
+            </a:r>
+            <a:r>
+              <a:rPr kumimoji="1" lang="en-US" altLang="zh-CN" sz="2800" dirty="0">
+                <a:latin typeface="Microsoft YaHei" panose="020B0503020204020204" pitchFamily="34" charset="-122"/>
+                <a:ea typeface="Microsoft YaHei" panose="020B0503020204020204" pitchFamily="34" charset="-122"/>
+              </a:rPr>
+              <a:t>n</a:t>
+            </a:r>
+            <a:r>
+              <a:rPr kumimoji="1" lang="zh-CN" altLang="en-US" sz="2800" dirty="0">
+                <a:latin typeface="Microsoft YaHei" panose="020B0503020204020204" pitchFamily="34" charset="-122"/>
+                <a:ea typeface="Microsoft YaHei" panose="020B0503020204020204" pitchFamily="34" charset="-122"/>
+              </a:rPr>
+              <a:t>*</a:t>
+            </a:r>
+            <a:r>
+              <a:rPr kumimoji="1" lang="en-US" altLang="zh-CN" sz="2800" dirty="0">
+                <a:latin typeface="Microsoft YaHei" panose="020B0503020204020204" pitchFamily="34" charset="-122"/>
+                <a:ea typeface="Microsoft YaHei" panose="020B0503020204020204" pitchFamily="34" charset="-122"/>
+              </a:rPr>
+              <a:t>n</a:t>
+            </a:r>
+            <a:r>
+              <a:rPr kumimoji="1" lang="zh-CN" altLang="en-US" sz="2800" dirty="0">
+                <a:latin typeface="Microsoft YaHei" panose="020B0503020204020204" pitchFamily="34" charset="-122"/>
+                <a:ea typeface="Microsoft YaHei" panose="020B0503020204020204" pitchFamily="34" charset="-122"/>
+              </a:rPr>
+              <a:t>二维矩阵，均为正整数</a:t>
+            </a:r>
+            <a:endParaRPr kumimoji="1" lang="en-US" altLang="zh-CN" sz="2800" dirty="0">
+              <a:latin typeface="Microsoft YaHei" panose="020B0503020204020204" pitchFamily="34" charset="-122"/>
+              <a:ea typeface="Microsoft YaHei" panose="020B0503020204020204" pitchFamily="34" charset="-122"/>
+            </a:endParaRPr>
+          </a:p>
+          <a:p>
+            <a:r>
+              <a:rPr kumimoji="1" lang="en-US" altLang="zh-CN" sz="2800" dirty="0">
+                <a:latin typeface="Microsoft YaHei" panose="020B0503020204020204" pitchFamily="34" charset="-122"/>
+                <a:ea typeface="Microsoft YaHei" panose="020B0503020204020204" pitchFamily="34" charset="-122"/>
+              </a:rPr>
+              <a:t>int</a:t>
+            </a:r>
+            <a:r>
+              <a:rPr kumimoji="1" lang="zh-CN" altLang="en-US" sz="2800" dirty="0">
+                <a:latin typeface="Microsoft YaHei" panose="020B0503020204020204" pitchFamily="34" charset="-122"/>
+                <a:ea typeface="Microsoft YaHei" panose="020B0503020204020204" pitchFamily="34" charset="-122"/>
+              </a:rPr>
+              <a:t> </a:t>
+            </a:r>
+            <a:r>
+              <a:rPr kumimoji="1" lang="en-US" altLang="zh-CN" sz="2800" dirty="0">
+                <a:latin typeface="Microsoft YaHei" panose="020B0503020204020204" pitchFamily="34" charset="-122"/>
+                <a:ea typeface="Microsoft YaHei" panose="020B0503020204020204" pitchFamily="34" charset="-122"/>
+              </a:rPr>
+              <a:t>n</a:t>
+            </a:r>
+            <a:r>
+              <a:rPr kumimoji="1" lang="zh-CN" altLang="en-US" sz="2800" dirty="0">
+                <a:latin typeface="Microsoft YaHei" panose="020B0503020204020204" pitchFamily="34" charset="-122"/>
+                <a:ea typeface="Microsoft YaHei" panose="020B0503020204020204" pitchFamily="34" charset="-122"/>
+              </a:rPr>
+              <a:t> </a:t>
+            </a:r>
+            <a:r>
+              <a:rPr kumimoji="1" lang="en-US" altLang="zh-CN" sz="2800" dirty="0">
+                <a:latin typeface="Microsoft YaHei" panose="020B0503020204020204" pitchFamily="34" charset="-122"/>
+                <a:ea typeface="Microsoft YaHei" panose="020B0503020204020204" pitchFamily="34" charset="-122"/>
+              </a:rPr>
+              <a:t>=</a:t>
+            </a:r>
+            <a:r>
+              <a:rPr kumimoji="1" lang="zh-CN" altLang="en-US" sz="2800" dirty="0">
+                <a:latin typeface="Microsoft YaHei" panose="020B0503020204020204" pitchFamily="34" charset="-122"/>
+                <a:ea typeface="Microsoft YaHei" panose="020B0503020204020204" pitchFamily="34" charset="-122"/>
+              </a:rPr>
+              <a:t> </a:t>
+            </a:r>
+            <a:r>
+              <a:rPr kumimoji="1" lang="en-US" altLang="zh-CN" sz="2800" dirty="0">
+                <a:latin typeface="Microsoft YaHei" panose="020B0503020204020204" pitchFamily="34" charset="-122"/>
+                <a:ea typeface="Microsoft YaHei" panose="020B0503020204020204" pitchFamily="34" charset="-122"/>
+              </a:rPr>
+              <a:t>100,</a:t>
+            </a:r>
+            <a:r>
+              <a:rPr kumimoji="1" lang="zh-CN" altLang="en-US" sz="2800" dirty="0">
+                <a:latin typeface="Microsoft YaHei" panose="020B0503020204020204" pitchFamily="34" charset="-122"/>
+                <a:ea typeface="Microsoft YaHei" panose="020B0503020204020204" pitchFamily="34" charset="-122"/>
+              </a:rPr>
+              <a:t> </a:t>
+            </a:r>
+            <a:r>
+              <a:rPr kumimoji="1" lang="en-US" altLang="zh-CN" sz="2800" dirty="0">
+                <a:latin typeface="Microsoft YaHei" panose="020B0503020204020204" pitchFamily="34" charset="-122"/>
+                <a:ea typeface="Microsoft YaHei" panose="020B0503020204020204" pitchFamily="34" charset="-122"/>
+              </a:rPr>
+              <a:t>min</a:t>
+            </a:r>
+            <a:r>
+              <a:rPr kumimoji="1" lang="zh-CN" altLang="en-US" sz="2800" dirty="0">
+                <a:latin typeface="Microsoft YaHei" panose="020B0503020204020204" pitchFamily="34" charset="-122"/>
+                <a:ea typeface="Microsoft YaHei" panose="020B0503020204020204" pitchFamily="34" charset="-122"/>
+              </a:rPr>
+              <a:t> </a:t>
+            </a:r>
+            <a:r>
+              <a:rPr kumimoji="1" lang="en-US" altLang="zh-CN" sz="2800" dirty="0">
+                <a:latin typeface="Microsoft YaHei" panose="020B0503020204020204" pitchFamily="34" charset="-122"/>
+                <a:ea typeface="Microsoft YaHei" panose="020B0503020204020204" pitchFamily="34" charset="-122"/>
+              </a:rPr>
+              <a:t>=</a:t>
+            </a:r>
+            <a:r>
+              <a:rPr kumimoji="1" lang="zh-CN" altLang="en-US" sz="2800" dirty="0">
+                <a:latin typeface="Microsoft YaHei" panose="020B0503020204020204" pitchFamily="34" charset="-122"/>
+                <a:ea typeface="Microsoft YaHei" panose="020B0503020204020204" pitchFamily="34" charset="-122"/>
+              </a:rPr>
+              <a:t> </a:t>
+            </a:r>
+            <a:r>
+              <a:rPr kumimoji="1" lang="en-US" altLang="zh-CN" sz="2800" dirty="0">
+                <a:latin typeface="Microsoft YaHei" panose="020B0503020204020204" pitchFamily="34" charset="-122"/>
+                <a:ea typeface="Microsoft YaHei" panose="020B0503020204020204" pitchFamily="34" charset="-122"/>
+              </a:rPr>
+              <a:t>-1,array[100][100]</a:t>
+            </a:r>
+            <a:r>
+              <a:rPr kumimoji="1" lang="zh-CN" altLang="en-US" sz="2800" dirty="0">
+                <a:latin typeface="Microsoft YaHei" panose="020B0503020204020204" pitchFamily="34" charset="-122"/>
+                <a:ea typeface="Microsoft YaHei" panose="020B0503020204020204" pitchFamily="34" charset="-122"/>
+              </a:rPr>
+              <a:t> </a:t>
+            </a:r>
+            <a:r>
+              <a:rPr kumimoji="1" lang="en-US" altLang="zh-CN" sz="2800" dirty="0">
+                <a:latin typeface="Microsoft YaHei" panose="020B0503020204020204" pitchFamily="34" charset="-122"/>
+                <a:ea typeface="Microsoft YaHei" panose="020B0503020204020204" pitchFamily="34" charset="-122"/>
+              </a:rPr>
+              <a:t>={{1,2,3…99,100}…{1,2,3…99,100}}</a:t>
+            </a:r>
+          </a:p>
+          <a:p>
+            <a:r>
+              <a:rPr kumimoji="1" lang="en-US" altLang="zh-CN" sz="2800" dirty="0">
+                <a:latin typeface="Microsoft YaHei" panose="020B0503020204020204" pitchFamily="34" charset="-122"/>
+                <a:ea typeface="Microsoft YaHei" panose="020B0503020204020204" pitchFamily="34" charset="-122"/>
+              </a:rPr>
+              <a:t>for(int</a:t>
+            </a:r>
+            <a:r>
+              <a:rPr kumimoji="1" lang="zh-CN" altLang="en-US" sz="2800" dirty="0">
+                <a:latin typeface="Microsoft YaHei" panose="020B0503020204020204" pitchFamily="34" charset="-122"/>
+                <a:ea typeface="Microsoft YaHei" panose="020B0503020204020204" pitchFamily="34" charset="-122"/>
+              </a:rPr>
+              <a:t> </a:t>
+            </a:r>
+            <a:r>
+              <a:rPr kumimoji="1" lang="en-US" altLang="zh-CN" sz="2800" dirty="0" err="1">
+                <a:latin typeface="Microsoft YaHei" panose="020B0503020204020204" pitchFamily="34" charset="-122"/>
+                <a:ea typeface="Microsoft YaHei" panose="020B0503020204020204" pitchFamily="34" charset="-122"/>
+              </a:rPr>
+              <a:t>i</a:t>
+            </a:r>
+            <a:r>
+              <a:rPr kumimoji="1" lang="en-US" altLang="zh-CN" sz="2800" dirty="0">
+                <a:latin typeface="Microsoft YaHei" panose="020B0503020204020204" pitchFamily="34" charset="-122"/>
+                <a:ea typeface="Microsoft YaHei" panose="020B0503020204020204" pitchFamily="34" charset="-122"/>
+              </a:rPr>
+              <a:t>=0;</a:t>
+            </a:r>
+            <a:r>
+              <a:rPr kumimoji="1" lang="zh-CN" altLang="en-US" sz="2800" dirty="0">
+                <a:latin typeface="Microsoft YaHei" panose="020B0503020204020204" pitchFamily="34" charset="-122"/>
+                <a:ea typeface="Microsoft YaHei" panose="020B0503020204020204" pitchFamily="34" charset="-122"/>
+              </a:rPr>
+              <a:t> </a:t>
+            </a:r>
+            <a:r>
+              <a:rPr kumimoji="1" lang="en-US" altLang="zh-CN" sz="2800" dirty="0" err="1">
+                <a:latin typeface="Microsoft YaHei" panose="020B0503020204020204" pitchFamily="34" charset="-122"/>
+                <a:ea typeface="Microsoft YaHei" panose="020B0503020204020204" pitchFamily="34" charset="-122"/>
+              </a:rPr>
+              <a:t>i</a:t>
+            </a:r>
+            <a:r>
+              <a:rPr kumimoji="1" lang="en-US" altLang="zh-CN" sz="2800" dirty="0">
+                <a:latin typeface="Microsoft YaHei" panose="020B0503020204020204" pitchFamily="34" charset="-122"/>
+                <a:ea typeface="Microsoft YaHei" panose="020B0503020204020204" pitchFamily="34" charset="-122"/>
+              </a:rPr>
+              <a:t>&lt;n;++</a:t>
+            </a:r>
+            <a:r>
+              <a:rPr kumimoji="1" lang="en-US" altLang="zh-CN" sz="2800" dirty="0" err="1">
+                <a:latin typeface="Microsoft YaHei" panose="020B0503020204020204" pitchFamily="34" charset="-122"/>
+                <a:ea typeface="Microsoft YaHei" panose="020B0503020204020204" pitchFamily="34" charset="-122"/>
+              </a:rPr>
+              <a:t>i</a:t>
+            </a:r>
+            <a:r>
+              <a:rPr kumimoji="1" lang="en-US" altLang="zh-CN" sz="2800" dirty="0">
+                <a:latin typeface="Microsoft YaHei" panose="020B0503020204020204" pitchFamily="34" charset="-122"/>
+                <a:ea typeface="Microsoft YaHei" panose="020B0503020204020204" pitchFamily="34" charset="-122"/>
+              </a:rPr>
+              <a:t>){</a:t>
+            </a:r>
+          </a:p>
+          <a:p>
+            <a:r>
+              <a:rPr kumimoji="1" lang="en-US" altLang="zh-CN" sz="2800" dirty="0">
+                <a:latin typeface="Microsoft YaHei" panose="020B0503020204020204" pitchFamily="34" charset="-122"/>
+                <a:ea typeface="Microsoft YaHei" panose="020B0503020204020204" pitchFamily="34" charset="-122"/>
+              </a:rPr>
+              <a:t>	for(int</a:t>
+            </a:r>
+            <a:r>
+              <a:rPr kumimoji="1" lang="zh-CN" altLang="en-US" sz="2800" dirty="0">
+                <a:latin typeface="Microsoft YaHei" panose="020B0503020204020204" pitchFamily="34" charset="-122"/>
+                <a:ea typeface="Microsoft YaHei" panose="020B0503020204020204" pitchFamily="34" charset="-122"/>
+              </a:rPr>
+              <a:t> </a:t>
+            </a:r>
+            <a:r>
+              <a:rPr kumimoji="1" lang="en-US" altLang="zh-CN" sz="2800" dirty="0" err="1">
+                <a:latin typeface="Microsoft YaHei" panose="020B0503020204020204" pitchFamily="34" charset="-122"/>
+                <a:ea typeface="Microsoft YaHei" panose="020B0503020204020204" pitchFamily="34" charset="-122"/>
+              </a:rPr>
+              <a:t>i</a:t>
+            </a:r>
+            <a:r>
+              <a:rPr kumimoji="1" lang="en-US" altLang="zh-CN" sz="2800" dirty="0">
+                <a:latin typeface="Microsoft YaHei" panose="020B0503020204020204" pitchFamily="34" charset="-122"/>
+                <a:ea typeface="Microsoft YaHei" panose="020B0503020204020204" pitchFamily="34" charset="-122"/>
+              </a:rPr>
+              <a:t>=</a:t>
+            </a:r>
+            <a:r>
+              <a:rPr kumimoji="1" lang="en-US" altLang="zh-CN" sz="2800" dirty="0" err="1">
+                <a:latin typeface="Microsoft YaHei" panose="020B0503020204020204" pitchFamily="34" charset="-122"/>
+                <a:ea typeface="Microsoft YaHei" panose="020B0503020204020204" pitchFamily="34" charset="-122"/>
+              </a:rPr>
+              <a:t>j;j</a:t>
+            </a:r>
+            <a:r>
+              <a:rPr kumimoji="1" lang="en-US" altLang="zh-CN" sz="2800" dirty="0">
+                <a:latin typeface="Microsoft YaHei" panose="020B0503020204020204" pitchFamily="34" charset="-122"/>
+                <a:ea typeface="Microsoft YaHei" panose="020B0503020204020204" pitchFamily="34" charset="-122"/>
+              </a:rPr>
+              <a:t>&lt;n;++j){</a:t>
+            </a:r>
+          </a:p>
+          <a:p>
+            <a:r>
+              <a:rPr kumimoji="1" lang="en-US" altLang="zh-CN" sz="2800" dirty="0">
+                <a:latin typeface="Microsoft YaHei" panose="020B0503020204020204" pitchFamily="34" charset="-122"/>
+                <a:ea typeface="Microsoft YaHei" panose="020B0503020204020204" pitchFamily="34" charset="-122"/>
+              </a:rPr>
+              <a:t>		if(min&lt;</a:t>
+            </a:r>
+            <a:r>
+              <a:rPr kumimoji="1" lang="zh-CN" altLang="en-US" sz="2800" dirty="0">
+                <a:latin typeface="Microsoft YaHei" panose="020B0503020204020204" pitchFamily="34" charset="-122"/>
+                <a:ea typeface="Microsoft YaHei" panose="020B0503020204020204" pitchFamily="34" charset="-122"/>
+              </a:rPr>
+              <a:t> </a:t>
+            </a:r>
+            <a:r>
+              <a:rPr kumimoji="1" lang="en-US" altLang="zh-CN" sz="2800" dirty="0">
+                <a:latin typeface="Microsoft YaHei" panose="020B0503020204020204" pitchFamily="34" charset="-122"/>
+                <a:ea typeface="Microsoft YaHei" panose="020B0503020204020204" pitchFamily="34" charset="-122"/>
+              </a:rPr>
+              <a:t>array[</a:t>
+            </a:r>
+            <a:r>
+              <a:rPr kumimoji="1" lang="en-US" altLang="zh-CN" sz="2800" dirty="0" err="1">
+                <a:latin typeface="Microsoft YaHei" panose="020B0503020204020204" pitchFamily="34" charset="-122"/>
+                <a:ea typeface="Microsoft YaHei" panose="020B0503020204020204" pitchFamily="34" charset="-122"/>
+              </a:rPr>
+              <a:t>i</a:t>
+            </a:r>
+            <a:r>
+              <a:rPr kumimoji="1" lang="en-US" altLang="zh-CN" sz="2800" dirty="0">
+                <a:latin typeface="Microsoft YaHei" panose="020B0503020204020204" pitchFamily="34" charset="-122"/>
+                <a:ea typeface="Microsoft YaHei" panose="020B0503020204020204" pitchFamily="34" charset="-122"/>
+              </a:rPr>
+              <a:t>][j]){</a:t>
+            </a:r>
+          </a:p>
+          <a:p>
+            <a:r>
+              <a:rPr kumimoji="1" lang="en-US" altLang="zh-CN" sz="2800" dirty="0">
+                <a:latin typeface="Microsoft YaHei" panose="020B0503020204020204" pitchFamily="34" charset="-122"/>
+                <a:ea typeface="Microsoft YaHei" panose="020B0503020204020204" pitchFamily="34" charset="-122"/>
+              </a:rPr>
+              <a:t>			/</a:t>
+            </a:r>
+            <a:r>
+              <a:rPr kumimoji="1" lang="zh-CN" altLang="en-US" sz="2800" dirty="0">
+                <a:latin typeface="Microsoft YaHei" panose="020B0503020204020204" pitchFamily="34" charset="-122"/>
+                <a:ea typeface="Microsoft YaHei" panose="020B0503020204020204" pitchFamily="34" charset="-122"/>
+              </a:rPr>
+              <a:t>*代码*</a:t>
+            </a:r>
+            <a:r>
+              <a:rPr kumimoji="1" lang="en-US" altLang="zh-CN" sz="2800" dirty="0">
+                <a:latin typeface="Microsoft YaHei" panose="020B0503020204020204" pitchFamily="34" charset="-122"/>
+                <a:ea typeface="Microsoft YaHei" panose="020B0503020204020204" pitchFamily="34" charset="-122"/>
+              </a:rPr>
+              <a:t>/</a:t>
+            </a:r>
+          </a:p>
+          <a:p>
+            <a:r>
+              <a:rPr kumimoji="1" lang="en-US" altLang="zh-CN" sz="2800" dirty="0">
+                <a:latin typeface="Microsoft YaHei" panose="020B0503020204020204" pitchFamily="34" charset="-122"/>
+                <a:ea typeface="Microsoft YaHei" panose="020B0503020204020204" pitchFamily="34" charset="-122"/>
+              </a:rPr>
+              <a:t>		}</a:t>
+            </a:r>
+          </a:p>
+          <a:p>
+            <a:r>
+              <a:rPr kumimoji="1" lang="en-US" altLang="zh-CN" sz="2800" dirty="0">
+                <a:latin typeface="Microsoft YaHei" panose="020B0503020204020204" pitchFamily="34" charset="-122"/>
+                <a:ea typeface="Microsoft YaHei" panose="020B0503020204020204" pitchFamily="34" charset="-122"/>
+              </a:rPr>
+              <a:t>	}</a:t>
+            </a:r>
+          </a:p>
+          <a:p>
+            <a:r>
+              <a:rPr kumimoji="1" lang="en-US" altLang="zh-CN" sz="2800" dirty="0">
+                <a:latin typeface="Microsoft YaHei" panose="020B0503020204020204" pitchFamily="34" charset="-122"/>
+                <a:ea typeface="Microsoft YaHei" panose="020B0503020204020204" pitchFamily="34" charset="-122"/>
+              </a:rPr>
+              <a:t>}</a:t>
+            </a:r>
+          </a:p>
+        </p:txBody>
+      </p:sp>
+      <p:sp>
+        <p:nvSpPr>
+          <p:cNvPr id="10" name="文本框 9">
+            <a:extLst>
+              <a:ext uri="{FF2B5EF4-FFF2-40B4-BE49-F238E27FC236}">
+                <a16:creationId xmlns:a16="http://schemas.microsoft.com/office/drawing/2014/main" id="{7511EEBB-619F-0C45-A9DA-BA9D07BE6B38}"/>
+              </a:ext>
+            </a:extLst>
+          </p:cNvPr>
+          <p:cNvSpPr txBox="1"/>
+          <p:nvPr/>
+        </p:nvSpPr>
+        <p:spPr>
+          <a:xfrm>
+            <a:off x="427482" y="2169042"/>
+            <a:ext cx="3272647" cy="523220"/>
+          </a:xfrm>
+          <a:prstGeom prst="rect">
+            <a:avLst/>
+          </a:prstGeom>
+          <a:solidFill>
+            <a:schemeClr val="accent2"/>
+          </a:solidFill>
+        </p:spPr>
+        <p:txBody>
+          <a:bodyPr wrap="square" rtlCol="0">
+            <a:spAutoFit/>
+          </a:bodyPr>
+          <a:lstStyle/>
+          <a:p>
+            <a:r>
+              <a:rPr kumimoji="1" lang="en-US" altLang="zh-CN" sz="2800" dirty="0">
+                <a:solidFill>
+                  <a:schemeClr val="bg1"/>
+                </a:solidFill>
+                <a:latin typeface="Microsoft YaHei" panose="020B0503020204020204" pitchFamily="34" charset="-122"/>
+                <a:ea typeface="Microsoft YaHei" panose="020B0503020204020204" pitchFamily="34" charset="-122"/>
+              </a:rPr>
+              <a:t>O(n</a:t>
+            </a:r>
+            <a:r>
+              <a:rPr kumimoji="1" lang="en-US" altLang="zh-CN" sz="2800" baseline="30000" dirty="0">
+                <a:solidFill>
+                  <a:schemeClr val="bg1"/>
+                </a:solidFill>
+                <a:latin typeface="Microsoft YaHei" panose="020B0503020204020204" pitchFamily="34" charset="-122"/>
+                <a:ea typeface="Microsoft YaHei" panose="020B0503020204020204" pitchFamily="34" charset="-122"/>
+              </a:rPr>
+              <a:t>2</a:t>
+            </a:r>
+            <a:r>
+              <a:rPr kumimoji="1" lang="en-US" altLang="zh-CN" sz="2800" dirty="0">
+                <a:solidFill>
+                  <a:schemeClr val="bg1"/>
+                </a:solidFill>
+                <a:latin typeface="Microsoft YaHei" panose="020B0503020204020204" pitchFamily="34" charset="-122"/>
+                <a:ea typeface="Microsoft YaHei" panose="020B0503020204020204" pitchFamily="34" charset="-122"/>
+              </a:rPr>
+              <a:t>),</a:t>
+            </a:r>
+            <a:r>
+              <a:rPr kumimoji="1" lang="zh-CN" altLang="en-US" sz="2800" dirty="0">
+                <a:solidFill>
+                  <a:schemeClr val="bg1"/>
+                </a:solidFill>
+                <a:latin typeface="Microsoft YaHei" panose="020B0503020204020204" pitchFamily="34" charset="-122"/>
+                <a:ea typeface="Microsoft YaHei" panose="020B0503020204020204" pitchFamily="34" charset="-122"/>
+              </a:rPr>
+              <a:t>平方阶</a:t>
+            </a:r>
+          </a:p>
+        </p:txBody>
+      </p:sp>
+    </p:spTree>
+    <p:extLst>
+      <p:ext uri="{BB962C8B-B14F-4D97-AF65-F5344CB8AC3E}">
+        <p14:creationId xmlns:p14="http://schemas.microsoft.com/office/powerpoint/2010/main" val="326898125"/>
+      </p:ext>
+    </p:extLst>
+  </p:cSld>
+  <p:clrMapOvr>
+    <a:masterClrMapping/>
+  </p:clrMapOvr>
+</p:sld>
+</file>
+
+<file path=ppt/slides/slide17.xml><?xml version="1.0" encoding="utf-8"?>
+<p:sld xmlns:a="http://schemas.openxmlformats.org/drawingml/2006/main" xmlns:r="http://schemas.openxmlformats.org/officeDocument/2006/relationships" xmlns:p="http://schemas.openxmlformats.org/presentationml/2006/main">
+  <p:cSld>
+    <p:bg>
+      <p:bgPr>
+        <a:blipFill>
+          <a:blip r:embed="rId2"/>
+          <a:tile tx="0" ty="0" sx="100000" sy="100000" flip="none" algn="tl"/>
+        </a:blipFill>
+        <a:effectLst/>
+      </p:bgPr>
+    </p:bg>
+    <p:spTree>
+      <p:nvGrpSpPr>
+        <p:cNvPr id="1" name=""/>
+        <p:cNvGrpSpPr/>
+        <p:nvPr/>
+      </p:nvGrpSpPr>
+      <p:grpSpPr>
+        <a:xfrm>
+          <a:off x="0" y="0"/>
+          <a:ext cx="0" cy="0"/>
+          <a:chOff x="0" y="0"/>
+          <a:chExt cx="0" cy="0"/>
+        </a:xfrm>
+      </p:grpSpPr>
+      <p:sp>
+        <p:nvSpPr>
+          <p:cNvPr id="3" name="文本框 2">
+            <a:extLst>
+              <a:ext uri="{FF2B5EF4-FFF2-40B4-BE49-F238E27FC236}">
+                <a16:creationId xmlns:a16="http://schemas.microsoft.com/office/drawing/2014/main" id="{62BFC649-BF8E-2841-8EAF-47AFBF9D6671}"/>
+              </a:ext>
+            </a:extLst>
+          </p:cNvPr>
+          <p:cNvSpPr txBox="1"/>
+          <p:nvPr/>
+        </p:nvSpPr>
+        <p:spPr>
+          <a:xfrm>
+            <a:off x="914400" y="581161"/>
+            <a:ext cx="10363200" cy="830997"/>
+          </a:xfrm>
+          <a:prstGeom prst="rect">
+            <a:avLst/>
+          </a:prstGeom>
+          <a:noFill/>
+        </p:spPr>
+        <p:txBody>
+          <a:bodyPr wrap="square" rtlCol="0">
+            <a:spAutoFit/>
+          </a:bodyPr>
+          <a:lstStyle/>
+          <a:p>
+            <a:pPr algn="ctr"/>
+            <a:r>
+              <a:rPr kumimoji="1" lang="en-US" altLang="zh-CN" sz="4800" dirty="0">
+                <a:latin typeface="Microsoft YaHei" panose="020B0503020204020204" pitchFamily="34" charset="-122"/>
+                <a:ea typeface="Microsoft YaHei" panose="020B0503020204020204" pitchFamily="34" charset="-122"/>
+              </a:rPr>
+              <a:t>6.1</a:t>
+            </a:r>
+            <a:r>
+              <a:rPr kumimoji="1" lang="zh-CN" altLang="en-US" sz="4800" dirty="0">
+                <a:latin typeface="Microsoft YaHei" panose="020B0503020204020204" pitchFamily="34" charset="-122"/>
+                <a:ea typeface="Microsoft YaHei" panose="020B0503020204020204" pitchFamily="34" charset="-122"/>
+              </a:rPr>
+              <a:t> 算法时间复杂度</a:t>
+            </a:r>
+            <a:endParaRPr kumimoji="1" lang="en-US" altLang="zh-CN" sz="4800" dirty="0">
+              <a:latin typeface="Microsoft YaHei" panose="020B0503020204020204" pitchFamily="34" charset="-122"/>
+              <a:ea typeface="Microsoft YaHei" panose="020B0503020204020204" pitchFamily="34" charset="-122"/>
+            </a:endParaRPr>
+          </a:p>
+        </p:txBody>
+      </p:sp>
+      <p:sp>
+        <p:nvSpPr>
+          <p:cNvPr id="9" name="文本框 8">
+            <a:extLst>
+              <a:ext uri="{FF2B5EF4-FFF2-40B4-BE49-F238E27FC236}">
+                <a16:creationId xmlns:a16="http://schemas.microsoft.com/office/drawing/2014/main" id="{6ED00F3C-4D67-9945-A46D-A663E09036D9}"/>
+              </a:ext>
+            </a:extLst>
+          </p:cNvPr>
+          <p:cNvSpPr txBox="1"/>
+          <p:nvPr/>
+        </p:nvSpPr>
+        <p:spPr>
+          <a:xfrm>
+            <a:off x="2063805" y="2972092"/>
+            <a:ext cx="7187609" cy="3539430"/>
+          </a:xfrm>
+          <a:prstGeom prst="rect">
+            <a:avLst/>
+          </a:prstGeom>
+          <a:noFill/>
+        </p:spPr>
+        <p:txBody>
+          <a:bodyPr wrap="square" rtlCol="0">
+            <a:spAutoFit/>
+          </a:bodyPr>
+          <a:lstStyle/>
+          <a:p>
+            <a:r>
+              <a:rPr kumimoji="1" lang="en-US" altLang="zh-CN" sz="2800" dirty="0">
+                <a:latin typeface="Microsoft YaHei" panose="020B0503020204020204" pitchFamily="34" charset="-122"/>
+                <a:ea typeface="Microsoft YaHei" panose="020B0503020204020204" pitchFamily="34" charset="-122"/>
+              </a:rPr>
+              <a:t>//</a:t>
+            </a:r>
+            <a:r>
+              <a:rPr kumimoji="1" lang="zh-CN" altLang="en-US" sz="2800" dirty="0">
+                <a:latin typeface="Microsoft YaHei" panose="020B0503020204020204" pitchFamily="34" charset="-122"/>
+                <a:ea typeface="Microsoft YaHei" panose="020B0503020204020204" pitchFamily="34" charset="-122"/>
+              </a:rPr>
+              <a:t>求</a:t>
+            </a:r>
+            <a:r>
+              <a:rPr kumimoji="1" lang="en-US" altLang="zh-CN" sz="2800" dirty="0">
+                <a:latin typeface="Microsoft YaHei" panose="020B0503020204020204" pitchFamily="34" charset="-122"/>
+                <a:ea typeface="Microsoft YaHei" panose="020B0503020204020204" pitchFamily="34" charset="-122"/>
+              </a:rPr>
+              <a:t>log</a:t>
+            </a:r>
+            <a:r>
+              <a:rPr kumimoji="1" lang="en-US" altLang="zh-CN" sz="2800" baseline="-25000" dirty="0">
+                <a:latin typeface="Microsoft YaHei" panose="020B0503020204020204" pitchFamily="34" charset="-122"/>
+                <a:ea typeface="Microsoft YaHei" panose="020B0503020204020204" pitchFamily="34" charset="-122"/>
+              </a:rPr>
+              <a:t>2</a:t>
+            </a:r>
+            <a:r>
+              <a:rPr kumimoji="1" lang="en-US" altLang="zh-CN" sz="2800" dirty="0">
+                <a:latin typeface="Microsoft YaHei" panose="020B0503020204020204" pitchFamily="34" charset="-122"/>
+                <a:ea typeface="Microsoft YaHei" panose="020B0503020204020204" pitchFamily="34" charset="-122"/>
+              </a:rPr>
+              <a:t>n</a:t>
+            </a:r>
+            <a:r>
+              <a:rPr kumimoji="1" lang="zh-CN" altLang="en-US" sz="2800" dirty="0">
+                <a:latin typeface="Microsoft YaHei" panose="020B0503020204020204" pitchFamily="34" charset="-122"/>
+                <a:ea typeface="Microsoft YaHei" panose="020B0503020204020204" pitchFamily="34" charset="-122"/>
+              </a:rPr>
+              <a:t> 的整数部分</a:t>
+            </a:r>
+            <a:endParaRPr kumimoji="1" lang="en-US" altLang="zh-CN" sz="2800" dirty="0">
+              <a:latin typeface="Microsoft YaHei" panose="020B0503020204020204" pitchFamily="34" charset="-122"/>
+              <a:ea typeface="Microsoft YaHei" panose="020B0503020204020204" pitchFamily="34" charset="-122"/>
+            </a:endParaRPr>
+          </a:p>
+          <a:p>
+            <a:r>
+              <a:rPr kumimoji="1" lang="en-US" altLang="zh-CN" sz="2800" dirty="0">
+                <a:latin typeface="Microsoft YaHei" panose="020B0503020204020204" pitchFamily="34" charset="-122"/>
+                <a:ea typeface="Microsoft YaHei" panose="020B0503020204020204" pitchFamily="34" charset="-122"/>
+              </a:rPr>
+              <a:t>int</a:t>
+            </a:r>
+            <a:r>
+              <a:rPr kumimoji="1" lang="zh-CN" altLang="en-US" sz="2800" dirty="0">
+                <a:latin typeface="Microsoft YaHei" panose="020B0503020204020204" pitchFamily="34" charset="-122"/>
+                <a:ea typeface="Microsoft YaHei" panose="020B0503020204020204" pitchFamily="34" charset="-122"/>
+              </a:rPr>
+              <a:t> </a:t>
+            </a:r>
+            <a:r>
+              <a:rPr kumimoji="1" lang="en-US" altLang="zh-CN" sz="2800" dirty="0">
+                <a:latin typeface="Microsoft YaHei" panose="020B0503020204020204" pitchFamily="34" charset="-122"/>
+                <a:ea typeface="Microsoft YaHei" panose="020B0503020204020204" pitchFamily="34" charset="-122"/>
+              </a:rPr>
+              <a:t>count</a:t>
+            </a:r>
+            <a:r>
+              <a:rPr kumimoji="1" lang="zh-CN" altLang="en-US" sz="2800" dirty="0">
+                <a:latin typeface="Microsoft YaHei" panose="020B0503020204020204" pitchFamily="34" charset="-122"/>
+                <a:ea typeface="Microsoft YaHei" panose="020B0503020204020204" pitchFamily="34" charset="-122"/>
+              </a:rPr>
+              <a:t> </a:t>
+            </a:r>
+            <a:r>
+              <a:rPr kumimoji="1" lang="en-US" altLang="zh-CN" sz="2800" dirty="0">
+                <a:latin typeface="Microsoft YaHei" panose="020B0503020204020204" pitchFamily="34" charset="-122"/>
+                <a:ea typeface="Microsoft YaHei" panose="020B0503020204020204" pitchFamily="34" charset="-122"/>
+              </a:rPr>
+              <a:t>=1;</a:t>
+            </a:r>
+          </a:p>
+          <a:p>
+            <a:r>
+              <a:rPr kumimoji="1" lang="en-US" altLang="zh-CN" sz="2800" dirty="0">
+                <a:latin typeface="Microsoft YaHei" panose="020B0503020204020204" pitchFamily="34" charset="-122"/>
+                <a:ea typeface="Microsoft YaHei" panose="020B0503020204020204" pitchFamily="34" charset="-122"/>
+              </a:rPr>
+              <a:t>int</a:t>
+            </a:r>
+            <a:r>
+              <a:rPr kumimoji="1" lang="zh-CN" altLang="en-US" sz="2800" dirty="0">
+                <a:latin typeface="Microsoft YaHei" panose="020B0503020204020204" pitchFamily="34" charset="-122"/>
+                <a:ea typeface="Microsoft YaHei" panose="020B0503020204020204" pitchFamily="34" charset="-122"/>
+              </a:rPr>
+              <a:t> </a:t>
+            </a:r>
+            <a:r>
+              <a:rPr kumimoji="1" lang="en-US" altLang="zh-CN" sz="2800" dirty="0">
+                <a:latin typeface="Microsoft YaHei" panose="020B0503020204020204" pitchFamily="34" charset="-122"/>
+                <a:ea typeface="Microsoft YaHei" panose="020B0503020204020204" pitchFamily="34" charset="-122"/>
+              </a:rPr>
+              <a:t>log_2</a:t>
+            </a:r>
+            <a:r>
+              <a:rPr kumimoji="1" lang="zh-CN" altLang="en-US" sz="2800" dirty="0">
+                <a:latin typeface="Microsoft YaHei" panose="020B0503020204020204" pitchFamily="34" charset="-122"/>
+                <a:ea typeface="Microsoft YaHei" panose="020B0503020204020204" pitchFamily="34" charset="-122"/>
+              </a:rPr>
+              <a:t> </a:t>
+            </a:r>
+            <a:r>
+              <a:rPr kumimoji="1" lang="en-US" altLang="zh-CN" sz="2800" dirty="0">
+                <a:latin typeface="Microsoft YaHei" panose="020B0503020204020204" pitchFamily="34" charset="-122"/>
+                <a:ea typeface="Microsoft YaHei" panose="020B0503020204020204" pitchFamily="34" charset="-122"/>
+              </a:rPr>
+              <a:t>=</a:t>
+            </a:r>
+            <a:r>
+              <a:rPr kumimoji="1" lang="zh-CN" altLang="en-US" sz="2800" dirty="0">
+                <a:latin typeface="Microsoft YaHei" panose="020B0503020204020204" pitchFamily="34" charset="-122"/>
+                <a:ea typeface="Microsoft YaHei" panose="020B0503020204020204" pitchFamily="34" charset="-122"/>
+              </a:rPr>
+              <a:t> </a:t>
+            </a:r>
+            <a:r>
+              <a:rPr kumimoji="1" lang="en-US" altLang="zh-CN" sz="2800" dirty="0">
+                <a:latin typeface="Microsoft YaHei" panose="020B0503020204020204" pitchFamily="34" charset="-122"/>
+                <a:ea typeface="Microsoft YaHei" panose="020B0503020204020204" pitchFamily="34" charset="-122"/>
+              </a:rPr>
+              <a:t>0;</a:t>
+            </a:r>
+          </a:p>
+          <a:p>
+            <a:r>
+              <a:rPr kumimoji="1" lang="en-US" altLang="zh-CN" sz="2800" dirty="0">
+                <a:latin typeface="Microsoft YaHei" panose="020B0503020204020204" pitchFamily="34" charset="-122"/>
+                <a:ea typeface="Microsoft YaHei" panose="020B0503020204020204" pitchFamily="34" charset="-122"/>
+              </a:rPr>
+              <a:t>While(count&lt;</a:t>
+            </a:r>
+            <a:r>
+              <a:rPr kumimoji="1" lang="zh-CN" altLang="en-US" sz="2800" dirty="0">
+                <a:latin typeface="Microsoft YaHei" panose="020B0503020204020204" pitchFamily="34" charset="-122"/>
+                <a:ea typeface="Microsoft YaHei" panose="020B0503020204020204" pitchFamily="34" charset="-122"/>
+              </a:rPr>
+              <a:t> </a:t>
+            </a:r>
+            <a:r>
+              <a:rPr kumimoji="1" lang="en-US" altLang="zh-CN" sz="2800" dirty="0">
+                <a:latin typeface="Microsoft YaHei" panose="020B0503020204020204" pitchFamily="34" charset="-122"/>
+                <a:ea typeface="Microsoft YaHei" panose="020B0503020204020204" pitchFamily="34" charset="-122"/>
+              </a:rPr>
+              <a:t>n){</a:t>
+            </a:r>
+          </a:p>
+          <a:p>
+            <a:r>
+              <a:rPr kumimoji="1" lang="en-US" altLang="zh-CN" sz="2800" dirty="0">
+                <a:latin typeface="Microsoft YaHei" panose="020B0503020204020204" pitchFamily="34" charset="-122"/>
+                <a:ea typeface="Microsoft YaHei" panose="020B0503020204020204" pitchFamily="34" charset="-122"/>
+              </a:rPr>
+              <a:t>	count=count</a:t>
+            </a:r>
+            <a:r>
+              <a:rPr kumimoji="1" lang="zh-CN" altLang="en-US" sz="2800" dirty="0">
+                <a:latin typeface="Microsoft YaHei" panose="020B0503020204020204" pitchFamily="34" charset="-122"/>
+                <a:ea typeface="Microsoft YaHei" panose="020B0503020204020204" pitchFamily="34" charset="-122"/>
+              </a:rPr>
+              <a:t>*</a:t>
+            </a:r>
+            <a:r>
+              <a:rPr kumimoji="1" lang="en-US" altLang="zh-CN" sz="2800" dirty="0">
+                <a:latin typeface="Microsoft YaHei" panose="020B0503020204020204" pitchFamily="34" charset="-122"/>
+                <a:ea typeface="Microsoft YaHei" panose="020B0503020204020204" pitchFamily="34" charset="-122"/>
+              </a:rPr>
+              <a:t>2;</a:t>
+            </a:r>
+          </a:p>
+          <a:p>
+            <a:r>
+              <a:rPr kumimoji="1" lang="en-US" altLang="zh-CN" sz="2800" dirty="0">
+                <a:latin typeface="Microsoft YaHei" panose="020B0503020204020204" pitchFamily="34" charset="-122"/>
+                <a:ea typeface="Microsoft YaHei" panose="020B0503020204020204" pitchFamily="34" charset="-122"/>
+              </a:rPr>
+              <a:t>	log_2++;</a:t>
+            </a:r>
+          </a:p>
+          <a:p>
+            <a:r>
+              <a:rPr kumimoji="1" lang="en-US" altLang="zh-CN" sz="2800" dirty="0">
+                <a:latin typeface="Microsoft YaHei" panose="020B0503020204020204" pitchFamily="34" charset="-122"/>
+                <a:ea typeface="Microsoft YaHei" panose="020B0503020204020204" pitchFamily="34" charset="-122"/>
+              </a:rPr>
+              <a:t>}</a:t>
+            </a:r>
+          </a:p>
+          <a:p>
+            <a:r>
+              <a:rPr kumimoji="1" lang="en-US" altLang="zh-CN" sz="2800" dirty="0" err="1">
+                <a:latin typeface="Microsoft YaHei" panose="020B0503020204020204" pitchFamily="34" charset="-122"/>
+                <a:ea typeface="Microsoft YaHei" panose="020B0503020204020204" pitchFamily="34" charset="-122"/>
+              </a:rPr>
+              <a:t>Printf</a:t>
+            </a:r>
+            <a:r>
+              <a:rPr kumimoji="1" lang="en-US" altLang="zh-CN" sz="2800" dirty="0">
+                <a:latin typeface="Microsoft YaHei" panose="020B0503020204020204" pitchFamily="34" charset="-122"/>
+                <a:ea typeface="Microsoft YaHei" panose="020B0503020204020204" pitchFamily="34" charset="-122"/>
+              </a:rPr>
+              <a:t>(“log</a:t>
+            </a:r>
+            <a:r>
+              <a:rPr kumimoji="1" lang="en-US" altLang="zh-CN" sz="2800" baseline="-25000" dirty="0">
+                <a:latin typeface="Microsoft YaHei" panose="020B0503020204020204" pitchFamily="34" charset="-122"/>
+                <a:ea typeface="Microsoft YaHei" panose="020B0503020204020204" pitchFamily="34" charset="-122"/>
+              </a:rPr>
+              <a:t>2</a:t>
+            </a:r>
+            <a:r>
+              <a:rPr kumimoji="1" lang="en-US" altLang="zh-CN" sz="2800" dirty="0">
+                <a:latin typeface="Microsoft YaHei" panose="020B0503020204020204" pitchFamily="34" charset="-122"/>
+                <a:ea typeface="Microsoft YaHei" panose="020B0503020204020204" pitchFamily="34" charset="-122"/>
+              </a:rPr>
+              <a:t>n</a:t>
+            </a:r>
+            <a:r>
+              <a:rPr kumimoji="1" lang="zh-CN" altLang="en-US" sz="2800" dirty="0">
+                <a:latin typeface="Microsoft YaHei" panose="020B0503020204020204" pitchFamily="34" charset="-122"/>
+                <a:ea typeface="Microsoft YaHei" panose="020B0503020204020204" pitchFamily="34" charset="-122"/>
+              </a:rPr>
+              <a:t> </a:t>
+            </a:r>
+            <a:r>
+              <a:rPr kumimoji="1" lang="en-US" altLang="zh-CN" sz="2800" dirty="0">
+                <a:latin typeface="Microsoft YaHei" panose="020B0503020204020204" pitchFamily="34" charset="-122"/>
+                <a:ea typeface="Microsoft YaHei" panose="020B0503020204020204" pitchFamily="34" charset="-122"/>
+              </a:rPr>
+              <a:t>=</a:t>
+            </a:r>
+            <a:r>
+              <a:rPr kumimoji="1" lang="zh-CN" altLang="en-US" sz="2800" dirty="0">
+                <a:latin typeface="Microsoft YaHei" panose="020B0503020204020204" pitchFamily="34" charset="-122"/>
+                <a:ea typeface="Microsoft YaHei" panose="020B0503020204020204" pitchFamily="34" charset="-122"/>
+              </a:rPr>
+              <a:t> </a:t>
+            </a:r>
+            <a:r>
+              <a:rPr kumimoji="1" lang="en-US" altLang="zh-CN" sz="2800" dirty="0">
+                <a:latin typeface="Microsoft YaHei" panose="020B0503020204020204" pitchFamily="34" charset="-122"/>
+                <a:ea typeface="Microsoft YaHei" panose="020B0503020204020204" pitchFamily="34" charset="-122"/>
+              </a:rPr>
+              <a:t>%d”,log_2);</a:t>
+            </a:r>
+          </a:p>
+        </p:txBody>
+      </p:sp>
+      <p:sp>
+        <p:nvSpPr>
+          <p:cNvPr id="10" name="文本框 9">
+            <a:extLst>
+              <a:ext uri="{FF2B5EF4-FFF2-40B4-BE49-F238E27FC236}">
+                <a16:creationId xmlns:a16="http://schemas.microsoft.com/office/drawing/2014/main" id="{7511EEBB-619F-0C45-A9DA-BA9D07BE6B38}"/>
+              </a:ext>
+            </a:extLst>
+          </p:cNvPr>
+          <p:cNvSpPr txBox="1"/>
+          <p:nvPr/>
+        </p:nvSpPr>
+        <p:spPr>
+          <a:xfrm>
+            <a:off x="427482" y="2169042"/>
+            <a:ext cx="3272647" cy="523220"/>
+          </a:xfrm>
+          <a:prstGeom prst="rect">
+            <a:avLst/>
+          </a:prstGeom>
+          <a:solidFill>
+            <a:schemeClr val="accent2"/>
+          </a:solidFill>
+        </p:spPr>
+        <p:txBody>
+          <a:bodyPr wrap="square" rtlCol="0">
+            <a:spAutoFit/>
+          </a:bodyPr>
+          <a:lstStyle/>
+          <a:p>
+            <a:r>
+              <a:rPr kumimoji="1" lang="en-US" altLang="zh-CN" sz="2800" dirty="0">
+                <a:solidFill>
+                  <a:schemeClr val="bg1"/>
+                </a:solidFill>
+                <a:latin typeface="Microsoft YaHei" panose="020B0503020204020204" pitchFamily="34" charset="-122"/>
+                <a:ea typeface="Microsoft YaHei" panose="020B0503020204020204" pitchFamily="34" charset="-122"/>
+              </a:rPr>
+              <a:t>O(</a:t>
+            </a:r>
+            <a:r>
+              <a:rPr kumimoji="1" lang="en-US" altLang="zh-CN" sz="2800" dirty="0" err="1">
+                <a:solidFill>
+                  <a:schemeClr val="bg1"/>
+                </a:solidFill>
+                <a:latin typeface="Microsoft YaHei" panose="020B0503020204020204" pitchFamily="34" charset="-122"/>
+                <a:ea typeface="Microsoft YaHei" panose="020B0503020204020204" pitchFamily="34" charset="-122"/>
+              </a:rPr>
+              <a:t>logN</a:t>
+            </a:r>
+            <a:r>
+              <a:rPr kumimoji="1" lang="en-US" altLang="zh-CN" sz="2800" dirty="0">
+                <a:solidFill>
+                  <a:schemeClr val="bg1"/>
+                </a:solidFill>
+                <a:latin typeface="Microsoft YaHei" panose="020B0503020204020204" pitchFamily="34" charset="-122"/>
+                <a:ea typeface="Microsoft YaHei" panose="020B0503020204020204" pitchFamily="34" charset="-122"/>
+              </a:rPr>
+              <a:t>),</a:t>
+            </a:r>
+            <a:r>
+              <a:rPr kumimoji="1" lang="zh-CN" altLang="en-US" sz="2800" dirty="0">
+                <a:solidFill>
+                  <a:schemeClr val="bg1"/>
+                </a:solidFill>
+                <a:latin typeface="Microsoft YaHei" panose="020B0503020204020204" pitchFamily="34" charset="-122"/>
+                <a:ea typeface="Microsoft YaHei" panose="020B0503020204020204" pitchFamily="34" charset="-122"/>
+              </a:rPr>
+              <a:t>对数阶</a:t>
+            </a:r>
+          </a:p>
+        </p:txBody>
+      </p:sp>
+    </p:spTree>
+    <p:extLst>
+      <p:ext uri="{BB962C8B-B14F-4D97-AF65-F5344CB8AC3E}">
+        <p14:creationId xmlns:p14="http://schemas.microsoft.com/office/powerpoint/2010/main" val="3988200093"/>
+      </p:ext>
+    </p:extLst>
+  </p:cSld>
+  <p:clrMapOvr>
+    <a:masterClrMapping/>
+  </p:clrMapOvr>
+</p:sld>
+</file>
+
+<file path=ppt/slides/slide18.xml><?xml version="1.0" encoding="utf-8"?>
+<p:sld xmlns:a="http://schemas.openxmlformats.org/drawingml/2006/main" xmlns:r="http://schemas.openxmlformats.org/officeDocument/2006/relationships" xmlns:p="http://schemas.openxmlformats.org/presentationml/2006/main">
+  <p:cSld>
+    <p:bg>
+      <p:bgPr>
+        <a:blipFill>
+          <a:blip r:embed="rId2"/>
+          <a:tile tx="0" ty="0" sx="100000" sy="100000" flip="none" algn="tl"/>
+        </a:blipFill>
+        <a:effectLst/>
+      </p:bgPr>
+    </p:bg>
+    <p:spTree>
+      <p:nvGrpSpPr>
+        <p:cNvPr id="1" name=""/>
+        <p:cNvGrpSpPr/>
+        <p:nvPr/>
+      </p:nvGrpSpPr>
+      <p:grpSpPr>
+        <a:xfrm>
+          <a:off x="0" y="0"/>
+          <a:ext cx="0" cy="0"/>
+          <a:chOff x="0" y="0"/>
+          <a:chExt cx="0" cy="0"/>
+        </a:xfrm>
+      </p:grpSpPr>
+      <p:sp>
+        <p:nvSpPr>
+          <p:cNvPr id="3" name="文本框 2">
+            <a:extLst>
+              <a:ext uri="{FF2B5EF4-FFF2-40B4-BE49-F238E27FC236}">
+                <a16:creationId xmlns:a16="http://schemas.microsoft.com/office/drawing/2014/main" id="{62BFC649-BF8E-2841-8EAF-47AFBF9D6671}"/>
+              </a:ext>
+            </a:extLst>
+          </p:cNvPr>
+          <p:cNvSpPr txBox="1"/>
+          <p:nvPr/>
+        </p:nvSpPr>
+        <p:spPr>
+          <a:xfrm>
+            <a:off x="914400" y="581161"/>
+            <a:ext cx="10363200" cy="830997"/>
+          </a:xfrm>
+          <a:prstGeom prst="rect">
+            <a:avLst/>
+          </a:prstGeom>
+          <a:noFill/>
+        </p:spPr>
+        <p:txBody>
+          <a:bodyPr wrap="square" rtlCol="0">
+            <a:spAutoFit/>
+          </a:bodyPr>
+          <a:lstStyle/>
+          <a:p>
+            <a:pPr algn="ctr"/>
+            <a:r>
+              <a:rPr kumimoji="1" lang="en-US" altLang="zh-CN" sz="4800" dirty="0">
+                <a:latin typeface="Microsoft YaHei" panose="020B0503020204020204" pitchFamily="34" charset="-122"/>
+                <a:ea typeface="Microsoft YaHei" panose="020B0503020204020204" pitchFamily="34" charset="-122"/>
+              </a:rPr>
+              <a:t>6.1</a:t>
+            </a:r>
+            <a:r>
+              <a:rPr kumimoji="1" lang="zh-CN" altLang="en-US" sz="4800" dirty="0">
+                <a:latin typeface="Microsoft YaHei" panose="020B0503020204020204" pitchFamily="34" charset="-122"/>
+                <a:ea typeface="Microsoft YaHei" panose="020B0503020204020204" pitchFamily="34" charset="-122"/>
+              </a:rPr>
+              <a:t> 常见时间复杂度</a:t>
+            </a:r>
+            <a:endParaRPr kumimoji="1" lang="en-US" altLang="zh-CN" sz="4800" dirty="0">
+              <a:latin typeface="Microsoft YaHei" panose="020B0503020204020204" pitchFamily="34" charset="-122"/>
+              <a:ea typeface="Microsoft YaHei" panose="020B0503020204020204" pitchFamily="34" charset="-122"/>
+            </a:endParaRPr>
+          </a:p>
+        </p:txBody>
+      </p:sp>
+      <p:graphicFrame>
+        <p:nvGraphicFramePr>
+          <p:cNvPr id="2" name="表格 1">
+            <a:extLst>
+              <a:ext uri="{FF2B5EF4-FFF2-40B4-BE49-F238E27FC236}">
+                <a16:creationId xmlns:a16="http://schemas.microsoft.com/office/drawing/2014/main" id="{3A75BC57-31DD-E549-92A4-E71BE2AAF080}"/>
+              </a:ext>
+            </a:extLst>
+          </p:cNvPr>
+          <p:cNvGraphicFramePr>
+            <a:graphicFrameLocks noGrp="1"/>
+          </p:cNvGraphicFramePr>
+          <p:nvPr>
+            <p:extLst>
+              <p:ext uri="{D42A27DB-BD31-4B8C-83A1-F6EECF244321}">
+                <p14:modId xmlns:p14="http://schemas.microsoft.com/office/powerpoint/2010/main" val="3059077735"/>
+              </p:ext>
+            </p:extLst>
+          </p:nvPr>
+        </p:nvGraphicFramePr>
+        <p:xfrm>
+          <a:off x="1721293" y="2101899"/>
+          <a:ext cx="8953794" cy="2725282"/>
+        </p:xfrm>
+        <a:graphic>
+          <a:graphicData uri="http://schemas.openxmlformats.org/drawingml/2006/table">
+            <a:tbl>
+              <a:tblPr firstRow="1" bandRow="1">
+                <a:tableStyleId>{21E4AEA4-8DFA-4A89-87EB-49C32662AFE0}</a:tableStyleId>
+              </a:tblPr>
+              <a:tblGrid>
+                <a:gridCol w="2984598">
+                  <a:extLst>
+                    <a:ext uri="{9D8B030D-6E8A-4147-A177-3AD203B41FA5}">
+                      <a16:colId xmlns:a16="http://schemas.microsoft.com/office/drawing/2014/main" val="3469997331"/>
+                    </a:ext>
+                  </a:extLst>
+                </a:gridCol>
+                <a:gridCol w="2984598">
+                  <a:extLst>
+                    <a:ext uri="{9D8B030D-6E8A-4147-A177-3AD203B41FA5}">
+                      <a16:colId xmlns:a16="http://schemas.microsoft.com/office/drawing/2014/main" val="1298377177"/>
+                    </a:ext>
+                  </a:extLst>
+                </a:gridCol>
+                <a:gridCol w="2984598">
+                  <a:extLst>
+                    <a:ext uri="{9D8B030D-6E8A-4147-A177-3AD203B41FA5}">
+                      <a16:colId xmlns:a16="http://schemas.microsoft.com/office/drawing/2014/main" val="4069427280"/>
+                    </a:ext>
+                  </a:extLst>
+                </a:gridCol>
+              </a:tblGrid>
+              <a:tr h="389326">
+                <a:tc>
+                  <a:txBody>
+                    <a:bodyPr/>
+                    <a:lstStyle/>
+                    <a:p>
+                      <a:r>
+                        <a:rPr lang="zh-CN" altLang="en-US" dirty="0"/>
+                        <a:t>执行次数函数</a:t>
+                      </a:r>
+                    </a:p>
+                  </a:txBody>
+                  <a:tcPr/>
+                </a:tc>
+                <a:tc>
+                  <a:txBody>
+                    <a:bodyPr/>
+                    <a:lstStyle/>
+                    <a:p>
+                      <a:r>
+                        <a:rPr lang="zh-CN" altLang="en-US" dirty="0"/>
+                        <a:t>阶</a:t>
+                      </a:r>
+                    </a:p>
+                  </a:txBody>
+                  <a:tcPr/>
+                </a:tc>
+                <a:tc>
+                  <a:txBody>
+                    <a:bodyPr/>
+                    <a:lstStyle/>
+                    <a:p>
+                      <a:r>
+                        <a:rPr lang="zh-CN" altLang="en-US" dirty="0"/>
+                        <a:t>非正式术语</a:t>
+                      </a:r>
+                    </a:p>
+                  </a:txBody>
+                  <a:tcPr/>
+                </a:tc>
+                <a:extLst>
+                  <a:ext uri="{0D108BD9-81ED-4DB2-BD59-A6C34878D82A}">
+                    <a16:rowId xmlns:a16="http://schemas.microsoft.com/office/drawing/2014/main" val="1482938087"/>
+                  </a:ext>
+                </a:extLst>
+              </a:tr>
+              <a:tr h="389326">
+                <a:tc>
+                  <a:txBody>
+                    <a:bodyPr/>
+                    <a:lstStyle/>
+                    <a:p>
+                      <a:r>
+                        <a:rPr lang="en-US" altLang="zh-CN" dirty="0"/>
+                        <a:t>10</a:t>
+                      </a:r>
+                      <a:endParaRPr lang="zh-CN" altLang="en-US" dirty="0"/>
+                    </a:p>
+                  </a:txBody>
+                  <a:tcPr/>
+                </a:tc>
+                <a:tc>
+                  <a:txBody>
+                    <a:bodyPr/>
+                    <a:lstStyle/>
+                    <a:p>
+                      <a:r>
+                        <a:rPr lang="en-US" altLang="zh-CN" dirty="0"/>
+                        <a:t>O(1)</a:t>
+                      </a:r>
+                      <a:endParaRPr lang="zh-CN" altLang="en-US" dirty="0"/>
+                    </a:p>
+                  </a:txBody>
+                  <a:tcPr/>
+                </a:tc>
+                <a:tc>
+                  <a:txBody>
+                    <a:bodyPr/>
+                    <a:lstStyle/>
+                    <a:p>
+                      <a:r>
+                        <a:rPr lang="zh-CN" altLang="en-US" dirty="0"/>
+                        <a:t>常数阶</a:t>
+                      </a:r>
+                    </a:p>
+                  </a:txBody>
+                  <a:tcPr/>
+                </a:tc>
+                <a:extLst>
+                  <a:ext uri="{0D108BD9-81ED-4DB2-BD59-A6C34878D82A}">
+                    <a16:rowId xmlns:a16="http://schemas.microsoft.com/office/drawing/2014/main" val="1465278607"/>
+                  </a:ext>
+                </a:extLst>
+              </a:tr>
+              <a:tr h="389326">
+                <a:tc>
+                  <a:txBody>
+                    <a:bodyPr/>
+                    <a:lstStyle/>
+                    <a:p>
+                      <a:r>
+                        <a:rPr lang="en-US" altLang="zh-CN" dirty="0"/>
+                        <a:t>3n+7</a:t>
+                      </a:r>
+                      <a:endParaRPr lang="zh-CN" altLang="en-US" dirty="0"/>
+                    </a:p>
+                  </a:txBody>
+                  <a:tcPr/>
+                </a:tc>
+                <a:tc>
+                  <a:txBody>
+                    <a:bodyPr/>
+                    <a:lstStyle/>
+                    <a:p>
+                      <a:r>
+                        <a:rPr lang="en-US" altLang="zh-CN" dirty="0"/>
+                        <a:t>O(n)</a:t>
+                      </a:r>
+                      <a:endParaRPr lang="zh-CN" altLang="en-US" dirty="0"/>
+                    </a:p>
+                  </a:txBody>
+                  <a:tcPr/>
+                </a:tc>
+                <a:tc>
+                  <a:txBody>
+                    <a:bodyPr/>
+                    <a:lstStyle/>
+                    <a:p>
+                      <a:r>
+                        <a:rPr lang="zh-CN" altLang="en-US" dirty="0"/>
+                        <a:t>线性阶</a:t>
+                      </a:r>
+                    </a:p>
+                  </a:txBody>
+                  <a:tcPr/>
+                </a:tc>
+                <a:extLst>
+                  <a:ext uri="{0D108BD9-81ED-4DB2-BD59-A6C34878D82A}">
+                    <a16:rowId xmlns:a16="http://schemas.microsoft.com/office/drawing/2014/main" val="3281992577"/>
+                  </a:ext>
+                </a:extLst>
+              </a:tr>
+              <a:tr h="389326">
+                <a:tc>
+                  <a:txBody>
+                    <a:bodyPr/>
+                    <a:lstStyle/>
+                    <a:p>
+                      <a:r>
+                        <a:rPr lang="en-US" altLang="zh-CN" dirty="0"/>
+                        <a:t>2n</a:t>
+                      </a:r>
+                      <a:r>
+                        <a:rPr lang="en-US" altLang="zh-CN" baseline="30000" dirty="0"/>
+                        <a:t>2</a:t>
+                      </a:r>
+                      <a:r>
+                        <a:rPr lang="en-US" altLang="zh-CN" baseline="0" dirty="0"/>
+                        <a:t>+5n+9</a:t>
+                      </a:r>
+                      <a:endParaRPr lang="zh-CN" altLang="en-US" baseline="30000" dirty="0"/>
+                    </a:p>
+                  </a:txBody>
+                  <a:tcPr/>
+                </a:tc>
+                <a:tc>
+                  <a:txBody>
+                    <a:bodyPr/>
+                    <a:lstStyle/>
+                    <a:p>
+                      <a:r>
+                        <a:rPr lang="en-US" altLang="zh-CN" dirty="0"/>
+                        <a:t>O(n</a:t>
+                      </a:r>
+                      <a:r>
+                        <a:rPr lang="en-US" altLang="zh-CN" baseline="30000" dirty="0"/>
+                        <a:t>2</a:t>
+                      </a:r>
+                      <a:r>
+                        <a:rPr lang="en-US" altLang="zh-CN" baseline="0" dirty="0"/>
+                        <a:t>)</a:t>
+                      </a:r>
+                      <a:endParaRPr lang="zh-CN" altLang="en-US" dirty="0"/>
+                    </a:p>
+                  </a:txBody>
+                  <a:tcPr/>
+                </a:tc>
+                <a:tc>
+                  <a:txBody>
+                    <a:bodyPr/>
+                    <a:lstStyle/>
+                    <a:p>
+                      <a:r>
+                        <a:rPr lang="zh-CN" altLang="en-US" dirty="0"/>
+                        <a:t>平方阶</a:t>
+                      </a:r>
+                    </a:p>
+                  </a:txBody>
+                  <a:tcPr/>
+                </a:tc>
+                <a:extLst>
+                  <a:ext uri="{0D108BD9-81ED-4DB2-BD59-A6C34878D82A}">
+                    <a16:rowId xmlns:a16="http://schemas.microsoft.com/office/drawing/2014/main" val="569815234"/>
+                  </a:ext>
+                </a:extLst>
+              </a:tr>
+              <a:tr h="389326">
+                <a:tc>
+                  <a:txBody>
+                    <a:bodyPr/>
+                    <a:lstStyle/>
+                    <a:p>
+                      <a:r>
+                        <a:rPr lang="en-US" altLang="zh-CN" dirty="0"/>
+                        <a:t>5log</a:t>
+                      </a:r>
+                      <a:r>
+                        <a:rPr lang="en-US" altLang="zh-CN" baseline="-25000" dirty="0"/>
+                        <a:t>2</a:t>
+                      </a:r>
+                      <a:r>
+                        <a:rPr lang="en-US" altLang="zh-CN" baseline="0" dirty="0"/>
+                        <a:t>n+8</a:t>
+                      </a:r>
+                      <a:endParaRPr lang="zh-CN" altLang="en-US" dirty="0"/>
+                    </a:p>
+                  </a:txBody>
+                  <a:tcPr/>
+                </a:tc>
+                <a:tc>
+                  <a:txBody>
+                    <a:bodyPr/>
+                    <a:lstStyle/>
+                    <a:p>
+                      <a:r>
+                        <a:rPr lang="en-US" altLang="zh-CN" dirty="0"/>
+                        <a:t>O(log</a:t>
+                      </a:r>
+                      <a:r>
+                        <a:rPr lang="en-US" altLang="zh-CN" baseline="-25000" dirty="0"/>
+                        <a:t>2</a:t>
+                      </a:r>
+                      <a:r>
+                        <a:rPr lang="en-US" altLang="zh-CN" baseline="0" dirty="0"/>
+                        <a:t>n)</a:t>
+                      </a:r>
+                      <a:endParaRPr lang="zh-CN" altLang="en-US" dirty="0"/>
+                    </a:p>
+                  </a:txBody>
+                  <a:tcPr/>
+                </a:tc>
+                <a:tc>
+                  <a:txBody>
+                    <a:bodyPr/>
+                    <a:lstStyle/>
+                    <a:p>
+                      <a:r>
+                        <a:rPr lang="zh-CN" altLang="en-US" dirty="0"/>
+                        <a:t>对数阶</a:t>
+                      </a:r>
+                    </a:p>
+                  </a:txBody>
+                  <a:tcPr/>
+                </a:tc>
+                <a:extLst>
+                  <a:ext uri="{0D108BD9-81ED-4DB2-BD59-A6C34878D82A}">
+                    <a16:rowId xmlns:a16="http://schemas.microsoft.com/office/drawing/2014/main" val="926860563"/>
+                  </a:ext>
+                </a:extLst>
+              </a:tr>
+              <a:tr h="389326">
+                <a:tc>
+                  <a:txBody>
+                    <a:bodyPr/>
+                    <a:lstStyle/>
+                    <a:p>
+                      <a:r>
+                        <a:rPr lang="en-US" altLang="zh-CN" dirty="0"/>
+                        <a:t>n</a:t>
+                      </a:r>
+                      <a:r>
+                        <a:rPr lang="en-US" altLang="zh-CN" baseline="30000" dirty="0"/>
+                        <a:t>3</a:t>
+                      </a:r>
+                      <a:r>
+                        <a:rPr lang="en-US" altLang="zh-CN" baseline="0" dirty="0"/>
+                        <a:t>+4n+2</a:t>
+                      </a:r>
+                      <a:endParaRPr lang="zh-CN" altLang="en-US" dirty="0"/>
+                    </a:p>
+                  </a:txBody>
+                  <a:tcPr/>
+                </a:tc>
+                <a:tc>
+                  <a:txBody>
+                    <a:bodyPr/>
+                    <a:lstStyle/>
+                    <a:p>
+                      <a:r>
+                        <a:rPr lang="en-US" altLang="zh-CN" dirty="0"/>
+                        <a:t>O(n</a:t>
+                      </a:r>
+                      <a:r>
+                        <a:rPr lang="en-US" altLang="zh-CN" baseline="30000" dirty="0"/>
+                        <a:t>3</a:t>
+                      </a:r>
+                      <a:r>
+                        <a:rPr lang="en-US" altLang="zh-CN" baseline="0" dirty="0"/>
+                        <a:t>)</a:t>
+                      </a:r>
+                      <a:endParaRPr lang="zh-CN" altLang="en-US" dirty="0"/>
+                    </a:p>
+                  </a:txBody>
+                  <a:tcPr/>
+                </a:tc>
+                <a:tc>
+                  <a:txBody>
+                    <a:bodyPr/>
+                    <a:lstStyle/>
+                    <a:p>
+                      <a:r>
+                        <a:rPr lang="zh-CN" altLang="en-US" dirty="0"/>
+                        <a:t>立方阶</a:t>
+                      </a:r>
+                    </a:p>
+                  </a:txBody>
+                  <a:tcPr/>
+                </a:tc>
+                <a:extLst>
+                  <a:ext uri="{0D108BD9-81ED-4DB2-BD59-A6C34878D82A}">
+                    <a16:rowId xmlns:a16="http://schemas.microsoft.com/office/drawing/2014/main" val="4013402412"/>
+                  </a:ext>
+                </a:extLst>
+              </a:tr>
+              <a:tr h="389326">
+                <a:tc>
+                  <a:txBody>
+                    <a:bodyPr/>
+                    <a:lstStyle/>
+                    <a:p>
+                      <a:r>
+                        <a:rPr lang="en-US" altLang="zh-CN" dirty="0"/>
+                        <a:t>2</a:t>
+                      </a:r>
+                      <a:r>
+                        <a:rPr lang="en-US" altLang="zh-CN" baseline="30000" dirty="0"/>
+                        <a:t>n</a:t>
+                      </a:r>
+                      <a:r>
+                        <a:rPr lang="en-US" altLang="zh-CN" baseline="0" dirty="0"/>
+                        <a:t>+3</a:t>
+                      </a:r>
+                      <a:endParaRPr lang="zh-CN" altLang="en-US" dirty="0"/>
+                    </a:p>
+                  </a:txBody>
+                  <a:tcPr/>
+                </a:tc>
+                <a:tc>
+                  <a:txBody>
+                    <a:bodyPr/>
+                    <a:lstStyle/>
+                    <a:p>
+                      <a:r>
+                        <a:rPr lang="en-US" altLang="zh-CN" dirty="0"/>
+                        <a:t>O(2</a:t>
+                      </a:r>
+                      <a:r>
+                        <a:rPr lang="en-US" altLang="zh-CN" baseline="30000" dirty="0"/>
+                        <a:t>n</a:t>
+                      </a:r>
+                      <a:r>
+                        <a:rPr lang="en-US" altLang="zh-CN" baseline="0" dirty="0"/>
+                        <a:t>)</a:t>
+                      </a:r>
+                      <a:endParaRPr lang="zh-CN" altLang="en-US" dirty="0"/>
+                    </a:p>
+                  </a:txBody>
+                  <a:tcPr/>
+                </a:tc>
+                <a:tc>
+                  <a:txBody>
+                    <a:bodyPr/>
+                    <a:lstStyle/>
+                    <a:p>
+                      <a:r>
+                        <a:rPr lang="zh-CN" altLang="en-US" dirty="0"/>
+                        <a:t>指数阶</a:t>
+                      </a:r>
+                    </a:p>
+                  </a:txBody>
+                  <a:tcPr/>
+                </a:tc>
+                <a:extLst>
+                  <a:ext uri="{0D108BD9-81ED-4DB2-BD59-A6C34878D82A}">
+                    <a16:rowId xmlns:a16="http://schemas.microsoft.com/office/drawing/2014/main" val="2246639339"/>
+                  </a:ext>
+                </a:extLst>
+              </a:tr>
+            </a:tbl>
+          </a:graphicData>
+        </a:graphic>
+      </p:graphicFrame>
+      <p:sp>
+        <p:nvSpPr>
+          <p:cNvPr id="4" name="文本框 3">
+            <a:extLst>
+              <a:ext uri="{FF2B5EF4-FFF2-40B4-BE49-F238E27FC236}">
+                <a16:creationId xmlns:a16="http://schemas.microsoft.com/office/drawing/2014/main" id="{49A53C4D-4556-CA48-8479-3D6946593BCB}"/>
+              </a:ext>
+            </a:extLst>
+          </p:cNvPr>
+          <p:cNvSpPr txBox="1"/>
+          <p:nvPr/>
+        </p:nvSpPr>
+        <p:spPr>
+          <a:xfrm>
+            <a:off x="1275907" y="5550195"/>
+            <a:ext cx="10356112" cy="461665"/>
+          </a:xfrm>
+          <a:prstGeom prst="rect">
+            <a:avLst/>
+          </a:prstGeom>
+          <a:solidFill>
+            <a:schemeClr val="accent1">
+              <a:lumMod val="60000"/>
+              <a:lumOff val="40000"/>
+            </a:schemeClr>
+          </a:solidFill>
+        </p:spPr>
+        <p:txBody>
+          <a:bodyPr wrap="square" rtlCol="0">
+            <a:spAutoFit/>
+          </a:bodyPr>
+          <a:lstStyle/>
+          <a:p>
+            <a:r>
+              <a:rPr lang="en-US" altLang="zh-CN" sz="2400" dirty="0"/>
+              <a:t>O(1)</a:t>
+            </a:r>
+            <a:r>
+              <a:rPr lang="zh-CN" altLang="en-US" sz="2400" dirty="0"/>
+              <a:t> </a:t>
+            </a:r>
+            <a:r>
+              <a:rPr lang="en-US" altLang="zh-CN" sz="2400" dirty="0"/>
+              <a:t>&lt;</a:t>
+            </a:r>
+            <a:r>
+              <a:rPr lang="zh-CN" altLang="en-US" sz="2400" dirty="0"/>
+              <a:t> </a:t>
+            </a:r>
+            <a:r>
+              <a:rPr lang="en-US" altLang="zh-CN" sz="2400" dirty="0"/>
+              <a:t>O(log</a:t>
+            </a:r>
+            <a:r>
+              <a:rPr lang="en-US" altLang="zh-CN" sz="2400" baseline="-25000" dirty="0"/>
+              <a:t>2</a:t>
+            </a:r>
+            <a:r>
+              <a:rPr lang="en-US" altLang="zh-CN" sz="2400" dirty="0"/>
+              <a:t>n)</a:t>
+            </a:r>
+            <a:r>
+              <a:rPr kumimoji="1" lang="zh-CN" altLang="en-US" sz="2400" dirty="0"/>
+              <a:t> </a:t>
+            </a:r>
+            <a:r>
+              <a:rPr kumimoji="1" lang="en-US" altLang="zh-CN" sz="2400" dirty="0"/>
+              <a:t>&lt;</a:t>
+            </a:r>
+            <a:r>
+              <a:rPr lang="en-US" altLang="zh-CN" sz="2400" dirty="0"/>
+              <a:t> O(n)</a:t>
+            </a:r>
+            <a:r>
+              <a:rPr lang="zh-CN" altLang="en-US" sz="2400" dirty="0"/>
+              <a:t> </a:t>
+            </a:r>
+            <a:r>
+              <a:rPr lang="en-US" altLang="zh-CN" sz="2400" dirty="0"/>
+              <a:t>&lt; O(n</a:t>
+            </a:r>
+            <a:r>
+              <a:rPr lang="zh-CN" altLang="en-US" sz="2400" dirty="0"/>
+              <a:t>*</a:t>
+            </a:r>
+            <a:r>
+              <a:rPr lang="en-US" altLang="zh-CN" sz="2400" dirty="0"/>
+              <a:t>og</a:t>
+            </a:r>
+            <a:r>
+              <a:rPr lang="en-US" altLang="zh-CN" sz="2400" baseline="-25000" dirty="0"/>
+              <a:t>2</a:t>
+            </a:r>
+            <a:r>
+              <a:rPr lang="en-US" altLang="zh-CN" sz="2400" dirty="0"/>
+              <a:t>n)</a:t>
+            </a:r>
+            <a:r>
+              <a:rPr lang="zh-CN" altLang="en-US" sz="2400" dirty="0"/>
+              <a:t> </a:t>
+            </a:r>
+            <a:r>
+              <a:rPr lang="en-US" altLang="zh-CN" sz="2400" dirty="0"/>
+              <a:t>&lt;</a:t>
+            </a:r>
+            <a:r>
+              <a:rPr lang="zh-CN" altLang="en-US" sz="2400" dirty="0"/>
+              <a:t> </a:t>
+            </a:r>
+            <a:r>
+              <a:rPr lang="en-US" altLang="zh-CN" sz="2400" dirty="0"/>
+              <a:t>O(n</a:t>
+            </a:r>
+            <a:r>
+              <a:rPr lang="en-US" altLang="zh-CN" sz="2400" baseline="30000" dirty="0"/>
+              <a:t>2</a:t>
+            </a:r>
+            <a:r>
+              <a:rPr lang="en-US" altLang="zh-CN" sz="2400" dirty="0"/>
+              <a:t>)</a:t>
+            </a:r>
+            <a:r>
+              <a:rPr lang="zh-CN" altLang="en-US" sz="2400" dirty="0"/>
+              <a:t> </a:t>
+            </a:r>
+            <a:r>
+              <a:rPr lang="en-US" altLang="zh-CN" sz="2400" dirty="0"/>
+              <a:t>&lt; O(n</a:t>
+            </a:r>
+            <a:r>
+              <a:rPr lang="en-US" altLang="zh-CN" sz="2400" baseline="30000" dirty="0"/>
+              <a:t>3</a:t>
+            </a:r>
+            <a:r>
+              <a:rPr lang="en-US" altLang="zh-CN" sz="2400" dirty="0"/>
+              <a:t>)</a:t>
+            </a:r>
+            <a:r>
+              <a:rPr lang="zh-CN" altLang="en-US" sz="2400" dirty="0"/>
+              <a:t> </a:t>
+            </a:r>
+            <a:r>
+              <a:rPr lang="en-US" altLang="zh-CN" sz="2400" dirty="0"/>
+              <a:t>&lt; O(2</a:t>
+            </a:r>
+            <a:r>
+              <a:rPr lang="en-US" altLang="zh-CN" sz="2400" baseline="30000" dirty="0"/>
+              <a:t>n</a:t>
+            </a:r>
+            <a:r>
+              <a:rPr lang="en-US" altLang="zh-CN" sz="2400" dirty="0"/>
+              <a:t>)</a:t>
+            </a:r>
+            <a:r>
+              <a:rPr lang="zh-CN" altLang="en-US" sz="2400" dirty="0"/>
+              <a:t> </a:t>
+            </a:r>
+            <a:r>
+              <a:rPr lang="en-US" altLang="zh-CN" sz="2400" dirty="0"/>
+              <a:t>&lt;O(n!)</a:t>
+            </a:r>
+            <a:r>
+              <a:rPr lang="zh-CN" altLang="en-US" sz="2400" dirty="0"/>
+              <a:t> </a:t>
+            </a:r>
+            <a:r>
+              <a:rPr lang="en-US" altLang="zh-CN" sz="2400" dirty="0"/>
+              <a:t>&lt;</a:t>
+            </a:r>
+            <a:r>
+              <a:rPr lang="zh-CN" altLang="en-US" sz="2400" dirty="0"/>
+              <a:t> </a:t>
+            </a:r>
+            <a:r>
+              <a:rPr lang="en-US" altLang="zh-CN" sz="2400" dirty="0"/>
+              <a:t>O(</a:t>
+            </a:r>
+            <a:r>
+              <a:rPr lang="en-US" altLang="zh-CN" sz="2400" dirty="0" err="1"/>
+              <a:t>n</a:t>
+            </a:r>
+            <a:r>
+              <a:rPr lang="en-US" altLang="zh-CN" sz="2400" baseline="30000" dirty="0" err="1"/>
+              <a:t>n</a:t>
+            </a:r>
+            <a:r>
+              <a:rPr lang="en-US" altLang="zh-CN" sz="2400" dirty="0"/>
+              <a:t>)</a:t>
+            </a:r>
+            <a:endParaRPr lang="zh-CN" altLang="en-US" sz="2400" dirty="0"/>
+          </a:p>
+        </p:txBody>
+      </p:sp>
+    </p:spTree>
+    <p:extLst>
+      <p:ext uri="{BB962C8B-B14F-4D97-AF65-F5344CB8AC3E}">
+        <p14:creationId xmlns:p14="http://schemas.microsoft.com/office/powerpoint/2010/main" val="2147627873"/>
+      </p:ext>
+    </p:extLst>
+  </p:cSld>
+  <p:clrMapOvr>
+    <a:masterClrMapping/>
+  </p:clrMapOvr>
+</p:sld>
+</file>
+
+<file path=ppt/slides/slide19.xml><?xml version="1.0" encoding="utf-8"?>
+<p:sld xmlns:a="http://schemas.openxmlformats.org/drawingml/2006/main" xmlns:r="http://schemas.openxmlformats.org/officeDocument/2006/relationships" xmlns:p="http://schemas.openxmlformats.org/presentationml/2006/main">
+  <p:cSld>
+    <p:bg>
+      <p:bgPr>
+        <a:blipFill>
+          <a:blip r:embed="rId2"/>
+          <a:tile tx="0" ty="0" sx="100000" sy="100000" flip="none" algn="tl"/>
+        </a:blipFill>
+        <a:effectLst/>
+      </p:bgPr>
+    </p:bg>
+    <p:spTree>
+      <p:nvGrpSpPr>
+        <p:cNvPr id="1" name=""/>
+        <p:cNvGrpSpPr/>
+        <p:nvPr/>
+      </p:nvGrpSpPr>
+      <p:grpSpPr>
+        <a:xfrm>
+          <a:off x="0" y="0"/>
+          <a:ext cx="0" cy="0"/>
+          <a:chOff x="0" y="0"/>
+          <a:chExt cx="0" cy="0"/>
+        </a:xfrm>
+      </p:grpSpPr>
+      <p:sp>
+        <p:nvSpPr>
+          <p:cNvPr id="3" name="文本框 2">
+            <a:extLst>
+              <a:ext uri="{FF2B5EF4-FFF2-40B4-BE49-F238E27FC236}">
+                <a16:creationId xmlns:a16="http://schemas.microsoft.com/office/drawing/2014/main" id="{62BFC649-BF8E-2841-8EAF-47AFBF9D6671}"/>
+              </a:ext>
+            </a:extLst>
+          </p:cNvPr>
+          <p:cNvSpPr txBox="1"/>
+          <p:nvPr/>
+        </p:nvSpPr>
+        <p:spPr>
+          <a:xfrm>
+            <a:off x="914400" y="581161"/>
+            <a:ext cx="10363200" cy="830997"/>
+          </a:xfrm>
+          <a:prstGeom prst="rect">
+            <a:avLst/>
+          </a:prstGeom>
+          <a:noFill/>
+        </p:spPr>
+        <p:txBody>
+          <a:bodyPr wrap="square" rtlCol="0">
+            <a:spAutoFit/>
+          </a:bodyPr>
+          <a:lstStyle/>
+          <a:p>
+            <a:pPr algn="ctr"/>
+            <a:r>
+              <a:rPr kumimoji="1" lang="en-US" altLang="zh-CN" sz="4800" dirty="0">
+                <a:latin typeface="Microsoft YaHei" panose="020B0503020204020204" pitchFamily="34" charset="-122"/>
+                <a:ea typeface="Microsoft YaHei" panose="020B0503020204020204" pitchFamily="34" charset="-122"/>
+              </a:rPr>
+              <a:t>6.2</a:t>
+            </a:r>
+            <a:r>
+              <a:rPr kumimoji="1" lang="zh-CN" altLang="en-US" sz="4800" dirty="0">
+                <a:latin typeface="Microsoft YaHei" panose="020B0503020204020204" pitchFamily="34" charset="-122"/>
+                <a:ea typeface="Microsoft YaHei" panose="020B0503020204020204" pitchFamily="34" charset="-122"/>
+              </a:rPr>
+              <a:t> 算法空间复杂度</a:t>
+            </a:r>
+            <a:endParaRPr kumimoji="1" lang="en-US" altLang="zh-CN" sz="4800" dirty="0">
+              <a:latin typeface="Microsoft YaHei" panose="020B0503020204020204" pitchFamily="34" charset="-122"/>
+              <a:ea typeface="Microsoft YaHei" panose="020B0503020204020204" pitchFamily="34" charset="-122"/>
+            </a:endParaRPr>
+          </a:p>
+        </p:txBody>
+      </p:sp>
+      <p:sp>
+        <p:nvSpPr>
+          <p:cNvPr id="4" name="文本框 3">
+            <a:extLst>
+              <a:ext uri="{FF2B5EF4-FFF2-40B4-BE49-F238E27FC236}">
+                <a16:creationId xmlns:a16="http://schemas.microsoft.com/office/drawing/2014/main" id="{CA9324FF-2762-6C41-989A-A77E73D679CD}"/>
+              </a:ext>
+            </a:extLst>
+          </p:cNvPr>
+          <p:cNvSpPr txBox="1"/>
+          <p:nvPr/>
+        </p:nvSpPr>
+        <p:spPr>
+          <a:xfrm>
+            <a:off x="1828800" y="3040912"/>
+            <a:ext cx="7187609" cy="1384995"/>
+          </a:xfrm>
+          <a:prstGeom prst="rect">
+            <a:avLst/>
+          </a:prstGeom>
+          <a:noFill/>
+        </p:spPr>
+        <p:txBody>
+          <a:bodyPr wrap="square" rtlCol="0">
+            <a:spAutoFit/>
+          </a:bodyPr>
+          <a:lstStyle/>
+          <a:p>
+            <a:r>
+              <a:rPr kumimoji="1" lang="en-US" altLang="zh-CN" sz="2800" dirty="0">
+                <a:latin typeface="Microsoft YaHei" panose="020B0503020204020204" pitchFamily="34" charset="-122"/>
+                <a:ea typeface="Microsoft YaHei" panose="020B0503020204020204" pitchFamily="34" charset="-122"/>
+              </a:rPr>
+              <a:t>	</a:t>
+            </a:r>
+            <a:r>
+              <a:rPr kumimoji="1" lang="zh-CN" altLang="en-US" sz="2800" dirty="0">
+                <a:latin typeface="Microsoft YaHei" panose="020B0503020204020204" pitchFamily="34" charset="-122"/>
+                <a:ea typeface="Microsoft YaHei" panose="020B0503020204020204" pitchFamily="34" charset="-122"/>
+              </a:rPr>
+              <a:t>和算法复杂度公式类似，只是</a:t>
+            </a:r>
+            <a:r>
+              <a:rPr kumimoji="1" lang="en-US" altLang="zh-CN" sz="2800" dirty="0">
+                <a:latin typeface="Microsoft YaHei" panose="020B0503020204020204" pitchFamily="34" charset="-122"/>
+                <a:ea typeface="Microsoft YaHei" panose="020B0503020204020204" pitchFamily="34" charset="-122"/>
+              </a:rPr>
+              <a:t>O(n)</a:t>
+            </a:r>
+            <a:r>
+              <a:rPr kumimoji="1" lang="zh-CN" altLang="en-US" sz="2800" dirty="0">
+                <a:latin typeface="Microsoft YaHei" panose="020B0503020204020204" pitchFamily="34" charset="-122"/>
+                <a:ea typeface="Microsoft YaHei" panose="020B0503020204020204" pitchFamily="34" charset="-122"/>
+              </a:rPr>
+              <a:t> </a:t>
+            </a:r>
+            <a:r>
+              <a:rPr kumimoji="1" lang="en-US" altLang="zh-CN" sz="2800" dirty="0">
+                <a:latin typeface="Microsoft YaHei" panose="020B0503020204020204" pitchFamily="34" charset="-122"/>
+                <a:ea typeface="Microsoft YaHei" panose="020B0503020204020204" pitchFamily="34" charset="-122"/>
+              </a:rPr>
+              <a:t>=O(f(n))</a:t>
+            </a:r>
+            <a:r>
+              <a:rPr kumimoji="1" lang="zh-CN" altLang="en-US" sz="2800" dirty="0">
+                <a:latin typeface="Microsoft YaHei" panose="020B0503020204020204" pitchFamily="34" charset="-122"/>
+                <a:ea typeface="Microsoft YaHei" panose="020B0503020204020204" pitchFamily="34" charset="-122"/>
+              </a:rPr>
+              <a:t> </a:t>
+            </a:r>
+            <a:r>
+              <a:rPr kumimoji="1" lang="en-US" altLang="zh-CN" sz="2800" dirty="0">
+                <a:latin typeface="Microsoft YaHei" panose="020B0503020204020204" pitchFamily="34" charset="-122"/>
+                <a:ea typeface="Microsoft YaHei" panose="020B0503020204020204" pitchFamily="34" charset="-122"/>
+              </a:rPr>
+              <a:t>f(n)</a:t>
+            </a:r>
+            <a:r>
+              <a:rPr kumimoji="1" lang="zh-CN" altLang="en-US" sz="2800" dirty="0">
+                <a:latin typeface="Microsoft YaHei" panose="020B0503020204020204" pitchFamily="34" charset="-122"/>
+                <a:ea typeface="Microsoft YaHei" panose="020B0503020204020204" pitchFamily="34" charset="-122"/>
+              </a:rPr>
+              <a:t>表示的是程序所需空间随着问题规模</a:t>
+            </a:r>
+            <a:r>
+              <a:rPr kumimoji="1" lang="en-US" altLang="zh-CN" sz="2800" dirty="0">
+                <a:latin typeface="Microsoft YaHei" panose="020B0503020204020204" pitchFamily="34" charset="-122"/>
+                <a:ea typeface="Microsoft YaHei" panose="020B0503020204020204" pitchFamily="34" charset="-122"/>
+              </a:rPr>
+              <a:t>n</a:t>
+            </a:r>
+            <a:r>
+              <a:rPr kumimoji="1" lang="zh-CN" altLang="en-US" sz="2800" dirty="0">
+                <a:latin typeface="Microsoft YaHei" panose="020B0503020204020204" pitchFamily="34" charset="-122"/>
+                <a:ea typeface="Microsoft YaHei" panose="020B0503020204020204" pitchFamily="34" charset="-122"/>
+              </a:rPr>
+              <a:t>增长而体现的函数。</a:t>
+            </a:r>
+          </a:p>
+        </p:txBody>
+      </p:sp>
+      <p:sp>
+        <p:nvSpPr>
+          <p:cNvPr id="5" name="文本框 4">
+            <a:extLst>
+              <a:ext uri="{FF2B5EF4-FFF2-40B4-BE49-F238E27FC236}">
+                <a16:creationId xmlns:a16="http://schemas.microsoft.com/office/drawing/2014/main" id="{F7BE97CF-761B-F542-80CB-DEBAEDE9CA16}"/>
+              </a:ext>
+            </a:extLst>
+          </p:cNvPr>
+          <p:cNvSpPr txBox="1"/>
+          <p:nvPr/>
+        </p:nvSpPr>
+        <p:spPr>
+          <a:xfrm>
+            <a:off x="427483" y="2210721"/>
+            <a:ext cx="1070042" cy="542675"/>
+          </a:xfrm>
+          <a:prstGeom prst="rect">
+            <a:avLst/>
+          </a:prstGeom>
+          <a:solidFill>
+            <a:schemeClr val="accent2"/>
+          </a:solidFill>
+        </p:spPr>
+        <p:txBody>
+          <a:bodyPr wrap="square" rtlCol="0">
+            <a:spAutoFit/>
+          </a:bodyPr>
+          <a:lstStyle/>
+          <a:p>
+            <a:r>
+              <a:rPr kumimoji="1" lang="zh-CN" altLang="en-US" sz="2800" dirty="0">
+                <a:solidFill>
+                  <a:schemeClr val="bg1"/>
+                </a:solidFill>
+                <a:latin typeface="Microsoft YaHei" panose="020B0503020204020204" pitchFamily="34" charset="-122"/>
+                <a:ea typeface="Microsoft YaHei" panose="020B0503020204020204" pitchFamily="34" charset="-122"/>
+              </a:rPr>
+              <a:t>定义</a:t>
+            </a:r>
+          </a:p>
+        </p:txBody>
+      </p:sp>
+      <p:sp>
+        <p:nvSpPr>
+          <p:cNvPr id="6" name="文本框 5">
+            <a:extLst>
+              <a:ext uri="{FF2B5EF4-FFF2-40B4-BE49-F238E27FC236}">
+                <a16:creationId xmlns:a16="http://schemas.microsoft.com/office/drawing/2014/main" id="{1DAB7B4F-AA21-0D4D-AAFA-C290719B634A}"/>
+              </a:ext>
+            </a:extLst>
+          </p:cNvPr>
+          <p:cNvSpPr txBox="1"/>
+          <p:nvPr/>
+        </p:nvSpPr>
+        <p:spPr>
+          <a:xfrm>
+            <a:off x="427484" y="4786462"/>
+            <a:ext cx="1070042" cy="542675"/>
+          </a:xfrm>
+          <a:prstGeom prst="rect">
+            <a:avLst/>
+          </a:prstGeom>
+          <a:solidFill>
+            <a:schemeClr val="accent2"/>
+          </a:solidFill>
+        </p:spPr>
+        <p:txBody>
+          <a:bodyPr wrap="square" rtlCol="0">
+            <a:spAutoFit/>
+          </a:bodyPr>
+          <a:lstStyle/>
+          <a:p>
+            <a:r>
+              <a:rPr kumimoji="1" lang="zh-CN" altLang="en-US" sz="2800" dirty="0">
+                <a:solidFill>
+                  <a:schemeClr val="bg1"/>
+                </a:solidFill>
+                <a:latin typeface="Microsoft YaHei" panose="020B0503020204020204" pitchFamily="34" charset="-122"/>
+                <a:ea typeface="Microsoft YaHei" panose="020B0503020204020204" pitchFamily="34" charset="-122"/>
+              </a:rPr>
+              <a:t>例子</a:t>
+            </a:r>
+          </a:p>
+        </p:txBody>
+      </p:sp>
+      <p:sp>
+        <p:nvSpPr>
+          <p:cNvPr id="2" name="文本框 1">
+            <a:extLst>
+              <a:ext uri="{FF2B5EF4-FFF2-40B4-BE49-F238E27FC236}">
+                <a16:creationId xmlns:a16="http://schemas.microsoft.com/office/drawing/2014/main" id="{86AD365B-0A74-5544-A51B-C8836A8626E1}"/>
+              </a:ext>
+            </a:extLst>
+          </p:cNvPr>
+          <p:cNvSpPr txBox="1"/>
+          <p:nvPr/>
+        </p:nvSpPr>
+        <p:spPr>
+          <a:xfrm>
+            <a:off x="1497525" y="5507665"/>
+            <a:ext cx="7965452" cy="369332"/>
+          </a:xfrm>
+          <a:prstGeom prst="rect">
+            <a:avLst/>
+          </a:prstGeom>
+          <a:noFill/>
+        </p:spPr>
+        <p:txBody>
+          <a:bodyPr wrap="square" rtlCol="0">
+            <a:spAutoFit/>
+          </a:bodyPr>
+          <a:lstStyle/>
+          <a:p>
+            <a:r>
+              <a:rPr kumimoji="1" lang="zh-CN" altLang="en-US" dirty="0"/>
+              <a:t>一个需要定义 </a:t>
+            </a:r>
+            <a:r>
+              <a:rPr kumimoji="1" lang="en-US" altLang="zh-CN" dirty="0"/>
+              <a:t>int</a:t>
+            </a:r>
+            <a:r>
+              <a:rPr kumimoji="1" lang="zh-CN" altLang="en-US" dirty="0"/>
+              <a:t> </a:t>
+            </a:r>
+            <a:r>
+              <a:rPr kumimoji="1" lang="en-US" altLang="zh-CN" dirty="0"/>
+              <a:t>array[]</a:t>
+            </a:r>
+            <a:r>
+              <a:rPr kumimoji="1" lang="zh-CN" altLang="en-US" dirty="0"/>
+              <a:t> </a:t>
+            </a:r>
+            <a:r>
+              <a:rPr kumimoji="1" lang="en-US" altLang="zh-CN" dirty="0"/>
+              <a:t>=</a:t>
+            </a:r>
+            <a:r>
+              <a:rPr kumimoji="1" lang="zh-CN" altLang="en-US" dirty="0"/>
+              <a:t> </a:t>
+            </a:r>
+            <a:r>
+              <a:rPr kumimoji="1" lang="en-US" altLang="zh-CN" dirty="0"/>
+              <a:t>{1,2,3,….</a:t>
+            </a:r>
+            <a:r>
+              <a:rPr kumimoji="1" lang="zh-CN" altLang="en-US" dirty="0"/>
+              <a:t> </a:t>
+            </a:r>
+            <a:r>
+              <a:rPr kumimoji="1" lang="en-US" altLang="zh-CN" dirty="0"/>
+              <a:t>n-1,n}</a:t>
+            </a:r>
+            <a:r>
+              <a:rPr kumimoji="1" lang="zh-CN" altLang="en-US" dirty="0"/>
+              <a:t> 的程序，至少是 </a:t>
+            </a:r>
+            <a:r>
+              <a:rPr kumimoji="1" lang="en-US" altLang="zh-CN" dirty="0"/>
+              <a:t>O(n)</a:t>
+            </a:r>
+            <a:r>
+              <a:rPr kumimoji="1" lang="zh-CN" altLang="en-US" dirty="0"/>
+              <a:t>的空间复杂度</a:t>
+            </a:r>
+          </a:p>
+        </p:txBody>
+      </p:sp>
+    </p:spTree>
+    <p:extLst>
+      <p:ext uri="{BB962C8B-B14F-4D97-AF65-F5344CB8AC3E}">
+        <p14:creationId xmlns:p14="http://schemas.microsoft.com/office/powerpoint/2010/main" val="3056199617"/>
+      </p:ext>
+    </p:extLst>
+  </p:cSld>
+  <p:clrMapOvr>
+    <a:masterClrMapping/>
+  </p:clrMapOvr>
+</p:sld>
+</file>
+
+<file path=ppt/slides/slide2.xml><?xml version="1.0" encoding="utf-8"?>
+<p:sld xmlns:a="http://schemas.openxmlformats.org/drawingml/2006/main" xmlns:r="http://schemas.openxmlformats.org/officeDocument/2006/relationships" xmlns:p="http://schemas.openxmlformats.org/presentationml/2006/main">
+  <p:cSld>
+    <p:bg>
+      <p:bgPr>
+        <a:blipFill>
+          <a:blip r:embed="rId2"/>
+          <a:tile tx="0" ty="0" sx="100000" sy="100000" flip="none" algn="tl"/>
+        </a:blipFill>
+        <a:effectLst/>
+      </p:bgPr>
+    </p:bg>
+    <p:spTree>
+      <p:nvGrpSpPr>
+        <p:cNvPr id="1" name=""/>
+        <p:cNvGrpSpPr/>
+        <p:nvPr/>
+      </p:nvGrpSpPr>
+      <p:grpSpPr>
+        <a:xfrm>
+          <a:off x="0" y="0"/>
+          <a:ext cx="0" cy="0"/>
+          <a:chOff x="0" y="0"/>
+          <a:chExt cx="0" cy="0"/>
+        </a:xfrm>
+      </p:grpSpPr>
+      <p:sp>
+        <p:nvSpPr>
+          <p:cNvPr id="2" name="文本框 1">
+            <a:extLst>
+              <a:ext uri="{FF2B5EF4-FFF2-40B4-BE49-F238E27FC236}">
+                <a16:creationId xmlns:a16="http://schemas.microsoft.com/office/drawing/2014/main" id="{12AA8BCC-7B15-4842-80C2-48C079429338}"/>
+              </a:ext>
+            </a:extLst>
+          </p:cNvPr>
+          <p:cNvSpPr txBox="1"/>
+          <p:nvPr/>
+        </p:nvSpPr>
+        <p:spPr>
+          <a:xfrm>
+            <a:off x="2520000" y="720000"/>
+            <a:ext cx="7735824" cy="830997"/>
+          </a:xfrm>
+          <a:prstGeom prst="rect">
+            <a:avLst/>
+          </a:prstGeom>
+          <a:noFill/>
+        </p:spPr>
+        <p:txBody>
+          <a:bodyPr wrap="square" rtlCol="0">
+            <a:spAutoFit/>
+          </a:bodyPr>
+          <a:lstStyle/>
+          <a:p>
+            <a:pPr algn="ctr"/>
+            <a:r>
+              <a:rPr kumimoji="1" lang="zh-CN" altLang="en-US" sz="4800" dirty="0">
+                <a:latin typeface="Microsoft YaHei" panose="020B0503020204020204" pitchFamily="34" charset="-122"/>
+                <a:ea typeface="Microsoft YaHei" panose="020B0503020204020204" pitchFamily="34" charset="-122"/>
+              </a:rPr>
+              <a:t>这节课讲啥？</a:t>
+            </a:r>
+          </a:p>
+        </p:txBody>
+      </p:sp>
+      <p:sp>
+        <p:nvSpPr>
+          <p:cNvPr id="8" name="文本框 7">
+            <a:extLst>
+              <a:ext uri="{FF2B5EF4-FFF2-40B4-BE49-F238E27FC236}">
+                <a16:creationId xmlns:a16="http://schemas.microsoft.com/office/drawing/2014/main" id="{B294230C-E86E-7247-BAC6-5F43DED3D0AF}"/>
+              </a:ext>
+            </a:extLst>
+          </p:cNvPr>
+          <p:cNvSpPr txBox="1"/>
+          <p:nvPr/>
+        </p:nvSpPr>
+        <p:spPr>
+          <a:xfrm>
+            <a:off x="3653856" y="2136565"/>
+            <a:ext cx="7443216" cy="6125945"/>
+          </a:xfrm>
+          <a:prstGeom prst="rect">
+            <a:avLst/>
+          </a:prstGeom>
+          <a:noFill/>
+        </p:spPr>
+        <p:txBody>
+          <a:bodyPr wrap="square" tIns="360000" bIns="360000" rtlCol="0">
+            <a:spAutoFit/>
+          </a:bodyPr>
+          <a:lstStyle/>
+          <a:p>
+            <a:pPr marL="571500" indent="-571500">
+              <a:buFont typeface="Wingdings" pitchFamily="2" charset="2"/>
+              <a:buChar char="Ø"/>
+            </a:pPr>
+            <a:r>
+              <a:rPr kumimoji="1" lang="zh-CN" altLang="en-US" sz="2800" dirty="0">
+                <a:latin typeface="Microsoft YaHei" panose="020B0503020204020204" pitchFamily="34" charset="-122"/>
+                <a:ea typeface="Microsoft YaHei" panose="020B0503020204020204" pitchFamily="34" charset="-122"/>
+              </a:rPr>
+              <a:t>数据结构与算法的关系</a:t>
+            </a:r>
+            <a:endParaRPr kumimoji="1" lang="en-US" altLang="zh-CN" sz="2800" dirty="0">
+              <a:latin typeface="Microsoft YaHei" panose="020B0503020204020204" pitchFamily="34" charset="-122"/>
+              <a:ea typeface="Microsoft YaHei" panose="020B0503020204020204" pitchFamily="34" charset="-122"/>
+            </a:endParaRPr>
+          </a:p>
+          <a:p>
+            <a:pPr marL="571500" indent="-571500">
+              <a:lnSpc>
+                <a:spcPct val="150000"/>
+              </a:lnSpc>
+              <a:spcBef>
+                <a:spcPts val="100"/>
+              </a:spcBef>
+              <a:buFont typeface="Wingdings" pitchFamily="2" charset="2"/>
+              <a:buChar char="Ø"/>
+            </a:pPr>
+            <a:r>
+              <a:rPr kumimoji="1" lang="zh-CN" altLang="en-US" sz="2800" dirty="0">
+                <a:latin typeface="Microsoft YaHei" panose="020B0503020204020204" pitchFamily="34" charset="-122"/>
+                <a:ea typeface="Microsoft YaHei" panose="020B0503020204020204" pitchFamily="34" charset="-122"/>
+              </a:rPr>
+              <a:t>什么是算法</a:t>
+            </a:r>
+          </a:p>
+          <a:p>
+            <a:pPr marL="571500" indent="-571500">
+              <a:lnSpc>
+                <a:spcPct val="150000"/>
+              </a:lnSpc>
+              <a:buFont typeface="Wingdings" pitchFamily="2" charset="2"/>
+              <a:buChar char="Ø"/>
+            </a:pPr>
+            <a:r>
+              <a:rPr kumimoji="1" lang="zh-CN" altLang="en-US" sz="2800" dirty="0">
+                <a:ea typeface="Microsoft YaHei" panose="020B0503020204020204" pitchFamily="34" charset="-122"/>
+              </a:rPr>
+              <a:t>算法的特性</a:t>
+            </a:r>
+            <a:endParaRPr kumimoji="1" lang="en-US" altLang="zh-CN" sz="2800" dirty="0">
+              <a:ea typeface="Microsoft YaHei" panose="020B0503020204020204" pitchFamily="34" charset="-122"/>
+            </a:endParaRPr>
+          </a:p>
+          <a:p>
+            <a:pPr marL="571500" indent="-571500">
+              <a:lnSpc>
+                <a:spcPct val="150000"/>
+              </a:lnSpc>
+              <a:buFont typeface="Wingdings" pitchFamily="2" charset="2"/>
+              <a:buChar char="Ø"/>
+            </a:pPr>
+            <a:r>
+              <a:rPr kumimoji="1" lang="zh-CN" altLang="en-US" sz="2800" dirty="0">
+                <a:latin typeface="Microsoft YaHei" panose="020B0503020204020204" pitchFamily="34" charset="-122"/>
+                <a:ea typeface="Microsoft YaHei" panose="020B0503020204020204" pitchFamily="34" charset="-122"/>
+              </a:rPr>
+              <a:t>算法的设计要求</a:t>
+            </a:r>
+            <a:endParaRPr kumimoji="1" lang="en-US" altLang="zh-CN" sz="2800" dirty="0">
+              <a:latin typeface="Microsoft YaHei" panose="020B0503020204020204" pitchFamily="34" charset="-122"/>
+              <a:ea typeface="Microsoft YaHei" panose="020B0503020204020204" pitchFamily="34" charset="-122"/>
+            </a:endParaRPr>
+          </a:p>
+          <a:p>
+            <a:pPr marL="571500" indent="-571500">
+              <a:lnSpc>
+                <a:spcPct val="150000"/>
+              </a:lnSpc>
+              <a:buFont typeface="Wingdings" pitchFamily="2" charset="2"/>
+              <a:buChar char="Ø"/>
+            </a:pPr>
+            <a:r>
+              <a:rPr kumimoji="1" lang="zh-CN" altLang="en-US" sz="2800" dirty="0">
+                <a:latin typeface="Microsoft YaHei" panose="020B0503020204020204" pitchFamily="34" charset="-122"/>
+                <a:ea typeface="Microsoft YaHei" panose="020B0503020204020204" pitchFamily="34" charset="-122"/>
+              </a:rPr>
+              <a:t>算法效率的度量方式</a:t>
+            </a:r>
+            <a:endParaRPr kumimoji="1" lang="en-US" altLang="zh-CN" sz="2800" dirty="0">
+              <a:latin typeface="Microsoft YaHei" panose="020B0503020204020204" pitchFamily="34" charset="-122"/>
+              <a:ea typeface="Microsoft YaHei" panose="020B0503020204020204" pitchFamily="34" charset="-122"/>
+            </a:endParaRPr>
+          </a:p>
+          <a:p>
+            <a:pPr marL="571500" indent="-571500">
+              <a:lnSpc>
+                <a:spcPct val="150000"/>
+              </a:lnSpc>
+              <a:buFont typeface="Wingdings" pitchFamily="2" charset="2"/>
+              <a:buChar char="Ø"/>
+            </a:pPr>
+            <a:r>
+              <a:rPr kumimoji="1" lang="zh-CN" altLang="en-US" sz="2800" dirty="0">
+                <a:latin typeface="Microsoft YaHei" panose="020B0503020204020204" pitchFamily="34" charset="-122"/>
+                <a:ea typeface="Microsoft YaHei" panose="020B0503020204020204" pitchFamily="34" charset="-122"/>
+              </a:rPr>
+              <a:t>算法时间复杂度和空间复杂度</a:t>
+            </a:r>
+            <a:endParaRPr kumimoji="1" lang="en-US" altLang="zh-CN" sz="2800" dirty="0">
+              <a:latin typeface="Microsoft YaHei" panose="020B0503020204020204" pitchFamily="34" charset="-122"/>
+              <a:ea typeface="Microsoft YaHei" panose="020B0503020204020204" pitchFamily="34" charset="-122"/>
+            </a:endParaRPr>
+          </a:p>
+          <a:p>
+            <a:endParaRPr kumimoji="1" lang="zh-CN" altLang="en-US" sz="2800" dirty="0">
+              <a:latin typeface="Microsoft YaHei" panose="020B0503020204020204" pitchFamily="34" charset="-122"/>
+              <a:ea typeface="Microsoft YaHei" panose="020B0503020204020204" pitchFamily="34" charset="-122"/>
+            </a:endParaRPr>
+          </a:p>
+          <a:p>
+            <a:endParaRPr kumimoji="1" lang="zh-CN" altLang="en-US" sz="2800" dirty="0"/>
+          </a:p>
+          <a:p>
+            <a:endParaRPr kumimoji="1" lang="en-US" altLang="zh-CN" sz="2800" dirty="0"/>
+          </a:p>
+          <a:p>
+            <a:r>
+              <a:rPr kumimoji="1" lang="en-US" altLang="zh-CN" sz="2800" dirty="0"/>
+              <a:t>	</a:t>
+            </a:r>
+            <a:endParaRPr kumimoji="1" lang="zh-CN" altLang="en-US" sz="2800" dirty="0"/>
+          </a:p>
+        </p:txBody>
+      </p:sp>
+    </p:spTree>
+    <p:extLst>
+      <p:ext uri="{BB962C8B-B14F-4D97-AF65-F5344CB8AC3E}">
+        <p14:creationId xmlns:p14="http://schemas.microsoft.com/office/powerpoint/2010/main" val="4038558307"/>
+      </p:ext>
+    </p:extLst>
+  </p:cSld>
+  <p:clrMapOvr>
+    <a:masterClrMapping/>
+  </p:clrMapOvr>
+</p:sld>
+</file>
+
+<file path=ppt/slides/slide20.xml><?xml version="1.0" encoding="utf-8"?>
+<p:sld xmlns:a="http://schemas.openxmlformats.org/drawingml/2006/main" xmlns:r="http://schemas.openxmlformats.org/officeDocument/2006/relationships" xmlns:p="http://schemas.openxmlformats.org/presentationml/2006/main">
+  <p:cSld>
+    <p:bg>
+      <p:bgPr>
+        <a:blipFill>
+          <a:blip r:embed="rId2"/>
+          <a:tile tx="0" ty="0" sx="100000" sy="100000" flip="none" algn="tl"/>
+        </a:blipFill>
+        <a:effectLst/>
+      </p:bgPr>
+    </p:bg>
+    <p:spTree>
+      <p:nvGrpSpPr>
+        <p:cNvPr id="1" name=""/>
+        <p:cNvGrpSpPr/>
+        <p:nvPr/>
+      </p:nvGrpSpPr>
+      <p:grpSpPr>
+        <a:xfrm>
+          <a:off x="0" y="0"/>
+          <a:ext cx="0" cy="0"/>
+          <a:chOff x="0" y="0"/>
+          <a:chExt cx="0" cy="0"/>
+        </a:xfrm>
+      </p:grpSpPr>
+      <p:sp>
+        <p:nvSpPr>
+          <p:cNvPr id="3" name="文本框 2">
+            <a:extLst>
+              <a:ext uri="{FF2B5EF4-FFF2-40B4-BE49-F238E27FC236}">
+                <a16:creationId xmlns:a16="http://schemas.microsoft.com/office/drawing/2014/main" id="{62BFC649-BF8E-2841-8EAF-47AFBF9D6671}"/>
+              </a:ext>
+            </a:extLst>
+          </p:cNvPr>
+          <p:cNvSpPr txBox="1"/>
+          <p:nvPr/>
+        </p:nvSpPr>
+        <p:spPr>
+          <a:xfrm>
+            <a:off x="914400" y="581161"/>
+            <a:ext cx="10363200" cy="830997"/>
+          </a:xfrm>
+          <a:prstGeom prst="rect">
+            <a:avLst/>
+          </a:prstGeom>
+          <a:noFill/>
+        </p:spPr>
+        <p:txBody>
+          <a:bodyPr wrap="square" rtlCol="0">
+            <a:spAutoFit/>
+          </a:bodyPr>
+          <a:lstStyle/>
+          <a:p>
+            <a:pPr algn="ctr"/>
+            <a:r>
+              <a:rPr kumimoji="1" lang="en-US" altLang="zh-CN" sz="4800" dirty="0">
+                <a:latin typeface="Microsoft YaHei" panose="020B0503020204020204" pitchFamily="34" charset="-122"/>
+                <a:ea typeface="Microsoft YaHei" panose="020B0503020204020204" pitchFamily="34" charset="-122"/>
+              </a:rPr>
+              <a:t>6.3</a:t>
+            </a:r>
+            <a:r>
+              <a:rPr kumimoji="1" lang="zh-CN" altLang="en-US" sz="4800" dirty="0">
+                <a:latin typeface="Microsoft YaHei" panose="020B0503020204020204" pitchFamily="34" charset="-122"/>
+                <a:ea typeface="Microsoft YaHei" panose="020B0503020204020204" pitchFamily="34" charset="-122"/>
+              </a:rPr>
+              <a:t> 时间和空间之间的代价转换</a:t>
+            </a:r>
+            <a:endParaRPr kumimoji="1" lang="en-US" altLang="zh-CN" sz="4800" dirty="0">
+              <a:latin typeface="Microsoft YaHei" panose="020B0503020204020204" pitchFamily="34" charset="-122"/>
+              <a:ea typeface="Microsoft YaHei" panose="020B0503020204020204" pitchFamily="34" charset="-122"/>
+            </a:endParaRPr>
+          </a:p>
+        </p:txBody>
+      </p:sp>
+      <p:sp>
+        <p:nvSpPr>
+          <p:cNvPr id="4" name="文本框 3">
+            <a:extLst>
+              <a:ext uri="{FF2B5EF4-FFF2-40B4-BE49-F238E27FC236}">
+                <a16:creationId xmlns:a16="http://schemas.microsoft.com/office/drawing/2014/main" id="{CA9324FF-2762-6C41-989A-A77E73D679CD}"/>
+              </a:ext>
+            </a:extLst>
+          </p:cNvPr>
+          <p:cNvSpPr txBox="1"/>
+          <p:nvPr/>
+        </p:nvSpPr>
+        <p:spPr>
+          <a:xfrm>
+            <a:off x="1828800" y="3040912"/>
+            <a:ext cx="7187609" cy="2246769"/>
+          </a:xfrm>
+          <a:prstGeom prst="rect">
+            <a:avLst/>
+          </a:prstGeom>
+          <a:noFill/>
+        </p:spPr>
+        <p:txBody>
+          <a:bodyPr wrap="square" rtlCol="0">
+            <a:spAutoFit/>
+          </a:bodyPr>
+          <a:lstStyle/>
+          <a:p>
+            <a:pPr marL="514350" indent="-514350">
+              <a:buFont typeface="+mj-lt"/>
+              <a:buAutoNum type="arabicPeriod"/>
+            </a:pPr>
+            <a:r>
+              <a:rPr kumimoji="1" lang="zh-CN" altLang="en-US" sz="2800" dirty="0">
+                <a:latin typeface="Microsoft YaHei" panose="020B0503020204020204" pitchFamily="34" charset="-122"/>
+                <a:ea typeface="Microsoft YaHei" panose="020B0503020204020204" pitchFamily="34" charset="-122"/>
+              </a:rPr>
+              <a:t>时间换空间：存储有限的机器上，只能靠“慢慢”执行来弥补存储空间的不足</a:t>
+            </a:r>
+            <a:endParaRPr kumimoji="1" lang="en-US" altLang="zh-CN" sz="2800" dirty="0">
+              <a:latin typeface="Microsoft YaHei" panose="020B0503020204020204" pitchFamily="34" charset="-122"/>
+              <a:ea typeface="Microsoft YaHei" panose="020B0503020204020204" pitchFamily="34" charset="-122"/>
+            </a:endParaRPr>
+          </a:p>
+          <a:p>
+            <a:endParaRPr kumimoji="1" lang="en-US" altLang="zh-CN" sz="2800" dirty="0">
+              <a:latin typeface="Microsoft YaHei" panose="020B0503020204020204" pitchFamily="34" charset="-122"/>
+              <a:ea typeface="Microsoft YaHei" panose="020B0503020204020204" pitchFamily="34" charset="-122"/>
+            </a:endParaRPr>
+          </a:p>
+          <a:p>
+            <a:pPr marL="514350" indent="-514350">
+              <a:buFont typeface="+mj-lt"/>
+              <a:buAutoNum type="arabicPeriod"/>
+            </a:pPr>
+            <a:r>
+              <a:rPr kumimoji="1" lang="zh-CN" altLang="en-US" sz="2800" dirty="0">
+                <a:latin typeface="Microsoft YaHei" panose="020B0503020204020204" pitchFamily="34" charset="-122"/>
+                <a:ea typeface="Microsoft YaHei" panose="020B0503020204020204" pitchFamily="34" charset="-122"/>
+              </a:rPr>
+              <a:t>空间换时间：</a:t>
+            </a:r>
+            <a:r>
+              <a:rPr kumimoji="1" lang="en-US" altLang="zh-CN" sz="2800" dirty="0">
+                <a:latin typeface="Microsoft YaHei" panose="020B0503020204020204" pitchFamily="34" charset="-122"/>
+                <a:ea typeface="Microsoft YaHei" panose="020B0503020204020204" pitchFamily="34" charset="-122"/>
+              </a:rPr>
+              <a:t>cache</a:t>
+            </a:r>
+            <a:r>
+              <a:rPr kumimoji="1" lang="zh-CN" altLang="en-US" sz="2800" dirty="0">
+                <a:latin typeface="Microsoft YaHei" panose="020B0503020204020204" pitchFamily="34" charset="-122"/>
+                <a:ea typeface="Microsoft YaHei" panose="020B0503020204020204" pitchFamily="34" charset="-122"/>
+              </a:rPr>
+              <a:t>的思想，多存历史数据，在之后的处理中直接拿来用</a:t>
+            </a:r>
+          </a:p>
+        </p:txBody>
+      </p:sp>
+    </p:spTree>
+    <p:extLst>
+      <p:ext uri="{BB962C8B-B14F-4D97-AF65-F5344CB8AC3E}">
+        <p14:creationId xmlns:p14="http://schemas.microsoft.com/office/powerpoint/2010/main" val="2238703623"/>
+      </p:ext>
+    </p:extLst>
+  </p:cSld>
+  <p:clrMapOvr>
+    <a:masterClrMapping/>
+  </p:clrMapOvr>
+</p:sld>
+</file>
+
+<file path=ppt/slides/slide21.xml><?xml version="1.0" encoding="utf-8"?>
+<p:sld xmlns:a="http://schemas.openxmlformats.org/drawingml/2006/main" xmlns:r="http://schemas.openxmlformats.org/officeDocument/2006/relationships" xmlns:p="http://schemas.openxmlformats.org/presentationml/2006/main">
+  <p:cSld>
+    <p:bg>
+      <p:bgPr>
+        <a:blipFill>
+          <a:blip r:embed="rId2"/>
+          <a:tile tx="0" ty="0" sx="100000" sy="100000" flip="none" algn="tl"/>
+        </a:blipFill>
+        <a:effectLst/>
+      </p:bgPr>
+    </p:bg>
+    <p:spTree>
+      <p:nvGrpSpPr>
+        <p:cNvPr id="1" name=""/>
+        <p:cNvGrpSpPr/>
+        <p:nvPr/>
+      </p:nvGrpSpPr>
+      <p:grpSpPr>
+        <a:xfrm>
+          <a:off x="0" y="0"/>
+          <a:ext cx="0" cy="0"/>
+          <a:chOff x="0" y="0"/>
+          <a:chExt cx="0" cy="0"/>
+        </a:xfrm>
+      </p:grpSpPr>
+      <p:sp>
+        <p:nvSpPr>
           <p:cNvPr id="8" name="文本框 7">
             <a:extLst>
               <a:ext uri="{FF2B5EF4-FFF2-40B4-BE49-F238E27FC236}">
@@ -6121,7 +11388,7 @@
 </p:sld>
 </file>
 
-<file path=ppt/slides/slide11.xml><?xml version="1.0" encoding="utf-8"?>
+<file path=ppt/slides/slide22.xml><?xml version="1.0" encoding="utf-8"?>
 <p:sld xmlns:a="http://schemas.openxmlformats.org/drawingml/2006/main" xmlns:r="http://schemas.openxmlformats.org/officeDocument/2006/relationships" xmlns:p="http://schemas.openxmlformats.org/presentationml/2006/main">
   <p:cSld>
     <p:bg>
@@ -6817,7 +12084,7 @@
 </p:sld>
 </file>
 
-<file path=ppt/slides/slide12.xml><?xml version="1.0" encoding="utf-8"?>
+<file path=ppt/slides/slide23.xml><?xml version="1.0" encoding="utf-8"?>
 <p:sld xmlns:a="http://schemas.openxmlformats.org/drawingml/2006/main" xmlns:r="http://schemas.openxmlformats.org/officeDocument/2006/relationships" xmlns:p="http://schemas.openxmlformats.org/presentationml/2006/main">
   <p:cSld>
     <p:bg>
@@ -7240,7 +12507,7 @@
 </p:sld>
 </file>
 
-<file path=ppt/slides/slide13.xml><?xml version="1.0" encoding="utf-8"?>
+<file path=ppt/slides/slide24.xml><?xml version="1.0" encoding="utf-8"?>
 <p:sld xmlns:a="http://schemas.openxmlformats.org/drawingml/2006/main" xmlns:r="http://schemas.openxmlformats.org/officeDocument/2006/relationships" xmlns:p="http://schemas.openxmlformats.org/presentationml/2006/main">
   <p:cSld>
     <p:bg>
@@ -7771,7 +13038,7 @@
 </p:sld>
 </file>
 
-<file path=ppt/slides/slide14.xml><?xml version="1.0" encoding="utf-8"?>
+<file path=ppt/slides/slide25.xml><?xml version="1.0" encoding="utf-8"?>
 <p:sld xmlns:a="http://schemas.openxmlformats.org/drawingml/2006/main" xmlns:r="http://schemas.openxmlformats.org/officeDocument/2006/relationships" xmlns:p="http://schemas.openxmlformats.org/presentationml/2006/main">
   <p:cSld>
     <p:bg>
@@ -8029,7 +13296,7 @@
 </p:sld>
 </file>
 
-<file path=ppt/slides/slide15.xml><?xml version="1.0" encoding="utf-8"?>
+<file path=ppt/slides/slide26.xml><?xml version="1.0" encoding="utf-8"?>
 <p:sld xmlns:a="http://schemas.openxmlformats.org/drawingml/2006/main" xmlns:r="http://schemas.openxmlformats.org/officeDocument/2006/relationships" xmlns:p="http://schemas.openxmlformats.org/presentationml/2006/main">
   <p:cSld>
     <p:bg>
@@ -8321,7 +13588,7 @@
 </p:sld>
 </file>
 
-<file path=ppt/slides/slide16.xml><?xml version="1.0" encoding="utf-8"?>
+<file path=ppt/slides/slide27.xml><?xml version="1.0" encoding="utf-8"?>
 <p:sld xmlns:a="http://schemas.openxmlformats.org/drawingml/2006/main" xmlns:r="http://schemas.openxmlformats.org/officeDocument/2006/relationships" xmlns:p="http://schemas.openxmlformats.org/presentationml/2006/main">
   <p:cSld>
     <p:bg>
@@ -8767,7 +14034,7 @@
 </p:sld>
 </file>
 
-<file path=ppt/slides/slide17.xml><?xml version="1.0" encoding="utf-8"?>
+<file path=ppt/slides/slide28.xml><?xml version="1.0" encoding="utf-8"?>
 <p:sld xmlns:a="http://schemas.openxmlformats.org/drawingml/2006/main" xmlns:r="http://schemas.openxmlformats.org/officeDocument/2006/relationships" xmlns:p="http://schemas.openxmlformats.org/presentationml/2006/main">
   <p:cSld>
     <p:bg>
@@ -9476,7 +14743,7 @@
 </p:sld>
 </file>
 
-<file path=ppt/slides/slide18.xml><?xml version="1.0" encoding="utf-8"?>
+<file path=ppt/slides/slide29.xml><?xml version="1.0" encoding="utf-8"?>
 <p:sld xmlns:a="http://schemas.openxmlformats.org/drawingml/2006/main" xmlns:r="http://schemas.openxmlformats.org/officeDocument/2006/relationships" xmlns:p="http://schemas.openxmlformats.org/presentationml/2006/main">
   <p:cSld>
     <p:bg>
@@ -10952,7 +16219,174 @@
 </p:sld>
 </file>
 
-<file path=ppt/slides/slide19.xml><?xml version="1.0" encoding="utf-8"?>
+<file path=ppt/slides/slide3.xml><?xml version="1.0" encoding="utf-8"?>
+<p:sld xmlns:a="http://schemas.openxmlformats.org/drawingml/2006/main" xmlns:r="http://schemas.openxmlformats.org/officeDocument/2006/relationships" xmlns:p="http://schemas.openxmlformats.org/presentationml/2006/main">
+  <p:cSld>
+    <p:bg>
+      <p:bgPr>
+        <a:blipFill>
+          <a:blip r:embed="rId3"/>
+          <a:tile tx="0" ty="0" sx="100000" sy="100000" flip="none" algn="tl"/>
+        </a:blipFill>
+        <a:effectLst/>
+      </p:bgPr>
+    </p:bg>
+    <p:spTree>
+      <p:nvGrpSpPr>
+        <p:cNvPr id="1" name=""/>
+        <p:cNvGrpSpPr/>
+        <p:nvPr/>
+      </p:nvGrpSpPr>
+      <p:grpSpPr>
+        <a:xfrm>
+          <a:off x="0" y="0"/>
+          <a:ext cx="0" cy="0"/>
+          <a:chOff x="0" y="0"/>
+          <a:chExt cx="0" cy="0"/>
+        </a:xfrm>
+      </p:grpSpPr>
+      <p:sp>
+        <p:nvSpPr>
+          <p:cNvPr id="3" name="文本框 2">
+            <a:extLst>
+              <a:ext uri="{FF2B5EF4-FFF2-40B4-BE49-F238E27FC236}">
+                <a16:creationId xmlns:a16="http://schemas.microsoft.com/office/drawing/2014/main" id="{62BFC649-BF8E-2841-8EAF-47AFBF9D6671}"/>
+              </a:ext>
+            </a:extLst>
+          </p:cNvPr>
+          <p:cNvSpPr txBox="1"/>
+          <p:nvPr/>
+        </p:nvSpPr>
+        <p:spPr>
+          <a:xfrm>
+            <a:off x="2054352" y="612861"/>
+            <a:ext cx="8083296" cy="830997"/>
+          </a:xfrm>
+          <a:prstGeom prst="rect">
+            <a:avLst/>
+          </a:prstGeom>
+          <a:noFill/>
+        </p:spPr>
+        <p:txBody>
+          <a:bodyPr wrap="square" rtlCol="0">
+            <a:spAutoFit/>
+          </a:bodyPr>
+          <a:lstStyle/>
+          <a:p>
+            <a:pPr algn="ctr"/>
+            <a:r>
+              <a:rPr kumimoji="1" lang="en-US" altLang="zh-CN" sz="4800" dirty="0">
+                <a:latin typeface="Microsoft YaHei" panose="020B0503020204020204" pitchFamily="34" charset="-122"/>
+                <a:ea typeface="Microsoft YaHei" panose="020B0503020204020204" pitchFamily="34" charset="-122"/>
+              </a:rPr>
+              <a:t>1.</a:t>
+            </a:r>
+            <a:r>
+              <a:rPr kumimoji="1" lang="zh-CN" altLang="en-US" sz="4800" dirty="0">
+                <a:latin typeface="Microsoft YaHei" panose="020B0503020204020204" pitchFamily="34" charset="-122"/>
+                <a:ea typeface="Microsoft YaHei" panose="020B0503020204020204" pitchFamily="34" charset="-122"/>
+              </a:rPr>
+              <a:t>数据结构与算法的关系</a:t>
+            </a:r>
+          </a:p>
+        </p:txBody>
+      </p:sp>
+      <p:sp>
+        <p:nvSpPr>
+          <p:cNvPr id="8" name="文本框 7">
+            <a:extLst>
+              <a:ext uri="{FF2B5EF4-FFF2-40B4-BE49-F238E27FC236}">
+                <a16:creationId xmlns:a16="http://schemas.microsoft.com/office/drawing/2014/main" id="{75D7D6ED-43A8-DC4B-84B6-AB03F6270117}"/>
+              </a:ext>
+            </a:extLst>
+          </p:cNvPr>
+          <p:cNvSpPr txBox="1"/>
+          <p:nvPr/>
+        </p:nvSpPr>
+        <p:spPr>
+          <a:xfrm>
+            <a:off x="2791206" y="2449835"/>
+            <a:ext cx="6609588" cy="3108543"/>
+          </a:xfrm>
+          <a:prstGeom prst="rect">
+            <a:avLst/>
+          </a:prstGeom>
+          <a:noFill/>
+        </p:spPr>
+        <p:txBody>
+          <a:bodyPr wrap="square" rtlCol="0">
+            <a:spAutoFit/>
+          </a:bodyPr>
+          <a:lstStyle/>
+          <a:p>
+            <a:pPr marL="457200" indent="-457200">
+              <a:buFont typeface="Arial" panose="020B0604020202020204" pitchFamily="34" charset="0"/>
+              <a:buChar char="•"/>
+            </a:pPr>
+            <a:r>
+              <a:rPr kumimoji="1" lang="zh-CN" altLang="en-US" sz="2800" dirty="0">
+                <a:latin typeface="微软雅黑" panose="020B0503020204020204" pitchFamily="34" charset="-122"/>
+                <a:ea typeface="Microsoft YaHei" panose="020B0503020204020204" pitchFamily="34" charset="-122"/>
+              </a:rPr>
+              <a:t>数据结构 是 容器，它是一个碗，一个盆。</a:t>
+            </a:r>
+            <a:endParaRPr kumimoji="1" lang="en-US" altLang="zh-CN" sz="2800" dirty="0">
+              <a:latin typeface="微软雅黑" panose="020B0503020204020204" pitchFamily="34" charset="-122"/>
+              <a:ea typeface="Microsoft YaHei" panose="020B0503020204020204" pitchFamily="34" charset="-122"/>
+            </a:endParaRPr>
+          </a:p>
+          <a:p>
+            <a:pPr marL="457200" indent="-457200">
+              <a:buFont typeface="Arial" panose="020B0604020202020204" pitchFamily="34" charset="0"/>
+              <a:buChar char="•"/>
+            </a:pPr>
+            <a:r>
+              <a:rPr kumimoji="1" lang="zh-CN" altLang="en-US" sz="2800" dirty="0">
+                <a:latin typeface="微软雅黑" panose="020B0503020204020204" pitchFamily="34" charset="-122"/>
+                <a:ea typeface="Microsoft YaHei" panose="020B0503020204020204" pitchFamily="34" charset="-122"/>
+              </a:rPr>
+              <a:t>算法的最终目的是处理数据，但数据不能单独存在，它需要“装在”数据结构这个容器。</a:t>
+            </a:r>
+            <a:endParaRPr kumimoji="1" lang="en-US" altLang="zh-CN" sz="2800" dirty="0">
+              <a:latin typeface="微软雅黑" panose="020B0503020204020204" pitchFamily="34" charset="-122"/>
+              <a:ea typeface="Microsoft YaHei" panose="020B0503020204020204" pitchFamily="34" charset="-122"/>
+            </a:endParaRPr>
+          </a:p>
+          <a:p>
+            <a:endParaRPr kumimoji="1" lang="en-US" altLang="zh-CN" sz="2800" dirty="0">
+              <a:latin typeface="微软雅黑" panose="020B0503020204020204" pitchFamily="34" charset="-122"/>
+              <a:ea typeface="Microsoft YaHei" panose="020B0503020204020204" pitchFamily="34" charset="-122"/>
+            </a:endParaRPr>
+          </a:p>
+          <a:p>
+            <a:r>
+              <a:rPr kumimoji="1" lang="zh-CN" altLang="en-US" sz="2800" dirty="0">
+                <a:latin typeface="微软雅黑" panose="020B0503020204020204" pitchFamily="34" charset="-122"/>
+                <a:ea typeface="Microsoft YaHei" panose="020B0503020204020204" pitchFamily="34" charset="-122"/>
+              </a:rPr>
+              <a:t>例子： 从小到大对一堆数字排序</a:t>
+            </a:r>
+            <a:endParaRPr kumimoji="1" lang="en-US" altLang="zh-CN" sz="2800" dirty="0">
+              <a:latin typeface="微软雅黑" panose="020B0503020204020204" pitchFamily="34" charset="-122"/>
+              <a:ea typeface="Microsoft YaHei" panose="020B0503020204020204" pitchFamily="34" charset="-122"/>
+            </a:endParaRPr>
+          </a:p>
+        </p:txBody>
+      </p:sp>
+    </p:spTree>
+    <p:extLst>
+      <p:ext uri="{BB962C8B-B14F-4D97-AF65-F5344CB8AC3E}">
+        <p14:creationId xmlns:p14="http://schemas.microsoft.com/office/powerpoint/2010/main" val="935474760"/>
+      </p:ext>
+    </p:extLst>
+  </p:cSld>
+  <p:clrMapOvr>
+    <a:masterClrMapping/>
+  </p:clrMapOvr>
+</p:sld>
+</file>
+
+<file path=ppt/slides/slide30.xml><?xml version="1.0" encoding="utf-8"?>
 <p:sld xmlns:a="http://schemas.openxmlformats.org/drawingml/2006/main" xmlns:r="http://schemas.openxmlformats.org/officeDocument/2006/relationships" xmlns:p="http://schemas.openxmlformats.org/presentationml/2006/main">
   <p:cSld>
     <p:bg>
@@ -12304,247 +17738,7 @@
 </p:sld>
 </file>
 
-<file path=ppt/slides/slide2.xml><?xml version="1.0" encoding="utf-8"?>
-<p:sld xmlns:a="http://schemas.openxmlformats.org/drawingml/2006/main" xmlns:r="http://schemas.openxmlformats.org/officeDocument/2006/relationships" xmlns:p="http://schemas.openxmlformats.org/presentationml/2006/main">
-  <p:cSld>
-    <p:bg>
-      <p:bgPr>
-        <a:blipFill>
-          <a:blip r:embed="rId2"/>
-          <a:tile tx="0" ty="0" sx="100000" sy="100000" flip="none" algn="tl"/>
-        </a:blipFill>
-        <a:effectLst/>
-      </p:bgPr>
-    </p:bg>
-    <p:spTree>
-      <p:nvGrpSpPr>
-        <p:cNvPr id="1" name=""/>
-        <p:cNvGrpSpPr/>
-        <p:nvPr/>
-      </p:nvGrpSpPr>
-      <p:grpSpPr>
-        <a:xfrm>
-          <a:off x="0" y="0"/>
-          <a:ext cx="0" cy="0"/>
-          <a:chOff x="0" y="0"/>
-          <a:chExt cx="0" cy="0"/>
-        </a:xfrm>
-      </p:grpSpPr>
-      <p:sp>
-        <p:nvSpPr>
-          <p:cNvPr id="2" name="文本框 1">
-            <a:extLst>
-              <a:ext uri="{FF2B5EF4-FFF2-40B4-BE49-F238E27FC236}">
-                <a16:creationId xmlns:a16="http://schemas.microsoft.com/office/drawing/2014/main" id="{12AA8BCC-7B15-4842-80C2-48C079429338}"/>
-              </a:ext>
-            </a:extLst>
-          </p:cNvPr>
-          <p:cNvSpPr txBox="1"/>
-          <p:nvPr/>
-        </p:nvSpPr>
-        <p:spPr>
-          <a:xfrm>
-            <a:off x="2520000" y="720000"/>
-            <a:ext cx="7735824" cy="830997"/>
-          </a:xfrm>
-          <a:prstGeom prst="rect">
-            <a:avLst/>
-          </a:prstGeom>
-          <a:noFill/>
-        </p:spPr>
-        <p:txBody>
-          <a:bodyPr wrap="square" rtlCol="0">
-            <a:spAutoFit/>
-          </a:bodyPr>
-          <a:lstStyle/>
-          <a:p>
-            <a:pPr algn="ctr"/>
-            <a:r>
-              <a:rPr kumimoji="1" lang="zh-CN" altLang="en-US" sz="4800" dirty="0">
-                <a:latin typeface="Microsoft YaHei" panose="020B0503020204020204" pitchFamily="34" charset="-122"/>
-                <a:ea typeface="Microsoft YaHei" panose="020B0503020204020204" pitchFamily="34" charset="-122"/>
-              </a:rPr>
-              <a:t>这节课讲啥？</a:t>
-            </a:r>
-          </a:p>
-        </p:txBody>
-      </p:sp>
-      <p:sp>
-        <p:nvSpPr>
-          <p:cNvPr id="8" name="文本框 7">
-            <a:extLst>
-              <a:ext uri="{FF2B5EF4-FFF2-40B4-BE49-F238E27FC236}">
-                <a16:creationId xmlns:a16="http://schemas.microsoft.com/office/drawing/2014/main" id="{B294230C-E86E-7247-BAC6-5F43DED3D0AF}"/>
-              </a:ext>
-            </a:extLst>
-          </p:cNvPr>
-          <p:cNvSpPr txBox="1"/>
-          <p:nvPr/>
-        </p:nvSpPr>
-        <p:spPr>
-          <a:xfrm>
-            <a:off x="3653856" y="2136565"/>
-            <a:ext cx="7443216" cy="6125945"/>
-          </a:xfrm>
-          <a:prstGeom prst="rect">
-            <a:avLst/>
-          </a:prstGeom>
-          <a:noFill/>
-        </p:spPr>
-        <p:txBody>
-          <a:bodyPr wrap="square" tIns="360000" bIns="360000" rtlCol="0">
-            <a:spAutoFit/>
-          </a:bodyPr>
-          <a:lstStyle/>
-          <a:p>
-            <a:pPr marL="571500" indent="-571500">
-              <a:buFont typeface="Wingdings" pitchFamily="2" charset="2"/>
-              <a:buChar char="Ø"/>
-            </a:pPr>
-            <a:r>
-              <a:rPr kumimoji="1" lang="zh-CN" altLang="en-US" sz="2800" dirty="0">
-                <a:latin typeface="Microsoft YaHei" panose="020B0503020204020204" pitchFamily="34" charset="-122"/>
-                <a:ea typeface="Microsoft YaHei" panose="020B0503020204020204" pitchFamily="34" charset="-122"/>
-              </a:rPr>
-              <a:t>数据结构与算法的关系</a:t>
-            </a:r>
-            <a:endParaRPr kumimoji="1" lang="en-US" altLang="zh-CN" sz="2800" dirty="0">
-              <a:latin typeface="Microsoft YaHei" panose="020B0503020204020204" pitchFamily="34" charset="-122"/>
-              <a:ea typeface="Microsoft YaHei" panose="020B0503020204020204" pitchFamily="34" charset="-122"/>
-            </a:endParaRPr>
-          </a:p>
-          <a:p>
-            <a:pPr marL="571500" indent="-571500">
-              <a:lnSpc>
-                <a:spcPct val="150000"/>
-              </a:lnSpc>
-              <a:spcBef>
-                <a:spcPts val="100"/>
-              </a:spcBef>
-              <a:buFont typeface="Wingdings" pitchFamily="2" charset="2"/>
-              <a:buChar char="Ø"/>
-            </a:pPr>
-            <a:r>
-              <a:rPr kumimoji="1" lang="zh-CN" altLang="en-US" sz="2800" dirty="0">
-                <a:latin typeface="Microsoft YaHei" panose="020B0503020204020204" pitchFamily="34" charset="-122"/>
-                <a:ea typeface="Microsoft YaHei" panose="020B0503020204020204" pitchFamily="34" charset="-122"/>
-              </a:rPr>
-              <a:t>什么是算法</a:t>
-            </a:r>
-          </a:p>
-          <a:p>
-            <a:pPr marL="571500" indent="-571500">
-              <a:lnSpc>
-                <a:spcPct val="150000"/>
-              </a:lnSpc>
-              <a:buFont typeface="Wingdings" pitchFamily="2" charset="2"/>
-              <a:buChar char="Ø"/>
-            </a:pPr>
-            <a:r>
-              <a:rPr kumimoji="1" lang="zh-CN" altLang="en-US" sz="2800" dirty="0">
-                <a:ea typeface="Microsoft YaHei" panose="020B0503020204020204" pitchFamily="34" charset="-122"/>
-              </a:rPr>
-              <a:t>算法的特性</a:t>
-            </a:r>
-            <a:endParaRPr kumimoji="1" lang="en-US" altLang="zh-CN" sz="2800" dirty="0">
-              <a:ea typeface="Microsoft YaHei" panose="020B0503020204020204" pitchFamily="34" charset="-122"/>
-            </a:endParaRPr>
-          </a:p>
-          <a:p>
-            <a:pPr marL="571500" indent="-571500">
-              <a:lnSpc>
-                <a:spcPct val="150000"/>
-              </a:lnSpc>
-              <a:buFont typeface="Wingdings" pitchFamily="2" charset="2"/>
-              <a:buChar char="Ø"/>
-            </a:pPr>
-            <a:r>
-              <a:rPr kumimoji="1" lang="zh-CN" altLang="en-US" sz="2800" dirty="0">
-                <a:latin typeface="Microsoft YaHei" panose="020B0503020204020204" pitchFamily="34" charset="-122"/>
-                <a:ea typeface="Microsoft YaHei" panose="020B0503020204020204" pitchFamily="34" charset="-122"/>
-              </a:rPr>
-              <a:t>算法的设计要求</a:t>
-            </a:r>
-            <a:endParaRPr kumimoji="1" lang="en-US" altLang="zh-CN" sz="2800" dirty="0">
-              <a:latin typeface="Microsoft YaHei" panose="020B0503020204020204" pitchFamily="34" charset="-122"/>
-              <a:ea typeface="Microsoft YaHei" panose="020B0503020204020204" pitchFamily="34" charset="-122"/>
-            </a:endParaRPr>
-          </a:p>
-          <a:p>
-            <a:pPr marL="571500" indent="-571500">
-              <a:lnSpc>
-                <a:spcPct val="150000"/>
-              </a:lnSpc>
-              <a:buFont typeface="Wingdings" pitchFamily="2" charset="2"/>
-              <a:buChar char="Ø"/>
-            </a:pPr>
-            <a:r>
-              <a:rPr kumimoji="1" lang="zh-CN" altLang="en-US" sz="2800" dirty="0">
-                <a:latin typeface="Microsoft YaHei" panose="020B0503020204020204" pitchFamily="34" charset="-122"/>
-                <a:ea typeface="Microsoft YaHei" panose="020B0503020204020204" pitchFamily="34" charset="-122"/>
-              </a:rPr>
-              <a:t>算法效率的度量方式</a:t>
-            </a:r>
-            <a:endParaRPr kumimoji="1" lang="en-US" altLang="zh-CN" sz="2800" dirty="0">
-              <a:latin typeface="Microsoft YaHei" panose="020B0503020204020204" pitchFamily="34" charset="-122"/>
-              <a:ea typeface="Microsoft YaHei" panose="020B0503020204020204" pitchFamily="34" charset="-122"/>
-            </a:endParaRPr>
-          </a:p>
-          <a:p>
-            <a:pPr marL="571500" indent="-571500">
-              <a:lnSpc>
-                <a:spcPct val="150000"/>
-              </a:lnSpc>
-              <a:buFont typeface="Wingdings" pitchFamily="2" charset="2"/>
-              <a:buChar char="Ø"/>
-            </a:pPr>
-            <a:r>
-              <a:rPr kumimoji="1" lang="zh-CN" altLang="en-US" sz="2800" dirty="0">
-                <a:latin typeface="Microsoft YaHei" panose="020B0503020204020204" pitchFamily="34" charset="-122"/>
-                <a:ea typeface="Microsoft YaHei" panose="020B0503020204020204" pitchFamily="34" charset="-122"/>
-              </a:rPr>
-              <a:t>算法时间复杂度和空间复杂度</a:t>
-            </a:r>
-            <a:endParaRPr kumimoji="1" lang="en-US" altLang="zh-CN" sz="2800" dirty="0">
-              <a:latin typeface="Microsoft YaHei" panose="020B0503020204020204" pitchFamily="34" charset="-122"/>
-              <a:ea typeface="Microsoft YaHei" panose="020B0503020204020204" pitchFamily="34" charset="-122"/>
-            </a:endParaRPr>
-          </a:p>
-          <a:p>
-            <a:endParaRPr kumimoji="1" lang="zh-CN" altLang="en-US" sz="2800" dirty="0">
-              <a:latin typeface="Microsoft YaHei" panose="020B0503020204020204" pitchFamily="34" charset="-122"/>
-              <a:ea typeface="Microsoft YaHei" panose="020B0503020204020204" pitchFamily="34" charset="-122"/>
-            </a:endParaRPr>
-          </a:p>
-          <a:p>
-            <a:endParaRPr kumimoji="1" lang="zh-CN" altLang="en-US" sz="2800" dirty="0"/>
-          </a:p>
-          <a:p>
-            <a:endParaRPr kumimoji="1" lang="en-US" altLang="zh-CN" sz="2800" dirty="0"/>
-          </a:p>
-          <a:p>
-            <a:r>
-              <a:rPr kumimoji="1" lang="en-US" altLang="zh-CN" sz="2800" dirty="0"/>
-              <a:t>	</a:t>
-            </a:r>
-            <a:endParaRPr kumimoji="1" lang="zh-CN" altLang="en-US" sz="2800" dirty="0"/>
-          </a:p>
-        </p:txBody>
-      </p:sp>
-    </p:spTree>
-    <p:extLst>
-      <p:ext uri="{BB962C8B-B14F-4D97-AF65-F5344CB8AC3E}">
-        <p14:creationId xmlns:p14="http://schemas.microsoft.com/office/powerpoint/2010/main" val="4038558307"/>
-      </p:ext>
-    </p:extLst>
-  </p:cSld>
-  <p:clrMapOvr>
-    <a:masterClrMapping/>
-  </p:clrMapOvr>
-</p:sld>
-</file>
-
-<file path=ppt/slides/slide20.xml><?xml version="1.0" encoding="utf-8"?>
+<file path=ppt/slides/slide31.xml><?xml version="1.0" encoding="utf-8"?>
 <p:sld xmlns:a="http://schemas.openxmlformats.org/drawingml/2006/main" xmlns:r="http://schemas.openxmlformats.org/officeDocument/2006/relationships" xmlns:p="http://schemas.openxmlformats.org/presentationml/2006/main">
   <p:cSld>
     <p:bg>
@@ -13629,7 +18823,7 @@
 </p:sld>
 </file>
 
-<file path=ppt/slides/slide21.xml><?xml version="1.0" encoding="utf-8"?>
+<file path=ppt/slides/slide32.xml><?xml version="1.0" encoding="utf-8"?>
 <p:sld xmlns:a="http://schemas.openxmlformats.org/drawingml/2006/main" xmlns:r="http://schemas.openxmlformats.org/officeDocument/2006/relationships" xmlns:p="http://schemas.openxmlformats.org/presentationml/2006/main">
   <p:cSld>
     <p:bg>
@@ -14138,7 +19332,7 @@
 </p:sld>
 </file>
 
-<file path=ppt/slides/slide22.xml><?xml version="1.0" encoding="utf-8"?>
+<file path=ppt/slides/slide33.xml><?xml version="1.0" encoding="utf-8"?>
 <p:sld xmlns:a="http://schemas.openxmlformats.org/drawingml/2006/main" xmlns:r="http://schemas.openxmlformats.org/officeDocument/2006/relationships" xmlns:p="http://schemas.openxmlformats.org/presentationml/2006/main">
   <p:cSld>
     <p:bg>
@@ -14603,7 +19797,7 @@
 </p:sld>
 </file>
 
-<file path=ppt/slides/slide23.xml><?xml version="1.0" encoding="utf-8"?>
+<file path=ppt/slides/slide34.xml><?xml version="1.0" encoding="utf-8"?>
 <p:sld xmlns:a="http://schemas.openxmlformats.org/drawingml/2006/main" xmlns:r="http://schemas.openxmlformats.org/officeDocument/2006/relationships" xmlns:p="http://schemas.openxmlformats.org/presentationml/2006/main">
   <p:cSld>
     <p:bg>
@@ -15388,7 +20582,7 @@
 </p:sld>
 </file>
 
-<file path=ppt/slides/slide24.xml><?xml version="1.0" encoding="utf-8"?>
+<file path=ppt/slides/slide35.xml><?xml version="1.0" encoding="utf-8"?>
 <p:sld xmlns:a="http://schemas.openxmlformats.org/drawingml/2006/main" xmlns:r="http://schemas.openxmlformats.org/officeDocument/2006/relationships" xmlns:p="http://schemas.openxmlformats.org/presentationml/2006/main">
   <p:cSld>
     <p:bg>
@@ -15466,7 +20660,7 @@
 </p:sld>
 </file>
 
-<file path=ppt/slides/slide25.xml><?xml version="1.0" encoding="utf-8"?>
+<file path=ppt/slides/slide36.xml><?xml version="1.0" encoding="utf-8"?>
 <p:sld xmlns:a="http://schemas.openxmlformats.org/drawingml/2006/main" xmlns:r="http://schemas.openxmlformats.org/officeDocument/2006/relationships" xmlns:p="http://schemas.openxmlformats.org/presentationml/2006/main">
   <p:cSld>
     <p:bg>
@@ -15501,173 +20695,6 @@
     <p:extLst>
       <p:ext uri="{BB962C8B-B14F-4D97-AF65-F5344CB8AC3E}">
         <p14:creationId xmlns:p14="http://schemas.microsoft.com/office/powerpoint/2010/main" val="721635264"/>
-      </p:ext>
-    </p:extLst>
-  </p:cSld>
-  <p:clrMapOvr>
-    <a:masterClrMapping/>
-  </p:clrMapOvr>
-</p:sld>
-</file>
-
-<file path=ppt/slides/slide3.xml><?xml version="1.0" encoding="utf-8"?>
-<p:sld xmlns:a="http://schemas.openxmlformats.org/drawingml/2006/main" xmlns:r="http://schemas.openxmlformats.org/officeDocument/2006/relationships" xmlns:p="http://schemas.openxmlformats.org/presentationml/2006/main">
-  <p:cSld>
-    <p:bg>
-      <p:bgPr>
-        <a:blipFill>
-          <a:blip r:embed="rId3"/>
-          <a:tile tx="0" ty="0" sx="100000" sy="100000" flip="none" algn="tl"/>
-        </a:blipFill>
-        <a:effectLst/>
-      </p:bgPr>
-    </p:bg>
-    <p:spTree>
-      <p:nvGrpSpPr>
-        <p:cNvPr id="1" name=""/>
-        <p:cNvGrpSpPr/>
-        <p:nvPr/>
-      </p:nvGrpSpPr>
-      <p:grpSpPr>
-        <a:xfrm>
-          <a:off x="0" y="0"/>
-          <a:ext cx="0" cy="0"/>
-          <a:chOff x="0" y="0"/>
-          <a:chExt cx="0" cy="0"/>
-        </a:xfrm>
-      </p:grpSpPr>
-      <p:sp>
-        <p:nvSpPr>
-          <p:cNvPr id="3" name="文本框 2">
-            <a:extLst>
-              <a:ext uri="{FF2B5EF4-FFF2-40B4-BE49-F238E27FC236}">
-                <a16:creationId xmlns:a16="http://schemas.microsoft.com/office/drawing/2014/main" id="{62BFC649-BF8E-2841-8EAF-47AFBF9D6671}"/>
-              </a:ext>
-            </a:extLst>
-          </p:cNvPr>
-          <p:cNvSpPr txBox="1"/>
-          <p:nvPr/>
-        </p:nvSpPr>
-        <p:spPr>
-          <a:xfrm>
-            <a:off x="2054352" y="612861"/>
-            <a:ext cx="8083296" cy="830997"/>
-          </a:xfrm>
-          <a:prstGeom prst="rect">
-            <a:avLst/>
-          </a:prstGeom>
-          <a:noFill/>
-        </p:spPr>
-        <p:txBody>
-          <a:bodyPr wrap="square" rtlCol="0">
-            <a:spAutoFit/>
-          </a:bodyPr>
-          <a:lstStyle/>
-          <a:p>
-            <a:pPr algn="ctr"/>
-            <a:r>
-              <a:rPr kumimoji="1" lang="en-US" altLang="zh-CN" sz="4800" dirty="0">
-                <a:latin typeface="Microsoft YaHei" panose="020B0503020204020204" pitchFamily="34" charset="-122"/>
-                <a:ea typeface="Microsoft YaHei" panose="020B0503020204020204" pitchFamily="34" charset="-122"/>
-              </a:rPr>
-              <a:t>1.</a:t>
-            </a:r>
-            <a:r>
-              <a:rPr kumimoji="1" lang="zh-CN" altLang="en-US" sz="4800" dirty="0">
-                <a:latin typeface="Microsoft YaHei" panose="020B0503020204020204" pitchFamily="34" charset="-122"/>
-                <a:ea typeface="Microsoft YaHei" panose="020B0503020204020204" pitchFamily="34" charset="-122"/>
-              </a:rPr>
-              <a:t>数据结构与算法的关系</a:t>
-            </a:r>
-          </a:p>
-        </p:txBody>
-      </p:sp>
-      <p:sp>
-        <p:nvSpPr>
-          <p:cNvPr id="8" name="文本框 7">
-            <a:extLst>
-              <a:ext uri="{FF2B5EF4-FFF2-40B4-BE49-F238E27FC236}">
-                <a16:creationId xmlns:a16="http://schemas.microsoft.com/office/drawing/2014/main" id="{75D7D6ED-43A8-DC4B-84B6-AB03F6270117}"/>
-              </a:ext>
-            </a:extLst>
-          </p:cNvPr>
-          <p:cNvSpPr txBox="1"/>
-          <p:nvPr/>
-        </p:nvSpPr>
-        <p:spPr>
-          <a:xfrm>
-            <a:off x="2791206" y="2449835"/>
-            <a:ext cx="6609588" cy="3108543"/>
-          </a:xfrm>
-          <a:prstGeom prst="rect">
-            <a:avLst/>
-          </a:prstGeom>
-          <a:noFill/>
-        </p:spPr>
-        <p:txBody>
-          <a:bodyPr wrap="square" rtlCol="0">
-            <a:spAutoFit/>
-          </a:bodyPr>
-          <a:lstStyle/>
-          <a:p>
-            <a:pPr marL="457200" indent="-457200">
-              <a:buFont typeface="Arial" panose="020B0604020202020204" pitchFamily="34" charset="0"/>
-              <a:buChar char="•"/>
-            </a:pPr>
-            <a:r>
-              <a:rPr kumimoji="1" lang="zh-CN" altLang="en-US" sz="2800" dirty="0">
-                <a:latin typeface="微软雅黑" panose="020B0503020204020204" pitchFamily="34" charset="-122"/>
-                <a:ea typeface="Microsoft YaHei" panose="020B0503020204020204" pitchFamily="34" charset="-122"/>
-              </a:rPr>
-              <a:t>数据结构 是 容器，它是一个碗，一个盆。</a:t>
-            </a:r>
-            <a:endParaRPr kumimoji="1" lang="en-US" altLang="zh-CN" sz="2800" dirty="0">
-              <a:latin typeface="微软雅黑" panose="020B0503020204020204" pitchFamily="34" charset="-122"/>
-              <a:ea typeface="Microsoft YaHei" panose="020B0503020204020204" pitchFamily="34" charset="-122"/>
-            </a:endParaRPr>
-          </a:p>
-          <a:p>
-            <a:pPr marL="457200" indent="-457200">
-              <a:buFont typeface="Arial" panose="020B0604020202020204" pitchFamily="34" charset="0"/>
-              <a:buChar char="•"/>
-            </a:pPr>
-            <a:r>
-              <a:rPr kumimoji="1" lang="zh-CN" altLang="en-US" sz="2800" dirty="0">
-                <a:latin typeface="微软雅黑" panose="020B0503020204020204" pitchFamily="34" charset="-122"/>
-                <a:ea typeface="Microsoft YaHei" panose="020B0503020204020204" pitchFamily="34" charset="-122"/>
-              </a:rPr>
-              <a:t>算法的最终目的是处理数据，但数据不能单独存在，它需要“装在”数据结构这个容器。</a:t>
-            </a:r>
-            <a:endParaRPr kumimoji="1" lang="en-US" altLang="zh-CN" sz="2800" dirty="0">
-              <a:latin typeface="微软雅黑" panose="020B0503020204020204" pitchFamily="34" charset="-122"/>
-              <a:ea typeface="Microsoft YaHei" panose="020B0503020204020204" pitchFamily="34" charset="-122"/>
-            </a:endParaRPr>
-          </a:p>
-          <a:p>
-            <a:endParaRPr kumimoji="1" lang="en-US" altLang="zh-CN" sz="2800" dirty="0">
-              <a:latin typeface="微软雅黑" panose="020B0503020204020204" pitchFamily="34" charset="-122"/>
-              <a:ea typeface="Microsoft YaHei" panose="020B0503020204020204" pitchFamily="34" charset="-122"/>
-            </a:endParaRPr>
-          </a:p>
-          <a:p>
-            <a:r>
-              <a:rPr kumimoji="1" lang="zh-CN" altLang="en-US" sz="2800" dirty="0">
-                <a:latin typeface="微软雅黑" panose="020B0503020204020204" pitchFamily="34" charset="-122"/>
-                <a:ea typeface="Microsoft YaHei" panose="020B0503020204020204" pitchFamily="34" charset="-122"/>
-              </a:rPr>
-              <a:t>例子： 从小到大对一堆数字排序</a:t>
-            </a:r>
-            <a:endParaRPr kumimoji="1" lang="en-US" altLang="zh-CN" sz="2800" dirty="0">
-              <a:latin typeface="微软雅黑" panose="020B0503020204020204" pitchFamily="34" charset="-122"/>
-              <a:ea typeface="Microsoft YaHei" panose="020B0503020204020204" pitchFamily="34" charset="-122"/>
-            </a:endParaRPr>
-          </a:p>
-        </p:txBody>
-      </p:sp>
-    </p:spTree>
-    <p:extLst>
-      <p:ext uri="{BB962C8B-B14F-4D97-AF65-F5344CB8AC3E}">
-        <p14:creationId xmlns:p14="http://schemas.microsoft.com/office/powerpoint/2010/main" val="935474760"/>
       </p:ext>
     </p:extLst>
   </p:cSld>
@@ -16449,7 +21476,7 @@
         </p:nvSpPr>
         <p:spPr>
           <a:xfrm>
-            <a:off x="2054352" y="634126"/>
+            <a:off x="2054352" y="612860"/>
             <a:ext cx="8083296" cy="1569660"/>
           </a:xfrm>
           <a:prstGeom prst="rect">
@@ -16507,7 +21534,7 @@
         <p:spPr>
           <a:xfrm>
             <a:off x="3262530" y="3054391"/>
-            <a:ext cx="6609588" cy="1308820"/>
+            <a:ext cx="6609588" cy="2601481"/>
           </a:xfrm>
           <a:prstGeom prst="rect">
             <a:avLst/>
@@ -16519,6 +21546,81 @@
             <a:spAutoFit/>
           </a:bodyPr>
           <a:lstStyle/>
+          <a:p>
+            <a:pPr>
+              <a:lnSpc>
+                <a:spcPct val="150000"/>
+              </a:lnSpc>
+            </a:pPr>
+            <a:r>
+              <a:rPr kumimoji="1" lang="en-US" altLang="zh-CN" sz="2800" dirty="0">
+                <a:latin typeface="Microsoft YaHei" panose="020B0503020204020204" pitchFamily="34" charset="-122"/>
+                <a:ea typeface="Microsoft YaHei" panose="020B0503020204020204" pitchFamily="34" charset="-122"/>
+              </a:rPr>
+              <a:t>0.</a:t>
+            </a:r>
+            <a:r>
+              <a:rPr kumimoji="1" lang="zh-CN" altLang="en-US" sz="2800" dirty="0">
+                <a:latin typeface="Microsoft YaHei" panose="020B0503020204020204" pitchFamily="34" charset="-122"/>
+                <a:ea typeface="Microsoft YaHei" panose="020B0503020204020204" pitchFamily="34" charset="-122"/>
+              </a:rPr>
+              <a:t> 影响算法实际运行时间的因素</a:t>
+            </a:r>
+            <a:endParaRPr kumimoji="1" lang="en-US" altLang="zh-CN" sz="2800" dirty="0">
+              <a:latin typeface="Microsoft YaHei" panose="020B0503020204020204" pitchFamily="34" charset="-122"/>
+              <a:ea typeface="Microsoft YaHei" panose="020B0503020204020204" pitchFamily="34" charset="-122"/>
+            </a:endParaRPr>
+          </a:p>
+          <a:p>
+            <a:pPr>
+              <a:lnSpc>
+                <a:spcPct val="150000"/>
+              </a:lnSpc>
+            </a:pPr>
+            <a:r>
+              <a:rPr kumimoji="1" lang="en-US" altLang="zh-CN" sz="2800" dirty="0">
+                <a:latin typeface="Microsoft YaHei" panose="020B0503020204020204" pitchFamily="34" charset="-122"/>
+                <a:ea typeface="Microsoft YaHei" panose="020B0503020204020204" pitchFamily="34" charset="-122"/>
+              </a:rPr>
+              <a:t>1.</a:t>
+            </a:r>
+            <a:r>
+              <a:rPr kumimoji="1" lang="zh-CN" altLang="en-US" sz="2800" dirty="0">
+                <a:latin typeface="Microsoft YaHei" panose="020B0503020204020204" pitchFamily="34" charset="-122"/>
+                <a:ea typeface="Microsoft YaHei" panose="020B0503020204020204" pitchFamily="34" charset="-122"/>
+              </a:rPr>
+              <a:t> 事后统计方法</a:t>
+            </a:r>
+            <a:endParaRPr kumimoji="1" lang="en-US" altLang="zh-CN" sz="2800" dirty="0">
+              <a:latin typeface="Microsoft YaHei" panose="020B0503020204020204" pitchFamily="34" charset="-122"/>
+              <a:ea typeface="Microsoft YaHei" panose="020B0503020204020204" pitchFamily="34" charset="-122"/>
+            </a:endParaRPr>
+          </a:p>
+          <a:p>
+            <a:pPr>
+              <a:lnSpc>
+                <a:spcPct val="150000"/>
+              </a:lnSpc>
+            </a:pPr>
+            <a:r>
+              <a:rPr kumimoji="1" lang="en-US" altLang="zh-CN" sz="2800" dirty="0">
+                <a:latin typeface="Microsoft YaHei" panose="020B0503020204020204" pitchFamily="34" charset="-122"/>
+                <a:ea typeface="Microsoft YaHei" panose="020B0503020204020204" pitchFamily="34" charset="-122"/>
+              </a:rPr>
+              <a:t>2.</a:t>
+            </a:r>
+            <a:r>
+              <a:rPr kumimoji="1" lang="zh-CN" altLang="en-US" sz="2800" dirty="0">
+                <a:latin typeface="Microsoft YaHei" panose="020B0503020204020204" pitchFamily="34" charset="-122"/>
+                <a:ea typeface="Microsoft YaHei" panose="020B0503020204020204" pitchFamily="34" charset="-122"/>
+              </a:rPr>
+              <a:t> 事前估算方法</a:t>
+            </a:r>
+            <a:endParaRPr kumimoji="1" lang="en-US" altLang="zh-CN" sz="2800" dirty="0">
+              <a:latin typeface="Microsoft YaHei" panose="020B0503020204020204" pitchFamily="34" charset="-122"/>
+              <a:ea typeface="Microsoft YaHei" panose="020B0503020204020204" pitchFamily="34" charset="-122"/>
+            </a:endParaRPr>
+          </a:p>
           <a:p>
             <a:pPr marL="514350" indent="-514350">
               <a:lnSpc>
@@ -16527,33 +21629,10 @@
               <a:buFont typeface="+mj-lt"/>
               <a:buAutoNum type="arabicPeriod"/>
             </a:pPr>
-            <a:r>
-              <a:rPr kumimoji="1" lang="zh-CN" altLang="en-US" sz="2800" dirty="0">
-                <a:latin typeface="Microsoft YaHei" panose="020B0503020204020204" pitchFamily="34" charset="-122"/>
-                <a:ea typeface="Microsoft YaHei" panose="020B0503020204020204" pitchFamily="34" charset="-122"/>
-              </a:rPr>
-              <a:t>事后统计方法</a:t>
-            </a:r>
-            <a:endParaRPr kumimoji="1" lang="en-US" altLang="zh-CN" sz="2800" dirty="0">
+            <a:endParaRPr kumimoji="1" lang="zh-CN" altLang="en-US" sz="2800" dirty="0">
               <a:latin typeface="Microsoft YaHei" panose="020B0503020204020204" pitchFamily="34" charset="-122"/>
               <a:ea typeface="Microsoft YaHei" panose="020B0503020204020204" pitchFamily="34" charset="-122"/>
             </a:endParaRPr>
-          </a:p>
-          <a:p>
-            <a:pPr marL="514350" indent="-514350">
-              <a:lnSpc>
-                <a:spcPct val="150000"/>
-              </a:lnSpc>
-              <a:buFont typeface="+mj-lt"/>
-              <a:buAutoNum type="arabicPeriod"/>
-            </a:pPr>
-            <a:r>
-              <a:rPr kumimoji="1" lang="zh-CN" altLang="en-US" sz="2800" dirty="0">
-                <a:latin typeface="Microsoft YaHei" panose="020B0503020204020204" pitchFamily="34" charset="-122"/>
-                <a:ea typeface="Microsoft YaHei" panose="020B0503020204020204" pitchFamily="34" charset="-122"/>
-              </a:rPr>
-              <a:t>事前估算方法</a:t>
-            </a:r>
           </a:p>
         </p:txBody>
       </p:sp>
@@ -16576,7 +21655,7 @@
     <p:bg>
       <p:bgPr>
         <a:blipFill>
-          <a:blip r:embed="rId2"/>
+          <a:blip r:embed="rId3"/>
           <a:tile tx="0" ty="0" sx="100000" sy="100000" flip="none" algn="tl"/>
         </a:blipFill>
         <a:effectLst/>
@@ -16610,8 +21689,8 @@
         </p:nvSpPr>
         <p:spPr>
           <a:xfrm>
-            <a:off x="914400" y="581161"/>
-            <a:ext cx="10363200" cy="830997"/>
+            <a:off x="1501459" y="574275"/>
+            <a:ext cx="9535136" cy="830997"/>
           </a:xfrm>
           <a:prstGeom prst="rect">
             <a:avLst/>
@@ -16626,39 +21705,218 @@
           <a:p>
             <a:pPr algn="ctr"/>
             <a:r>
-              <a:rPr kumimoji="1" lang="en-US" altLang="zh-CN" sz="4800" dirty="0">
-                <a:latin typeface="Microsoft YaHei" panose="020B0503020204020204" pitchFamily="34" charset="-122"/>
-                <a:ea typeface="Microsoft YaHei" panose="020B0503020204020204" pitchFamily="34" charset="-122"/>
-              </a:rPr>
-              <a:t>6</a:t>
-            </a:r>
-            <a:r>
-              <a:rPr kumimoji="1" lang="en-US" altLang="zh-CN" sz="4800">
-                <a:latin typeface="Microsoft YaHei" panose="020B0503020204020204" pitchFamily="34" charset="-122"/>
-                <a:ea typeface="Microsoft YaHei" panose="020B0503020204020204" pitchFamily="34" charset="-122"/>
-              </a:rPr>
-              <a:t>.</a:t>
-            </a:r>
-            <a:r>
               <a:rPr kumimoji="1" lang="zh-CN" altLang="en-US" sz="4800" dirty="0">
                 <a:latin typeface="Microsoft YaHei" panose="020B0503020204020204" pitchFamily="34" charset="-122"/>
                 <a:ea typeface="Microsoft YaHei" panose="020B0503020204020204" pitchFamily="34" charset="-122"/>
               </a:rPr>
-              <a:t>算法时间复杂度和空间复杂度</a:t>
-            </a:r>
-            <a:endParaRPr kumimoji="1" lang="en-US" altLang="zh-CN" sz="4800" dirty="0">
+              <a:t>影响算法实际运行时间的因素</a:t>
+            </a:r>
+          </a:p>
+        </p:txBody>
+      </p:sp>
+      <p:sp>
+        <p:nvSpPr>
+          <p:cNvPr id="8" name="文本框 7">
+            <a:extLst>
+              <a:ext uri="{FF2B5EF4-FFF2-40B4-BE49-F238E27FC236}">
+                <a16:creationId xmlns:a16="http://schemas.microsoft.com/office/drawing/2014/main" id="{75D7D6ED-43A8-DC4B-84B6-AB03F6270117}"/>
+              </a:ext>
+            </a:extLst>
+          </p:cNvPr>
+          <p:cNvSpPr txBox="1"/>
+          <p:nvPr/>
+        </p:nvSpPr>
+        <p:spPr>
+          <a:xfrm>
+            <a:off x="902155" y="2097463"/>
+            <a:ext cx="6609588" cy="2601481"/>
+          </a:xfrm>
+          <a:prstGeom prst="rect">
+            <a:avLst/>
+          </a:prstGeom>
+          <a:noFill/>
+        </p:spPr>
+        <p:txBody>
+          <a:bodyPr wrap="square" rtlCol="0">
+            <a:spAutoFit/>
+          </a:bodyPr>
+          <a:lstStyle/>
+          <a:p>
+            <a:pPr marL="514350" indent="-514350">
+              <a:lnSpc>
+                <a:spcPct val="150000"/>
+              </a:lnSpc>
+              <a:buFont typeface="+mj-lt"/>
+              <a:buAutoNum type="arabicPeriod"/>
+            </a:pPr>
+            <a:r>
+              <a:rPr kumimoji="1" lang="zh-CN" altLang="en-US" sz="2800" dirty="0">
+                <a:latin typeface="Microsoft YaHei" panose="020B0503020204020204" pitchFamily="34" charset="-122"/>
+                <a:ea typeface="Microsoft YaHei" panose="020B0503020204020204" pitchFamily="34" charset="-122"/>
+              </a:rPr>
+              <a:t>算法采用的策略方法，即算法本身</a:t>
+            </a:r>
+            <a:endParaRPr kumimoji="1" lang="en-US" altLang="zh-CN" sz="2800" dirty="0">
               <a:latin typeface="Microsoft YaHei" panose="020B0503020204020204" pitchFamily="34" charset="-122"/>
               <a:ea typeface="Microsoft YaHei" panose="020B0503020204020204" pitchFamily="34" charset="-122"/>
             </a:endParaRPr>
           </a:p>
-        </p:txBody>
-      </p:sp>
-      <p:sp>
-        <p:nvSpPr>
-          <p:cNvPr id="4" name="文本框 3">
-            <a:extLst>
-              <a:ext uri="{FF2B5EF4-FFF2-40B4-BE49-F238E27FC236}">
-                <a16:creationId xmlns:a16="http://schemas.microsoft.com/office/drawing/2014/main" id="{0B7CBEC2-6522-3240-BC8F-18E4B252FA67}"/>
+          <a:p>
+            <a:pPr marL="514350" indent="-514350">
+              <a:lnSpc>
+                <a:spcPct val="150000"/>
+              </a:lnSpc>
+              <a:buFont typeface="+mj-lt"/>
+              <a:buAutoNum type="arabicPeriod"/>
+            </a:pPr>
+            <a:r>
+              <a:rPr kumimoji="1" lang="zh-CN" altLang="en-US" sz="2800" dirty="0">
+                <a:latin typeface="Microsoft YaHei" panose="020B0503020204020204" pitchFamily="34" charset="-122"/>
+                <a:ea typeface="Microsoft YaHei" panose="020B0503020204020204" pitchFamily="34" charset="-122"/>
+              </a:rPr>
+              <a:t>编译产生的代码质量</a:t>
+            </a:r>
+            <a:endParaRPr kumimoji="1" lang="en-US" altLang="zh-CN" sz="2800" dirty="0">
+              <a:latin typeface="Microsoft YaHei" panose="020B0503020204020204" pitchFamily="34" charset="-122"/>
+              <a:ea typeface="Microsoft YaHei" panose="020B0503020204020204" pitchFamily="34" charset="-122"/>
+            </a:endParaRPr>
+          </a:p>
+          <a:p>
+            <a:pPr marL="514350" indent="-514350">
+              <a:lnSpc>
+                <a:spcPct val="150000"/>
+              </a:lnSpc>
+              <a:buFont typeface="+mj-lt"/>
+              <a:buAutoNum type="arabicPeriod"/>
+            </a:pPr>
+            <a:r>
+              <a:rPr kumimoji="1" lang="zh-CN" altLang="en-US" sz="2800" dirty="0">
+                <a:latin typeface="Microsoft YaHei" panose="020B0503020204020204" pitchFamily="34" charset="-122"/>
+                <a:ea typeface="Microsoft YaHei" panose="020B0503020204020204" pitchFamily="34" charset="-122"/>
+              </a:rPr>
+              <a:t>问题的输入规模</a:t>
+            </a:r>
+            <a:endParaRPr kumimoji="1" lang="en-US" altLang="zh-CN" sz="2800" dirty="0">
+              <a:latin typeface="Microsoft YaHei" panose="020B0503020204020204" pitchFamily="34" charset="-122"/>
+              <a:ea typeface="Microsoft YaHei" panose="020B0503020204020204" pitchFamily="34" charset="-122"/>
+            </a:endParaRPr>
+          </a:p>
+          <a:p>
+            <a:pPr marL="514350" indent="-514350">
+              <a:lnSpc>
+                <a:spcPct val="150000"/>
+              </a:lnSpc>
+              <a:buFont typeface="+mj-lt"/>
+              <a:buAutoNum type="arabicPeriod"/>
+            </a:pPr>
+            <a:r>
+              <a:rPr kumimoji="1" lang="zh-CN" altLang="en-US" sz="2800" dirty="0">
+                <a:latin typeface="Microsoft YaHei" panose="020B0503020204020204" pitchFamily="34" charset="-122"/>
+                <a:ea typeface="Microsoft YaHei" panose="020B0503020204020204" pitchFamily="34" charset="-122"/>
+              </a:rPr>
+              <a:t>机器执行指令的速度</a:t>
+            </a:r>
+          </a:p>
+        </p:txBody>
+      </p:sp>
+      <p:sp>
+        <p:nvSpPr>
+          <p:cNvPr id="10" name="左箭头 9">
+            <a:extLst>
+              <a:ext uri="{FF2B5EF4-FFF2-40B4-BE49-F238E27FC236}">
+                <a16:creationId xmlns:a16="http://schemas.microsoft.com/office/drawing/2014/main" id="{BF7B1FB7-59E2-6741-89E0-6E77C3F6E191}"/>
+              </a:ext>
+            </a:extLst>
+          </p:cNvPr>
+          <p:cNvSpPr/>
+          <p:nvPr/>
+        </p:nvSpPr>
+        <p:spPr>
+          <a:xfrm>
+            <a:off x="7315200" y="3011489"/>
+            <a:ext cx="829340" cy="303028"/>
+          </a:xfrm>
+          <a:prstGeom prst="leftArrow">
+            <a:avLst/>
+          </a:prstGeom>
+        </p:spPr>
+        <p:style>
+          <a:lnRef idx="2">
+            <a:schemeClr val="accent1">
+              <a:shade val="50000"/>
+            </a:schemeClr>
+          </a:lnRef>
+          <a:fillRef idx="1">
+            <a:schemeClr val="accent1"/>
+          </a:fillRef>
+          <a:effectRef idx="0">
+            <a:schemeClr val="accent1"/>
+          </a:effectRef>
+          <a:fontRef idx="minor">
+            <a:schemeClr val="lt1"/>
+          </a:fontRef>
+        </p:style>
+        <p:txBody>
+          <a:bodyPr rtlCol="0" anchor="ctr"/>
+          <a:lstStyle/>
+          <a:p>
+            <a:pPr algn="ctr"/>
+            <a:endParaRPr kumimoji="1" lang="zh-CN" altLang="en-US"/>
+          </a:p>
+        </p:txBody>
+      </p:sp>
+      <p:sp>
+        <p:nvSpPr>
+          <p:cNvPr id="12" name="左箭头 11">
+            <a:extLst>
+              <a:ext uri="{FF2B5EF4-FFF2-40B4-BE49-F238E27FC236}">
+                <a16:creationId xmlns:a16="http://schemas.microsoft.com/office/drawing/2014/main" id="{2B98FF84-F7D2-8340-B840-ED51CC53F762}"/>
+              </a:ext>
+            </a:extLst>
+          </p:cNvPr>
+          <p:cNvSpPr/>
+          <p:nvPr/>
+        </p:nvSpPr>
+        <p:spPr>
+          <a:xfrm>
+            <a:off x="7315200" y="4275176"/>
+            <a:ext cx="829340" cy="303028"/>
+          </a:xfrm>
+          <a:prstGeom prst="leftArrow">
+            <a:avLst/>
+          </a:prstGeom>
+        </p:spPr>
+        <p:style>
+          <a:lnRef idx="2">
+            <a:schemeClr val="accent1">
+              <a:shade val="50000"/>
+            </a:schemeClr>
+          </a:lnRef>
+          <a:fillRef idx="1">
+            <a:schemeClr val="accent1"/>
+          </a:fillRef>
+          <a:effectRef idx="0">
+            <a:schemeClr val="accent1"/>
+          </a:effectRef>
+          <a:fontRef idx="minor">
+            <a:schemeClr val="lt1"/>
+          </a:fontRef>
+        </p:style>
+        <p:txBody>
+          <a:bodyPr rtlCol="0" anchor="ctr"/>
+          <a:lstStyle/>
+          <a:p>
+            <a:pPr algn="ctr"/>
+            <a:endParaRPr kumimoji="1" lang="zh-CN" altLang="en-US"/>
+          </a:p>
+        </p:txBody>
+      </p:sp>
+      <p:sp>
+        <p:nvSpPr>
+          <p:cNvPr id="13" name="文本框 12">
+            <a:extLst>
+              <a:ext uri="{FF2B5EF4-FFF2-40B4-BE49-F238E27FC236}">
+                <a16:creationId xmlns:a16="http://schemas.microsoft.com/office/drawing/2014/main" id="{84B5C7CE-6F1C-754F-8D17-72CEE0E73947}"/>
               </a:ext>
             </a:extLst>
           </p:cNvPr>
@@ -16667,8 +21925,8 @@
         </p:nvSpPr>
         <p:spPr>
           <a:xfrm>
-            <a:off x="4070604" y="3759070"/>
-            <a:ext cx="6609588" cy="523220"/>
+            <a:off x="8378455" y="2876463"/>
+            <a:ext cx="3035756" cy="523220"/>
           </a:xfrm>
           <a:prstGeom prst="rect">
             <a:avLst/>
@@ -16682,21 +21940,26 @@
           <a:lstStyle/>
           <a:p>
             <a:r>
-              <a:rPr kumimoji="1" lang="zh-CN" altLang="en-US" sz="2800" dirty="0">
-                <a:latin typeface="Microsoft YaHei" panose="020B0503020204020204" pitchFamily="34" charset="-122"/>
-                <a:ea typeface="Microsoft YaHei" panose="020B0503020204020204" pitchFamily="34" charset="-122"/>
-              </a:rPr>
-              <a:t>找工作面试题涉及最多的课程之一</a:t>
-            </a:r>
-          </a:p>
-        </p:txBody>
-      </p:sp>
-      <p:sp>
-        <p:nvSpPr>
-          <p:cNvPr id="5" name="文本框 4">
-            <a:extLst>
-              <a:ext uri="{FF2B5EF4-FFF2-40B4-BE49-F238E27FC236}">
-                <a16:creationId xmlns:a16="http://schemas.microsoft.com/office/drawing/2014/main" id="{70A8FD9E-655D-F742-ACDB-18BF84BE05B3}"/>
+              <a:rPr kumimoji="1" lang="zh-CN" altLang="en-US" sz="2800" dirty="0"/>
+              <a:t>软件影响</a:t>
+            </a:r>
+            <a:r>
+              <a:rPr kumimoji="1" lang="en-US" altLang="zh-CN" sz="2800" dirty="0"/>
+              <a:t>(</a:t>
+            </a:r>
+            <a:r>
+              <a:rPr kumimoji="1" lang="zh-CN" altLang="en-US" sz="2800" dirty="0"/>
+              <a:t>外界）</a:t>
+            </a:r>
+          </a:p>
+        </p:txBody>
+      </p:sp>
+      <p:sp>
+        <p:nvSpPr>
+          <p:cNvPr id="15" name="文本框 14">
+            <a:extLst>
+              <a:ext uri="{FF2B5EF4-FFF2-40B4-BE49-F238E27FC236}">
+                <a16:creationId xmlns:a16="http://schemas.microsoft.com/office/drawing/2014/main" id="{3955EEA3-5476-864F-8228-FAB244577F4F}"/>
               </a:ext>
             </a:extLst>
           </p:cNvPr>
@@ -16705,8 +21968,8 @@
         </p:nvSpPr>
         <p:spPr>
           <a:xfrm>
-            <a:off x="4070604" y="4974336"/>
-            <a:ext cx="5713476" cy="523220"/>
+            <a:off x="8399720" y="4275176"/>
+            <a:ext cx="2636875" cy="523220"/>
           </a:xfrm>
           <a:prstGeom prst="rect">
             <a:avLst/>
@@ -16720,21 +21983,26 @@
           <a:lstStyle/>
           <a:p>
             <a:r>
-              <a:rPr kumimoji="1" lang="zh-CN" altLang="en-US" sz="2800" dirty="0">
-                <a:latin typeface="Microsoft YaHei" panose="020B0503020204020204" pitchFamily="34" charset="-122"/>
-                <a:ea typeface="Microsoft YaHei" panose="020B0503020204020204" pitchFamily="34" charset="-122"/>
-              </a:rPr>
-              <a:t>考研计算机专业笔试必考</a:t>
-            </a:r>
-          </a:p>
-        </p:txBody>
-      </p:sp>
-      <p:sp>
-        <p:nvSpPr>
-          <p:cNvPr id="8" name="文本框 7">
-            <a:extLst>
-              <a:ext uri="{FF2B5EF4-FFF2-40B4-BE49-F238E27FC236}">
-                <a16:creationId xmlns:a16="http://schemas.microsoft.com/office/drawing/2014/main" id="{75D7D6ED-43A8-DC4B-84B6-AB03F6270117}"/>
+              <a:rPr kumimoji="1" lang="zh-CN" altLang="en-US" sz="2800" dirty="0"/>
+              <a:t>硬件影响</a:t>
+            </a:r>
+            <a:r>
+              <a:rPr kumimoji="1" lang="en-US" altLang="zh-CN" sz="2800" dirty="0"/>
+              <a:t>(</a:t>
+            </a:r>
+            <a:r>
+              <a:rPr kumimoji="1" lang="zh-CN" altLang="en-US" sz="2800" dirty="0"/>
+              <a:t>外界）</a:t>
+            </a:r>
+          </a:p>
+        </p:txBody>
+      </p:sp>
+      <p:sp>
+        <p:nvSpPr>
+          <p:cNvPr id="16" name="文本框 15">
+            <a:extLst>
+              <a:ext uri="{FF2B5EF4-FFF2-40B4-BE49-F238E27FC236}">
+                <a16:creationId xmlns:a16="http://schemas.microsoft.com/office/drawing/2014/main" id="{BDE62623-F3E6-3C4E-883B-CCF2C26EFDAE}"/>
               </a:ext>
             </a:extLst>
           </p:cNvPr>
@@ -16743,13 +22011,15 @@
         </p:nvSpPr>
         <p:spPr>
           <a:xfrm>
-            <a:off x="4070604" y="2487168"/>
-            <a:ext cx="6609588" cy="523220"/>
+            <a:off x="2964233" y="5474080"/>
+            <a:ext cx="6609587" cy="954107"/>
           </a:xfrm>
           <a:prstGeom prst="rect">
             <a:avLst/>
           </a:prstGeom>
-          <a:noFill/>
+          <a:solidFill>
+            <a:schemeClr val="accent2"/>
+          </a:solidFill>
         </p:spPr>
         <p:txBody>
           <a:bodyPr wrap="square" rtlCol="0">
@@ -16758,140 +22028,358 @@
           <a:lstStyle/>
           <a:p>
             <a:r>
-              <a:rPr kumimoji="1" lang="zh-CN" altLang="en-US" sz="2800" dirty="0">
-                <a:latin typeface="Microsoft YaHei" panose="020B0503020204020204" pitchFamily="34" charset="-122"/>
-                <a:ea typeface="Microsoft YaHei" panose="020B0503020204020204" pitchFamily="34" charset="-122"/>
-              </a:rPr>
-              <a:t>所有编程语言，都需要数据</a:t>
-            </a:r>
-            <a:r>
-              <a:rPr kumimoji="1" lang="zh-CN" altLang="en-US" sz="2800" dirty="0">
-                <a:latin typeface="微软雅黑" panose="020B0503020204020204" pitchFamily="34" charset="-122"/>
-                <a:ea typeface="Microsoft YaHei" panose="020B0503020204020204" pitchFamily="34" charset="-122"/>
-              </a:rPr>
-              <a:t>结构</a:t>
-            </a:r>
-          </a:p>
-        </p:txBody>
-      </p:sp>
-      <p:pic>
-        <p:nvPicPr>
-          <p:cNvPr id="20" name="图形 19" descr="程序员">
-            <a:extLst>
-              <a:ext uri="{FF2B5EF4-FFF2-40B4-BE49-F238E27FC236}">
-                <a16:creationId xmlns:a16="http://schemas.microsoft.com/office/drawing/2014/main" id="{7CE67446-4AFD-E246-A3E8-B036D5B5A9BF}"/>
-              </a:ext>
-            </a:extLst>
-          </p:cNvPr>
-          <p:cNvPicPr>
-            <a:picLocks noChangeAspect="1"/>
-          </p:cNvPicPr>
-          <p:nvPr/>
-        </p:nvPicPr>
-        <p:blipFill>
-          <a:blip r:embed="rId3">
-            <a:extLst>
-              <a:ext uri="{96DAC541-7B7A-43D3-8B79-37D633B846F1}">
-                <asvg:svgBlip xmlns:asvg="http://schemas.microsoft.com/office/drawing/2016/SVG/main" r:embed="rId4"/>
-              </a:ext>
-            </a:extLst>
-          </a:blip>
-          <a:stretch>
-            <a:fillRect/>
-          </a:stretch>
-        </p:blipFill>
-        <p:spPr>
-          <a:xfrm>
-            <a:off x="2874264" y="2358230"/>
-            <a:ext cx="760766" cy="760766"/>
-          </a:xfrm>
-          <a:prstGeom prst="rect">
-            <a:avLst/>
-          </a:prstGeom>
-        </p:spPr>
-      </p:pic>
-      <p:pic>
-        <p:nvPicPr>
-          <p:cNvPr id="22" name="图形 21" descr="程序员">
-            <a:extLst>
-              <a:ext uri="{FF2B5EF4-FFF2-40B4-BE49-F238E27FC236}">
-                <a16:creationId xmlns:a16="http://schemas.microsoft.com/office/drawing/2014/main" id="{3A3197C3-8271-014B-8E69-EFD15F75AA97}"/>
-              </a:ext>
-            </a:extLst>
-          </p:cNvPr>
-          <p:cNvPicPr>
-            <a:picLocks noChangeAspect="1"/>
-          </p:cNvPicPr>
-          <p:nvPr/>
-        </p:nvPicPr>
-        <p:blipFill>
-          <a:blip r:embed="rId3">
-            <a:extLst>
-              <a:ext uri="{96DAC541-7B7A-43D3-8B79-37D633B846F1}">
-                <asvg:svgBlip xmlns:asvg="http://schemas.microsoft.com/office/drawing/2016/SVG/main" r:embed="rId4"/>
-              </a:ext>
-            </a:extLst>
-          </a:blip>
-          <a:stretch>
-            <a:fillRect/>
-          </a:stretch>
-        </p:blipFill>
-        <p:spPr>
-          <a:xfrm>
-            <a:off x="2874264" y="3591296"/>
-            <a:ext cx="760766" cy="760766"/>
-          </a:xfrm>
-          <a:prstGeom prst="rect">
-            <a:avLst/>
-          </a:prstGeom>
-        </p:spPr>
-      </p:pic>
-      <p:pic>
-        <p:nvPicPr>
-          <p:cNvPr id="23" name="图形 22" descr="程序员">
-            <a:extLst>
-              <a:ext uri="{FF2B5EF4-FFF2-40B4-BE49-F238E27FC236}">
-                <a16:creationId xmlns:a16="http://schemas.microsoft.com/office/drawing/2014/main" id="{83E6CB48-F36C-C947-BB24-D8A91C6CFB96}"/>
-              </a:ext>
-            </a:extLst>
-          </p:cNvPr>
-          <p:cNvPicPr>
-            <a:picLocks noChangeAspect="1"/>
-          </p:cNvPicPr>
-          <p:nvPr/>
-        </p:nvPicPr>
-        <p:blipFill>
-          <a:blip r:embed="rId3">
-            <a:extLst>
-              <a:ext uri="{96DAC541-7B7A-43D3-8B79-37D633B846F1}">
-                <asvg:svgBlip xmlns:asvg="http://schemas.microsoft.com/office/drawing/2016/SVG/main" r:embed="rId4"/>
-              </a:ext>
-            </a:extLst>
-          </a:blip>
-          <a:stretch>
-            <a:fillRect/>
-          </a:stretch>
-        </p:blipFill>
-        <p:spPr>
-          <a:xfrm>
-            <a:off x="2874264" y="4801787"/>
-            <a:ext cx="760766" cy="760766"/>
-          </a:xfrm>
-          <a:prstGeom prst="rect">
-            <a:avLst/>
-          </a:prstGeom>
-        </p:spPr>
-      </p:pic>
+              <a:rPr kumimoji="1" lang="en-US" altLang="zh-CN" sz="2800" dirty="0"/>
+              <a:t>1</a:t>
+            </a:r>
+            <a:r>
+              <a:rPr kumimoji="1" lang="zh-CN" altLang="en-US" sz="2800" dirty="0"/>
+              <a:t>和</a:t>
+            </a:r>
+            <a:r>
+              <a:rPr kumimoji="1" lang="en-US" altLang="zh-CN" sz="2800" dirty="0"/>
+              <a:t>3</a:t>
+            </a:r>
+            <a:r>
+              <a:rPr kumimoji="1" lang="zh-CN" altLang="en-US" sz="2800" dirty="0"/>
+              <a:t>是算法设计者可控的，我们在讨论算法优劣的时候，主要针对这两方面</a:t>
+            </a:r>
+          </a:p>
+        </p:txBody>
+      </p:sp>
     </p:spTree>
     <p:extLst>
       <p:ext uri="{BB962C8B-B14F-4D97-AF65-F5344CB8AC3E}">
-        <p14:creationId xmlns:p14="http://schemas.microsoft.com/office/powerpoint/2010/main" val="3558409297"/>
+        <p14:creationId xmlns:p14="http://schemas.microsoft.com/office/powerpoint/2010/main" val="3090494246"/>
       </p:ext>
     </p:extLst>
   </p:cSld>
   <p:clrMapOvr>
     <a:masterClrMapping/>
   </p:clrMapOvr>
+  <p:timing>
+    <p:tnLst>
+      <p:par>
+        <p:cTn id="1" dur="indefinite" restart="never" nodeType="tmRoot">
+          <p:childTnLst>
+            <p:seq concurrent="1" nextAc="seek">
+              <p:cTn id="2" dur="indefinite" nodeType="mainSeq">
+                <p:childTnLst>
+                  <p:par>
+                    <p:cTn id="3" fill="hold">
+                      <p:stCondLst>
+                        <p:cond delay="indefinite"/>
+                      </p:stCondLst>
+                      <p:childTnLst>
+                        <p:par>
+                          <p:cTn id="4" fill="hold">
+                            <p:stCondLst>
+                              <p:cond delay="0"/>
+                            </p:stCondLst>
+                            <p:childTnLst>
+                              <p:par>
+                                <p:cTn id="5" presetID="1" presetClass="entr" presetSubtype="0" fill="hold" grpId="0" nodeType="clickEffect">
+                                  <p:stCondLst>
+                                    <p:cond delay="0"/>
+                                  </p:stCondLst>
+                                  <p:childTnLst>
+                                    <p:set>
+                                      <p:cBhvr>
+                                        <p:cTn id="6" dur="1" fill="hold">
+                                          <p:stCondLst>
+                                            <p:cond delay="0"/>
+                                          </p:stCondLst>
+                                        </p:cTn>
+                                        <p:tgtEl>
+                                          <p:spTgt spid="10"/>
+                                        </p:tgtEl>
+                                        <p:attrNameLst>
+                                          <p:attrName>style.visibility</p:attrName>
+                                        </p:attrNameLst>
+                                      </p:cBhvr>
+                                      <p:to>
+                                        <p:strVal val="visible"/>
+                                      </p:to>
+                                    </p:set>
+                                  </p:childTnLst>
+                                </p:cTn>
+                              </p:par>
+                              <p:par>
+                                <p:cTn id="7" presetID="1" presetClass="entr" presetSubtype="0" fill="hold" grpId="0" nodeType="withEffect">
+                                  <p:stCondLst>
+                                    <p:cond delay="0"/>
+                                  </p:stCondLst>
+                                  <p:childTnLst>
+                                    <p:set>
+                                      <p:cBhvr>
+                                        <p:cTn id="8" dur="1" fill="hold">
+                                          <p:stCondLst>
+                                            <p:cond delay="0"/>
+                                          </p:stCondLst>
+                                        </p:cTn>
+                                        <p:tgtEl>
+                                          <p:spTgt spid="13"/>
+                                        </p:tgtEl>
+                                        <p:attrNameLst>
+                                          <p:attrName>style.visibility</p:attrName>
+                                        </p:attrNameLst>
+                                      </p:cBhvr>
+                                      <p:to>
+                                        <p:strVal val="visible"/>
+                                      </p:to>
+                                    </p:set>
+                                  </p:childTnLst>
+                                </p:cTn>
+                              </p:par>
+                            </p:childTnLst>
+                          </p:cTn>
+                        </p:par>
+                      </p:childTnLst>
+                    </p:cTn>
+                  </p:par>
+                  <p:par>
+                    <p:cTn id="9" fill="hold">
+                      <p:stCondLst>
+                        <p:cond delay="indefinite"/>
+                      </p:stCondLst>
+                      <p:childTnLst>
+                        <p:par>
+                          <p:cTn id="10" fill="hold">
+                            <p:stCondLst>
+                              <p:cond delay="0"/>
+                            </p:stCondLst>
+                            <p:childTnLst>
+                              <p:par>
+                                <p:cTn id="11" presetID="1" presetClass="entr" presetSubtype="0" fill="hold" grpId="0" nodeType="clickEffect">
+                                  <p:stCondLst>
+                                    <p:cond delay="0"/>
+                                  </p:stCondLst>
+                                  <p:childTnLst>
+                                    <p:set>
+                                      <p:cBhvr>
+                                        <p:cTn id="12" dur="1" fill="hold">
+                                          <p:stCondLst>
+                                            <p:cond delay="0"/>
+                                          </p:stCondLst>
+                                        </p:cTn>
+                                        <p:tgtEl>
+                                          <p:spTgt spid="12"/>
+                                        </p:tgtEl>
+                                        <p:attrNameLst>
+                                          <p:attrName>style.visibility</p:attrName>
+                                        </p:attrNameLst>
+                                      </p:cBhvr>
+                                      <p:to>
+                                        <p:strVal val="visible"/>
+                                      </p:to>
+                                    </p:set>
+                                  </p:childTnLst>
+                                </p:cTn>
+                              </p:par>
+                              <p:par>
+                                <p:cTn id="13" presetID="1" presetClass="entr" presetSubtype="0" fill="hold" grpId="0" nodeType="withEffect">
+                                  <p:stCondLst>
+                                    <p:cond delay="0"/>
+                                  </p:stCondLst>
+                                  <p:childTnLst>
+                                    <p:set>
+                                      <p:cBhvr>
+                                        <p:cTn id="14" dur="1" fill="hold">
+                                          <p:stCondLst>
+                                            <p:cond delay="0"/>
+                                          </p:stCondLst>
+                                        </p:cTn>
+                                        <p:tgtEl>
+                                          <p:spTgt spid="15"/>
+                                        </p:tgtEl>
+                                        <p:attrNameLst>
+                                          <p:attrName>style.visibility</p:attrName>
+                                        </p:attrNameLst>
+                                      </p:cBhvr>
+                                      <p:to>
+                                        <p:strVal val="visible"/>
+                                      </p:to>
+                                    </p:set>
+                                  </p:childTnLst>
+                                </p:cTn>
+                              </p:par>
+                            </p:childTnLst>
+                          </p:cTn>
+                        </p:par>
+                      </p:childTnLst>
+                    </p:cTn>
+                  </p:par>
+                  <p:par>
+                    <p:cTn id="15" fill="hold">
+                      <p:stCondLst>
+                        <p:cond delay="indefinite"/>
+                      </p:stCondLst>
+                      <p:childTnLst>
+                        <p:par>
+                          <p:cTn id="16" fill="hold">
+                            <p:stCondLst>
+                              <p:cond delay="0"/>
+                            </p:stCondLst>
+                            <p:childTnLst>
+                              <p:par>
+                                <p:cTn id="17" presetID="3" presetClass="emph" presetSubtype="2" fill="hold" nodeType="clickEffect">
+                                  <p:stCondLst>
+                                    <p:cond delay="0"/>
+                                  </p:stCondLst>
+                                  <p:childTnLst>
+                                    <p:animClr clrSpc="rgb" dir="cw">
+                                      <p:cBhvr override="childStyle">
+                                        <p:cTn id="18" dur="1000" fill="hold"/>
+                                        <p:tgtEl>
+                                          <p:spTgt spid="8">
+                                            <p:txEl>
+                                              <p:pRg st="0" end="0"/>
+                                            </p:txEl>
+                                          </p:spTgt>
+                                        </p:tgtEl>
+                                        <p:attrNameLst>
+                                          <p:attrName>style.color</p:attrName>
+                                        </p:attrNameLst>
+                                      </p:cBhvr>
+                                      <p:to>
+                                        <a:schemeClr val="accent2"/>
+                                      </p:to>
+                                    </p:animClr>
+                                  </p:childTnLst>
+                                </p:cTn>
+                              </p:par>
+                            </p:childTnLst>
+                          </p:cTn>
+                        </p:par>
+                      </p:childTnLst>
+                    </p:cTn>
+                  </p:par>
+                  <p:par>
+                    <p:cTn id="19" fill="hold">
+                      <p:stCondLst>
+                        <p:cond delay="indefinite"/>
+                      </p:stCondLst>
+                      <p:childTnLst>
+                        <p:par>
+                          <p:cTn id="20" fill="hold">
+                            <p:stCondLst>
+                              <p:cond delay="0"/>
+                            </p:stCondLst>
+                            <p:childTnLst>
+                              <p:par>
+                                <p:cTn id="21" presetID="3" presetClass="emph" presetSubtype="2" fill="hold" nodeType="clickEffect">
+                                  <p:stCondLst>
+                                    <p:cond delay="0"/>
+                                  </p:stCondLst>
+                                  <p:childTnLst>
+                                    <p:animClr clrSpc="rgb" dir="cw">
+                                      <p:cBhvr override="childStyle">
+                                        <p:cTn id="22" dur="1000" fill="hold"/>
+                                        <p:tgtEl>
+                                          <p:spTgt spid="8">
+                                            <p:txEl>
+                                              <p:pRg st="2" end="2"/>
+                                            </p:txEl>
+                                          </p:spTgt>
+                                        </p:tgtEl>
+                                        <p:attrNameLst>
+                                          <p:attrName>style.color</p:attrName>
+                                        </p:attrNameLst>
+                                      </p:cBhvr>
+                                      <p:to>
+                                        <a:schemeClr val="accent2"/>
+                                      </p:to>
+                                    </p:animClr>
+                                  </p:childTnLst>
+                                </p:cTn>
+                              </p:par>
+                            </p:childTnLst>
+                          </p:cTn>
+                        </p:par>
+                      </p:childTnLst>
+                    </p:cTn>
+                  </p:par>
+                  <p:par>
+                    <p:cTn id="23" fill="hold">
+                      <p:stCondLst>
+                        <p:cond delay="indefinite"/>
+                      </p:stCondLst>
+                      <p:childTnLst>
+                        <p:par>
+                          <p:cTn id="24" fill="hold">
+                            <p:stCondLst>
+                              <p:cond delay="0"/>
+                            </p:stCondLst>
+                            <p:childTnLst>
+                              <p:par>
+                                <p:cTn id="25" presetID="20" presetClass="entr" presetSubtype="0" fill="hold" grpId="0" nodeType="clickEffect">
+                                  <p:stCondLst>
+                                    <p:cond delay="0"/>
+                                  </p:stCondLst>
+                                  <p:childTnLst>
+                                    <p:set>
+                                      <p:cBhvr>
+                                        <p:cTn id="26" dur="1" fill="hold">
+                                          <p:stCondLst>
+                                            <p:cond delay="0"/>
+                                          </p:stCondLst>
+                                        </p:cTn>
+                                        <p:tgtEl>
+                                          <p:spTgt spid="16"/>
+                                        </p:tgtEl>
+                                        <p:attrNameLst>
+                                          <p:attrName>style.visibility</p:attrName>
+                                        </p:attrNameLst>
+                                      </p:cBhvr>
+                                      <p:to>
+                                        <p:strVal val="visible"/>
+                                      </p:to>
+                                    </p:set>
+                                    <p:animEffect transition="in" filter="wedge">
+                                      <p:cBhvr>
+                                        <p:cTn id="27" dur="2000"/>
+                                        <p:tgtEl>
+                                          <p:spTgt spid="16"/>
+                                        </p:tgtEl>
+                                      </p:cBhvr>
+                                    </p:animEffect>
+                                  </p:childTnLst>
+                                </p:cTn>
+                              </p:par>
+                            </p:childTnLst>
+                          </p:cTn>
+                        </p:par>
+                      </p:childTnLst>
+                    </p:cTn>
+                  </p:par>
+                </p:childTnLst>
+              </p:cTn>
+              <p:prevCondLst>
+                <p:cond evt="onPrev" delay="0">
+                  <p:tgtEl>
+                    <p:sldTgt/>
+                  </p:tgtEl>
+                </p:cond>
+              </p:prevCondLst>
+              <p:nextCondLst>
+                <p:cond evt="onNext" delay="0">
+                  <p:tgtEl>
+                    <p:sldTgt/>
+                  </p:tgtEl>
+                </p:cond>
+              </p:nextCondLst>
+            </p:seq>
+          </p:childTnLst>
+        </p:cTn>
+      </p:par>
+    </p:tnLst>
+    <p:bldLst>
+      <p:bldP spid="10" grpId="0" animBg="1"/>
+      <p:bldP spid="12" grpId="0" animBg="1"/>
+      <p:bldP spid="13" grpId="0"/>
+      <p:bldP spid="15" grpId="0"/>
+      <p:bldP spid="16" grpId="0" animBg="1"/>
+    </p:bldLst>
+  </p:timing>
 </p:sld>
 </file>
 

--- a/1.2算法.pptx
+++ b/1.2算法.pptx
@@ -252,7 +252,7 @@
           <a:p>
             <a:fld id="{66C3546E-20F6-7649-A9A4-4E4A245D3E82}" type="datetimeFigureOut">
               <a:rPr kumimoji="1" lang="zh-CN" altLang="en-US" smtClean="0"/>
-              <a:t>2020/2/8</a:t>
+              <a:t>2020/2/9</a:t>
             </a:fld>
             <a:endParaRPr kumimoji="1" lang="zh-CN" altLang="en-US"/>
           </a:p>
@@ -2465,7 +2465,7 @@
           <a:p>
             <a:fld id="{1C49BB65-7B3F-4D4E-A397-BBFD82890A5A}" type="datetimeFigureOut">
               <a:rPr kumimoji="1" lang="zh-CN" altLang="en-US" smtClean="0"/>
-              <a:t>2020/2/8</a:t>
+              <a:t>2020/2/9</a:t>
             </a:fld>
             <a:endParaRPr kumimoji="1" lang="zh-CN" altLang="en-US"/>
           </a:p>
@@ -2663,7 +2663,7 @@
           <a:p>
             <a:fld id="{1C49BB65-7B3F-4D4E-A397-BBFD82890A5A}" type="datetimeFigureOut">
               <a:rPr kumimoji="1" lang="zh-CN" altLang="en-US" smtClean="0"/>
-              <a:t>2020/2/8</a:t>
+              <a:t>2020/2/9</a:t>
             </a:fld>
             <a:endParaRPr kumimoji="1" lang="zh-CN" altLang="en-US"/>
           </a:p>
@@ -2871,7 +2871,7 @@
           <a:p>
             <a:fld id="{1C49BB65-7B3F-4D4E-A397-BBFD82890A5A}" type="datetimeFigureOut">
               <a:rPr kumimoji="1" lang="zh-CN" altLang="en-US" smtClean="0"/>
-              <a:t>2020/2/8</a:t>
+              <a:t>2020/2/9</a:t>
             </a:fld>
             <a:endParaRPr kumimoji="1" lang="zh-CN" altLang="en-US"/>
           </a:p>
@@ -3069,7 +3069,7 @@
           <a:p>
             <a:fld id="{1C49BB65-7B3F-4D4E-A397-BBFD82890A5A}" type="datetimeFigureOut">
               <a:rPr kumimoji="1" lang="zh-CN" altLang="en-US" smtClean="0"/>
-              <a:t>2020/2/8</a:t>
+              <a:t>2020/2/9</a:t>
             </a:fld>
             <a:endParaRPr kumimoji="1" lang="zh-CN" altLang="en-US"/>
           </a:p>
@@ -3344,7 +3344,7 @@
           <a:p>
             <a:fld id="{1C49BB65-7B3F-4D4E-A397-BBFD82890A5A}" type="datetimeFigureOut">
               <a:rPr kumimoji="1" lang="zh-CN" altLang="en-US" smtClean="0"/>
-              <a:t>2020/2/8</a:t>
+              <a:t>2020/2/9</a:t>
             </a:fld>
             <a:endParaRPr kumimoji="1" lang="zh-CN" altLang="en-US"/>
           </a:p>
@@ -3609,7 +3609,7 @@
           <a:p>
             <a:fld id="{1C49BB65-7B3F-4D4E-A397-BBFD82890A5A}" type="datetimeFigureOut">
               <a:rPr kumimoji="1" lang="zh-CN" altLang="en-US" smtClean="0"/>
-              <a:t>2020/2/8</a:t>
+              <a:t>2020/2/9</a:t>
             </a:fld>
             <a:endParaRPr kumimoji="1" lang="zh-CN" altLang="en-US"/>
           </a:p>
@@ -4021,7 +4021,7 @@
           <a:p>
             <a:fld id="{1C49BB65-7B3F-4D4E-A397-BBFD82890A5A}" type="datetimeFigureOut">
               <a:rPr kumimoji="1" lang="zh-CN" altLang="en-US" smtClean="0"/>
-              <a:t>2020/2/8</a:t>
+              <a:t>2020/2/9</a:t>
             </a:fld>
             <a:endParaRPr kumimoji="1" lang="zh-CN" altLang="en-US"/>
           </a:p>
@@ -4162,7 +4162,7 @@
           <a:p>
             <a:fld id="{1C49BB65-7B3F-4D4E-A397-BBFD82890A5A}" type="datetimeFigureOut">
               <a:rPr kumimoji="1" lang="zh-CN" altLang="en-US" smtClean="0"/>
-              <a:t>2020/2/8</a:t>
+              <a:t>2020/2/9</a:t>
             </a:fld>
             <a:endParaRPr kumimoji="1" lang="zh-CN" altLang="en-US"/>
           </a:p>
@@ -4532,7 +4532,7 @@
           <a:p>
             <a:fld id="{1C49BB65-7B3F-4D4E-A397-BBFD82890A5A}" type="datetimeFigureOut">
               <a:rPr kumimoji="1" lang="zh-CN" altLang="en-US" smtClean="0"/>
-              <a:t>2020/2/8</a:t>
+              <a:t>2020/2/9</a:t>
             </a:fld>
             <a:endParaRPr kumimoji="1" lang="zh-CN" altLang="en-US"/>
           </a:p>
@@ -4820,7 +4820,7 @@
           <a:p>
             <a:fld id="{1C49BB65-7B3F-4D4E-A397-BBFD82890A5A}" type="datetimeFigureOut">
               <a:rPr kumimoji="1" lang="zh-CN" altLang="en-US" smtClean="0"/>
-              <a:t>2020/2/8</a:t>
+              <a:t>2020/2/9</a:t>
             </a:fld>
             <a:endParaRPr kumimoji="1" lang="zh-CN" altLang="en-US"/>
           </a:p>
@@ -5061,7 +5061,7 @@
           <a:p>
             <a:fld id="{1C49BB65-7B3F-4D4E-A397-BBFD82890A5A}" type="datetimeFigureOut">
               <a:rPr kumimoji="1" lang="zh-CN" altLang="en-US" smtClean="0"/>
-              <a:t>2020/2/8</a:t>
+              <a:t>2020/2/9</a:t>
             </a:fld>
             <a:endParaRPr kumimoji="1" lang="zh-CN" altLang="en-US"/>
           </a:p>
@@ -5980,49 +5980,6 @@
           </a:p>
         </p:txBody>
       </p:sp>
-      <p:pic>
-        <p:nvPicPr>
-          <p:cNvPr id="8" name="图片 2">
-            <a:extLst>
-              <a:ext uri="{FF2B5EF4-FFF2-40B4-BE49-F238E27FC236}">
-                <a16:creationId xmlns:a16="http://schemas.microsoft.com/office/drawing/2014/main" id="{C96B19A5-6D1C-9C42-8455-F5E0E58ADF3B}"/>
-              </a:ext>
-            </a:extLst>
-          </p:cNvPr>
-          <p:cNvPicPr>
-            <a:picLocks noChangeAspect="1" noChangeArrowheads="1"/>
-          </p:cNvPicPr>
-          <p:nvPr/>
-        </p:nvPicPr>
-        <p:blipFill>
-          <a:blip r:embed="rId3" cstate="print">
-            <a:extLst>
-              <a:ext uri="{28A0092B-C50C-407E-A947-70E740481C1C}">
-                <a14:useLocalDpi xmlns:a14="http://schemas.microsoft.com/office/drawing/2010/main" val="0"/>
-              </a:ext>
-            </a:extLst>
-          </a:blip>
-          <a:srcRect l="2818" t="9651" r="2068" b="9219"/>
-          <a:stretch>
-            <a:fillRect/>
-          </a:stretch>
-        </p:blipFill>
-        <p:spPr bwMode="auto">
-          <a:xfrm>
-            <a:off x="9186863" y="0"/>
-            <a:ext cx="3005137" cy="782637"/>
-          </a:xfrm>
-          <a:prstGeom prst="rect">
-            <a:avLst/>
-          </a:prstGeom>
-          <a:solidFill>
-            <a:schemeClr val="accent1"/>
-          </a:solidFill>
-          <a:ln>
-            <a:noFill/>
-          </a:ln>
-        </p:spPr>
-      </p:pic>
     </p:spTree>
     <p:extLst>
       <p:ext uri="{BB962C8B-B14F-4D97-AF65-F5344CB8AC3E}">
@@ -6200,49 +6157,6 @@
           </a:p>
         </p:txBody>
       </p:sp>
-      <p:pic>
-        <p:nvPicPr>
-          <p:cNvPr id="6" name="图片 2">
-            <a:extLst>
-              <a:ext uri="{FF2B5EF4-FFF2-40B4-BE49-F238E27FC236}">
-                <a16:creationId xmlns:a16="http://schemas.microsoft.com/office/drawing/2014/main" id="{453E8429-0EAE-EC43-B428-CCD9D34522AF}"/>
-              </a:ext>
-            </a:extLst>
-          </p:cNvPr>
-          <p:cNvPicPr>
-            <a:picLocks noChangeAspect="1" noChangeArrowheads="1"/>
-          </p:cNvPicPr>
-          <p:nvPr/>
-        </p:nvPicPr>
-        <p:blipFill>
-          <a:blip r:embed="rId3" cstate="print">
-            <a:extLst>
-              <a:ext uri="{28A0092B-C50C-407E-A947-70E740481C1C}">
-                <a14:useLocalDpi xmlns:a14="http://schemas.microsoft.com/office/drawing/2010/main" val="0"/>
-              </a:ext>
-            </a:extLst>
-          </a:blip>
-          <a:srcRect l="2818" t="9651" r="2068" b="9219"/>
-          <a:stretch>
-            <a:fillRect/>
-          </a:stretch>
-        </p:blipFill>
-        <p:spPr bwMode="auto">
-          <a:xfrm>
-            <a:off x="9186863" y="0"/>
-            <a:ext cx="3005137" cy="782637"/>
-          </a:xfrm>
-          <a:prstGeom prst="rect">
-            <a:avLst/>
-          </a:prstGeom>
-          <a:solidFill>
-            <a:schemeClr val="accent1"/>
-          </a:solidFill>
-          <a:ln>
-            <a:noFill/>
-          </a:ln>
-        </p:spPr>
-      </p:pic>
     </p:spTree>
     <p:extLst>
       <p:ext uri="{BB962C8B-B14F-4D97-AF65-F5344CB8AC3E}">
@@ -6519,49 +6433,6 @@
           </a:p>
         </p:txBody>
       </p:sp>
-      <p:pic>
-        <p:nvPicPr>
-          <p:cNvPr id="7" name="图片 2">
-            <a:extLst>
-              <a:ext uri="{FF2B5EF4-FFF2-40B4-BE49-F238E27FC236}">
-                <a16:creationId xmlns:a16="http://schemas.microsoft.com/office/drawing/2014/main" id="{6C6F0564-2AE9-664E-9CA2-394112009D30}"/>
-              </a:ext>
-            </a:extLst>
-          </p:cNvPr>
-          <p:cNvPicPr>
-            <a:picLocks noChangeAspect="1" noChangeArrowheads="1"/>
-          </p:cNvPicPr>
-          <p:nvPr/>
-        </p:nvPicPr>
-        <p:blipFill>
-          <a:blip r:embed="rId6" cstate="print">
-            <a:extLst>
-              <a:ext uri="{28A0092B-C50C-407E-A947-70E740481C1C}">
-                <a14:useLocalDpi xmlns:a14="http://schemas.microsoft.com/office/drawing/2010/main" val="0"/>
-              </a:ext>
-            </a:extLst>
-          </a:blip>
-          <a:srcRect l="2818" t="9651" r="2068" b="9219"/>
-          <a:stretch>
-            <a:fillRect/>
-          </a:stretch>
-        </p:blipFill>
-        <p:spPr bwMode="auto">
-          <a:xfrm>
-            <a:off x="9186863" y="0"/>
-            <a:ext cx="3005137" cy="782637"/>
-          </a:xfrm>
-          <a:prstGeom prst="rect">
-            <a:avLst/>
-          </a:prstGeom>
-          <a:solidFill>
-            <a:schemeClr val="accent1"/>
-          </a:solidFill>
-          <a:ln>
-            <a:noFill/>
-          </a:ln>
-        </p:spPr>
-      </p:pic>
     </p:spTree>
     <p:extLst>
       <p:ext uri="{BB962C8B-B14F-4D97-AF65-F5344CB8AC3E}">
@@ -6871,49 +6742,6 @@
           </a:p>
         </p:txBody>
       </p:sp>
-      <p:pic>
-        <p:nvPicPr>
-          <p:cNvPr id="5" name="图片 2">
-            <a:extLst>
-              <a:ext uri="{FF2B5EF4-FFF2-40B4-BE49-F238E27FC236}">
-                <a16:creationId xmlns:a16="http://schemas.microsoft.com/office/drawing/2014/main" id="{10D2094E-922D-2747-A68E-333716F27E69}"/>
-              </a:ext>
-            </a:extLst>
-          </p:cNvPr>
-          <p:cNvPicPr>
-            <a:picLocks noChangeAspect="1" noChangeArrowheads="1"/>
-          </p:cNvPicPr>
-          <p:nvPr/>
-        </p:nvPicPr>
-        <p:blipFill>
-          <a:blip r:embed="rId3" cstate="print">
-            <a:extLst>
-              <a:ext uri="{28A0092B-C50C-407E-A947-70E740481C1C}">
-                <a14:useLocalDpi xmlns:a14="http://schemas.microsoft.com/office/drawing/2010/main" val="0"/>
-              </a:ext>
-            </a:extLst>
-          </a:blip>
-          <a:srcRect l="2818" t="9651" r="2068" b="9219"/>
-          <a:stretch>
-            <a:fillRect/>
-          </a:stretch>
-        </p:blipFill>
-        <p:spPr bwMode="auto">
-          <a:xfrm>
-            <a:off x="9186863" y="0"/>
-            <a:ext cx="3005137" cy="782637"/>
-          </a:xfrm>
-          <a:prstGeom prst="rect">
-            <a:avLst/>
-          </a:prstGeom>
-          <a:solidFill>
-            <a:schemeClr val="accent1"/>
-          </a:solidFill>
-          <a:ln>
-            <a:noFill/>
-          </a:ln>
-        </p:spPr>
-      </p:pic>
     </p:spTree>
     <p:extLst>
       <p:ext uri="{BB962C8B-B14F-4D97-AF65-F5344CB8AC3E}">
@@ -7194,49 +7022,6 @@
           </a:p>
         </p:txBody>
       </p:sp>
-      <p:pic>
-        <p:nvPicPr>
-          <p:cNvPr id="5" name="图片 2">
-            <a:extLst>
-              <a:ext uri="{FF2B5EF4-FFF2-40B4-BE49-F238E27FC236}">
-                <a16:creationId xmlns:a16="http://schemas.microsoft.com/office/drawing/2014/main" id="{80FE6F05-BE67-BB4C-895D-7910CDFC1301}"/>
-              </a:ext>
-            </a:extLst>
-          </p:cNvPr>
-          <p:cNvPicPr>
-            <a:picLocks noChangeAspect="1" noChangeArrowheads="1"/>
-          </p:cNvPicPr>
-          <p:nvPr/>
-        </p:nvPicPr>
-        <p:blipFill>
-          <a:blip r:embed="rId3" cstate="print">
-            <a:extLst>
-              <a:ext uri="{28A0092B-C50C-407E-A947-70E740481C1C}">
-                <a14:useLocalDpi xmlns:a14="http://schemas.microsoft.com/office/drawing/2010/main" val="0"/>
-              </a:ext>
-            </a:extLst>
-          </a:blip>
-          <a:srcRect l="2818" t="9651" r="2068" b="9219"/>
-          <a:stretch>
-            <a:fillRect/>
-          </a:stretch>
-        </p:blipFill>
-        <p:spPr bwMode="auto">
-          <a:xfrm>
-            <a:off x="9186863" y="0"/>
-            <a:ext cx="3005137" cy="782637"/>
-          </a:xfrm>
-          <a:prstGeom prst="rect">
-            <a:avLst/>
-          </a:prstGeom>
-          <a:solidFill>
-            <a:schemeClr val="accent1"/>
-          </a:solidFill>
-          <a:ln>
-            <a:noFill/>
-          </a:ln>
-        </p:spPr>
-      </p:pic>
     </p:spTree>
     <p:extLst>
       <p:ext uri="{BB962C8B-B14F-4D97-AF65-F5344CB8AC3E}">
@@ -7621,49 +7406,6 @@
           </a:p>
         </p:txBody>
       </p:sp>
-      <p:pic>
-        <p:nvPicPr>
-          <p:cNvPr id="5" name="图片 2">
-            <a:extLst>
-              <a:ext uri="{FF2B5EF4-FFF2-40B4-BE49-F238E27FC236}">
-                <a16:creationId xmlns:a16="http://schemas.microsoft.com/office/drawing/2014/main" id="{49CB4222-1F54-2741-8E46-556E8A494B55}"/>
-              </a:ext>
-            </a:extLst>
-          </p:cNvPr>
-          <p:cNvPicPr>
-            <a:picLocks noChangeAspect="1" noChangeArrowheads="1"/>
-          </p:cNvPicPr>
-          <p:nvPr/>
-        </p:nvPicPr>
-        <p:blipFill>
-          <a:blip r:embed="rId3" cstate="print">
-            <a:extLst>
-              <a:ext uri="{28A0092B-C50C-407E-A947-70E740481C1C}">
-                <a14:useLocalDpi xmlns:a14="http://schemas.microsoft.com/office/drawing/2010/main" val="0"/>
-              </a:ext>
-            </a:extLst>
-          </a:blip>
-          <a:srcRect l="2818" t="9651" r="2068" b="9219"/>
-          <a:stretch>
-            <a:fillRect/>
-          </a:stretch>
-        </p:blipFill>
-        <p:spPr bwMode="auto">
-          <a:xfrm>
-            <a:off x="9186863" y="0"/>
-            <a:ext cx="3005137" cy="782637"/>
-          </a:xfrm>
-          <a:prstGeom prst="rect">
-            <a:avLst/>
-          </a:prstGeom>
-          <a:solidFill>
-            <a:schemeClr val="accent1"/>
-          </a:solidFill>
-          <a:ln>
-            <a:noFill/>
-          </a:ln>
-        </p:spPr>
-      </p:pic>
     </p:spTree>
     <p:extLst>
       <p:ext uri="{BB962C8B-B14F-4D97-AF65-F5344CB8AC3E}">
@@ -8220,49 +7962,6 @@
           </a:p>
         </p:txBody>
       </p:sp>
-      <p:pic>
-        <p:nvPicPr>
-          <p:cNvPr id="5" name="图片 2">
-            <a:extLst>
-              <a:ext uri="{FF2B5EF4-FFF2-40B4-BE49-F238E27FC236}">
-                <a16:creationId xmlns:a16="http://schemas.microsoft.com/office/drawing/2014/main" id="{06C77B39-6717-AB4C-981D-43128A82F524}"/>
-              </a:ext>
-            </a:extLst>
-          </p:cNvPr>
-          <p:cNvPicPr>
-            <a:picLocks noChangeAspect="1" noChangeArrowheads="1"/>
-          </p:cNvPicPr>
-          <p:nvPr/>
-        </p:nvPicPr>
-        <p:blipFill>
-          <a:blip r:embed="rId3" cstate="print">
-            <a:extLst>
-              <a:ext uri="{28A0092B-C50C-407E-A947-70E740481C1C}">
-                <a14:useLocalDpi xmlns:a14="http://schemas.microsoft.com/office/drawing/2010/main" val="0"/>
-              </a:ext>
-            </a:extLst>
-          </a:blip>
-          <a:srcRect l="2818" t="9651" r="2068" b="9219"/>
-          <a:stretch>
-            <a:fillRect/>
-          </a:stretch>
-        </p:blipFill>
-        <p:spPr bwMode="auto">
-          <a:xfrm>
-            <a:off x="9186863" y="0"/>
-            <a:ext cx="3005137" cy="782637"/>
-          </a:xfrm>
-          <a:prstGeom prst="rect">
-            <a:avLst/>
-          </a:prstGeom>
-          <a:solidFill>
-            <a:schemeClr val="accent1"/>
-          </a:solidFill>
-          <a:ln>
-            <a:noFill/>
-          </a:ln>
-        </p:spPr>
-      </p:pic>
     </p:spTree>
     <p:extLst>
       <p:ext uri="{BB962C8B-B14F-4D97-AF65-F5344CB8AC3E}">
@@ -8712,49 +8411,6 @@
           </a:p>
         </p:txBody>
       </p:sp>
-      <p:pic>
-        <p:nvPicPr>
-          <p:cNvPr id="5" name="图片 2">
-            <a:extLst>
-              <a:ext uri="{FF2B5EF4-FFF2-40B4-BE49-F238E27FC236}">
-                <a16:creationId xmlns:a16="http://schemas.microsoft.com/office/drawing/2014/main" id="{236C8E1C-C2B9-C243-A069-77394EE366A3}"/>
-              </a:ext>
-            </a:extLst>
-          </p:cNvPr>
-          <p:cNvPicPr>
-            <a:picLocks noChangeAspect="1" noChangeArrowheads="1"/>
-          </p:cNvPicPr>
-          <p:nvPr/>
-        </p:nvPicPr>
-        <p:blipFill>
-          <a:blip r:embed="rId4" cstate="print">
-            <a:extLst>
-              <a:ext uri="{28A0092B-C50C-407E-A947-70E740481C1C}">
-                <a14:useLocalDpi xmlns:a14="http://schemas.microsoft.com/office/drawing/2010/main" val="0"/>
-              </a:ext>
-            </a:extLst>
-          </a:blip>
-          <a:srcRect l="2818" t="9651" r="2068" b="9219"/>
-          <a:stretch>
-            <a:fillRect/>
-          </a:stretch>
-        </p:blipFill>
-        <p:spPr bwMode="auto">
-          <a:xfrm>
-            <a:off x="9186863" y="0"/>
-            <a:ext cx="3005137" cy="782637"/>
-          </a:xfrm>
-          <a:prstGeom prst="rect">
-            <a:avLst/>
-          </a:prstGeom>
-          <a:solidFill>
-            <a:schemeClr val="accent1"/>
-          </a:solidFill>
-          <a:ln>
-            <a:noFill/>
-          </a:ln>
-        </p:spPr>
-      </p:pic>
     </p:spTree>
     <p:extLst>
       <p:ext uri="{BB962C8B-B14F-4D97-AF65-F5344CB8AC3E}">
@@ -9492,49 +9148,6 @@
           </a:p>
         </p:txBody>
       </p:sp>
-      <p:pic>
-        <p:nvPicPr>
-          <p:cNvPr id="5" name="图片 2">
-            <a:extLst>
-              <a:ext uri="{FF2B5EF4-FFF2-40B4-BE49-F238E27FC236}">
-                <a16:creationId xmlns:a16="http://schemas.microsoft.com/office/drawing/2014/main" id="{4CD0F813-9F3E-F84C-8776-B36FBCFFCC64}"/>
-              </a:ext>
-            </a:extLst>
-          </p:cNvPr>
-          <p:cNvPicPr>
-            <a:picLocks noChangeAspect="1" noChangeArrowheads="1"/>
-          </p:cNvPicPr>
-          <p:nvPr/>
-        </p:nvPicPr>
-        <p:blipFill>
-          <a:blip r:embed="rId3" cstate="print">
-            <a:extLst>
-              <a:ext uri="{28A0092B-C50C-407E-A947-70E740481C1C}">
-                <a14:useLocalDpi xmlns:a14="http://schemas.microsoft.com/office/drawing/2010/main" val="0"/>
-              </a:ext>
-            </a:extLst>
-          </a:blip>
-          <a:srcRect l="2818" t="9651" r="2068" b="9219"/>
-          <a:stretch>
-            <a:fillRect/>
-          </a:stretch>
-        </p:blipFill>
-        <p:spPr bwMode="auto">
-          <a:xfrm>
-            <a:off x="9186863" y="0"/>
-            <a:ext cx="3005137" cy="782637"/>
-          </a:xfrm>
-          <a:prstGeom prst="rect">
-            <a:avLst/>
-          </a:prstGeom>
-          <a:solidFill>
-            <a:schemeClr val="accent1"/>
-          </a:solidFill>
-          <a:ln>
-            <a:noFill/>
-          </a:ln>
-        </p:spPr>
-      </p:pic>
     </p:spTree>
     <p:extLst>
       <p:ext uri="{BB962C8B-B14F-4D97-AF65-F5344CB8AC3E}">
@@ -9894,49 +9507,6 @@
           </a:p>
         </p:txBody>
       </p:sp>
-      <p:pic>
-        <p:nvPicPr>
-          <p:cNvPr id="7" name="图片 2">
-            <a:extLst>
-              <a:ext uri="{FF2B5EF4-FFF2-40B4-BE49-F238E27FC236}">
-                <a16:creationId xmlns:a16="http://schemas.microsoft.com/office/drawing/2014/main" id="{88D31537-4C03-304B-8E9E-71476797AC4D}"/>
-              </a:ext>
-            </a:extLst>
-          </p:cNvPr>
-          <p:cNvPicPr>
-            <a:picLocks noChangeAspect="1" noChangeArrowheads="1"/>
-          </p:cNvPicPr>
-          <p:nvPr/>
-        </p:nvPicPr>
-        <p:blipFill>
-          <a:blip r:embed="rId3" cstate="print">
-            <a:extLst>
-              <a:ext uri="{28A0092B-C50C-407E-A947-70E740481C1C}">
-                <a14:useLocalDpi xmlns:a14="http://schemas.microsoft.com/office/drawing/2010/main" val="0"/>
-              </a:ext>
-            </a:extLst>
-          </a:blip>
-          <a:srcRect l="2818" t="9651" r="2068" b="9219"/>
-          <a:stretch>
-            <a:fillRect/>
-          </a:stretch>
-        </p:blipFill>
-        <p:spPr bwMode="auto">
-          <a:xfrm>
-            <a:off x="9186863" y="0"/>
-            <a:ext cx="3005137" cy="782637"/>
-          </a:xfrm>
-          <a:prstGeom prst="rect">
-            <a:avLst/>
-          </a:prstGeom>
-          <a:solidFill>
-            <a:schemeClr val="accent1"/>
-          </a:solidFill>
-          <a:ln>
-            <a:noFill/>
-          </a:ln>
-        </p:spPr>
-      </p:pic>
     </p:spTree>
     <p:extLst>
       <p:ext uri="{BB962C8B-B14F-4D97-AF65-F5344CB8AC3E}">
@@ -10177,49 +9747,6 @@
           </a:p>
         </p:txBody>
       </p:sp>
-      <p:pic>
-        <p:nvPicPr>
-          <p:cNvPr id="5" name="图片 2">
-            <a:extLst>
-              <a:ext uri="{FF2B5EF4-FFF2-40B4-BE49-F238E27FC236}">
-                <a16:creationId xmlns:a16="http://schemas.microsoft.com/office/drawing/2014/main" id="{B8B9D5A0-6DCD-B648-97AB-7437AC42D236}"/>
-              </a:ext>
-            </a:extLst>
-          </p:cNvPr>
-          <p:cNvPicPr>
-            <a:picLocks noChangeAspect="1" noChangeArrowheads="1"/>
-          </p:cNvPicPr>
-          <p:nvPr/>
-        </p:nvPicPr>
-        <p:blipFill>
-          <a:blip r:embed="rId3" cstate="print">
-            <a:extLst>
-              <a:ext uri="{28A0092B-C50C-407E-A947-70E740481C1C}">
-                <a14:useLocalDpi xmlns:a14="http://schemas.microsoft.com/office/drawing/2010/main" val="0"/>
-              </a:ext>
-            </a:extLst>
-          </a:blip>
-          <a:srcRect l="2818" t="9651" r="2068" b="9219"/>
-          <a:stretch>
-            <a:fillRect/>
-          </a:stretch>
-        </p:blipFill>
-        <p:spPr bwMode="auto">
-          <a:xfrm>
-            <a:off x="9186863" y="0"/>
-            <a:ext cx="3005137" cy="782637"/>
-          </a:xfrm>
-          <a:prstGeom prst="rect">
-            <a:avLst/>
-          </a:prstGeom>
-          <a:solidFill>
-            <a:schemeClr val="accent1"/>
-          </a:solidFill>
-          <a:ln>
-            <a:noFill/>
-          </a:ln>
-        </p:spPr>
-      </p:pic>
     </p:spTree>
     <p:extLst>
       <p:ext uri="{BB962C8B-B14F-4D97-AF65-F5344CB8AC3E}">
@@ -10388,49 +9915,6 @@
           </a:p>
         </p:txBody>
       </p:sp>
-      <p:pic>
-        <p:nvPicPr>
-          <p:cNvPr id="5" name="图片 2">
-            <a:extLst>
-              <a:ext uri="{FF2B5EF4-FFF2-40B4-BE49-F238E27FC236}">
-                <a16:creationId xmlns:a16="http://schemas.microsoft.com/office/drawing/2014/main" id="{EC602801-2E27-F94A-9896-004B0AD085EA}"/>
-              </a:ext>
-            </a:extLst>
-          </p:cNvPr>
-          <p:cNvPicPr>
-            <a:picLocks noChangeAspect="1" noChangeArrowheads="1"/>
-          </p:cNvPicPr>
-          <p:nvPr/>
-        </p:nvPicPr>
-        <p:blipFill>
-          <a:blip r:embed="rId3" cstate="print">
-            <a:extLst>
-              <a:ext uri="{28A0092B-C50C-407E-A947-70E740481C1C}">
-                <a14:useLocalDpi xmlns:a14="http://schemas.microsoft.com/office/drawing/2010/main" val="0"/>
-              </a:ext>
-            </a:extLst>
-          </a:blip>
-          <a:srcRect l="2818" t="9651" r="2068" b="9219"/>
-          <a:stretch>
-            <a:fillRect/>
-          </a:stretch>
-        </p:blipFill>
-        <p:spPr bwMode="auto">
-          <a:xfrm>
-            <a:off x="9186863" y="0"/>
-            <a:ext cx="3005137" cy="782637"/>
-          </a:xfrm>
-          <a:prstGeom prst="rect">
-            <a:avLst/>
-          </a:prstGeom>
-          <a:solidFill>
-            <a:schemeClr val="accent1"/>
-          </a:solidFill>
-          <a:ln>
-            <a:noFill/>
-          </a:ln>
-        </p:spPr>
-      </p:pic>
     </p:spTree>
     <p:extLst>
       <p:ext uri="{BB962C8B-B14F-4D97-AF65-F5344CB8AC3E}">
@@ -10509,49 +9993,6 @@
           </a:p>
         </p:txBody>
       </p:sp>
-      <p:pic>
-        <p:nvPicPr>
-          <p:cNvPr id="3" name="图片 2">
-            <a:extLst>
-              <a:ext uri="{FF2B5EF4-FFF2-40B4-BE49-F238E27FC236}">
-                <a16:creationId xmlns:a16="http://schemas.microsoft.com/office/drawing/2014/main" id="{F16B2C7B-1B4E-3C41-B63D-F3ACFD8997CB}"/>
-              </a:ext>
-            </a:extLst>
-          </p:cNvPr>
-          <p:cNvPicPr>
-            <a:picLocks noChangeAspect="1" noChangeArrowheads="1"/>
-          </p:cNvPicPr>
-          <p:nvPr/>
-        </p:nvPicPr>
-        <p:blipFill>
-          <a:blip r:embed="rId4" cstate="print">
-            <a:extLst>
-              <a:ext uri="{28A0092B-C50C-407E-A947-70E740481C1C}">
-                <a14:useLocalDpi xmlns:a14="http://schemas.microsoft.com/office/drawing/2010/main" val="0"/>
-              </a:ext>
-            </a:extLst>
-          </a:blip>
-          <a:srcRect l="2818" t="9651" r="2068" b="9219"/>
-          <a:stretch>
-            <a:fillRect/>
-          </a:stretch>
-        </p:blipFill>
-        <p:spPr bwMode="auto">
-          <a:xfrm>
-            <a:off x="9186863" y="0"/>
-            <a:ext cx="3005137" cy="782637"/>
-          </a:xfrm>
-          <a:prstGeom prst="rect">
-            <a:avLst/>
-          </a:prstGeom>
-          <a:solidFill>
-            <a:schemeClr val="accent1"/>
-          </a:solidFill>
-          <a:ln>
-            <a:noFill/>
-          </a:ln>
-        </p:spPr>
-      </p:pic>
     </p:spTree>
     <p:extLst>
       <p:ext uri="{BB962C8B-B14F-4D97-AF65-F5344CB8AC3E}">
@@ -10763,49 +10204,6 @@
           </a:p>
         </p:txBody>
       </p:sp>
-      <p:pic>
-        <p:nvPicPr>
-          <p:cNvPr id="4" name="图片 2">
-            <a:extLst>
-              <a:ext uri="{FF2B5EF4-FFF2-40B4-BE49-F238E27FC236}">
-                <a16:creationId xmlns:a16="http://schemas.microsoft.com/office/drawing/2014/main" id="{261E816A-6488-D24A-AC78-D00908A5D88C}"/>
-              </a:ext>
-            </a:extLst>
-          </p:cNvPr>
-          <p:cNvPicPr>
-            <a:picLocks noChangeAspect="1" noChangeArrowheads="1"/>
-          </p:cNvPicPr>
-          <p:nvPr/>
-        </p:nvPicPr>
-        <p:blipFill>
-          <a:blip r:embed="rId4" cstate="print">
-            <a:extLst>
-              <a:ext uri="{28A0092B-C50C-407E-A947-70E740481C1C}">
-                <a14:useLocalDpi xmlns:a14="http://schemas.microsoft.com/office/drawing/2010/main" val="0"/>
-              </a:ext>
-            </a:extLst>
-          </a:blip>
-          <a:srcRect l="2818" t="9651" r="2068" b="9219"/>
-          <a:stretch>
-            <a:fillRect/>
-          </a:stretch>
-        </p:blipFill>
-        <p:spPr bwMode="auto">
-          <a:xfrm>
-            <a:off x="9186863" y="0"/>
-            <a:ext cx="3005137" cy="782637"/>
-          </a:xfrm>
-          <a:prstGeom prst="rect">
-            <a:avLst/>
-          </a:prstGeom>
-          <a:solidFill>
-            <a:schemeClr val="accent1"/>
-          </a:solidFill>
-          <a:ln>
-            <a:noFill/>
-          </a:ln>
-        </p:spPr>
-      </p:pic>
     </p:spTree>
     <p:extLst>
       <p:ext uri="{BB962C8B-B14F-4D97-AF65-F5344CB8AC3E}">
@@ -11061,49 +10459,6 @@
           </a:p>
         </p:txBody>
       </p:sp>
-      <p:pic>
-        <p:nvPicPr>
-          <p:cNvPr id="7" name="图片 2">
-            <a:extLst>
-              <a:ext uri="{FF2B5EF4-FFF2-40B4-BE49-F238E27FC236}">
-                <a16:creationId xmlns:a16="http://schemas.microsoft.com/office/drawing/2014/main" id="{77B1CB9D-0093-C547-A1ED-5071E37AF293}"/>
-              </a:ext>
-            </a:extLst>
-          </p:cNvPr>
-          <p:cNvPicPr>
-            <a:picLocks noChangeAspect="1" noChangeArrowheads="1"/>
-          </p:cNvPicPr>
-          <p:nvPr/>
-        </p:nvPicPr>
-        <p:blipFill>
-          <a:blip r:embed="rId4" cstate="print">
-            <a:extLst>
-              <a:ext uri="{28A0092B-C50C-407E-A947-70E740481C1C}">
-                <a14:useLocalDpi xmlns:a14="http://schemas.microsoft.com/office/drawing/2010/main" val="0"/>
-              </a:ext>
-            </a:extLst>
-          </a:blip>
-          <a:srcRect l="2818" t="9651" r="2068" b="9219"/>
-          <a:stretch>
-            <a:fillRect/>
-          </a:stretch>
-        </p:blipFill>
-        <p:spPr bwMode="auto">
-          <a:xfrm>
-            <a:off x="9186863" y="0"/>
-            <a:ext cx="3005137" cy="782637"/>
-          </a:xfrm>
-          <a:prstGeom prst="rect">
-            <a:avLst/>
-          </a:prstGeom>
-          <a:solidFill>
-            <a:schemeClr val="accent1"/>
-          </a:solidFill>
-          <a:ln>
-            <a:noFill/>
-          </a:ln>
-        </p:spPr>
-      </p:pic>
     </p:spTree>
     <p:extLst>
       <p:ext uri="{BB962C8B-B14F-4D97-AF65-F5344CB8AC3E}">
@@ -11411,49 +10766,6 @@
           </a:p>
         </p:txBody>
       </p:sp>
-      <p:pic>
-        <p:nvPicPr>
-          <p:cNvPr id="4" name="图片 2">
-            <a:extLst>
-              <a:ext uri="{FF2B5EF4-FFF2-40B4-BE49-F238E27FC236}">
-                <a16:creationId xmlns:a16="http://schemas.microsoft.com/office/drawing/2014/main" id="{9C899E80-3312-404A-B982-110B51A0314C}"/>
-              </a:ext>
-            </a:extLst>
-          </p:cNvPr>
-          <p:cNvPicPr>
-            <a:picLocks noChangeAspect="1" noChangeArrowheads="1"/>
-          </p:cNvPicPr>
-          <p:nvPr/>
-        </p:nvPicPr>
-        <p:blipFill>
-          <a:blip r:embed="rId3" cstate="print">
-            <a:extLst>
-              <a:ext uri="{28A0092B-C50C-407E-A947-70E740481C1C}">
-                <a14:useLocalDpi xmlns:a14="http://schemas.microsoft.com/office/drawing/2010/main" val="0"/>
-              </a:ext>
-            </a:extLst>
-          </a:blip>
-          <a:srcRect l="2818" t="9651" r="2068" b="9219"/>
-          <a:stretch>
-            <a:fillRect/>
-          </a:stretch>
-        </p:blipFill>
-        <p:spPr bwMode="auto">
-          <a:xfrm>
-            <a:off x="9186863" y="0"/>
-            <a:ext cx="3005137" cy="782637"/>
-          </a:xfrm>
-          <a:prstGeom prst="rect">
-            <a:avLst/>
-          </a:prstGeom>
-          <a:solidFill>
-            <a:schemeClr val="accent1"/>
-          </a:solidFill>
-          <a:ln>
-            <a:noFill/>
-          </a:ln>
-        </p:spPr>
-      </p:pic>
     </p:spTree>
     <p:extLst>
       <p:ext uri="{BB962C8B-B14F-4D97-AF65-F5344CB8AC3E}">
@@ -11624,49 +10936,6 @@
           </a:p>
         </p:txBody>
       </p:sp>
-      <p:pic>
-        <p:nvPicPr>
-          <p:cNvPr id="4" name="图片 2">
-            <a:extLst>
-              <a:ext uri="{FF2B5EF4-FFF2-40B4-BE49-F238E27FC236}">
-                <a16:creationId xmlns:a16="http://schemas.microsoft.com/office/drawing/2014/main" id="{DE16CB89-5A2C-CC44-9D1C-D9C3B66718D3}"/>
-              </a:ext>
-            </a:extLst>
-          </p:cNvPr>
-          <p:cNvPicPr>
-            <a:picLocks noChangeAspect="1" noChangeArrowheads="1"/>
-          </p:cNvPicPr>
-          <p:nvPr/>
-        </p:nvPicPr>
-        <p:blipFill>
-          <a:blip r:embed="rId3" cstate="print">
-            <a:extLst>
-              <a:ext uri="{28A0092B-C50C-407E-A947-70E740481C1C}">
-                <a14:useLocalDpi xmlns:a14="http://schemas.microsoft.com/office/drawing/2010/main" val="0"/>
-              </a:ext>
-            </a:extLst>
-          </a:blip>
-          <a:srcRect l="2818" t="9651" r="2068" b="9219"/>
-          <a:stretch>
-            <a:fillRect/>
-          </a:stretch>
-        </p:blipFill>
-        <p:spPr bwMode="auto">
-          <a:xfrm>
-            <a:off x="9186863" y="0"/>
-            <a:ext cx="3005137" cy="782637"/>
-          </a:xfrm>
-          <a:prstGeom prst="rect">
-            <a:avLst/>
-          </a:prstGeom>
-          <a:solidFill>
-            <a:schemeClr val="accent1"/>
-          </a:solidFill>
-          <a:ln>
-            <a:noFill/>
-          </a:ln>
-        </p:spPr>
-      </p:pic>
     </p:spTree>
     <p:extLst>
       <p:ext uri="{BB962C8B-B14F-4D97-AF65-F5344CB8AC3E}">
@@ -11880,49 +11149,6 @@
           </a:p>
         </p:txBody>
       </p:sp>
-      <p:pic>
-        <p:nvPicPr>
-          <p:cNvPr id="4" name="图片 2">
-            <a:extLst>
-              <a:ext uri="{FF2B5EF4-FFF2-40B4-BE49-F238E27FC236}">
-                <a16:creationId xmlns:a16="http://schemas.microsoft.com/office/drawing/2014/main" id="{91F1B34B-ADA5-614B-8C50-C56ED1D4B20E}"/>
-              </a:ext>
-            </a:extLst>
-          </p:cNvPr>
-          <p:cNvPicPr>
-            <a:picLocks noChangeAspect="1" noChangeArrowheads="1"/>
-          </p:cNvPicPr>
-          <p:nvPr/>
-        </p:nvPicPr>
-        <p:blipFill>
-          <a:blip r:embed="rId3" cstate="print">
-            <a:extLst>
-              <a:ext uri="{28A0092B-C50C-407E-A947-70E740481C1C}">
-                <a14:useLocalDpi xmlns:a14="http://schemas.microsoft.com/office/drawing/2010/main" val="0"/>
-              </a:ext>
-            </a:extLst>
-          </a:blip>
-          <a:srcRect l="2818" t="9651" r="2068" b="9219"/>
-          <a:stretch>
-            <a:fillRect/>
-          </a:stretch>
-        </p:blipFill>
-        <p:spPr bwMode="auto">
-          <a:xfrm>
-            <a:off x="9186863" y="0"/>
-            <a:ext cx="3005137" cy="782637"/>
-          </a:xfrm>
-          <a:prstGeom prst="rect">
-            <a:avLst/>
-          </a:prstGeom>
-          <a:solidFill>
-            <a:schemeClr val="accent1"/>
-          </a:solidFill>
-          <a:ln>
-            <a:noFill/>
-          </a:ln>
-        </p:spPr>
-      </p:pic>
     </p:spTree>
     <p:extLst>
       <p:ext uri="{BB962C8B-B14F-4D97-AF65-F5344CB8AC3E}">
@@ -12333,49 +11559,6 @@
           </a:p>
         </p:txBody>
       </p:sp>
-      <p:pic>
-        <p:nvPicPr>
-          <p:cNvPr id="9" name="图片 2">
-            <a:extLst>
-              <a:ext uri="{FF2B5EF4-FFF2-40B4-BE49-F238E27FC236}">
-                <a16:creationId xmlns:a16="http://schemas.microsoft.com/office/drawing/2014/main" id="{6F56A582-F8EC-F14E-9C13-526C08794D21}"/>
-              </a:ext>
-            </a:extLst>
-          </p:cNvPr>
-          <p:cNvPicPr>
-            <a:picLocks noChangeAspect="1" noChangeArrowheads="1"/>
-          </p:cNvPicPr>
-          <p:nvPr/>
-        </p:nvPicPr>
-        <p:blipFill>
-          <a:blip r:embed="rId4" cstate="print">
-            <a:extLst>
-              <a:ext uri="{28A0092B-C50C-407E-A947-70E740481C1C}">
-                <a14:useLocalDpi xmlns:a14="http://schemas.microsoft.com/office/drawing/2010/main" val="0"/>
-              </a:ext>
-            </a:extLst>
-          </a:blip>
-          <a:srcRect l="2818" t="9651" r="2068" b="9219"/>
-          <a:stretch>
-            <a:fillRect/>
-          </a:stretch>
-        </p:blipFill>
-        <p:spPr bwMode="auto">
-          <a:xfrm>
-            <a:off x="9186863" y="0"/>
-            <a:ext cx="3005137" cy="782637"/>
-          </a:xfrm>
-          <a:prstGeom prst="rect">
-            <a:avLst/>
-          </a:prstGeom>
-          <a:solidFill>
-            <a:schemeClr val="accent1"/>
-          </a:solidFill>
-          <a:ln>
-            <a:noFill/>
-          </a:ln>
-        </p:spPr>
-      </p:pic>
     </p:spTree>
     <p:extLst>
       <p:ext uri="{BB962C8B-B14F-4D97-AF65-F5344CB8AC3E}">
